--- a/卒論発表_10分用.pptx
+++ b/卒論発表_10分用.pptx
@@ -5,7 +5,7 @@
     <p:sldMasterId id="2147484149" r:id="rId1"/>
   </p:sldMasterIdLst>
   <p:notesMasterIdLst>
-    <p:notesMasterId r:id="rId29"/>
+    <p:notesMasterId r:id="rId28"/>
   </p:notesMasterIdLst>
   <p:sldIdLst>
     <p:sldId id="256" r:id="rId2"/>
@@ -19,22 +19,21 @@
     <p:sldId id="267" r:id="rId10"/>
     <p:sldId id="269" r:id="rId11"/>
     <p:sldId id="371" r:id="rId12"/>
-    <p:sldId id="370" r:id="rId13"/>
-    <p:sldId id="270" r:id="rId14"/>
-    <p:sldId id="348" r:id="rId15"/>
-    <p:sldId id="366" r:id="rId16"/>
-    <p:sldId id="364" r:id="rId17"/>
-    <p:sldId id="367" r:id="rId18"/>
-    <p:sldId id="368" r:id="rId19"/>
-    <p:sldId id="369" r:id="rId20"/>
-    <p:sldId id="373" r:id="rId21"/>
-    <p:sldId id="374" r:id="rId22"/>
-    <p:sldId id="375" r:id="rId23"/>
-    <p:sldId id="376" r:id="rId24"/>
-    <p:sldId id="377" r:id="rId25"/>
-    <p:sldId id="378" r:id="rId26"/>
-    <p:sldId id="379" r:id="rId27"/>
-    <p:sldId id="361" r:id="rId28"/>
+    <p:sldId id="270" r:id="rId13"/>
+    <p:sldId id="348" r:id="rId14"/>
+    <p:sldId id="366" r:id="rId15"/>
+    <p:sldId id="364" r:id="rId16"/>
+    <p:sldId id="367" r:id="rId17"/>
+    <p:sldId id="368" r:id="rId18"/>
+    <p:sldId id="369" r:id="rId19"/>
+    <p:sldId id="373" r:id="rId20"/>
+    <p:sldId id="374" r:id="rId21"/>
+    <p:sldId id="375" r:id="rId22"/>
+    <p:sldId id="376" r:id="rId23"/>
+    <p:sldId id="377" r:id="rId24"/>
+    <p:sldId id="378" r:id="rId25"/>
+    <p:sldId id="379" r:id="rId26"/>
+    <p:sldId id="361" r:id="rId27"/>
   </p:sldIdLst>
   <p:sldSz cx="12192000" cy="6858000"/>
   <p:notesSz cx="6858000" cy="9144000"/>
@@ -223,7 +222,7 @@
           <a:p>
             <a:fld id="{F185D03E-571D-BA42-85BF-4D068DC12E29}" type="datetimeFigureOut">
               <a:rPr kumimoji="1" lang="ja-JP" altLang="en-US" smtClean="0"/>
-              <a:t>2020/1/27</a:t>
+              <a:t>2020/1/28</a:t>
             </a:fld>
             <a:endParaRPr kumimoji="1" lang="ja-JP" altLang="en-US"/>
           </a:p>
@@ -566,7 +565,7 @@
           <a:p>
             <a:fld id="{BA7BC9EE-7218-487F-B7EF-509475BF8400}" type="slidenum">
               <a:rPr kumimoji="1" lang="ja-JP" altLang="en-US" smtClean="0"/>
-              <a:t>14</a:t>
+              <a:t>13</a:t>
             </a:fld>
             <a:endParaRPr kumimoji="1" lang="ja-JP" altLang="en-US" dirty="0"/>
           </a:p>
@@ -631,7 +630,7 @@
           <a:p>
             <a:r>
               <a:rPr kumimoji="1" lang="ja-JP" altLang="en-US"/>
-              <a:t>最短のルートを赤色　一番大きいペナルティを紫</a:t>
+              <a:t>赤色が最良値</a:t>
             </a:r>
           </a:p>
         </p:txBody>
@@ -653,7 +652,181 @@
           <a:p>
             <a:fld id="{6932ECB9-90C9-174D-9D23-E8CCC93280F1}" type="slidenum">
               <a:rPr kumimoji="1" lang="ja-JP" altLang="en-US" smtClean="0"/>
-              <a:t>24</a:t>
+              <a:t>18</a:t>
+            </a:fld>
+            <a:endParaRPr kumimoji="1" lang="ja-JP" altLang="en-US"/>
+          </a:p>
+        </p:txBody>
+      </p:sp>
+    </p:spTree>
+    <p:extLst>
+      <p:ext uri="{BB962C8B-B14F-4D97-AF65-F5344CB8AC3E}">
+        <p14:creationId xmlns:p14="http://schemas.microsoft.com/office/powerpoint/2010/main" val="414267646"/>
+      </p:ext>
+    </p:extLst>
+  </p:cSld>
+  <p:clrMapOvr>
+    <a:masterClrMapping/>
+  </p:clrMapOvr>
+</p:notes>
+</file>
+
+<file path=ppt/notesSlides/notesSlide3.xml><?xml version="1.0" encoding="utf-8"?>
+<p:notes xmlns:a="http://schemas.openxmlformats.org/drawingml/2006/main" xmlns:r="http://schemas.openxmlformats.org/officeDocument/2006/relationships" xmlns:p="http://schemas.openxmlformats.org/presentationml/2006/main">
+  <p:cSld>
+    <p:spTree>
+      <p:nvGrpSpPr>
+        <p:cNvPr id="1" name=""/>
+        <p:cNvGrpSpPr/>
+        <p:nvPr/>
+      </p:nvGrpSpPr>
+      <p:grpSpPr>
+        <a:xfrm>
+          <a:off x="0" y="0"/>
+          <a:ext cx="0" cy="0"/>
+          <a:chOff x="0" y="0"/>
+          <a:chExt cx="0" cy="0"/>
+        </a:xfrm>
+      </p:grpSpPr>
+      <p:sp>
+        <p:nvSpPr>
+          <p:cNvPr id="2" name="スライド イメージ プレースホルダー 1"/>
+          <p:cNvSpPr>
+            <a:spLocks noGrp="1" noRot="1" noChangeAspect="1"/>
+          </p:cNvSpPr>
+          <p:nvPr>
+            <p:ph type="sldImg"/>
+          </p:nvPr>
+        </p:nvSpPr>
+        <p:spPr/>
+      </p:sp>
+      <p:sp>
+        <p:nvSpPr>
+          <p:cNvPr id="3" name="ノート プレースホルダー 2"/>
+          <p:cNvSpPr>
+            <a:spLocks noGrp="1"/>
+          </p:cNvSpPr>
+          <p:nvPr>
+            <p:ph type="body" idx="1"/>
+          </p:nvPr>
+        </p:nvSpPr>
+        <p:spPr/>
+        <p:txBody>
+          <a:bodyPr/>
+          <a:lstStyle/>
+          <a:p>
+            <a:r>
+              <a:rPr kumimoji="1" lang="ja-JP" altLang="en-US"/>
+              <a:t>赤色が最良値</a:t>
+            </a:r>
+          </a:p>
+        </p:txBody>
+      </p:sp>
+      <p:sp>
+        <p:nvSpPr>
+          <p:cNvPr id="4" name="スライド番号プレースホルダー 3"/>
+          <p:cNvSpPr>
+            <a:spLocks noGrp="1"/>
+          </p:cNvSpPr>
+          <p:nvPr>
+            <p:ph type="sldNum" sz="quarter" idx="5"/>
+          </p:nvPr>
+        </p:nvSpPr>
+        <p:spPr/>
+        <p:txBody>
+          <a:bodyPr/>
+          <a:lstStyle/>
+          <a:p>
+            <a:fld id="{6932ECB9-90C9-174D-9D23-E8CCC93280F1}" type="slidenum">
+              <a:rPr kumimoji="1" lang="ja-JP" altLang="en-US" smtClean="0"/>
+              <a:t>20</a:t>
+            </a:fld>
+            <a:endParaRPr kumimoji="1" lang="ja-JP" altLang="en-US"/>
+          </a:p>
+        </p:txBody>
+      </p:sp>
+    </p:spTree>
+    <p:extLst>
+      <p:ext uri="{BB962C8B-B14F-4D97-AF65-F5344CB8AC3E}">
+        <p14:creationId xmlns:p14="http://schemas.microsoft.com/office/powerpoint/2010/main" val="2519736244"/>
+      </p:ext>
+    </p:extLst>
+  </p:cSld>
+  <p:clrMapOvr>
+    <a:masterClrMapping/>
+  </p:clrMapOvr>
+</p:notes>
+</file>
+
+<file path=ppt/notesSlides/notesSlide4.xml><?xml version="1.0" encoding="utf-8"?>
+<p:notes xmlns:a="http://schemas.openxmlformats.org/drawingml/2006/main" xmlns:r="http://schemas.openxmlformats.org/officeDocument/2006/relationships" xmlns:p="http://schemas.openxmlformats.org/presentationml/2006/main">
+  <p:cSld>
+    <p:spTree>
+      <p:nvGrpSpPr>
+        <p:cNvPr id="1" name=""/>
+        <p:cNvGrpSpPr/>
+        <p:nvPr/>
+      </p:nvGrpSpPr>
+      <p:grpSpPr>
+        <a:xfrm>
+          <a:off x="0" y="0"/>
+          <a:ext cx="0" cy="0"/>
+          <a:chOff x="0" y="0"/>
+          <a:chExt cx="0" cy="0"/>
+        </a:xfrm>
+      </p:grpSpPr>
+      <p:sp>
+        <p:nvSpPr>
+          <p:cNvPr id="2" name="スライド イメージ プレースホルダー 1"/>
+          <p:cNvSpPr>
+            <a:spLocks noGrp="1" noRot="1" noChangeAspect="1"/>
+          </p:cNvSpPr>
+          <p:nvPr>
+            <p:ph type="sldImg"/>
+          </p:nvPr>
+        </p:nvSpPr>
+        <p:spPr/>
+      </p:sp>
+      <p:sp>
+        <p:nvSpPr>
+          <p:cNvPr id="3" name="ノート プレースホルダー 2"/>
+          <p:cNvSpPr>
+            <a:spLocks noGrp="1"/>
+          </p:cNvSpPr>
+          <p:nvPr>
+            <p:ph type="body" idx="1"/>
+          </p:nvPr>
+        </p:nvSpPr>
+        <p:spPr/>
+        <p:txBody>
+          <a:bodyPr/>
+          <a:lstStyle/>
+          <a:p>
+            <a:r>
+              <a:rPr kumimoji="1" lang="ja-JP" altLang="en-US"/>
+              <a:t>最短のルートを赤色　一番大きいペナルティを紫</a:t>
+            </a:r>
+          </a:p>
+        </p:txBody>
+      </p:sp>
+      <p:sp>
+        <p:nvSpPr>
+          <p:cNvPr id="4" name="スライド番号プレースホルダー 3"/>
+          <p:cNvSpPr>
+            <a:spLocks noGrp="1"/>
+          </p:cNvSpPr>
+          <p:nvPr>
+            <p:ph type="sldNum" sz="quarter" idx="5"/>
+          </p:nvPr>
+        </p:nvSpPr>
+        <p:spPr/>
+        <p:txBody>
+          <a:bodyPr/>
+          <a:lstStyle/>
+          <a:p>
+            <a:fld id="{6932ECB9-90C9-174D-9D23-E8CCC93280F1}" type="slidenum">
+              <a:rPr kumimoji="1" lang="ja-JP" altLang="en-US" smtClean="0"/>
+              <a:t>23</a:t>
             </a:fld>
             <a:endParaRPr kumimoji="1" lang="ja-JP" altLang="en-US"/>
           </a:p>
@@ -811,7 +984,7 @@
           <a:p>
             <a:fld id="{4022EDAD-B217-3946-A79C-481C6FEC392F}" type="datetime1">
               <a:rPr kumimoji="1" lang="ja-JP" altLang="en-US" smtClean="0"/>
-              <a:t>2020/1/27</a:t>
+              <a:t>2020/1/28</a:t>
             </a:fld>
             <a:endParaRPr kumimoji="1" lang="ja-JP" altLang="en-US"/>
           </a:p>
@@ -1039,7 +1212,7 @@
           <a:p>
             <a:fld id="{8F2CA839-3EA4-F84E-9DD3-1549C09B4DFF}" type="datetime1">
               <a:rPr kumimoji="1" lang="ja-JP" altLang="en-US" smtClean="0"/>
-              <a:t>2020/1/27</a:t>
+              <a:t>2020/1/28</a:t>
             </a:fld>
             <a:endParaRPr kumimoji="1" lang="ja-JP" altLang="en-US"/>
           </a:p>
@@ -1271,7 +1444,7 @@
           <a:p>
             <a:fld id="{0903EBEF-087E-1C4B-A394-4BF982076E9B}" type="datetime1">
               <a:rPr kumimoji="1" lang="ja-JP" altLang="en-US" smtClean="0"/>
-              <a:t>2020/1/27</a:t>
+              <a:t>2020/1/28</a:t>
             </a:fld>
             <a:endParaRPr kumimoji="1" lang="ja-JP" altLang="en-US"/>
           </a:p>
@@ -1493,7 +1666,7 @@
           <a:p>
             <a:fld id="{3CC3E3BD-DD2F-0F4C-9F7B-BD2CFE73C08E}" type="datetime1">
               <a:rPr kumimoji="1" lang="ja-JP" altLang="en-US" smtClean="0"/>
-              <a:t>2020/1/27</a:t>
+              <a:t>2020/1/28</a:t>
             </a:fld>
             <a:endParaRPr kumimoji="1" lang="ja-JP" altLang="en-US"/>
           </a:p>
@@ -1822,7 +1995,7 @@
           <a:p>
             <a:fld id="{C115CAE8-F975-9249-9A1B-F50E55793BF8}" type="datetime1">
               <a:rPr kumimoji="1" lang="ja-JP" altLang="en-US" smtClean="0"/>
-              <a:t>2020/1/27</a:t>
+              <a:t>2020/1/28</a:t>
             </a:fld>
             <a:endParaRPr kumimoji="1" lang="ja-JP" altLang="en-US"/>
           </a:p>
@@ -2115,7 +2288,7 @@
           <a:p>
             <a:fld id="{4B86C5E8-D6C8-5540-A4FD-D0987B8EBD10}" type="datetime1">
               <a:rPr kumimoji="1" lang="ja-JP" altLang="en-US" smtClean="0"/>
-              <a:t>2020/1/27</a:t>
+              <a:t>2020/1/28</a:t>
             </a:fld>
             <a:endParaRPr kumimoji="1" lang="ja-JP" altLang="en-US"/>
           </a:p>
@@ -2630,7 +2803,7 @@
           <a:p>
             <a:fld id="{6FA0929B-742B-B141-B071-CCB3728A9B97}" type="datetime1">
               <a:rPr kumimoji="1" lang="ja-JP" altLang="en-US" smtClean="0"/>
-              <a:t>2020/1/27</a:t>
+              <a:t>2020/1/28</a:t>
             </a:fld>
             <a:endParaRPr kumimoji="1" lang="ja-JP" altLang="en-US"/>
           </a:p>
@@ -2788,7 +2961,7 @@
           <a:p>
             <a:fld id="{6E24F31F-B5AD-3641-8587-346597BEC0BE}" type="datetime1">
               <a:rPr kumimoji="1" lang="ja-JP" altLang="en-US" smtClean="0"/>
-              <a:t>2020/1/27</a:t>
+              <a:t>2020/1/28</a:t>
             </a:fld>
             <a:endParaRPr kumimoji="1" lang="ja-JP" altLang="en-US"/>
           </a:p>
@@ -2923,7 +3096,7 @@
           <a:p>
             <a:fld id="{BE99A350-A1B1-1E45-BB25-3DF64E2FB64C}" type="datetime1">
               <a:rPr kumimoji="1" lang="ja-JP" altLang="en-US" smtClean="0"/>
-              <a:t>2020/1/27</a:t>
+              <a:t>2020/1/28</a:t>
             </a:fld>
             <a:endParaRPr kumimoji="1" lang="ja-JP" altLang="en-US"/>
           </a:p>
@@ -3219,7 +3392,7 @@
           <a:p>
             <a:fld id="{B66F413D-3751-BA4F-95FD-B012FBB5AC38}" type="datetime1">
               <a:rPr kumimoji="1" lang="ja-JP" altLang="en-US" smtClean="0"/>
-              <a:t>2020/1/27</a:t>
+              <a:t>2020/1/28</a:t>
             </a:fld>
             <a:endParaRPr kumimoji="1" lang="ja-JP" altLang="en-US"/>
           </a:p>
@@ -3716,7 +3889,7 @@
           <a:p>
             <a:fld id="{3F034A29-2760-CE48-9EAD-37F6D8A2ED9E}" type="datetime1">
               <a:rPr kumimoji="1" lang="ja-JP" altLang="en-US" smtClean="0"/>
-              <a:t>2020/1/27</a:t>
+              <a:t>2020/1/28</a:t>
             </a:fld>
             <a:endParaRPr kumimoji="1" lang="ja-JP" altLang="en-US"/>
           </a:p>
@@ -4097,7 +4270,7 @@
           <a:p>
             <a:fld id="{4BD725EE-9545-E84A-BF76-93ECAC915F52}" type="datetime1">
               <a:rPr kumimoji="1" lang="ja-JP" altLang="en-US" smtClean="0"/>
-              <a:t>2020/1/27</a:t>
+              <a:t>2020/1/28</a:t>
             </a:fld>
             <a:endParaRPr kumimoji="1" lang="ja-JP" altLang="en-US"/>
           </a:p>
@@ -5428,272 +5601,6 @@
           <p:cNvPr id="2" name="タイトル 1">
             <a:extLst>
               <a:ext uri="{FF2B5EF4-FFF2-40B4-BE49-F238E27FC236}">
-                <a16:creationId xmlns:a16="http://schemas.microsoft.com/office/drawing/2014/main" id="{EFD3CA90-EF5F-B14A-8C68-6D4FE250C9EE}"/>
-              </a:ext>
-            </a:extLst>
-          </p:cNvPr>
-          <p:cNvSpPr>
-            <a:spLocks noGrp="1"/>
-          </p:cNvSpPr>
-          <p:nvPr>
-            <p:ph type="title"/>
-          </p:nvPr>
-        </p:nvSpPr>
-        <p:spPr/>
-        <p:txBody>
-          <a:bodyPr/>
-          <a:lstStyle/>
-          <a:p>
-            <a:r>
-              <a:rPr lang="ja-JP" altLang="en-US"/>
-              <a:t>問題例の作成</a:t>
-            </a:r>
-            <a:endParaRPr kumimoji="1" lang="ja-JP" altLang="en-US"/>
-          </a:p>
-        </p:txBody>
-      </p:sp>
-      <p:sp>
-        <p:nvSpPr>
-          <p:cNvPr id="3" name="コンテンツ プレースホルダー 2">
-            <a:extLst>
-              <a:ext uri="{FF2B5EF4-FFF2-40B4-BE49-F238E27FC236}">
-                <a16:creationId xmlns:a16="http://schemas.microsoft.com/office/drawing/2014/main" id="{69F2CB44-99E5-8F49-A280-7D52E88A8D29}"/>
-              </a:ext>
-            </a:extLst>
-          </p:cNvPr>
-          <p:cNvSpPr>
-            <a:spLocks noGrp="1"/>
-          </p:cNvSpPr>
-          <p:nvPr>
-            <p:ph idx="1"/>
-          </p:nvPr>
-        </p:nvSpPr>
-        <p:spPr>
-          <a:xfrm>
-            <a:off x="1130270" y="1551658"/>
-            <a:ext cx="9603275" cy="4407708"/>
-          </a:xfrm>
-        </p:spPr>
-        <p:txBody>
-          <a:bodyPr>
-            <a:normAutofit/>
-          </a:bodyPr>
-          <a:lstStyle/>
-          <a:p>
-            <a:r>
-              <a:rPr lang="en-US" altLang="ja-JP" dirty="0"/>
-              <a:t>DARP</a:t>
-            </a:r>
-            <a:r>
-              <a:rPr lang="ja-JP" altLang="en-US"/>
-              <a:t>では多くの既存研究があるが、全てハード制約である</a:t>
-            </a:r>
-            <a:endParaRPr lang="en-US" altLang="ja-JP" dirty="0"/>
-          </a:p>
-          <a:p>
-            <a:r>
-              <a:rPr lang="ja-JP" altLang="en-US"/>
-              <a:t>既存研究で使われているインスタンスに修正を加えて使用する</a:t>
-            </a:r>
-            <a:endParaRPr lang="en-US" altLang="ja-JP" dirty="0"/>
-          </a:p>
-          <a:p>
-            <a:r>
-              <a:rPr lang="ja-JP" altLang="en-US"/>
-              <a:t>サービス可能時間が</a:t>
-            </a:r>
-            <a:r>
-              <a:rPr lang="en-US" altLang="ja-JP" dirty="0"/>
-              <a:t>e</a:t>
-            </a:r>
-            <a:r>
-              <a:rPr lang="ja-JP" altLang="en-US"/>
-              <a:t>から</a:t>
-            </a:r>
-            <a:r>
-              <a:rPr lang="en-US" altLang="ja-JP" dirty="0"/>
-              <a:t>l</a:t>
-            </a:r>
-            <a:r>
-              <a:rPr lang="ja-JP" altLang="en-US"/>
-              <a:t>、乗車時間の閾値が</a:t>
-            </a:r>
-            <a:r>
-              <a:rPr lang="en-US" altLang="ja-JP" dirty="0"/>
-              <a:t>L</a:t>
-            </a:r>
-            <a:r>
-              <a:rPr lang="ja-JP" altLang="en-US"/>
-              <a:t>のインスタンスに対して以下の図のような関数を作成する。</a:t>
-            </a:r>
-            <a:endParaRPr lang="en-US" altLang="ja-JP" dirty="0"/>
-          </a:p>
-          <a:p>
-            <a:pPr marL="0" indent="0">
-              <a:buNone/>
-            </a:pPr>
-            <a:r>
-              <a:rPr lang="ja-JP" altLang="en-US"/>
-              <a:t>                   </a:t>
-            </a:r>
-            <a:r>
-              <a:rPr lang="ja-JP" altLang="en-US" sz="1400"/>
-              <a:t>時間枠                               </a:t>
-            </a:r>
-            <a:r>
-              <a:rPr lang="en-US" altLang="ja-JP" sz="1400" dirty="0"/>
-              <a:t>			    </a:t>
-            </a:r>
-            <a:r>
-              <a:rPr lang="ja-JP" altLang="en-US" sz="1400"/>
-              <a:t>乗車時間              </a:t>
-            </a:r>
-            <a:endParaRPr lang="en-US" altLang="ja-JP" sz="1400" dirty="0"/>
-          </a:p>
-          <a:p>
-            <a:endParaRPr lang="en-US" altLang="ja-JP" dirty="0"/>
-          </a:p>
-          <a:p>
-            <a:endParaRPr lang="en-US" altLang="ja-JP" dirty="0"/>
-          </a:p>
-          <a:p>
-            <a:endParaRPr lang="en-US" altLang="ja-JP" dirty="0"/>
-          </a:p>
-          <a:p>
-            <a:pPr marL="914400" lvl="2" indent="0">
-              <a:buNone/>
-            </a:pPr>
-            <a:r>
-              <a:rPr lang="en-US" altLang="ja-JP" dirty="0"/>
-              <a:t>     e	    l                                                                              L</a:t>
-            </a:r>
-          </a:p>
-        </p:txBody>
-      </p:sp>
-      <p:pic>
-        <p:nvPicPr>
-          <p:cNvPr id="5" name="図 4">
-            <a:extLst>
-              <a:ext uri="{FF2B5EF4-FFF2-40B4-BE49-F238E27FC236}">
-                <a16:creationId xmlns:a16="http://schemas.microsoft.com/office/drawing/2014/main" id="{9F310D15-F45B-D640-AF99-59306F7CCBB9}"/>
-              </a:ext>
-            </a:extLst>
-          </p:cNvPr>
-          <p:cNvPicPr>
-            <a:picLocks noChangeAspect="1"/>
-          </p:cNvPicPr>
-          <p:nvPr/>
-        </p:nvPicPr>
-        <p:blipFill>
-          <a:blip r:embed="rId2"/>
-          <a:stretch>
-            <a:fillRect/>
-          </a:stretch>
-        </p:blipFill>
-        <p:spPr>
-          <a:xfrm>
-            <a:off x="1255986" y="3857736"/>
-            <a:ext cx="3294993" cy="1586832"/>
-          </a:xfrm>
-          <a:prstGeom prst="rect">
-            <a:avLst/>
-          </a:prstGeom>
-        </p:spPr>
-      </p:pic>
-      <p:pic>
-        <p:nvPicPr>
-          <p:cNvPr id="7" name="図 6">
-            <a:extLst>
-              <a:ext uri="{FF2B5EF4-FFF2-40B4-BE49-F238E27FC236}">
-                <a16:creationId xmlns:a16="http://schemas.microsoft.com/office/drawing/2014/main" id="{EC2E7EA1-D597-E04A-8349-C3D9D397B462}"/>
-              </a:ext>
-            </a:extLst>
-          </p:cNvPr>
-          <p:cNvPicPr>
-            <a:picLocks noChangeAspect="1"/>
-          </p:cNvPicPr>
-          <p:nvPr/>
-        </p:nvPicPr>
-        <p:blipFill>
-          <a:blip r:embed="rId3"/>
-          <a:stretch>
-            <a:fillRect/>
-          </a:stretch>
-        </p:blipFill>
-        <p:spPr>
-          <a:xfrm>
-            <a:off x="5691351" y="3857736"/>
-            <a:ext cx="3294993" cy="1586832"/>
-          </a:xfrm>
-          <a:prstGeom prst="rect">
-            <a:avLst/>
-          </a:prstGeom>
-        </p:spPr>
-      </p:pic>
-      <p:sp>
-        <p:nvSpPr>
-          <p:cNvPr id="4" name="スライド番号プレースホルダー 3">
-            <a:extLst>
-              <a:ext uri="{FF2B5EF4-FFF2-40B4-BE49-F238E27FC236}">
-                <a16:creationId xmlns:a16="http://schemas.microsoft.com/office/drawing/2014/main" id="{62137BEF-BFBB-A747-B78A-8198AD9EDD15}"/>
-              </a:ext>
-            </a:extLst>
-          </p:cNvPr>
-          <p:cNvSpPr>
-            <a:spLocks noGrp="1"/>
-          </p:cNvSpPr>
-          <p:nvPr>
-            <p:ph type="sldNum" sz="quarter" idx="12"/>
-          </p:nvPr>
-        </p:nvSpPr>
-        <p:spPr/>
-        <p:txBody>
-          <a:bodyPr/>
-          <a:lstStyle/>
-          <a:p>
-            <a:fld id="{84E0C278-47E8-3649-A055-2003DC36C60A}" type="slidenum">
-              <a:rPr kumimoji="1" lang="ja-JP" altLang="en-US" smtClean="0"/>
-              <a:t>12</a:t>
-            </a:fld>
-            <a:endParaRPr kumimoji="1" lang="ja-JP" altLang="en-US"/>
-          </a:p>
-        </p:txBody>
-      </p:sp>
-    </p:spTree>
-    <p:extLst>
-      <p:ext uri="{BB962C8B-B14F-4D97-AF65-F5344CB8AC3E}">
-        <p14:creationId xmlns:p14="http://schemas.microsoft.com/office/powerpoint/2010/main" val="474509656"/>
-      </p:ext>
-    </p:extLst>
-  </p:cSld>
-  <p:clrMapOvr>
-    <a:masterClrMapping/>
-  </p:clrMapOvr>
-</p:sld>
-</file>
-
-<file path=ppt/slides/slide13.xml><?xml version="1.0" encoding="utf-8"?>
-<p:sld xmlns:a="http://schemas.openxmlformats.org/drawingml/2006/main" xmlns:r="http://schemas.openxmlformats.org/officeDocument/2006/relationships" xmlns:p="http://schemas.openxmlformats.org/presentationml/2006/main">
-  <p:cSld>
-    <p:spTree>
-      <p:nvGrpSpPr>
-        <p:cNvPr id="1" name=""/>
-        <p:cNvGrpSpPr/>
-        <p:nvPr/>
-      </p:nvGrpSpPr>
-      <p:grpSpPr>
-        <a:xfrm>
-          <a:off x="0" y="0"/>
-          <a:ext cx="0" cy="0"/>
-          <a:chOff x="0" y="0"/>
-          <a:chExt cx="0" cy="0"/>
-        </a:xfrm>
-      </p:grpSpPr>
-      <p:sp>
-        <p:nvSpPr>
-          <p:cNvPr id="2" name="タイトル 1">
-            <a:extLst>
-              <a:ext uri="{FF2B5EF4-FFF2-40B4-BE49-F238E27FC236}">
                 <a16:creationId xmlns:a16="http://schemas.microsoft.com/office/drawing/2014/main" id="{6DBAB066-03BF-E34F-B9C8-40E7B9B3D77C}"/>
               </a:ext>
             </a:extLst>
@@ -5769,6 +5676,19 @@
             </a:r>
             <a:endParaRPr lang="en-US" altLang="ja-JP" sz="2400" dirty="0"/>
           </a:p>
+          <a:p>
+            <a:endParaRPr lang="en-US" altLang="ja-JP" sz="2400" dirty="0"/>
+          </a:p>
+          <a:p>
+            <a:pPr marL="0" indent="0">
+              <a:buNone/>
+            </a:pPr>
+            <a:r>
+              <a:rPr lang="ja-JP" altLang="en-US" sz="2400"/>
+              <a:t>先行研究のインスタンスに修正を加えて計算実験を行う。</a:t>
+            </a:r>
+            <a:endParaRPr lang="en-US" altLang="ja-JP" sz="2400" dirty="0"/>
+          </a:p>
         </p:txBody>
       </p:sp>
       <p:sp>
@@ -5794,7 +5714,7 @@
           <a:p>
             <a:fld id="{84E0C278-47E8-3649-A055-2003DC36C60A}" type="slidenum">
               <a:rPr kumimoji="1" lang="ja-JP" altLang="en-US" smtClean="0"/>
-              <a:t>13</a:t>
+              <a:t>12</a:t>
             </a:fld>
             <a:endParaRPr kumimoji="1" lang="ja-JP" altLang="en-US"/>
           </a:p>
@@ -5813,7 +5733,7 @@
 </p:sld>
 </file>
 
-<file path=ppt/slides/slide14.xml><?xml version="1.0" encoding="utf-8"?>
+<file path=ppt/slides/slide13.xml><?xml version="1.0" encoding="utf-8"?>
 <p:sld xmlns:a="http://schemas.openxmlformats.org/drawingml/2006/main" xmlns:r="http://schemas.openxmlformats.org/officeDocument/2006/relationships" xmlns:p="http://schemas.openxmlformats.org/presentationml/2006/main">
   <p:cSld>
     <p:spTree>
@@ -7835,7 +7755,7 @@
           <a:p>
             <a:fld id="{84E0C278-47E8-3649-A055-2003DC36C60A}" type="slidenum">
               <a:rPr kumimoji="1" lang="ja-JP" altLang="en-US" smtClean="0"/>
-              <a:t>14</a:t>
+              <a:t>13</a:t>
             </a:fld>
             <a:endParaRPr kumimoji="1" lang="ja-JP" altLang="en-US"/>
           </a:p>
@@ -7854,7 +7774,7 @@
 </p:sld>
 </file>
 
-<file path=ppt/slides/slide15.xml><?xml version="1.0" encoding="utf-8"?>
+<file path=ppt/slides/slide14.xml><?xml version="1.0" encoding="utf-8"?>
 <p:sld xmlns:a="http://schemas.openxmlformats.org/drawingml/2006/main" xmlns:r="http://schemas.openxmlformats.org/officeDocument/2006/relationships" xmlns:p="http://schemas.openxmlformats.org/presentationml/2006/main">
   <p:cSld>
     <p:spTree>
@@ -7980,7 +7900,7 @@
           <a:p>
             <a:fld id="{84E0C278-47E8-3649-A055-2003DC36C60A}" type="slidenum">
               <a:rPr kumimoji="1" lang="ja-JP" altLang="en-US" smtClean="0"/>
-              <a:t>15</a:t>
+              <a:t>14</a:t>
             </a:fld>
             <a:endParaRPr kumimoji="1" lang="ja-JP" altLang="en-US"/>
           </a:p>
@@ -7999,7 +7919,7 @@
 </p:sld>
 </file>
 
-<file path=ppt/slides/slide16.xml><?xml version="1.0" encoding="utf-8"?>
+<file path=ppt/slides/slide15.xml><?xml version="1.0" encoding="utf-8"?>
 <p:sld xmlns:a="http://schemas.openxmlformats.org/drawingml/2006/main" xmlns:r="http://schemas.openxmlformats.org/officeDocument/2006/relationships" xmlns:p="http://schemas.openxmlformats.org/presentationml/2006/main">
   <p:cSld>
     <p:spTree>
@@ -8173,7 +8093,7 @@
           <a:p>
             <a:fld id="{84E0C278-47E8-3649-A055-2003DC36C60A}" type="slidenum">
               <a:rPr kumimoji="1" lang="ja-JP" altLang="en-US" smtClean="0"/>
-              <a:t>16</a:t>
+              <a:t>15</a:t>
             </a:fld>
             <a:endParaRPr kumimoji="1" lang="ja-JP" altLang="en-US"/>
           </a:p>
@@ -8192,7 +8112,7 @@
 </p:sld>
 </file>
 
-<file path=ppt/slides/slide17.xml><?xml version="1.0" encoding="utf-8"?>
+<file path=ppt/slides/slide16.xml><?xml version="1.0" encoding="utf-8"?>
 <p:sld xmlns:a="http://schemas.openxmlformats.org/drawingml/2006/main" xmlns:r="http://schemas.openxmlformats.org/officeDocument/2006/relationships" xmlns:p="http://schemas.openxmlformats.org/presentationml/2006/main">
   <p:cSld>
     <p:spTree>
@@ -8332,7 +8252,7 @@
           <a:p>
             <a:fld id="{84E0C278-47E8-3649-A055-2003DC36C60A}" type="slidenum">
               <a:rPr kumimoji="1" lang="ja-JP" altLang="en-US" smtClean="0"/>
-              <a:t>17</a:t>
+              <a:t>16</a:t>
             </a:fld>
             <a:endParaRPr kumimoji="1" lang="ja-JP" altLang="en-US"/>
           </a:p>
@@ -8351,7 +8271,7 @@
 </p:sld>
 </file>
 
-<file path=ppt/slides/slide18.xml><?xml version="1.0" encoding="utf-8"?>
+<file path=ppt/slides/slide17.xml><?xml version="1.0" encoding="utf-8"?>
 <p:sld xmlns:a="http://schemas.openxmlformats.org/drawingml/2006/main" xmlns:r="http://schemas.openxmlformats.org/officeDocument/2006/relationships" xmlns:p="http://schemas.openxmlformats.org/presentationml/2006/main">
   <p:cSld>
     <p:spTree>
@@ -8518,7 +8438,7 @@
           <a:p>
             <a:fld id="{84E0C278-47E8-3649-A055-2003DC36C60A}" type="slidenum">
               <a:rPr kumimoji="1" lang="ja-JP" altLang="en-US" smtClean="0"/>
-              <a:t>18</a:t>
+              <a:t>17</a:t>
             </a:fld>
             <a:endParaRPr kumimoji="1" lang="ja-JP" altLang="en-US"/>
           </a:p>
@@ -8537,7 +8457,7 @@
 </p:sld>
 </file>
 
-<file path=ppt/slides/slide19.xml><?xml version="1.0" encoding="utf-8"?>
+<file path=ppt/slides/slide18.xml><?xml version="1.0" encoding="utf-8"?>
 <p:sld xmlns:a="http://schemas.openxmlformats.org/drawingml/2006/main" xmlns:r="http://schemas.openxmlformats.org/officeDocument/2006/relationships" xmlns:p="http://schemas.openxmlformats.org/presentationml/2006/main">
   <p:cSld>
     <p:spTree>
@@ -8742,7 +8662,7 @@
                 <a:ext cx="9603275" cy="4583225"/>
               </a:xfrm>
               <a:blipFill>
-                <a:blip r:embed="rId2"/>
+                <a:blip r:embed="rId3"/>
                 <a:stretch>
                   <a:fillRect l="-528"/>
                 </a:stretch>
@@ -10116,7 +10036,7 @@
           <a:p>
             <a:fld id="{84E0C278-47E8-3649-A055-2003DC36C60A}" type="slidenum">
               <a:rPr kumimoji="1" lang="ja-JP" altLang="en-US" smtClean="0"/>
-              <a:t>19</a:t>
+              <a:t>18</a:t>
             </a:fld>
             <a:endParaRPr kumimoji="1" lang="ja-JP" altLang="en-US"/>
           </a:p>
@@ -10135,164 +10055,7 @@
 </p:sld>
 </file>
 
-<file path=ppt/slides/slide2.xml><?xml version="1.0" encoding="utf-8"?>
-<p:sld xmlns:a="http://schemas.openxmlformats.org/drawingml/2006/main" xmlns:r="http://schemas.openxmlformats.org/officeDocument/2006/relationships" xmlns:p="http://schemas.openxmlformats.org/presentationml/2006/main">
-  <p:cSld>
-    <p:spTree>
-      <p:nvGrpSpPr>
-        <p:cNvPr id="1" name=""/>
-        <p:cNvGrpSpPr/>
-        <p:nvPr/>
-      </p:nvGrpSpPr>
-      <p:grpSpPr>
-        <a:xfrm>
-          <a:off x="0" y="0"/>
-          <a:ext cx="0" cy="0"/>
-          <a:chOff x="0" y="0"/>
-          <a:chExt cx="0" cy="0"/>
-        </a:xfrm>
-      </p:grpSpPr>
-      <p:sp>
-        <p:nvSpPr>
-          <p:cNvPr id="2" name="タイトル 1">
-            <a:extLst>
-              <a:ext uri="{FF2B5EF4-FFF2-40B4-BE49-F238E27FC236}">
-                <a16:creationId xmlns:a16="http://schemas.microsoft.com/office/drawing/2014/main" id="{7FD620F9-FF1B-EB48-BEEA-0AD08BE7FBBD}"/>
-              </a:ext>
-            </a:extLst>
-          </p:cNvPr>
-          <p:cNvSpPr>
-            <a:spLocks noGrp="1"/>
-          </p:cNvSpPr>
-          <p:nvPr>
-            <p:ph type="title"/>
-          </p:nvPr>
-        </p:nvSpPr>
-        <p:spPr/>
-        <p:txBody>
-          <a:bodyPr/>
-          <a:lstStyle/>
-          <a:p>
-            <a:r>
-              <a:rPr kumimoji="1" lang="ja-JP" altLang="en-US"/>
-              <a:t>目次</a:t>
-            </a:r>
-          </a:p>
-        </p:txBody>
-      </p:sp>
-      <p:sp>
-        <p:nvSpPr>
-          <p:cNvPr id="3" name="コンテンツ プレースホルダー 2">
-            <a:extLst>
-              <a:ext uri="{FF2B5EF4-FFF2-40B4-BE49-F238E27FC236}">
-                <a16:creationId xmlns:a16="http://schemas.microsoft.com/office/drawing/2014/main" id="{CD4200EE-DBCF-E441-81DD-68CB536D4C1C}"/>
-              </a:ext>
-            </a:extLst>
-          </p:cNvPr>
-          <p:cNvSpPr>
-            <a:spLocks noGrp="1"/>
-          </p:cNvSpPr>
-          <p:nvPr>
-            <p:ph idx="1"/>
-          </p:nvPr>
-        </p:nvSpPr>
-        <p:spPr/>
-        <p:txBody>
-          <a:bodyPr>
-            <a:normAutofit lnSpcReduction="10000"/>
-          </a:bodyPr>
-          <a:lstStyle/>
-          <a:p>
-            <a:r>
-              <a:rPr kumimoji="1" lang="ja-JP" altLang="en-US" sz="2400"/>
-              <a:t>研究背景</a:t>
-            </a:r>
-            <a:endParaRPr kumimoji="1" lang="en-US" altLang="ja-JP" sz="2400" dirty="0"/>
-          </a:p>
-          <a:p>
-            <a:r>
-              <a:rPr lang="ja-JP" altLang="en-US" sz="2400"/>
-              <a:t>乗合タクシー</a:t>
-            </a:r>
-            <a:r>
-              <a:rPr kumimoji="1" lang="ja-JP" altLang="en-US" sz="2400"/>
-              <a:t>問題</a:t>
-            </a:r>
-            <a:endParaRPr kumimoji="1" lang="en-US" altLang="ja-JP" sz="2400" dirty="0"/>
-          </a:p>
-          <a:p>
-            <a:r>
-              <a:rPr lang="ja-JP" altLang="en-US" sz="2400"/>
-              <a:t>問題定義</a:t>
-            </a:r>
-            <a:endParaRPr lang="en-US" altLang="ja-JP" sz="2400" dirty="0"/>
-          </a:p>
-          <a:p>
-            <a:r>
-              <a:rPr lang="ja-JP" altLang="en-US" sz="2400"/>
-              <a:t>提案手法</a:t>
-            </a:r>
-            <a:endParaRPr lang="en-US" altLang="ja-JP" sz="2400" dirty="0"/>
-          </a:p>
-          <a:p>
-            <a:r>
-              <a:rPr lang="ja-JP" altLang="en-US" sz="2400"/>
-              <a:t>計算実験の結果</a:t>
-            </a:r>
-            <a:endParaRPr lang="en-US" altLang="ja-JP" sz="2400" dirty="0"/>
-          </a:p>
-          <a:p>
-            <a:r>
-              <a:rPr lang="ja-JP" altLang="en-US" sz="2400"/>
-              <a:t>まとめと今後の研究計画</a:t>
-            </a:r>
-            <a:endParaRPr lang="en-US" altLang="ja-JP" sz="2400" dirty="0"/>
-          </a:p>
-        </p:txBody>
-      </p:sp>
-      <p:sp>
-        <p:nvSpPr>
-          <p:cNvPr id="4" name="スライド番号プレースホルダー 3">
-            <a:extLst>
-              <a:ext uri="{FF2B5EF4-FFF2-40B4-BE49-F238E27FC236}">
-                <a16:creationId xmlns:a16="http://schemas.microsoft.com/office/drawing/2014/main" id="{5CE300B5-C01A-AA46-83D9-BAE42D68E9D3}"/>
-              </a:ext>
-            </a:extLst>
-          </p:cNvPr>
-          <p:cNvSpPr>
-            <a:spLocks noGrp="1"/>
-          </p:cNvSpPr>
-          <p:nvPr>
-            <p:ph type="sldNum" sz="quarter" idx="12"/>
-          </p:nvPr>
-        </p:nvSpPr>
-        <p:spPr/>
-        <p:txBody>
-          <a:bodyPr/>
-          <a:lstStyle/>
-          <a:p>
-            <a:fld id="{84E0C278-47E8-3649-A055-2003DC36C60A}" type="slidenum">
-              <a:rPr kumimoji="1" lang="ja-JP" altLang="en-US" smtClean="0"/>
-              <a:t>2</a:t>
-            </a:fld>
-            <a:endParaRPr kumimoji="1" lang="ja-JP" altLang="en-US"/>
-          </a:p>
-        </p:txBody>
-      </p:sp>
-    </p:spTree>
-    <p:extLst>
-      <p:ext uri="{BB962C8B-B14F-4D97-AF65-F5344CB8AC3E}">
-        <p14:creationId xmlns:p14="http://schemas.microsoft.com/office/powerpoint/2010/main" val="3862632382"/>
-      </p:ext>
-    </p:extLst>
-  </p:cSld>
-  <p:clrMapOvr>
-    <a:masterClrMapping/>
-  </p:clrMapOvr>
-</p:sld>
-</file>
-
-<file path=ppt/slides/slide20.xml><?xml version="1.0" encoding="utf-8"?>
+<file path=ppt/slides/slide19.xml><?xml version="1.0" encoding="utf-8"?>
 <p:sld xmlns:a="http://schemas.openxmlformats.org/drawingml/2006/main" xmlns:r="http://schemas.openxmlformats.org/officeDocument/2006/relationships" xmlns:p="http://schemas.openxmlformats.org/presentationml/2006/main">
   <p:cSld>
     <p:spTree>
@@ -10531,7 +10294,7 @@
           <a:p>
             <a:fld id="{84E0C278-47E8-3649-A055-2003DC36C60A}" type="slidenum">
               <a:rPr kumimoji="1" lang="ja-JP" altLang="en-US" smtClean="0"/>
-              <a:t>20</a:t>
+              <a:t>19</a:t>
             </a:fld>
             <a:endParaRPr kumimoji="1" lang="ja-JP" altLang="en-US"/>
           </a:p>
@@ -10550,7 +10313,164 @@
 </p:sld>
 </file>
 
-<file path=ppt/slides/slide21.xml><?xml version="1.0" encoding="utf-8"?>
+<file path=ppt/slides/slide2.xml><?xml version="1.0" encoding="utf-8"?>
+<p:sld xmlns:a="http://schemas.openxmlformats.org/drawingml/2006/main" xmlns:r="http://schemas.openxmlformats.org/officeDocument/2006/relationships" xmlns:p="http://schemas.openxmlformats.org/presentationml/2006/main">
+  <p:cSld>
+    <p:spTree>
+      <p:nvGrpSpPr>
+        <p:cNvPr id="1" name=""/>
+        <p:cNvGrpSpPr/>
+        <p:nvPr/>
+      </p:nvGrpSpPr>
+      <p:grpSpPr>
+        <a:xfrm>
+          <a:off x="0" y="0"/>
+          <a:ext cx="0" cy="0"/>
+          <a:chOff x="0" y="0"/>
+          <a:chExt cx="0" cy="0"/>
+        </a:xfrm>
+      </p:grpSpPr>
+      <p:sp>
+        <p:nvSpPr>
+          <p:cNvPr id="2" name="タイトル 1">
+            <a:extLst>
+              <a:ext uri="{FF2B5EF4-FFF2-40B4-BE49-F238E27FC236}">
+                <a16:creationId xmlns:a16="http://schemas.microsoft.com/office/drawing/2014/main" id="{7FD620F9-FF1B-EB48-BEEA-0AD08BE7FBBD}"/>
+              </a:ext>
+            </a:extLst>
+          </p:cNvPr>
+          <p:cNvSpPr>
+            <a:spLocks noGrp="1"/>
+          </p:cNvSpPr>
+          <p:nvPr>
+            <p:ph type="title"/>
+          </p:nvPr>
+        </p:nvSpPr>
+        <p:spPr/>
+        <p:txBody>
+          <a:bodyPr/>
+          <a:lstStyle/>
+          <a:p>
+            <a:r>
+              <a:rPr kumimoji="1" lang="ja-JP" altLang="en-US"/>
+              <a:t>目次</a:t>
+            </a:r>
+          </a:p>
+        </p:txBody>
+      </p:sp>
+      <p:sp>
+        <p:nvSpPr>
+          <p:cNvPr id="3" name="コンテンツ プレースホルダー 2">
+            <a:extLst>
+              <a:ext uri="{FF2B5EF4-FFF2-40B4-BE49-F238E27FC236}">
+                <a16:creationId xmlns:a16="http://schemas.microsoft.com/office/drawing/2014/main" id="{CD4200EE-DBCF-E441-81DD-68CB536D4C1C}"/>
+              </a:ext>
+            </a:extLst>
+          </p:cNvPr>
+          <p:cNvSpPr>
+            <a:spLocks noGrp="1"/>
+          </p:cNvSpPr>
+          <p:nvPr>
+            <p:ph idx="1"/>
+          </p:nvPr>
+        </p:nvSpPr>
+        <p:spPr/>
+        <p:txBody>
+          <a:bodyPr>
+            <a:normAutofit lnSpcReduction="10000"/>
+          </a:bodyPr>
+          <a:lstStyle/>
+          <a:p>
+            <a:r>
+              <a:rPr kumimoji="1" lang="ja-JP" altLang="en-US" sz="2400"/>
+              <a:t>研究背景</a:t>
+            </a:r>
+            <a:endParaRPr kumimoji="1" lang="en-US" altLang="ja-JP" sz="2400" dirty="0"/>
+          </a:p>
+          <a:p>
+            <a:r>
+              <a:rPr lang="ja-JP" altLang="en-US" sz="2400"/>
+              <a:t>乗合タクシー</a:t>
+            </a:r>
+            <a:r>
+              <a:rPr kumimoji="1" lang="ja-JP" altLang="en-US" sz="2400"/>
+              <a:t>問題</a:t>
+            </a:r>
+            <a:endParaRPr kumimoji="1" lang="en-US" altLang="ja-JP" sz="2400" dirty="0"/>
+          </a:p>
+          <a:p>
+            <a:r>
+              <a:rPr lang="ja-JP" altLang="en-US" sz="2400"/>
+              <a:t>問題定義</a:t>
+            </a:r>
+            <a:endParaRPr lang="en-US" altLang="ja-JP" sz="2400" dirty="0"/>
+          </a:p>
+          <a:p>
+            <a:r>
+              <a:rPr lang="ja-JP" altLang="en-US" sz="2400"/>
+              <a:t>提案手法</a:t>
+            </a:r>
+            <a:endParaRPr lang="en-US" altLang="ja-JP" sz="2400" dirty="0"/>
+          </a:p>
+          <a:p>
+            <a:r>
+              <a:rPr lang="ja-JP" altLang="en-US" sz="2400"/>
+              <a:t>計算実験の結果</a:t>
+            </a:r>
+            <a:endParaRPr lang="en-US" altLang="ja-JP" sz="2400" dirty="0"/>
+          </a:p>
+          <a:p>
+            <a:r>
+              <a:rPr lang="ja-JP" altLang="en-US" sz="2400"/>
+              <a:t>まとめと今後の研究計画</a:t>
+            </a:r>
+            <a:endParaRPr lang="en-US" altLang="ja-JP" sz="2400" dirty="0"/>
+          </a:p>
+        </p:txBody>
+      </p:sp>
+      <p:sp>
+        <p:nvSpPr>
+          <p:cNvPr id="4" name="スライド番号プレースホルダー 3">
+            <a:extLst>
+              <a:ext uri="{FF2B5EF4-FFF2-40B4-BE49-F238E27FC236}">
+                <a16:creationId xmlns:a16="http://schemas.microsoft.com/office/drawing/2014/main" id="{5CE300B5-C01A-AA46-83D9-BAE42D68E9D3}"/>
+              </a:ext>
+            </a:extLst>
+          </p:cNvPr>
+          <p:cNvSpPr>
+            <a:spLocks noGrp="1"/>
+          </p:cNvSpPr>
+          <p:nvPr>
+            <p:ph type="sldNum" sz="quarter" idx="12"/>
+          </p:nvPr>
+        </p:nvSpPr>
+        <p:spPr/>
+        <p:txBody>
+          <a:bodyPr/>
+          <a:lstStyle/>
+          <a:p>
+            <a:fld id="{84E0C278-47E8-3649-A055-2003DC36C60A}" type="slidenum">
+              <a:rPr kumimoji="1" lang="ja-JP" altLang="en-US" smtClean="0"/>
+              <a:t>2</a:t>
+            </a:fld>
+            <a:endParaRPr kumimoji="1" lang="ja-JP" altLang="en-US"/>
+          </a:p>
+        </p:txBody>
+      </p:sp>
+    </p:spTree>
+    <p:extLst>
+      <p:ext uri="{BB962C8B-B14F-4D97-AF65-F5344CB8AC3E}">
+        <p14:creationId xmlns:p14="http://schemas.microsoft.com/office/powerpoint/2010/main" val="3862632382"/>
+      </p:ext>
+    </p:extLst>
+  </p:cSld>
+  <p:clrMapOvr>
+    <a:masterClrMapping/>
+  </p:clrMapOvr>
+</p:sld>
+</file>
+
+<file path=ppt/slides/slide20.xml><?xml version="1.0" encoding="utf-8"?>
 <p:sld xmlns:a="http://schemas.openxmlformats.org/drawingml/2006/main" xmlns:r="http://schemas.openxmlformats.org/officeDocument/2006/relationships" xmlns:p="http://schemas.openxmlformats.org/presentationml/2006/main">
   <p:cSld>
     <p:spTree>
@@ -10582,14 +10502,14 @@
           <p:nvPr>
             <p:extLst>
               <p:ext uri="{D42A27DB-BD31-4B8C-83A1-F6EECF244321}">
-                <p14:modId xmlns:p14="http://schemas.microsoft.com/office/powerpoint/2010/main" val="872688072"/>
+                <p14:modId xmlns:p14="http://schemas.microsoft.com/office/powerpoint/2010/main" val="1992384993"/>
               </p:ext>
             </p:extLst>
           </p:nvPr>
         </p:nvGraphicFramePr>
         <p:xfrm>
           <a:off x="568962" y="389197"/>
-          <a:ext cx="11235109" cy="5594334"/>
+          <a:ext cx="10475090" cy="5594334"/>
         </p:xfrm>
         <a:graphic>
           <a:graphicData uri="http://schemas.openxmlformats.org/drawingml/2006/table">
@@ -10661,7 +10581,7 @@
                     </a:ext>
                   </a:extLst>
                 </a:gridCol>
-                <a:gridCol w="2149432">
+                <a:gridCol w="1389413">
                   <a:extLst>
                     <a:ext uri="{9D8B030D-6E8A-4147-A177-3AD203B41FA5}">
                       <a16:colId xmlns:a16="http://schemas.microsoft.com/office/drawing/2014/main" val="1447902104"/>
@@ -13189,7 +13109,7 @@
           <a:p>
             <a:fld id="{84E0C278-47E8-3649-A055-2003DC36C60A}" type="slidenum">
               <a:rPr kumimoji="1" lang="ja-JP" altLang="en-US" smtClean="0"/>
-              <a:t>21</a:t>
+              <a:t>20</a:t>
             </a:fld>
             <a:endParaRPr kumimoji="1" lang="ja-JP" altLang="en-US"/>
           </a:p>
@@ -13208,7 +13128,7 @@
 </p:sld>
 </file>
 
-<file path=ppt/slides/slide22.xml><?xml version="1.0" encoding="utf-8"?>
+<file path=ppt/slides/slide21.xml><?xml version="1.0" encoding="utf-8"?>
 <p:sld xmlns:a="http://schemas.openxmlformats.org/drawingml/2006/main" xmlns:r="http://schemas.openxmlformats.org/officeDocument/2006/relationships" xmlns:p="http://schemas.openxmlformats.org/presentationml/2006/main">
   <p:cSld>
     <p:spTree>
@@ -13400,7 +13320,7 @@
           <a:p>
             <a:fld id="{84E0C278-47E8-3649-A055-2003DC36C60A}" type="slidenum">
               <a:rPr kumimoji="1" lang="ja-JP" altLang="en-US" smtClean="0"/>
-              <a:t>22</a:t>
+              <a:t>21</a:t>
             </a:fld>
             <a:endParaRPr kumimoji="1" lang="ja-JP" altLang="en-US"/>
           </a:p>
@@ -13419,7 +13339,7 @@
 </p:sld>
 </file>
 
-<file path=ppt/slides/slide23.xml><?xml version="1.0" encoding="utf-8"?>
+<file path=ppt/slides/slide22.xml><?xml version="1.0" encoding="utf-8"?>
 <p:sld xmlns:a="http://schemas.openxmlformats.org/drawingml/2006/main" xmlns:r="http://schemas.openxmlformats.org/officeDocument/2006/relationships" xmlns:p="http://schemas.openxmlformats.org/presentationml/2006/main">
   <p:cSld>
     <p:spTree>
@@ -13591,7 +13511,7 @@
           <a:p>
             <a:fld id="{84E0C278-47E8-3649-A055-2003DC36C60A}" type="slidenum">
               <a:rPr kumimoji="1" lang="ja-JP" altLang="en-US" smtClean="0"/>
-              <a:t>23</a:t>
+              <a:t>22</a:t>
             </a:fld>
             <a:endParaRPr kumimoji="1" lang="ja-JP" altLang="en-US"/>
           </a:p>
@@ -13610,7 +13530,7 @@
 </p:sld>
 </file>
 
-<file path=ppt/slides/slide24.xml><?xml version="1.0" encoding="utf-8"?>
+<file path=ppt/slides/slide23.xml><?xml version="1.0" encoding="utf-8"?>
 <p:sld xmlns:a="http://schemas.openxmlformats.org/drawingml/2006/main" xmlns:r="http://schemas.openxmlformats.org/officeDocument/2006/relationships" xmlns:p="http://schemas.openxmlformats.org/presentationml/2006/main">
   <p:cSld>
     <p:spTree>
@@ -16145,7 +16065,7 @@
           <a:p>
             <a:fld id="{84E0C278-47E8-3649-A055-2003DC36C60A}" type="slidenum">
               <a:rPr kumimoji="1" lang="ja-JP" altLang="en-US" smtClean="0"/>
-              <a:t>24</a:t>
+              <a:t>23</a:t>
             </a:fld>
             <a:endParaRPr kumimoji="1" lang="ja-JP" altLang="en-US"/>
           </a:p>
@@ -16164,7 +16084,7 @@
 </p:sld>
 </file>
 
-<file path=ppt/slides/slide25.xml><?xml version="1.0" encoding="utf-8"?>
+<file path=ppt/slides/slide24.xml><?xml version="1.0" encoding="utf-8"?>
 <p:sld xmlns:a="http://schemas.openxmlformats.org/drawingml/2006/main" xmlns:r="http://schemas.openxmlformats.org/officeDocument/2006/relationships" xmlns:p="http://schemas.openxmlformats.org/presentationml/2006/main">
   <p:cSld>
     <p:spTree>
@@ -16217,8 +16137,8 @@
           </a:p>
         </p:txBody>
       </p:sp>
-      <mc:AlternateContent xmlns:mc="http://schemas.openxmlformats.org/markup-compatibility/2006">
-        <mc:Choice xmlns:a14="http://schemas.microsoft.com/office/drawing/2010/main" Requires="a14">
+      <mc:AlternateContent xmlns:mc="http://schemas.openxmlformats.org/markup-compatibility/2006" xmlns:a14="http://schemas.microsoft.com/office/drawing/2010/main">
+        <mc:Choice Requires="a14">
           <p:sp>
             <p:nvSpPr>
               <p:cNvPr id="3" name="コンテンツ プレースホルダー 2">
@@ -16393,7 +16313,7 @@
             </p:txBody>
           </p:sp>
         </mc:Choice>
-        <mc:Fallback>
+        <mc:Fallback xmlns="">
           <p:sp>
             <p:nvSpPr>
               <p:cNvPr id="3" name="コンテンツ プレースホルダー 2">
@@ -16460,7 +16380,7 @@
           <a:p>
             <a:fld id="{84E0C278-47E8-3649-A055-2003DC36C60A}" type="slidenum">
               <a:rPr kumimoji="1" lang="ja-JP" altLang="en-US" smtClean="0"/>
-              <a:t>25</a:t>
+              <a:t>24</a:t>
             </a:fld>
             <a:endParaRPr kumimoji="1" lang="ja-JP" altLang="en-US"/>
           </a:p>
@@ -16479,7 +16399,7 @@
 </p:sld>
 </file>
 
-<file path=ppt/slides/slide26.xml><?xml version="1.0" encoding="utf-8"?>
+<file path=ppt/slides/slide25.xml><?xml version="1.0" encoding="utf-8"?>
 <p:sld xmlns:a="http://schemas.openxmlformats.org/drawingml/2006/main" xmlns:r="http://schemas.openxmlformats.org/officeDocument/2006/relationships" xmlns:p="http://schemas.openxmlformats.org/presentationml/2006/main">
   <p:cSld>
     <p:spTree>
@@ -17694,7 +17614,7 @@
           <a:p>
             <a:fld id="{84E0C278-47E8-3649-A055-2003DC36C60A}" type="slidenum">
               <a:rPr kumimoji="1" lang="ja-JP" altLang="en-US" smtClean="0"/>
-              <a:t>26</a:t>
+              <a:t>25</a:t>
             </a:fld>
             <a:endParaRPr kumimoji="1" lang="ja-JP" altLang="en-US"/>
           </a:p>
@@ -17713,7 +17633,7 @@
 </p:sld>
 </file>
 
-<file path=ppt/slides/slide27.xml><?xml version="1.0" encoding="utf-8"?>
+<file path=ppt/slides/slide26.xml><?xml version="1.0" encoding="utf-8"?>
 <p:sld xmlns:a="http://schemas.openxmlformats.org/drawingml/2006/main" xmlns:r="http://schemas.openxmlformats.org/officeDocument/2006/relationships" xmlns:p="http://schemas.openxmlformats.org/presentationml/2006/main">
   <p:cSld>
     <p:spTree>
@@ -17876,7 +17796,7 @@
           <a:p>
             <a:fld id="{84E0C278-47E8-3649-A055-2003DC36C60A}" type="slidenum">
               <a:rPr kumimoji="1" lang="ja-JP" altLang="en-US" smtClean="0"/>
-              <a:t>27</a:t>
+              <a:t>26</a:t>
             </a:fld>
             <a:endParaRPr kumimoji="1" lang="ja-JP" altLang="en-US"/>
           </a:p>
@@ -18122,8 +18042,12 @@
           <a:lstStyle/>
           <a:p>
             <a:r>
+              <a:rPr lang="en-US" altLang="ja-JP" dirty="0"/>
+              <a:t>p</a:t>
+            </a:r>
+            <a:r>
               <a:rPr kumimoji="1" lang="en-US" altLang="ja-JP" dirty="0"/>
-              <a:t>Pickup and Delivery problem (PDP)</a:t>
+              <a:t>ickup and delivery problem (PDP)</a:t>
             </a:r>
             <a:endParaRPr kumimoji="1" lang="ja-JP" altLang="en-US"/>
           </a:p>

--- a/卒論発表_10分用.pptx
+++ b/卒論発表_10分用.pptx
@@ -8621,16 +8621,6 @@
                 <a:pPr marL="0" indent="0">
                   <a:buNone/>
                 </a:pPr>
-                <a:r>
-                  <a:rPr lang="ja-JP" altLang="en-US"/>
-                  <a:t>挿入近傍のほうが良い値を出力していることがわかる</a:t>
-                </a:r>
-                <a:endParaRPr lang="en-US" altLang="ja-JP" dirty="0"/>
-              </a:p>
-              <a:p>
-                <a:pPr marL="0" indent="0">
-                  <a:buNone/>
-                </a:pPr>
                 <a:endParaRPr kumimoji="1" lang="en-US" altLang="ja-JP" dirty="0"/>
               </a:p>
               <a:p>
@@ -8698,13 +8688,13 @@
           <p:nvPr>
             <p:extLst>
               <p:ext uri="{D42A27DB-BD31-4B8C-83A1-F6EECF244321}">
-                <p14:modId xmlns:p14="http://schemas.microsoft.com/office/powerpoint/2010/main" val="2688431018"/>
+                <p14:modId xmlns:p14="http://schemas.microsoft.com/office/powerpoint/2010/main" val="948225461"/>
               </p:ext>
             </p:extLst>
           </p:nvPr>
         </p:nvGraphicFramePr>
         <p:xfrm>
-          <a:off x="346497" y="2006026"/>
+          <a:off x="452500" y="2002559"/>
           <a:ext cx="10958812" cy="3805424"/>
         </p:xfrm>
         <a:graphic>
@@ -10502,7 +10492,7 @@
           <p:nvPr>
             <p:extLst>
               <p:ext uri="{D42A27DB-BD31-4B8C-83A1-F6EECF244321}">
-                <p14:modId xmlns:p14="http://schemas.microsoft.com/office/powerpoint/2010/main" val="1992384993"/>
+                <p14:modId xmlns:p14="http://schemas.microsoft.com/office/powerpoint/2010/main" val="444124989"/>
               </p:ext>
             </p:extLst>
           </p:nvPr>
@@ -11841,8 +11831,8 @@
                     <a:p>
                       <a:pPr algn="r"/>
                       <a:r>
-                        <a:rPr kumimoji="1" lang="en-US" altLang="ja-JP" dirty="0"/>
-                        <a:t>97.1</a:t>
+                        <a:rPr kumimoji="1" lang="en-US" altLang="ja-JP"/>
+                        <a:t>87.2</a:t>
                       </a:r>
                       <a:endParaRPr kumimoji="1" lang="ja-JP" altLang="en-US"/>
                     </a:p>
@@ -18527,8 +18517,16 @@
               <a:buNone/>
             </a:pPr>
             <a:r>
+              <a:rPr lang="ja-JP" altLang="en-US"/>
+              <a:t>乗降時刻と</a:t>
+            </a:r>
+            <a:r>
+              <a:rPr kumimoji="1" lang="ja-JP" altLang="en-US"/>
+              <a:t>乗車時間</a:t>
+            </a:r>
+            <a:r>
               <a:rPr kumimoji="1" lang="ja-JP" altLang="en-US" dirty="0"/>
-              <a:t>乗降時間と待ち時間を以下のような連続区分線形凸関数のペナルティ関数で与える。</a:t>
+              <a:t>を以下のような連続区分線形凸関数のペナルティ関数で与える。</a:t>
             </a:r>
             <a:endParaRPr kumimoji="1" lang="en-US" altLang="ja-JP" dirty="0"/>
           </a:p>

--- a/卒論発表_10分用.pptx
+++ b/卒論発表_10分用.pptx
@@ -5,7 +5,7 @@
     <p:sldMasterId id="2147484149" r:id="rId1"/>
   </p:sldMasterIdLst>
   <p:notesMasterIdLst>
-    <p:notesMasterId r:id="rId28"/>
+    <p:notesMasterId r:id="rId27"/>
   </p:notesMasterIdLst>
   <p:sldIdLst>
     <p:sldId id="256" r:id="rId2"/>
@@ -20,20 +20,19 @@
     <p:sldId id="269" r:id="rId11"/>
     <p:sldId id="371" r:id="rId12"/>
     <p:sldId id="270" r:id="rId13"/>
-    <p:sldId id="348" r:id="rId14"/>
-    <p:sldId id="366" r:id="rId15"/>
-    <p:sldId id="364" r:id="rId16"/>
-    <p:sldId id="367" r:id="rId17"/>
-    <p:sldId id="368" r:id="rId18"/>
-    <p:sldId id="369" r:id="rId19"/>
-    <p:sldId id="373" r:id="rId20"/>
-    <p:sldId id="374" r:id="rId21"/>
-    <p:sldId id="375" r:id="rId22"/>
-    <p:sldId id="376" r:id="rId23"/>
-    <p:sldId id="377" r:id="rId24"/>
-    <p:sldId id="378" r:id="rId25"/>
-    <p:sldId id="379" r:id="rId26"/>
-    <p:sldId id="361" r:id="rId27"/>
+    <p:sldId id="380" r:id="rId14"/>
+    <p:sldId id="348" r:id="rId15"/>
+    <p:sldId id="366" r:id="rId16"/>
+    <p:sldId id="364" r:id="rId17"/>
+    <p:sldId id="367" r:id="rId18"/>
+    <p:sldId id="368" r:id="rId19"/>
+    <p:sldId id="369" r:id="rId20"/>
+    <p:sldId id="373" r:id="rId21"/>
+    <p:sldId id="374" r:id="rId22"/>
+    <p:sldId id="375" r:id="rId23"/>
+    <p:sldId id="378" r:id="rId24"/>
+    <p:sldId id="379" r:id="rId25"/>
+    <p:sldId id="361" r:id="rId26"/>
   </p:sldIdLst>
   <p:sldSz cx="12192000" cy="6858000"/>
   <p:notesSz cx="6858000" cy="9144000"/>
@@ -222,7 +221,7 @@
           <a:p>
             <a:fld id="{F185D03E-571D-BA42-85BF-4D068DC12E29}" type="datetimeFigureOut">
               <a:rPr kumimoji="1" lang="ja-JP" altLang="en-US" smtClean="0"/>
-              <a:t>2020/1/28</a:t>
+              <a:t>2020/1/31</a:t>
             </a:fld>
             <a:endParaRPr kumimoji="1" lang="ja-JP" altLang="en-US"/>
           </a:p>
@@ -565,7 +564,7 @@
           <a:p>
             <a:fld id="{BA7BC9EE-7218-487F-B7EF-509475BF8400}" type="slidenum">
               <a:rPr kumimoji="1" lang="ja-JP" altLang="en-US" smtClean="0"/>
-              <a:t>13</a:t>
+              <a:t>14</a:t>
             </a:fld>
             <a:endParaRPr kumimoji="1" lang="ja-JP" altLang="en-US" dirty="0"/>
           </a:p>
@@ -652,7 +651,7 @@
           <a:p>
             <a:fld id="{6932ECB9-90C9-174D-9D23-E8CCC93280F1}" type="slidenum">
               <a:rPr kumimoji="1" lang="ja-JP" altLang="en-US" smtClean="0"/>
-              <a:t>18</a:t>
+              <a:t>19</a:t>
             </a:fld>
             <a:endParaRPr kumimoji="1" lang="ja-JP" altLang="en-US"/>
           </a:p>
@@ -739,7 +738,7 @@
           <a:p>
             <a:fld id="{6932ECB9-90C9-174D-9D23-E8CCC93280F1}" type="slidenum">
               <a:rPr kumimoji="1" lang="ja-JP" altLang="en-US" smtClean="0"/>
-              <a:t>20</a:t>
+              <a:t>21</a:t>
             </a:fld>
             <a:endParaRPr kumimoji="1" lang="ja-JP" altLang="en-US"/>
           </a:p>
@@ -749,93 +748,6 @@
     <p:extLst>
       <p:ext uri="{BB962C8B-B14F-4D97-AF65-F5344CB8AC3E}">
         <p14:creationId xmlns:p14="http://schemas.microsoft.com/office/powerpoint/2010/main" val="2519736244"/>
-      </p:ext>
-    </p:extLst>
-  </p:cSld>
-  <p:clrMapOvr>
-    <a:masterClrMapping/>
-  </p:clrMapOvr>
-</p:notes>
-</file>
-
-<file path=ppt/notesSlides/notesSlide4.xml><?xml version="1.0" encoding="utf-8"?>
-<p:notes xmlns:a="http://schemas.openxmlformats.org/drawingml/2006/main" xmlns:r="http://schemas.openxmlformats.org/officeDocument/2006/relationships" xmlns:p="http://schemas.openxmlformats.org/presentationml/2006/main">
-  <p:cSld>
-    <p:spTree>
-      <p:nvGrpSpPr>
-        <p:cNvPr id="1" name=""/>
-        <p:cNvGrpSpPr/>
-        <p:nvPr/>
-      </p:nvGrpSpPr>
-      <p:grpSpPr>
-        <a:xfrm>
-          <a:off x="0" y="0"/>
-          <a:ext cx="0" cy="0"/>
-          <a:chOff x="0" y="0"/>
-          <a:chExt cx="0" cy="0"/>
-        </a:xfrm>
-      </p:grpSpPr>
-      <p:sp>
-        <p:nvSpPr>
-          <p:cNvPr id="2" name="スライド イメージ プレースホルダー 1"/>
-          <p:cNvSpPr>
-            <a:spLocks noGrp="1" noRot="1" noChangeAspect="1"/>
-          </p:cNvSpPr>
-          <p:nvPr>
-            <p:ph type="sldImg"/>
-          </p:nvPr>
-        </p:nvSpPr>
-        <p:spPr/>
-      </p:sp>
-      <p:sp>
-        <p:nvSpPr>
-          <p:cNvPr id="3" name="ノート プレースホルダー 2"/>
-          <p:cNvSpPr>
-            <a:spLocks noGrp="1"/>
-          </p:cNvSpPr>
-          <p:nvPr>
-            <p:ph type="body" idx="1"/>
-          </p:nvPr>
-        </p:nvSpPr>
-        <p:spPr/>
-        <p:txBody>
-          <a:bodyPr/>
-          <a:lstStyle/>
-          <a:p>
-            <a:r>
-              <a:rPr kumimoji="1" lang="ja-JP" altLang="en-US"/>
-              <a:t>最短のルートを赤色　一番大きいペナルティを紫</a:t>
-            </a:r>
-          </a:p>
-        </p:txBody>
-      </p:sp>
-      <p:sp>
-        <p:nvSpPr>
-          <p:cNvPr id="4" name="スライド番号プレースホルダー 3"/>
-          <p:cNvSpPr>
-            <a:spLocks noGrp="1"/>
-          </p:cNvSpPr>
-          <p:nvPr>
-            <p:ph type="sldNum" sz="quarter" idx="5"/>
-          </p:nvPr>
-        </p:nvSpPr>
-        <p:spPr/>
-        <p:txBody>
-          <a:bodyPr/>
-          <a:lstStyle/>
-          <a:p>
-            <a:fld id="{6932ECB9-90C9-174D-9D23-E8CCC93280F1}" type="slidenum">
-              <a:rPr kumimoji="1" lang="ja-JP" altLang="en-US" smtClean="0"/>
-              <a:t>23</a:t>
-            </a:fld>
-            <a:endParaRPr kumimoji="1" lang="ja-JP" altLang="en-US"/>
-          </a:p>
-        </p:txBody>
-      </p:sp>
-    </p:spTree>
-    <p:extLst>
-      <p:ext uri="{BB962C8B-B14F-4D97-AF65-F5344CB8AC3E}">
-        <p14:creationId xmlns:p14="http://schemas.microsoft.com/office/powerpoint/2010/main" val="1761204083"/>
       </p:ext>
     </p:extLst>
   </p:cSld>
@@ -984,7 +896,7 @@
           <a:p>
             <a:fld id="{4022EDAD-B217-3946-A79C-481C6FEC392F}" type="datetime1">
               <a:rPr kumimoji="1" lang="ja-JP" altLang="en-US" smtClean="0"/>
-              <a:t>2020/1/28</a:t>
+              <a:t>2020/1/31</a:t>
             </a:fld>
             <a:endParaRPr kumimoji="1" lang="ja-JP" altLang="en-US"/>
           </a:p>
@@ -1212,7 +1124,7 @@
           <a:p>
             <a:fld id="{8F2CA839-3EA4-F84E-9DD3-1549C09B4DFF}" type="datetime1">
               <a:rPr kumimoji="1" lang="ja-JP" altLang="en-US" smtClean="0"/>
-              <a:t>2020/1/28</a:t>
+              <a:t>2020/1/31</a:t>
             </a:fld>
             <a:endParaRPr kumimoji="1" lang="ja-JP" altLang="en-US"/>
           </a:p>
@@ -1444,7 +1356,7 @@
           <a:p>
             <a:fld id="{0903EBEF-087E-1C4B-A394-4BF982076E9B}" type="datetime1">
               <a:rPr kumimoji="1" lang="ja-JP" altLang="en-US" smtClean="0"/>
-              <a:t>2020/1/28</a:t>
+              <a:t>2020/1/31</a:t>
             </a:fld>
             <a:endParaRPr kumimoji="1" lang="ja-JP" altLang="en-US"/>
           </a:p>
@@ -1666,7 +1578,7 @@
           <a:p>
             <a:fld id="{3CC3E3BD-DD2F-0F4C-9F7B-BD2CFE73C08E}" type="datetime1">
               <a:rPr kumimoji="1" lang="ja-JP" altLang="en-US" smtClean="0"/>
-              <a:t>2020/1/28</a:t>
+              <a:t>2020/1/31</a:t>
             </a:fld>
             <a:endParaRPr kumimoji="1" lang="ja-JP" altLang="en-US"/>
           </a:p>
@@ -1995,7 +1907,7 @@
           <a:p>
             <a:fld id="{C115CAE8-F975-9249-9A1B-F50E55793BF8}" type="datetime1">
               <a:rPr kumimoji="1" lang="ja-JP" altLang="en-US" smtClean="0"/>
-              <a:t>2020/1/28</a:t>
+              <a:t>2020/1/31</a:t>
             </a:fld>
             <a:endParaRPr kumimoji="1" lang="ja-JP" altLang="en-US"/>
           </a:p>
@@ -2288,7 +2200,7 @@
           <a:p>
             <a:fld id="{4B86C5E8-D6C8-5540-A4FD-D0987B8EBD10}" type="datetime1">
               <a:rPr kumimoji="1" lang="ja-JP" altLang="en-US" smtClean="0"/>
-              <a:t>2020/1/28</a:t>
+              <a:t>2020/1/31</a:t>
             </a:fld>
             <a:endParaRPr kumimoji="1" lang="ja-JP" altLang="en-US"/>
           </a:p>
@@ -2803,7 +2715,7 @@
           <a:p>
             <a:fld id="{6FA0929B-742B-B141-B071-CCB3728A9B97}" type="datetime1">
               <a:rPr kumimoji="1" lang="ja-JP" altLang="en-US" smtClean="0"/>
-              <a:t>2020/1/28</a:t>
+              <a:t>2020/1/31</a:t>
             </a:fld>
             <a:endParaRPr kumimoji="1" lang="ja-JP" altLang="en-US"/>
           </a:p>
@@ -2961,7 +2873,7 @@
           <a:p>
             <a:fld id="{6E24F31F-B5AD-3641-8587-346597BEC0BE}" type="datetime1">
               <a:rPr kumimoji="1" lang="ja-JP" altLang="en-US" smtClean="0"/>
-              <a:t>2020/1/28</a:t>
+              <a:t>2020/1/31</a:t>
             </a:fld>
             <a:endParaRPr kumimoji="1" lang="ja-JP" altLang="en-US"/>
           </a:p>
@@ -3096,7 +3008,7 @@
           <a:p>
             <a:fld id="{BE99A350-A1B1-1E45-BB25-3DF64E2FB64C}" type="datetime1">
               <a:rPr kumimoji="1" lang="ja-JP" altLang="en-US" smtClean="0"/>
-              <a:t>2020/1/28</a:t>
+              <a:t>2020/1/31</a:t>
             </a:fld>
             <a:endParaRPr kumimoji="1" lang="ja-JP" altLang="en-US"/>
           </a:p>
@@ -3392,7 +3304,7 @@
           <a:p>
             <a:fld id="{B66F413D-3751-BA4F-95FD-B012FBB5AC38}" type="datetime1">
               <a:rPr kumimoji="1" lang="ja-JP" altLang="en-US" smtClean="0"/>
-              <a:t>2020/1/28</a:t>
+              <a:t>2020/1/31</a:t>
             </a:fld>
             <a:endParaRPr kumimoji="1" lang="ja-JP" altLang="en-US"/>
           </a:p>
@@ -3889,7 +3801,7 @@
           <a:p>
             <a:fld id="{3F034A29-2760-CE48-9EAD-37F6D8A2ED9E}" type="datetime1">
               <a:rPr kumimoji="1" lang="ja-JP" altLang="en-US" smtClean="0"/>
-              <a:t>2020/1/28</a:t>
+              <a:t>2020/1/31</a:t>
             </a:fld>
             <a:endParaRPr kumimoji="1" lang="ja-JP" altLang="en-US"/>
           </a:p>
@@ -4270,7 +4182,7 @@
           <a:p>
             <a:fld id="{4BD725EE-9545-E84A-BF76-93ECAC915F52}" type="datetime1">
               <a:rPr kumimoji="1" lang="ja-JP" altLang="en-US" smtClean="0"/>
-              <a:t>2020/1/28</a:t>
+              <a:t>2020/1/31</a:t>
             </a:fld>
             <a:endParaRPr kumimoji="1" lang="ja-JP" altLang="en-US"/>
           </a:p>
@@ -4888,8 +4800,8 @@
           </a:p>
         </p:txBody>
       </p:sp>
-      <mc:AlternateContent xmlns:mc="http://schemas.openxmlformats.org/markup-compatibility/2006" xmlns:a14="http://schemas.microsoft.com/office/drawing/2010/main">
-        <mc:Choice Requires="a14">
+      <mc:AlternateContent xmlns:mc="http://schemas.openxmlformats.org/markup-compatibility/2006">
+        <mc:Choice xmlns:a14="http://schemas.microsoft.com/office/drawing/2010/main" Requires="a14">
           <p:sp>
             <p:nvSpPr>
               <p:cNvPr id="3" name="コンテンツ プレースホルダー 2">
@@ -5082,11 +4994,14 @@
                         <m:t>𝛾</m:t>
                       </m:r>
                       <m:r>
-                        <a:rPr kumimoji="1" lang="en-US" altLang="ja-JP" b="0" i="1" smtClean="0">
+                        <m:rPr>
+                          <m:sty m:val="p"/>
+                        </m:rPr>
+                        <a:rPr kumimoji="1" lang="el-GR" altLang="ja-JP" b="0" i="1" smtClean="0">
                           <a:latin typeface="Cambria Math" panose="02040503050406030204" pitchFamily="18" charset="0"/>
                           <a:ea typeface="Cambria Math" panose="02040503050406030204" pitchFamily="18" charset="0"/>
                         </a:rPr>
-                        <m:t>𝑄𝑃</m:t>
+                        <m:t>Η</m:t>
                       </m:r>
                     </m:oMath>
                   </m:oMathPara>
@@ -5223,10 +5138,14 @@
                 <a14:m>
                   <m:oMath xmlns:m="http://schemas.openxmlformats.org/officeDocument/2006/math">
                     <m:r>
-                      <a:rPr kumimoji="1" lang="en-US" altLang="ja-JP" b="0" i="1" smtClean="0">
+                      <m:rPr>
+                        <m:sty m:val="p"/>
+                      </m:rPr>
+                      <a:rPr kumimoji="1" lang="el-GR" altLang="ja-JP" b="0" i="1" smtClean="0">
                         <a:latin typeface="Cambria Math" panose="02040503050406030204" pitchFamily="18" charset="0"/>
+                        <a:ea typeface="Cambria Math" panose="02040503050406030204" pitchFamily="18" charset="0"/>
                       </a:rPr>
-                      <m:t>𝑄𝑃</m:t>
+                      <m:t>Η</m:t>
                     </m:r>
                   </m:oMath>
                 </a14:m>
@@ -5236,7 +5155,7 @@
                 </a:r>
                 <a:r>
                   <a:rPr kumimoji="1" lang="ja-JP" altLang="en-US"/>
-                  <a:t>容量制約に関するペナルティ関数</a:t>
+                  <a:t>容量制約に関するペナルティ</a:t>
                 </a:r>
                 <a:endParaRPr kumimoji="1" lang="en-US" altLang="ja-JP" dirty="0"/>
               </a:p>
@@ -5316,7 +5235,7 @@
             </p:txBody>
           </p:sp>
         </mc:Choice>
-        <mc:Fallback xmlns="">
+        <mc:Fallback>
           <p:sp>
             <p:nvSpPr>
               <p:cNvPr id="3" name="コンテンツ プレースホルダー 2">
@@ -5513,7 +5432,7 @@
             </a:r>
             <a:r>
               <a:rPr lang="en-US" altLang="ja-JP" dirty="0"/>
-              <a:t> optimizer(</a:t>
+              <a:t> optimizer (</a:t>
             </a:r>
             <a:r>
               <a:rPr lang="en-US" altLang="ja-JP" dirty="0" err="1"/>
@@ -5734,6 +5653,173 @@
 </file>
 
 <file path=ppt/slides/slide13.xml><?xml version="1.0" encoding="utf-8"?>
+<p:sld xmlns:a="http://schemas.openxmlformats.org/drawingml/2006/main" xmlns:r="http://schemas.openxmlformats.org/officeDocument/2006/relationships" xmlns:p="http://schemas.openxmlformats.org/presentationml/2006/main">
+  <p:cSld>
+    <p:spTree>
+      <p:nvGrpSpPr>
+        <p:cNvPr id="1" name=""/>
+        <p:cNvGrpSpPr/>
+        <p:nvPr/>
+      </p:nvGrpSpPr>
+      <p:grpSpPr>
+        <a:xfrm>
+          <a:off x="0" y="0"/>
+          <a:ext cx="0" cy="0"/>
+          <a:chOff x="0" y="0"/>
+          <a:chExt cx="0" cy="0"/>
+        </a:xfrm>
+      </p:grpSpPr>
+      <p:sp>
+        <p:nvSpPr>
+          <p:cNvPr id="2" name="タイトル 1">
+            <a:extLst>
+              <a:ext uri="{FF2B5EF4-FFF2-40B4-BE49-F238E27FC236}">
+                <a16:creationId xmlns:a16="http://schemas.microsoft.com/office/drawing/2014/main" id="{210AB7E5-4337-D54D-8945-D38FB311200C}"/>
+              </a:ext>
+            </a:extLst>
+          </p:cNvPr>
+          <p:cNvSpPr>
+            <a:spLocks noGrp="1"/>
+          </p:cNvSpPr>
+          <p:nvPr>
+            <p:ph type="title"/>
+          </p:nvPr>
+        </p:nvSpPr>
+        <p:spPr/>
+        <p:txBody>
+          <a:bodyPr/>
+          <a:lstStyle/>
+          <a:p>
+            <a:r>
+              <a:rPr lang="ja-JP" altLang="en-US"/>
+              <a:t>初期解生成</a:t>
+            </a:r>
+            <a:endParaRPr kumimoji="1" lang="ja-JP" altLang="en-US"/>
+          </a:p>
+        </p:txBody>
+      </p:sp>
+      <p:sp>
+        <p:nvSpPr>
+          <p:cNvPr id="3" name="コンテンツ プレースホルダー 2">
+            <a:extLst>
+              <a:ext uri="{FF2B5EF4-FFF2-40B4-BE49-F238E27FC236}">
+                <a16:creationId xmlns:a16="http://schemas.microsoft.com/office/drawing/2014/main" id="{C54371DD-615F-1245-9508-53D772978807}"/>
+              </a:ext>
+            </a:extLst>
+          </p:cNvPr>
+          <p:cNvSpPr>
+            <a:spLocks noGrp="1"/>
+          </p:cNvSpPr>
+          <p:nvPr>
+            <p:ph idx="1"/>
+          </p:nvPr>
+        </p:nvSpPr>
+        <p:spPr/>
+        <p:txBody>
+          <a:bodyPr>
+            <a:normAutofit lnSpcReduction="10000"/>
+          </a:bodyPr>
+          <a:lstStyle/>
+          <a:p>
+            <a:r>
+              <a:rPr kumimoji="1" lang="ja-JP" altLang="en-US"/>
+              <a:t>リクエストをランダムに選び、</a:t>
+            </a:r>
+            <a:r>
+              <a:rPr lang="ja-JP" altLang="en-US"/>
+              <a:t>出発地と目的地をペアで挿入</a:t>
+            </a:r>
+            <a:endParaRPr lang="en-US" altLang="ja-JP" dirty="0"/>
+          </a:p>
+          <a:p>
+            <a:r>
+              <a:rPr lang="ja-JP" altLang="en-US"/>
+              <a:t>未割り当てのリクエストがなくなるまで繰り返す</a:t>
+            </a:r>
+            <a:endParaRPr lang="en-US" altLang="ja-JP" dirty="0"/>
+          </a:p>
+          <a:p>
+            <a:endParaRPr kumimoji="1" lang="en-US" altLang="ja-JP" dirty="0"/>
+          </a:p>
+          <a:p>
+            <a:pPr marL="0" indent="0">
+              <a:buNone/>
+            </a:pPr>
+            <a:r>
+              <a:rPr lang="ja-JP" altLang="en-US"/>
+              <a:t>このように生成することで、</a:t>
+            </a:r>
+            <a:endParaRPr lang="en-US" altLang="ja-JP" dirty="0"/>
+          </a:p>
+          <a:p>
+            <a:r>
+              <a:rPr lang="ja-JP" altLang="en-US"/>
+              <a:t>容量制約</a:t>
+            </a:r>
+            <a:endParaRPr lang="en-US" altLang="ja-JP" dirty="0"/>
+          </a:p>
+          <a:p>
+            <a:r>
+              <a:rPr lang="ja-JP" altLang="en-US"/>
+              <a:t>リクエストの訪問順</a:t>
+            </a:r>
+            <a:endParaRPr lang="en-US" altLang="ja-JP" dirty="0"/>
+          </a:p>
+          <a:p>
+            <a:pPr marL="0" indent="0">
+              <a:buNone/>
+            </a:pPr>
+            <a:r>
+              <a:rPr lang="ja-JP" altLang="en-US"/>
+              <a:t>これらの制約を必ず満たす解を生成することができる。</a:t>
+            </a:r>
+            <a:endParaRPr lang="en-US" altLang="ja-JP" dirty="0"/>
+          </a:p>
+        </p:txBody>
+      </p:sp>
+      <p:sp>
+        <p:nvSpPr>
+          <p:cNvPr id="4" name="スライド番号プレースホルダー 3">
+            <a:extLst>
+              <a:ext uri="{FF2B5EF4-FFF2-40B4-BE49-F238E27FC236}">
+                <a16:creationId xmlns:a16="http://schemas.microsoft.com/office/drawing/2014/main" id="{5D07F696-5D24-D34B-8102-E9B2FE72AAA8}"/>
+              </a:ext>
+            </a:extLst>
+          </p:cNvPr>
+          <p:cNvSpPr>
+            <a:spLocks noGrp="1"/>
+          </p:cNvSpPr>
+          <p:nvPr>
+            <p:ph type="sldNum" sz="quarter" idx="12"/>
+          </p:nvPr>
+        </p:nvSpPr>
+        <p:spPr/>
+        <p:txBody>
+          <a:bodyPr/>
+          <a:lstStyle/>
+          <a:p>
+            <a:fld id="{84E0C278-47E8-3649-A055-2003DC36C60A}" type="slidenum">
+              <a:rPr kumimoji="1" lang="ja-JP" altLang="en-US" smtClean="0"/>
+              <a:t>13</a:t>
+            </a:fld>
+            <a:endParaRPr kumimoji="1" lang="ja-JP" altLang="en-US"/>
+          </a:p>
+        </p:txBody>
+      </p:sp>
+    </p:spTree>
+    <p:extLst>
+      <p:ext uri="{BB962C8B-B14F-4D97-AF65-F5344CB8AC3E}">
+        <p14:creationId xmlns:p14="http://schemas.microsoft.com/office/powerpoint/2010/main" val="4243729611"/>
+      </p:ext>
+    </p:extLst>
+  </p:cSld>
+  <p:clrMapOvr>
+    <a:masterClrMapping/>
+  </p:clrMapOvr>
+</p:sld>
+</file>
+
+<file path=ppt/slides/slide14.xml><?xml version="1.0" encoding="utf-8"?>
 <p:sld xmlns:a="http://schemas.openxmlformats.org/drawingml/2006/main" xmlns:r="http://schemas.openxmlformats.org/officeDocument/2006/relationships" xmlns:p="http://schemas.openxmlformats.org/presentationml/2006/main">
   <p:cSld>
     <p:spTree>
@@ -7755,7 +7841,7 @@
           <a:p>
             <a:fld id="{84E0C278-47E8-3649-A055-2003DC36C60A}" type="slidenum">
               <a:rPr kumimoji="1" lang="ja-JP" altLang="en-US" smtClean="0"/>
-              <a:t>13</a:t>
+              <a:t>14</a:t>
             </a:fld>
             <a:endParaRPr kumimoji="1" lang="ja-JP" altLang="en-US"/>
           </a:p>
@@ -7774,7 +7860,7 @@
 </p:sld>
 </file>
 
-<file path=ppt/slides/slide14.xml><?xml version="1.0" encoding="utf-8"?>
+<file path=ppt/slides/slide15.xml><?xml version="1.0" encoding="utf-8"?>
 <p:sld xmlns:a="http://schemas.openxmlformats.org/drawingml/2006/main" xmlns:r="http://schemas.openxmlformats.org/officeDocument/2006/relationships" xmlns:p="http://schemas.openxmlformats.org/presentationml/2006/main">
   <p:cSld>
     <p:spTree>
@@ -7900,7 +7986,7 @@
           <a:p>
             <a:fld id="{84E0C278-47E8-3649-A055-2003DC36C60A}" type="slidenum">
               <a:rPr kumimoji="1" lang="ja-JP" altLang="en-US" smtClean="0"/>
-              <a:t>14</a:t>
+              <a:t>15</a:t>
             </a:fld>
             <a:endParaRPr kumimoji="1" lang="ja-JP" altLang="en-US"/>
           </a:p>
@@ -7919,7 +8005,7 @@
 </p:sld>
 </file>
 
-<file path=ppt/slides/slide15.xml><?xml version="1.0" encoding="utf-8"?>
+<file path=ppt/slides/slide16.xml><?xml version="1.0" encoding="utf-8"?>
 <p:sld xmlns:a="http://schemas.openxmlformats.org/drawingml/2006/main" xmlns:r="http://schemas.openxmlformats.org/officeDocument/2006/relationships" xmlns:p="http://schemas.openxmlformats.org/presentationml/2006/main">
   <p:cSld>
     <p:spTree>
@@ -7983,7 +8069,7 @@
         <p:spPr/>
         <p:txBody>
           <a:bodyPr>
-            <a:normAutofit lnSpcReduction="10000"/>
+            <a:normAutofit/>
           </a:bodyPr>
           <a:lstStyle/>
           <a:p>
@@ -8056,17 +8142,6 @@
               <a:rPr kumimoji="1" lang="ja-JP" altLang="en-US"/>
               <a:t>  </a:t>
             </a:r>
-            <a:endParaRPr kumimoji="1" lang="en-US" altLang="ja-JP" dirty="0"/>
-          </a:p>
-          <a:p>
-            <a:pPr marL="0" indent="0">
-              <a:buNone/>
-            </a:pPr>
-            <a:r>
-              <a:rPr lang="ja-JP" altLang="en-US"/>
-              <a:t> 本研究では、一定の試行回数を行ったかを終了条件とする。</a:t>
-            </a:r>
-            <a:endParaRPr kumimoji="1" lang="ja-JP" altLang="en-US"/>
           </a:p>
         </p:txBody>
       </p:sp>
@@ -8093,7 +8168,7 @@
           <a:p>
             <a:fld id="{84E0C278-47E8-3649-A055-2003DC36C60A}" type="slidenum">
               <a:rPr kumimoji="1" lang="ja-JP" altLang="en-US" smtClean="0"/>
-              <a:t>15</a:t>
+              <a:t>16</a:t>
             </a:fld>
             <a:endParaRPr kumimoji="1" lang="ja-JP" altLang="en-US"/>
           </a:p>
@@ -8112,7 +8187,7 @@
 </p:sld>
 </file>
 
-<file path=ppt/slides/slide16.xml><?xml version="1.0" encoding="utf-8"?>
+<file path=ppt/slides/slide17.xml><?xml version="1.0" encoding="utf-8"?>
 <p:sld xmlns:a="http://schemas.openxmlformats.org/drawingml/2006/main" xmlns:r="http://schemas.openxmlformats.org/officeDocument/2006/relationships" xmlns:p="http://schemas.openxmlformats.org/presentationml/2006/main">
   <p:cSld>
     <p:spTree>
@@ -8176,7 +8251,7 @@
         </p:nvSpPr>
         <p:spPr>
           <a:xfrm>
-            <a:off x="1125820" y="2314897"/>
+            <a:off x="1125820" y="2766160"/>
             <a:ext cx="9603275" cy="3294576"/>
           </a:xfrm>
         </p:spPr>
@@ -8216,16 +8291,6 @@
               <a:t>同じルート内の別の箇所に挿入し直す</a:t>
             </a:r>
             <a:endParaRPr lang="en-US" altLang="ja-JP" dirty="0"/>
-          </a:p>
-          <a:p>
-            <a:pPr marL="0" indent="0">
-              <a:buNone/>
-            </a:pPr>
-            <a:r>
-              <a:rPr kumimoji="1" lang="ja-JP" altLang="en-US"/>
-              <a:t>この操作を改善がなくなるまで行う</a:t>
-            </a:r>
-            <a:endParaRPr kumimoji="1" lang="en-US" altLang="ja-JP" dirty="0"/>
           </a:p>
         </p:txBody>
       </p:sp>
@@ -8252,7 +8317,7 @@
           <a:p>
             <a:fld id="{84E0C278-47E8-3649-A055-2003DC36C60A}" type="slidenum">
               <a:rPr kumimoji="1" lang="ja-JP" altLang="en-US" smtClean="0"/>
-              <a:t>16</a:t>
+              <a:t>17</a:t>
             </a:fld>
             <a:endParaRPr kumimoji="1" lang="ja-JP" altLang="en-US"/>
           </a:p>
@@ -8271,7 +8336,7 @@
 </p:sld>
 </file>
 
-<file path=ppt/slides/slide17.xml><?xml version="1.0" encoding="utf-8"?>
+<file path=ppt/slides/slide18.xml><?xml version="1.0" encoding="utf-8"?>
 <p:sld xmlns:a="http://schemas.openxmlformats.org/drawingml/2006/main" xmlns:r="http://schemas.openxmlformats.org/officeDocument/2006/relationships" xmlns:p="http://schemas.openxmlformats.org/presentationml/2006/main">
   <p:cSld>
     <p:spTree>
@@ -8438,7 +8503,7 @@
           <a:p>
             <a:fld id="{84E0C278-47E8-3649-A055-2003DC36C60A}" type="slidenum">
               <a:rPr kumimoji="1" lang="ja-JP" altLang="en-US" smtClean="0"/>
-              <a:t>17</a:t>
+              <a:t>18</a:t>
             </a:fld>
             <a:endParaRPr kumimoji="1" lang="ja-JP" altLang="en-US"/>
           </a:p>
@@ -8457,7 +8522,7 @@
 </p:sld>
 </file>
 
-<file path=ppt/slides/slide18.xml><?xml version="1.0" encoding="utf-8"?>
+<file path=ppt/slides/slide19.xml><?xml version="1.0" encoding="utf-8"?>
 <p:sld xmlns:a="http://schemas.openxmlformats.org/drawingml/2006/main" xmlns:r="http://schemas.openxmlformats.org/officeDocument/2006/relationships" xmlns:p="http://schemas.openxmlformats.org/presentationml/2006/main">
   <p:cSld>
     <p:spTree>
@@ -10026,7 +10091,7 @@
           <a:p>
             <a:fld id="{84E0C278-47E8-3649-A055-2003DC36C60A}" type="slidenum">
               <a:rPr kumimoji="1" lang="ja-JP" altLang="en-US" smtClean="0"/>
-              <a:t>18</a:t>
+              <a:t>19</a:t>
             </a:fld>
             <a:endParaRPr kumimoji="1" lang="ja-JP" altLang="en-US"/>
           </a:p>
@@ -10036,264 +10101,6 @@
     <p:extLst>
       <p:ext uri="{BB962C8B-B14F-4D97-AF65-F5344CB8AC3E}">
         <p14:creationId xmlns:p14="http://schemas.microsoft.com/office/powerpoint/2010/main" val="3737252559"/>
-      </p:ext>
-    </p:extLst>
-  </p:cSld>
-  <p:clrMapOvr>
-    <a:masterClrMapping/>
-  </p:clrMapOvr>
-</p:sld>
-</file>
-
-<file path=ppt/slides/slide19.xml><?xml version="1.0" encoding="utf-8"?>
-<p:sld xmlns:a="http://schemas.openxmlformats.org/drawingml/2006/main" xmlns:r="http://schemas.openxmlformats.org/officeDocument/2006/relationships" xmlns:p="http://schemas.openxmlformats.org/presentationml/2006/main">
-  <p:cSld>
-    <p:spTree>
-      <p:nvGrpSpPr>
-        <p:cNvPr id="1" name=""/>
-        <p:cNvGrpSpPr/>
-        <p:nvPr/>
-      </p:nvGrpSpPr>
-      <p:grpSpPr>
-        <a:xfrm>
-          <a:off x="0" y="0"/>
-          <a:ext cx="0" cy="0"/>
-          <a:chOff x="0" y="0"/>
-          <a:chExt cx="0" cy="0"/>
-        </a:xfrm>
-      </p:grpSpPr>
-      <p:sp>
-        <p:nvSpPr>
-          <p:cNvPr id="2" name="タイトル 1">
-            <a:extLst>
-              <a:ext uri="{FF2B5EF4-FFF2-40B4-BE49-F238E27FC236}">
-                <a16:creationId xmlns:a16="http://schemas.microsoft.com/office/drawing/2014/main" id="{2DE70C4B-78FA-6145-AD67-25B14F11E06A}"/>
-              </a:ext>
-            </a:extLst>
-          </p:cNvPr>
-          <p:cNvSpPr>
-            <a:spLocks noGrp="1"/>
-          </p:cNvSpPr>
-          <p:nvPr>
-            <p:ph type="title"/>
-          </p:nvPr>
-        </p:nvSpPr>
-        <p:spPr/>
-        <p:txBody>
-          <a:bodyPr/>
-          <a:lstStyle/>
-          <a:p>
-            <a:r>
-              <a:rPr kumimoji="1" lang="ja-JP" altLang="en-US"/>
-              <a:t>先行研究との比較</a:t>
-            </a:r>
-          </a:p>
-        </p:txBody>
-      </p:sp>
-      <mc:AlternateContent xmlns:mc="http://schemas.openxmlformats.org/markup-compatibility/2006" xmlns:a14="http://schemas.microsoft.com/office/drawing/2010/main">
-        <mc:Choice Requires="a14">
-          <p:sp>
-            <p:nvSpPr>
-              <p:cNvPr id="3" name="コンテンツ プレースホルダー 2">
-                <a:extLst>
-                  <a:ext uri="{FF2B5EF4-FFF2-40B4-BE49-F238E27FC236}">
-                    <a16:creationId xmlns:a16="http://schemas.microsoft.com/office/drawing/2014/main" id="{384CB143-5579-764F-894E-0A155B971A55}"/>
-                  </a:ext>
-                </a:extLst>
-              </p:cNvPr>
-              <p:cNvSpPr>
-                <a:spLocks noGrp="1"/>
-              </p:cNvSpPr>
-              <p:nvPr>
-                <p:ph idx="1"/>
-              </p:nvPr>
-            </p:nvSpPr>
-            <p:spPr/>
-            <p:txBody>
-              <a:bodyPr/>
-              <a:lstStyle/>
-              <a:p>
-                <a:r>
-                  <a:rPr kumimoji="1" lang="ja-JP" altLang="en-US"/>
-                  <a:t>目的関数のペナルティに対する係数を大きくすることで、ペナルティの値がとても小さい結果を得ることができ、先行研究と比較ができる。</a:t>
-                </a:r>
-                <a:endParaRPr kumimoji="1" lang="en-US" altLang="ja-JP" dirty="0"/>
-              </a:p>
-              <a:p>
-                <a:r>
-                  <a:rPr lang="ja-JP" altLang="en-US"/>
-                  <a:t>係数を</a:t>
-                </a:r>
-                <a14:m>
-                  <m:oMath xmlns:m="http://schemas.openxmlformats.org/officeDocument/2006/math">
-                    <m:r>
-                      <a:rPr lang="ja-JP" altLang="en-US" i="1" smtClean="0">
-                        <a:latin typeface="Cambria Math" panose="02040503050406030204" pitchFamily="18" charset="0"/>
-                      </a:rPr>
-                      <m:t>𝛼</m:t>
-                    </m:r>
-                    <m:r>
-                      <a:rPr lang="en-US" altLang="ja-JP" b="0" i="1" smtClean="0">
-                        <a:latin typeface="Cambria Math" panose="02040503050406030204" pitchFamily="18" charset="0"/>
-                      </a:rPr>
-                      <m:t>=1,</m:t>
-                    </m:r>
-                    <m:r>
-                      <a:rPr lang="en-US" altLang="ja-JP" b="0" i="1" smtClean="0">
-                        <a:latin typeface="Cambria Math" panose="02040503050406030204" pitchFamily="18" charset="0"/>
-                        <a:ea typeface="Cambria Math" panose="02040503050406030204" pitchFamily="18" charset="0"/>
-                      </a:rPr>
-                      <m:t>𝛽</m:t>
-                    </m:r>
-                    <m:r>
-                      <a:rPr lang="en-US" altLang="ja-JP" b="0" i="1" smtClean="0">
-                        <a:latin typeface="Cambria Math" panose="02040503050406030204" pitchFamily="18" charset="0"/>
-                        <a:ea typeface="Cambria Math" panose="02040503050406030204" pitchFamily="18" charset="0"/>
-                      </a:rPr>
-                      <m:t>=500</m:t>
-                    </m:r>
-                    <m:r>
-                      <a:rPr lang="ja-JP" altLang="en-US" i="1">
-                        <a:latin typeface="Cambria Math" panose="02040503050406030204" pitchFamily="18" charset="0"/>
-                        <a:ea typeface="Cambria Math" panose="02040503050406030204" pitchFamily="18" charset="0"/>
-                      </a:rPr>
-                      <m:t>とする。</m:t>
-                    </m:r>
-                  </m:oMath>
-                </a14:m>
-                <a:endParaRPr lang="en-US" altLang="ja-JP" dirty="0">
-                  <a:ea typeface="Cambria Math" panose="02040503050406030204" pitchFamily="18" charset="0"/>
-                </a:endParaRPr>
-              </a:p>
-              <a:p>
-                <a:r>
-                  <a:rPr lang="en-US" altLang="ja-JP" dirty="0" err="1"/>
-                  <a:t>Cordeau</a:t>
-                </a:r>
-                <a:r>
-                  <a:rPr lang="ja-JP" altLang="en-US"/>
-                  <a:t>らによる計算と</a:t>
-                </a:r>
-                <a:r>
-                  <a:rPr kumimoji="1" lang="ja-JP" altLang="en-US"/>
-                  <a:t>同様に試行回数を</a:t>
-                </a:r>
-                <a14:m>
-                  <m:oMath xmlns:m="http://schemas.openxmlformats.org/officeDocument/2006/math">
-                    <m:sSup>
-                      <m:sSupPr>
-                        <m:ctrlPr>
-                          <a:rPr lang="en-US" altLang="ja-JP" i="1">
-                            <a:latin typeface="Cambria Math" panose="02040503050406030204" pitchFamily="18" charset="0"/>
-                          </a:rPr>
-                        </m:ctrlPr>
-                      </m:sSupPr>
-                      <m:e>
-                        <m:r>
-                          <a:rPr lang="en-US" altLang="ja-JP" i="1">
-                            <a:latin typeface="Cambria Math" panose="02040503050406030204" pitchFamily="18" charset="0"/>
-                          </a:rPr>
-                          <m:t>10</m:t>
-                        </m:r>
-                      </m:e>
-                      <m:sup>
-                        <m:r>
-                          <a:rPr lang="en-US" altLang="ja-JP" i="1">
-                            <a:latin typeface="Cambria Math" panose="02040503050406030204" pitchFamily="18" charset="0"/>
-                          </a:rPr>
-                          <m:t>5</m:t>
-                        </m:r>
-                      </m:sup>
-                    </m:sSup>
-                    <m:r>
-                      <a:rPr lang="ja-JP" altLang="en-US" i="1">
-                        <a:latin typeface="Cambria Math" panose="02040503050406030204" pitchFamily="18" charset="0"/>
-                      </a:rPr>
-                      <m:t>回として</m:t>
-                    </m:r>
-                  </m:oMath>
-                </a14:m>
-                <a:r>
-                  <a:rPr kumimoji="1" lang="ja-JP" altLang="en-US"/>
-                  <a:t>比較を行った。</a:t>
-                </a:r>
-              </a:p>
-            </p:txBody>
-          </p:sp>
-        </mc:Choice>
-        <mc:Fallback xmlns="">
-          <p:sp>
-            <p:nvSpPr>
-              <p:cNvPr id="3" name="コンテンツ プレースホルダー 2">
-                <a:extLst>
-                  <a:ext uri="{FF2B5EF4-FFF2-40B4-BE49-F238E27FC236}">
-                    <a16:creationId xmlns:a16="http://schemas.microsoft.com/office/drawing/2014/main" id="{384CB143-5579-764F-894E-0A155B971A55}"/>
-                  </a:ext>
-                </a:extLst>
-              </p:cNvPr>
-              <p:cNvSpPr>
-                <a:spLocks noGrp="1" noRot="1" noChangeAspect="1" noMove="1" noResize="1" noEditPoints="1" noAdjustHandles="1" noChangeArrowheads="1" noChangeShapeType="1" noTextEdit="1"/>
-              </p:cNvSpPr>
-              <p:nvPr>
-                <p:ph idx="1"/>
-              </p:nvPr>
-            </p:nvSpPr>
-            <p:spPr>
-              <a:blipFill>
-                <a:blip r:embed="rId2"/>
-                <a:stretch>
-                  <a:fillRect l="-528" r="-132"/>
-                </a:stretch>
-              </a:blipFill>
-            </p:spPr>
-            <p:txBody>
-              <a:bodyPr/>
-              <a:lstStyle/>
-              <a:p>
-                <a:r>
-                  <a:rPr lang="ja-JP" altLang="en-US">
-                    <a:noFill/>
-                  </a:rPr>
-                  <a:t> </a:t>
-                </a:r>
-              </a:p>
-            </p:txBody>
-          </p:sp>
-        </mc:Fallback>
-      </mc:AlternateContent>
-      <p:sp>
-        <p:nvSpPr>
-          <p:cNvPr id="4" name="スライド番号プレースホルダー 3">
-            <a:extLst>
-              <a:ext uri="{FF2B5EF4-FFF2-40B4-BE49-F238E27FC236}">
-                <a16:creationId xmlns:a16="http://schemas.microsoft.com/office/drawing/2014/main" id="{C6DEC8E1-E103-7C43-A075-1F62F6496E2A}"/>
-              </a:ext>
-            </a:extLst>
-          </p:cNvPr>
-          <p:cNvSpPr>
-            <a:spLocks noGrp="1"/>
-          </p:cNvSpPr>
-          <p:nvPr>
-            <p:ph type="sldNum" sz="quarter" idx="12"/>
-          </p:nvPr>
-        </p:nvSpPr>
-        <p:spPr/>
-        <p:txBody>
-          <a:bodyPr/>
-          <a:lstStyle/>
-          <a:p>
-            <a:fld id="{84E0C278-47E8-3649-A055-2003DC36C60A}" type="slidenum">
-              <a:rPr kumimoji="1" lang="ja-JP" altLang="en-US" smtClean="0"/>
-              <a:t>19</a:t>
-            </a:fld>
-            <a:endParaRPr kumimoji="1" lang="ja-JP" altLang="en-US"/>
-          </a:p>
-        </p:txBody>
-      </p:sp>
-    </p:spTree>
-    <p:extLst>
-      <p:ext uri="{BB962C8B-B14F-4D97-AF65-F5344CB8AC3E}">
-        <p14:creationId xmlns:p14="http://schemas.microsoft.com/office/powerpoint/2010/main" val="3172896915"/>
       </p:ext>
     </p:extLst>
   </p:cSld>
@@ -10477,6 +10284,160 @@
           <a:chExt cx="0" cy="0"/>
         </a:xfrm>
       </p:grpSpPr>
+      <p:sp>
+        <p:nvSpPr>
+          <p:cNvPr id="2" name="タイトル 1">
+            <a:extLst>
+              <a:ext uri="{FF2B5EF4-FFF2-40B4-BE49-F238E27FC236}">
+                <a16:creationId xmlns:a16="http://schemas.microsoft.com/office/drawing/2014/main" id="{2DE70C4B-78FA-6145-AD67-25B14F11E06A}"/>
+              </a:ext>
+            </a:extLst>
+          </p:cNvPr>
+          <p:cNvSpPr>
+            <a:spLocks noGrp="1"/>
+          </p:cNvSpPr>
+          <p:nvPr>
+            <p:ph type="title"/>
+          </p:nvPr>
+        </p:nvSpPr>
+        <p:spPr/>
+        <p:txBody>
+          <a:bodyPr/>
+          <a:lstStyle/>
+          <a:p>
+            <a:r>
+              <a:rPr kumimoji="1" lang="ja-JP" altLang="en-US"/>
+              <a:t>先行研究との比較</a:t>
+            </a:r>
+          </a:p>
+        </p:txBody>
+      </p:sp>
+      <p:sp>
+        <p:nvSpPr>
+          <p:cNvPr id="3" name="コンテンツ プレースホルダー 2">
+            <a:extLst>
+              <a:ext uri="{FF2B5EF4-FFF2-40B4-BE49-F238E27FC236}">
+                <a16:creationId xmlns:a16="http://schemas.microsoft.com/office/drawing/2014/main" id="{384CB143-5579-764F-894E-0A155B971A55}"/>
+              </a:ext>
+            </a:extLst>
+          </p:cNvPr>
+          <p:cNvSpPr>
+            <a:spLocks noGrp="1"/>
+          </p:cNvSpPr>
+          <p:nvPr>
+            <p:ph idx="1"/>
+          </p:nvPr>
+        </p:nvSpPr>
+        <p:spPr/>
+        <p:txBody>
+          <a:bodyPr/>
+          <a:lstStyle/>
+          <a:p>
+            <a:r>
+              <a:rPr kumimoji="1" lang="ja-JP" altLang="en-US"/>
+              <a:t>目的関数のペナルティに対する係数を十分に大きくすることで、</a:t>
+            </a:r>
+            <a:r>
+              <a:rPr lang="ja-JP" altLang="en-US"/>
+              <a:t>ハード制約として扱うことができる。</a:t>
+            </a:r>
+            <a:endParaRPr lang="en-US" altLang="ja-JP" dirty="0"/>
+          </a:p>
+          <a:p>
+            <a:r>
+              <a:rPr kumimoji="1" lang="ja-JP" altLang="en-US"/>
+              <a:t>先行研究との解の制度を比較した。</a:t>
+            </a:r>
+            <a:endParaRPr kumimoji="1" lang="en-US" altLang="ja-JP" dirty="0"/>
+          </a:p>
+          <a:p>
+            <a:r>
+              <a:rPr lang="ja-JP" altLang="en-US">
+                <a:latin typeface="+mn-ea"/>
+              </a:rPr>
+              <a:t>挿入近傍を用いた。</a:t>
+            </a:r>
+            <a:endParaRPr lang="en-US" altLang="ja-JP" dirty="0">
+              <a:latin typeface="+mn-ea"/>
+            </a:endParaRPr>
+          </a:p>
+          <a:p>
+            <a:r>
+              <a:rPr lang="ja-JP" altLang="en-US">
+                <a:latin typeface="+mn-ea"/>
+              </a:rPr>
+              <a:t>容量制約を満たすものを必ず出力する。</a:t>
+            </a:r>
+            <a:endParaRPr lang="en-US" altLang="ja-JP" dirty="0">
+              <a:latin typeface="+mn-ea"/>
+            </a:endParaRPr>
+          </a:p>
+          <a:p>
+            <a:endParaRPr lang="en-US" altLang="ja-JP" dirty="0">
+              <a:latin typeface="+mn-ea"/>
+            </a:endParaRPr>
+          </a:p>
+        </p:txBody>
+      </p:sp>
+      <p:sp>
+        <p:nvSpPr>
+          <p:cNvPr id="4" name="スライド番号プレースホルダー 3">
+            <a:extLst>
+              <a:ext uri="{FF2B5EF4-FFF2-40B4-BE49-F238E27FC236}">
+                <a16:creationId xmlns:a16="http://schemas.microsoft.com/office/drawing/2014/main" id="{C6DEC8E1-E103-7C43-A075-1F62F6496E2A}"/>
+              </a:ext>
+            </a:extLst>
+          </p:cNvPr>
+          <p:cNvSpPr>
+            <a:spLocks noGrp="1"/>
+          </p:cNvSpPr>
+          <p:nvPr>
+            <p:ph type="sldNum" sz="quarter" idx="12"/>
+          </p:nvPr>
+        </p:nvSpPr>
+        <p:spPr/>
+        <p:txBody>
+          <a:bodyPr/>
+          <a:lstStyle/>
+          <a:p>
+            <a:fld id="{84E0C278-47E8-3649-A055-2003DC36C60A}" type="slidenum">
+              <a:rPr kumimoji="1" lang="ja-JP" altLang="en-US" smtClean="0"/>
+              <a:t>20</a:t>
+            </a:fld>
+            <a:endParaRPr kumimoji="1" lang="ja-JP" altLang="en-US"/>
+          </a:p>
+        </p:txBody>
+      </p:sp>
+    </p:spTree>
+    <p:extLst>
+      <p:ext uri="{BB962C8B-B14F-4D97-AF65-F5344CB8AC3E}">
+        <p14:creationId xmlns:p14="http://schemas.microsoft.com/office/powerpoint/2010/main" val="3172896915"/>
+      </p:ext>
+    </p:extLst>
+  </p:cSld>
+  <p:clrMapOvr>
+    <a:masterClrMapping/>
+  </p:clrMapOvr>
+</p:sld>
+</file>
+
+<file path=ppt/slides/slide21.xml><?xml version="1.0" encoding="utf-8"?>
+<p:sld xmlns:a="http://schemas.openxmlformats.org/drawingml/2006/main" xmlns:r="http://schemas.openxmlformats.org/officeDocument/2006/relationships" xmlns:p="http://schemas.openxmlformats.org/presentationml/2006/main">
+  <p:cSld>
+    <p:spTree>
+      <p:nvGrpSpPr>
+        <p:cNvPr id="1" name=""/>
+        <p:cNvGrpSpPr/>
+        <p:nvPr/>
+      </p:nvGrpSpPr>
+      <p:grpSpPr>
+        <a:xfrm>
+          <a:off x="0" y="0"/>
+          <a:ext cx="0" cy="0"/>
+          <a:chOff x="0" y="0"/>
+          <a:chExt cx="0" cy="0"/>
+        </a:xfrm>
+      </p:grpSpPr>
       <p:graphicFrame>
         <p:nvGraphicFramePr>
           <p:cNvPr id="2" name="表 1">
@@ -10492,14 +10453,14 @@
           <p:nvPr>
             <p:extLst>
               <p:ext uri="{D42A27DB-BD31-4B8C-83A1-F6EECF244321}">
-                <p14:modId xmlns:p14="http://schemas.microsoft.com/office/powerpoint/2010/main" val="444124989"/>
+                <p14:modId xmlns:p14="http://schemas.microsoft.com/office/powerpoint/2010/main" val="564347054"/>
               </p:ext>
             </p:extLst>
           </p:nvPr>
         </p:nvGraphicFramePr>
         <p:xfrm>
-          <a:off x="568962" y="389197"/>
-          <a:ext cx="10475090" cy="5594334"/>
+          <a:off x="1317108" y="816709"/>
+          <a:ext cx="8705665" cy="5121894"/>
         </p:xfrm>
         <a:graphic>
           <a:graphicData uri="http://schemas.openxmlformats.org/drawingml/2006/table">
@@ -10508,70 +10469,49 @@
                 <a:tableStyleId>{5C22544A-7EE6-4342-B048-85BDC9FD1C3A}</a:tableStyleId>
               </a:tblPr>
               <a:tblGrid>
-                <a:gridCol w="974408">
+                <a:gridCol w="1165129">
                   <a:extLst>
                     <a:ext uri="{9D8B030D-6E8A-4147-A177-3AD203B41FA5}">
                       <a16:colId xmlns:a16="http://schemas.microsoft.com/office/drawing/2014/main" val="3067472456"/>
                     </a:ext>
                   </a:extLst>
                 </a:gridCol>
-                <a:gridCol w="878240">
+                <a:gridCol w="1050138">
                   <a:extLst>
                     <a:ext uri="{9D8B030D-6E8A-4147-A177-3AD203B41FA5}">
                       <a16:colId xmlns:a16="http://schemas.microsoft.com/office/drawing/2014/main" val="2482243895"/>
                     </a:ext>
                   </a:extLst>
                 </a:gridCol>
-                <a:gridCol w="931146">
+                <a:gridCol w="1113399">
                   <a:extLst>
                     <a:ext uri="{9D8B030D-6E8A-4147-A177-3AD203B41FA5}">
                       <a16:colId xmlns:a16="http://schemas.microsoft.com/office/drawing/2014/main" val="1348079041"/>
                     </a:ext>
                   </a:extLst>
                 </a:gridCol>
-                <a:gridCol w="1076740">
+                <a:gridCol w="1287490">
                   <a:extLst>
                     <a:ext uri="{9D8B030D-6E8A-4147-A177-3AD203B41FA5}">
                       <a16:colId xmlns:a16="http://schemas.microsoft.com/office/drawing/2014/main" val="2295132505"/>
                     </a:ext>
                   </a:extLst>
                 </a:gridCol>
-                <a:gridCol w="843148">
+                <a:gridCol w="1358186">
                   <a:extLst>
                     <a:ext uri="{9D8B030D-6E8A-4147-A177-3AD203B41FA5}">
                       <a16:colId xmlns:a16="http://schemas.microsoft.com/office/drawing/2014/main" val="3700408153"/>
                     </a:ext>
                   </a:extLst>
                 </a:gridCol>
-                <a:gridCol w="1187533">
+                <a:gridCol w="1069960">
                   <a:extLst>
                     <a:ext uri="{9D8B030D-6E8A-4147-A177-3AD203B41FA5}">
                       <a16:colId xmlns:a16="http://schemas.microsoft.com/office/drawing/2014/main" val="2489046969"/>
                     </a:ext>
                   </a:extLst>
                 </a:gridCol>
-                <a:gridCol w="1033153">
-                  <a:extLst>
-                    <a:ext uri="{9D8B030D-6E8A-4147-A177-3AD203B41FA5}">
-                      <a16:colId xmlns:a16="http://schemas.microsoft.com/office/drawing/2014/main" val="2838135734"/>
-                    </a:ext>
-                  </a:extLst>
-                </a:gridCol>
-                <a:gridCol w="973776">
-                  <a:extLst>
-                    <a:ext uri="{9D8B030D-6E8A-4147-A177-3AD203B41FA5}">
-                      <a16:colId xmlns:a16="http://schemas.microsoft.com/office/drawing/2014/main" val="656764561"/>
-                    </a:ext>
-                  </a:extLst>
-                </a:gridCol>
-                <a:gridCol w="1187533">
-                  <a:extLst>
-                    <a:ext uri="{9D8B030D-6E8A-4147-A177-3AD203B41FA5}">
-                      <a16:colId xmlns:a16="http://schemas.microsoft.com/office/drawing/2014/main" val="2400946037"/>
-                    </a:ext>
-                  </a:extLst>
-                </a:gridCol>
-                <a:gridCol w="1389413">
+                <a:gridCol w="1661363">
                   <a:extLst>
                     <a:ext uri="{9D8B030D-6E8A-4147-A177-3AD203B41FA5}">
                       <a16:colId xmlns:a16="http://schemas.microsoft.com/office/drawing/2014/main" val="1447902104"/>
@@ -10623,45 +10563,7 @@
                       <a:pPr algn="ctr"/>
                       <a:r>
                         <a:rPr kumimoji="1" lang="ja-JP" altLang="en-US"/>
-                        <a:t>挿入近傍</a:t>
-                      </a:r>
-                    </a:p>
-                  </a:txBody>
-                  <a:tcPr/>
-                </a:tc>
-                <a:tc hMerge="1">
-                  <a:txBody>
-                    <a:bodyPr/>
-                    <a:lstStyle/>
-                    <a:p>
-                      <a:endParaRPr kumimoji="1" lang="ja-JP" altLang="en-US"/>
-                    </a:p>
-                  </a:txBody>
-                  <a:tcPr/>
-                </a:tc>
-                <a:tc hMerge="1">
-                  <a:txBody>
-                    <a:bodyPr/>
-                    <a:lstStyle/>
-                    <a:p>
-                      <a:endParaRPr kumimoji="1" lang="ja-JP" altLang="en-US"/>
-                    </a:p>
-                  </a:txBody>
-                  <a:tcPr/>
-                </a:tc>
-                <a:tc gridSpan="3">
-                  <a:txBody>
-                    <a:bodyPr/>
-                    <a:lstStyle/>
-                    <a:p>
-                      <a:pPr algn="ctr"/>
-                      <a:r>
-                        <a:rPr kumimoji="1" lang="en-US" altLang="ja-JP" dirty="0"/>
-                        <a:t>2</a:t>
-                      </a:r>
-                      <a:r>
-                        <a:rPr kumimoji="1" lang="ja-JP" altLang="en-US"/>
-                        <a:t>種類を交互</a:t>
+                        <a:t>本研究</a:t>
                       </a:r>
                     </a:p>
                   </a:txBody>
@@ -10757,7 +10659,7 @@
                       <a:pPr algn="ctr"/>
                       <a:r>
                         <a:rPr kumimoji="1" lang="ja-JP" altLang="en-US"/>
-                        <a:t>値</a:t>
+                        <a:t>ルートの長さ</a:t>
                       </a:r>
                     </a:p>
                   </a:txBody>
@@ -10771,7 +10673,7 @@
                       <a:pPr algn="ctr"/>
                       <a:r>
                         <a:rPr kumimoji="1" lang="ja-JP" altLang="en-US"/>
-                        <a:t>ペナ</a:t>
+                        <a:t>ペナルティ</a:t>
                       </a:r>
                     </a:p>
                   </a:txBody>
@@ -10806,6 +10708,13 @@
                   </a:txBody>
                   <a:tcPr/>
                 </a:tc>
+                <a:extLst>
+                  <a:ext uri="{0D108BD9-81ED-4DB2-BD59-A6C34878D82A}">
+                    <a16:rowId xmlns:a16="http://schemas.microsoft.com/office/drawing/2014/main" val="4000060795"/>
+                  </a:ext>
+                </a:extLst>
+              </a:tr>
+              <a:tr h="370840">
                 <a:tc>
                   <a:txBody>
                     <a:bodyPr/>
@@ -10813,13 +10722,590 @@
                     <a:p>
                       <a:pPr algn="ctr"/>
                       <a:r>
-                        <a:rPr kumimoji="1" lang="ja-JP" altLang="en-US"/>
-                        <a:t>ペナ</a:t>
-                      </a:r>
-                    </a:p>
-                  </a:txBody>
-                  <a:tcPr/>
-                </a:tc>
+                        <a:rPr kumimoji="1" lang="en-US" altLang="ja-JP" dirty="0"/>
+                        <a:t>r1a</a:t>
+                      </a:r>
+                      <a:endParaRPr kumimoji="1" lang="ja-JP" altLang="en-US"/>
+                    </a:p>
+                  </a:txBody>
+                  <a:tcPr/>
+                </a:tc>
+                <a:tc>
+                  <a:txBody>
+                    <a:bodyPr/>
+                    <a:lstStyle/>
+                    <a:p>
+                      <a:pPr algn="ctr"/>
+                      <a:r>
+                        <a:rPr kumimoji="1" lang="en-US" altLang="ja-JP" dirty="0"/>
+                        <a:t>24</a:t>
+                      </a:r>
+                      <a:endParaRPr kumimoji="1" lang="ja-JP" altLang="en-US"/>
+                    </a:p>
+                  </a:txBody>
+                  <a:tcPr/>
+                </a:tc>
+                <a:tc>
+                  <a:txBody>
+                    <a:bodyPr/>
+                    <a:lstStyle/>
+                    <a:p>
+                      <a:pPr algn="ctr"/>
+                      <a:r>
+                        <a:rPr kumimoji="1" lang="en-US" altLang="ja-JP" dirty="0"/>
+                        <a:t>3</a:t>
+                      </a:r>
+                      <a:endParaRPr kumimoji="1" lang="ja-JP" altLang="en-US"/>
+                    </a:p>
+                  </a:txBody>
+                  <a:tcPr/>
+                </a:tc>
+                <a:tc>
+                  <a:txBody>
+                    <a:bodyPr/>
+                    <a:lstStyle/>
+                    <a:p>
+                      <a:pPr algn="r"/>
+                      <a:r>
+                        <a:rPr kumimoji="1" lang="en-US" altLang="ja-JP" dirty="0"/>
+                        <a:t>219.27</a:t>
+                      </a:r>
+                      <a:endParaRPr kumimoji="1" lang="ja-JP" altLang="en-US"/>
+                    </a:p>
+                  </a:txBody>
+                  <a:tcPr anchor="ctr"/>
+                </a:tc>
+                <a:tc>
+                  <a:txBody>
+                    <a:bodyPr/>
+                    <a:lstStyle/>
+                    <a:p>
+                      <a:pPr algn="r"/>
+                      <a:r>
+                        <a:rPr kumimoji="1" lang="en-US" altLang="ja-JP" dirty="0"/>
+                        <a:t>0.00</a:t>
+                      </a:r>
+                      <a:endParaRPr kumimoji="1" lang="ja-JP" altLang="en-US"/>
+                    </a:p>
+                  </a:txBody>
+                  <a:tcPr anchor="ctr"/>
+                </a:tc>
+                <a:tc>
+                  <a:txBody>
+                    <a:bodyPr/>
+                    <a:lstStyle/>
+                    <a:p>
+                      <a:pPr algn="r"/>
+                      <a:r>
+                        <a:rPr kumimoji="1" lang="en-US" altLang="ja-JP" dirty="0"/>
+                        <a:t>15.2</a:t>
+                      </a:r>
+                      <a:endParaRPr kumimoji="1" lang="ja-JP" altLang="en-US"/>
+                    </a:p>
+                  </a:txBody>
+                  <a:tcPr anchor="ctr"/>
+                </a:tc>
+                <a:tc>
+                  <a:txBody>
+                    <a:bodyPr/>
+                    <a:lstStyle/>
+                    <a:p>
+                      <a:pPr algn="r"/>
+                      <a:r>
+                        <a:rPr kumimoji="1" lang="en-US" altLang="ja-JP" dirty="0"/>
+                        <a:t>190.02</a:t>
+                      </a:r>
+                      <a:endParaRPr kumimoji="1" lang="ja-JP" altLang="en-US"/>
+                    </a:p>
+                  </a:txBody>
+                  <a:tcPr anchor="ctr"/>
+                </a:tc>
+                <a:extLst>
+                  <a:ext uri="{0D108BD9-81ED-4DB2-BD59-A6C34878D82A}">
+                    <a16:rowId xmlns:a16="http://schemas.microsoft.com/office/drawing/2014/main" val="1352873157"/>
+                  </a:ext>
+                </a:extLst>
+              </a:tr>
+              <a:tr h="370840">
+                <a:tc>
+                  <a:txBody>
+                    <a:bodyPr/>
+                    <a:lstStyle/>
+                    <a:p>
+                      <a:pPr algn="ctr"/>
+                      <a:r>
+                        <a:rPr kumimoji="1" lang="en-US" altLang="ja-JP" dirty="0"/>
+                        <a:t>r2a</a:t>
+                      </a:r>
+                      <a:endParaRPr kumimoji="1" lang="ja-JP" altLang="en-US"/>
+                    </a:p>
+                  </a:txBody>
+                  <a:tcPr/>
+                </a:tc>
+                <a:tc>
+                  <a:txBody>
+                    <a:bodyPr/>
+                    <a:lstStyle/>
+                    <a:p>
+                      <a:pPr algn="ctr"/>
+                      <a:r>
+                        <a:rPr kumimoji="1" lang="en-US" altLang="ja-JP" dirty="0"/>
+                        <a:t>48</a:t>
+                      </a:r>
+                      <a:endParaRPr kumimoji="1" lang="ja-JP" altLang="en-US"/>
+                    </a:p>
+                  </a:txBody>
+                  <a:tcPr/>
+                </a:tc>
+                <a:tc>
+                  <a:txBody>
+                    <a:bodyPr/>
+                    <a:lstStyle/>
+                    <a:p>
+                      <a:pPr algn="ctr"/>
+                      <a:r>
+                        <a:rPr kumimoji="1" lang="en-US" altLang="ja-JP" dirty="0"/>
+                        <a:t>5</a:t>
+                      </a:r>
+                      <a:endParaRPr kumimoji="1" lang="ja-JP" altLang="en-US"/>
+                    </a:p>
+                  </a:txBody>
+                  <a:tcPr/>
+                </a:tc>
+                <a:tc>
+                  <a:txBody>
+                    <a:bodyPr/>
+                    <a:lstStyle/>
+                    <a:p>
+                      <a:pPr algn="r"/>
+                      <a:r>
+                        <a:rPr kumimoji="1" lang="en-US" altLang="ja-JP" dirty="0">
+                          <a:solidFill>
+                            <a:schemeClr val="tx1"/>
+                          </a:solidFill>
+                        </a:rPr>
+                        <a:t>431.61</a:t>
+                      </a:r>
+                      <a:endParaRPr kumimoji="1" lang="ja-JP" altLang="en-US">
+                        <a:solidFill>
+                          <a:schemeClr val="tx1"/>
+                        </a:solidFill>
+                      </a:endParaRPr>
+                    </a:p>
+                  </a:txBody>
+                  <a:tcPr anchor="ctr"/>
+                </a:tc>
+                <a:tc>
+                  <a:txBody>
+                    <a:bodyPr/>
+                    <a:lstStyle/>
+                    <a:p>
+                      <a:pPr algn="r"/>
+                      <a:r>
+                        <a:rPr kumimoji="1" lang="en-US" altLang="ja-JP" dirty="0">
+                          <a:solidFill>
+                            <a:schemeClr val="tx1"/>
+                          </a:solidFill>
+                        </a:rPr>
+                        <a:t>0.02</a:t>
+                      </a:r>
+                      <a:endParaRPr kumimoji="1" lang="ja-JP" altLang="en-US">
+                        <a:solidFill>
+                          <a:schemeClr val="tx1"/>
+                        </a:solidFill>
+                      </a:endParaRPr>
+                    </a:p>
+                  </a:txBody>
+                  <a:tcPr anchor="ctr"/>
+                </a:tc>
+                <a:tc>
+                  <a:txBody>
+                    <a:bodyPr/>
+                    <a:lstStyle/>
+                    <a:p>
+                      <a:pPr algn="r"/>
+                      <a:r>
+                        <a:rPr kumimoji="1" lang="en-US" altLang="ja-JP" dirty="0"/>
+                        <a:t>42.6</a:t>
+                      </a:r>
+                      <a:endParaRPr kumimoji="1" lang="ja-JP" altLang="en-US"/>
+                    </a:p>
+                  </a:txBody>
+                  <a:tcPr anchor="ctr"/>
+                </a:tc>
+                <a:tc>
+                  <a:txBody>
+                    <a:bodyPr/>
+                    <a:lstStyle/>
+                    <a:p>
+                      <a:pPr algn="r"/>
+                      <a:r>
+                        <a:rPr kumimoji="1" lang="en-US" altLang="ja-JP" dirty="0"/>
+                        <a:t>302.08</a:t>
+                      </a:r>
+                      <a:endParaRPr kumimoji="1" lang="ja-JP" altLang="en-US"/>
+                    </a:p>
+                  </a:txBody>
+                  <a:tcPr anchor="ctr"/>
+                </a:tc>
+                <a:extLst>
+                  <a:ext uri="{0D108BD9-81ED-4DB2-BD59-A6C34878D82A}">
+                    <a16:rowId xmlns:a16="http://schemas.microsoft.com/office/drawing/2014/main" val="4023180184"/>
+                  </a:ext>
+                </a:extLst>
+              </a:tr>
+              <a:tr h="370840">
+                <a:tc>
+                  <a:txBody>
+                    <a:bodyPr/>
+                    <a:lstStyle/>
+                    <a:p>
+                      <a:pPr algn="ctr"/>
+                      <a:r>
+                        <a:rPr kumimoji="1" lang="en-US" altLang="ja-JP" dirty="0"/>
+                        <a:t>r3a</a:t>
+                      </a:r>
+                      <a:endParaRPr kumimoji="1" lang="ja-JP" altLang="en-US"/>
+                    </a:p>
+                  </a:txBody>
+                  <a:tcPr/>
+                </a:tc>
+                <a:tc>
+                  <a:txBody>
+                    <a:bodyPr/>
+                    <a:lstStyle/>
+                    <a:p>
+                      <a:pPr algn="ctr"/>
+                      <a:r>
+                        <a:rPr kumimoji="1" lang="en-US" altLang="ja-JP" dirty="0"/>
+                        <a:t>72</a:t>
+                      </a:r>
+                      <a:endParaRPr kumimoji="1" lang="ja-JP" altLang="en-US"/>
+                    </a:p>
+                  </a:txBody>
+                  <a:tcPr/>
+                </a:tc>
+                <a:tc>
+                  <a:txBody>
+                    <a:bodyPr/>
+                    <a:lstStyle/>
+                    <a:p>
+                      <a:pPr algn="ctr"/>
+                      <a:r>
+                        <a:rPr kumimoji="1" lang="en-US" altLang="ja-JP" dirty="0"/>
+                        <a:t>7</a:t>
+                      </a:r>
+                      <a:endParaRPr kumimoji="1" lang="ja-JP" altLang="en-US"/>
+                    </a:p>
+                  </a:txBody>
+                  <a:tcPr/>
+                </a:tc>
+                <a:tc>
+                  <a:txBody>
+                    <a:bodyPr/>
+                    <a:lstStyle/>
+                    <a:p>
+                      <a:pPr algn="r"/>
+                      <a:r>
+                        <a:rPr kumimoji="1" lang="en-US" altLang="ja-JP" dirty="0">
+                          <a:solidFill>
+                            <a:schemeClr val="tx1"/>
+                          </a:solidFill>
+                        </a:rPr>
+                        <a:t>779.04</a:t>
+                      </a:r>
+                      <a:endParaRPr kumimoji="1" lang="ja-JP" altLang="en-US">
+                        <a:solidFill>
+                          <a:schemeClr val="tx1"/>
+                        </a:solidFill>
+                      </a:endParaRPr>
+                    </a:p>
+                  </a:txBody>
+                  <a:tcPr anchor="ctr"/>
+                </a:tc>
+                <a:tc>
+                  <a:txBody>
+                    <a:bodyPr/>
+                    <a:lstStyle/>
+                    <a:p>
+                      <a:pPr algn="r"/>
+                      <a:r>
+                        <a:rPr kumimoji="1" lang="en-US" altLang="ja-JP" dirty="0"/>
+                        <a:t>0.00</a:t>
+                      </a:r>
+                      <a:endParaRPr kumimoji="1" lang="ja-JP" altLang="en-US"/>
+                    </a:p>
+                  </a:txBody>
+                  <a:tcPr anchor="ctr"/>
+                </a:tc>
+                <a:tc>
+                  <a:txBody>
+                    <a:bodyPr/>
+                    <a:lstStyle/>
+                    <a:p>
+                      <a:pPr algn="r"/>
+                      <a:r>
+                        <a:rPr kumimoji="1" lang="en-US" altLang="ja-JP" dirty="0"/>
+                        <a:t>46.4</a:t>
+                      </a:r>
+                      <a:endParaRPr kumimoji="1" lang="ja-JP" altLang="en-US"/>
+                    </a:p>
+                  </a:txBody>
+                  <a:tcPr anchor="ctr"/>
+                </a:tc>
+                <a:tc>
+                  <a:txBody>
+                    <a:bodyPr/>
+                    <a:lstStyle/>
+                    <a:p>
+                      <a:pPr algn="r"/>
+                      <a:r>
+                        <a:rPr kumimoji="1" lang="en-US" altLang="ja-JP" dirty="0"/>
+                        <a:t>532.08</a:t>
+                      </a:r>
+                      <a:endParaRPr kumimoji="1" lang="ja-JP" altLang="en-US"/>
+                    </a:p>
+                  </a:txBody>
+                  <a:tcPr anchor="ctr"/>
+                </a:tc>
+                <a:extLst>
+                  <a:ext uri="{0D108BD9-81ED-4DB2-BD59-A6C34878D82A}">
+                    <a16:rowId xmlns:a16="http://schemas.microsoft.com/office/drawing/2014/main" val="2257345316"/>
+                  </a:ext>
+                </a:extLst>
+              </a:tr>
+              <a:tr h="370840">
+                <a:tc>
+                  <a:txBody>
+                    <a:bodyPr/>
+                    <a:lstStyle/>
+                    <a:p>
+                      <a:pPr algn="ctr"/>
+                      <a:r>
+                        <a:rPr kumimoji="1" lang="en-US" altLang="ja-JP" dirty="0"/>
+                        <a:t>r4a</a:t>
+                      </a:r>
+                      <a:endParaRPr kumimoji="1" lang="ja-JP" altLang="en-US"/>
+                    </a:p>
+                  </a:txBody>
+                  <a:tcPr/>
+                </a:tc>
+                <a:tc>
+                  <a:txBody>
+                    <a:bodyPr/>
+                    <a:lstStyle/>
+                    <a:p>
+                      <a:pPr algn="ctr"/>
+                      <a:r>
+                        <a:rPr kumimoji="1" lang="en-US" altLang="ja-JP" dirty="0"/>
+                        <a:t>96</a:t>
+                      </a:r>
+                    </a:p>
+                  </a:txBody>
+                  <a:tcPr/>
+                </a:tc>
+                <a:tc>
+                  <a:txBody>
+                    <a:bodyPr/>
+                    <a:lstStyle/>
+                    <a:p>
+                      <a:pPr algn="ctr"/>
+                      <a:r>
+                        <a:rPr kumimoji="1" lang="en-US" altLang="ja-JP" dirty="0"/>
+                        <a:t>9</a:t>
+                      </a:r>
+                      <a:endParaRPr kumimoji="1" lang="ja-JP" altLang="en-US"/>
+                    </a:p>
+                  </a:txBody>
+                  <a:tcPr/>
+                </a:tc>
+                <a:tc>
+                  <a:txBody>
+                    <a:bodyPr/>
+                    <a:lstStyle/>
+                    <a:p>
+                      <a:pPr algn="r"/>
+                      <a:r>
+                        <a:rPr kumimoji="1" lang="en-US" altLang="ja-JP" dirty="0"/>
+                        <a:t>836.76</a:t>
+                      </a:r>
+                      <a:endParaRPr kumimoji="1" lang="ja-JP" altLang="en-US"/>
+                    </a:p>
+                  </a:txBody>
+                  <a:tcPr anchor="ctr"/>
+                </a:tc>
+                <a:tc>
+                  <a:txBody>
+                    <a:bodyPr/>
+                    <a:lstStyle/>
+                    <a:p>
+                      <a:pPr algn="r"/>
+                      <a:r>
+                        <a:rPr kumimoji="1" lang="en-US" altLang="ja-JP" dirty="0"/>
+                        <a:t>0.00</a:t>
+                      </a:r>
+                      <a:endParaRPr kumimoji="1" lang="ja-JP" altLang="en-US"/>
+                    </a:p>
+                  </a:txBody>
+                  <a:tcPr anchor="ctr"/>
+                </a:tc>
+                <a:tc>
+                  <a:txBody>
+                    <a:bodyPr/>
+                    <a:lstStyle/>
+                    <a:p>
+                      <a:pPr algn="r"/>
+                      <a:r>
+                        <a:rPr kumimoji="1" lang="en-US" altLang="ja-JP" dirty="0"/>
+                        <a:t>45.9</a:t>
+                      </a:r>
+                      <a:endParaRPr kumimoji="1" lang="ja-JP" altLang="en-US"/>
+                    </a:p>
+                  </a:txBody>
+                  <a:tcPr anchor="ctr"/>
+                </a:tc>
+                <a:tc>
+                  <a:txBody>
+                    <a:bodyPr/>
+                    <a:lstStyle/>
+                    <a:p>
+                      <a:pPr algn="r"/>
+                      <a:r>
+                        <a:rPr kumimoji="1" lang="en-US" altLang="ja-JP" dirty="0"/>
+                        <a:t>572.68</a:t>
+                      </a:r>
+                      <a:endParaRPr kumimoji="1" lang="ja-JP" altLang="en-US"/>
+                    </a:p>
+                  </a:txBody>
+                  <a:tcPr anchor="ctr"/>
+                </a:tc>
+                <a:extLst>
+                  <a:ext uri="{0D108BD9-81ED-4DB2-BD59-A6C34878D82A}">
+                    <a16:rowId xmlns:a16="http://schemas.microsoft.com/office/drawing/2014/main" val="3872839470"/>
+                  </a:ext>
+                </a:extLst>
+              </a:tr>
+              <a:tr h="370840">
+                <a:tc>
+                  <a:txBody>
+                    <a:bodyPr/>
+                    <a:lstStyle/>
+                    <a:p>
+                      <a:pPr algn="ctr"/>
+                      <a:r>
+                        <a:rPr kumimoji="1" lang="en-US" altLang="ja-JP" dirty="0"/>
+                        <a:t>r5a</a:t>
+                      </a:r>
+                      <a:endParaRPr kumimoji="1" lang="ja-JP" altLang="en-US"/>
+                    </a:p>
+                  </a:txBody>
+                  <a:tcPr/>
+                </a:tc>
+                <a:tc>
+                  <a:txBody>
+                    <a:bodyPr/>
+                    <a:lstStyle/>
+                    <a:p>
+                      <a:pPr algn="ctr"/>
+                      <a:r>
+                        <a:rPr kumimoji="1" lang="en-US" altLang="ja-JP" dirty="0"/>
+                        <a:t>120</a:t>
+                      </a:r>
+                      <a:endParaRPr kumimoji="1" lang="ja-JP" altLang="en-US"/>
+                    </a:p>
+                  </a:txBody>
+                  <a:tcPr/>
+                </a:tc>
+                <a:tc>
+                  <a:txBody>
+                    <a:bodyPr/>
+                    <a:lstStyle/>
+                    <a:p>
+                      <a:pPr algn="ctr"/>
+                      <a:r>
+                        <a:rPr kumimoji="1" lang="en-US" altLang="ja-JP" dirty="0"/>
+                        <a:t>11</a:t>
+                      </a:r>
+                      <a:endParaRPr kumimoji="1" lang="ja-JP" altLang="en-US"/>
+                    </a:p>
+                  </a:txBody>
+                  <a:tcPr/>
+                </a:tc>
+                <a:tc>
+                  <a:txBody>
+                    <a:bodyPr/>
+                    <a:lstStyle/>
+                    <a:p>
+                      <a:pPr algn="r"/>
+                      <a:r>
+                        <a:rPr kumimoji="1" lang="en-US" altLang="ja-JP" dirty="0">
+                          <a:solidFill>
+                            <a:schemeClr val="tx1"/>
+                          </a:solidFill>
+                        </a:rPr>
+                        <a:t>915.14</a:t>
+                      </a:r>
+                      <a:endParaRPr kumimoji="1" lang="ja-JP" altLang="en-US">
+                        <a:solidFill>
+                          <a:schemeClr val="tx1"/>
+                        </a:solidFill>
+                      </a:endParaRPr>
+                    </a:p>
+                  </a:txBody>
+                  <a:tcPr anchor="ctr"/>
+                </a:tc>
+                <a:tc>
+                  <a:txBody>
+                    <a:bodyPr/>
+                    <a:lstStyle/>
+                    <a:p>
+                      <a:pPr algn="r"/>
+                      <a:r>
+                        <a:rPr kumimoji="1" lang="en-US" altLang="ja-JP" dirty="0"/>
+                        <a:t>0.00</a:t>
+                      </a:r>
+                      <a:endParaRPr kumimoji="1" lang="ja-JP" altLang="en-US"/>
+                    </a:p>
+                  </a:txBody>
+                  <a:tcPr anchor="ctr"/>
+                </a:tc>
+                <a:tc>
+                  <a:txBody>
+                    <a:bodyPr/>
+                    <a:lstStyle/>
+                    <a:p>
+                      <a:pPr algn="r"/>
+                      <a:r>
+                        <a:rPr kumimoji="1" lang="en-US" altLang="ja-JP" dirty="0"/>
+                        <a:t>43.6</a:t>
+                      </a:r>
+                      <a:endParaRPr kumimoji="1" lang="ja-JP" altLang="en-US"/>
+                    </a:p>
+                  </a:txBody>
+                  <a:tcPr anchor="ctr"/>
+                </a:tc>
+                <a:tc>
+                  <a:txBody>
+                    <a:bodyPr/>
+                    <a:lstStyle/>
+                    <a:p>
+                      <a:pPr algn="r"/>
+                      <a:r>
+                        <a:rPr kumimoji="1" lang="en-US" altLang="ja-JP" dirty="0"/>
+                        <a:t>636.97</a:t>
+                      </a:r>
+                      <a:endParaRPr kumimoji="1" lang="ja-JP" altLang="en-US"/>
+                    </a:p>
+                  </a:txBody>
+                  <a:tcPr anchor="ctr"/>
+                </a:tc>
+                <a:extLst>
+                  <a:ext uri="{0D108BD9-81ED-4DB2-BD59-A6C34878D82A}">
+                    <a16:rowId xmlns:a16="http://schemas.microsoft.com/office/drawing/2014/main" val="2497193795"/>
+                  </a:ext>
+                </a:extLst>
+              </a:tr>
+              <a:tr h="370840">
                 <a:tc>
                   <a:txBody>
                     <a:bodyPr/>
@@ -10844,7 +11330,7 @@
                       </a:pPr>
                       <a:r>
                         <a:rPr kumimoji="1" lang="en-US" altLang="ja-JP" dirty="0"/>
-                        <a:t>GAP(%)</a:t>
+                        <a:t>r1b</a:t>
                       </a:r>
                       <a:endParaRPr kumimoji="1" lang="ja-JP" altLang="en-US"/>
                     </a:p>
@@ -10858,1005 +11344,92 @@
                     <a:p>
                       <a:pPr algn="ctr"/>
                       <a:r>
-                        <a:rPr kumimoji="1" lang="ja-JP" altLang="en-US"/>
-                        <a:t>値</a:t>
-                      </a:r>
-                    </a:p>
-                  </a:txBody>
-                  <a:tcPr/>
+                        <a:rPr kumimoji="1" lang="en-US" altLang="ja-JP" dirty="0"/>
+                        <a:t>24</a:t>
+                      </a:r>
+                      <a:endParaRPr kumimoji="1" lang="ja-JP" altLang="en-US"/>
+                    </a:p>
+                  </a:txBody>
+                  <a:tcPr/>
+                </a:tc>
+                <a:tc>
+                  <a:txBody>
+                    <a:bodyPr/>
+                    <a:lstStyle/>
+                    <a:p>
+                      <a:pPr algn="ctr"/>
+                      <a:r>
+                        <a:rPr kumimoji="1" lang="en-US" altLang="ja-JP" dirty="0"/>
+                        <a:t>3</a:t>
+                      </a:r>
+                      <a:endParaRPr kumimoji="1" lang="ja-JP" altLang="en-US"/>
+                    </a:p>
+                  </a:txBody>
+                  <a:tcPr/>
+                </a:tc>
+                <a:tc>
+                  <a:txBody>
+                    <a:bodyPr/>
+                    <a:lstStyle/>
+                    <a:p>
+                      <a:pPr algn="r"/>
+                      <a:r>
+                        <a:rPr kumimoji="1" lang="en-US" altLang="ja-JP" dirty="0"/>
+                        <a:t>208.56</a:t>
+                      </a:r>
+                      <a:endParaRPr kumimoji="1" lang="ja-JP" altLang="en-US"/>
+                    </a:p>
+                  </a:txBody>
+                  <a:tcPr anchor="ctr"/>
+                </a:tc>
+                <a:tc>
+                  <a:txBody>
+                    <a:bodyPr/>
+                    <a:lstStyle/>
+                    <a:p>
+                      <a:pPr algn="r"/>
+                      <a:r>
+                        <a:rPr kumimoji="1" lang="en-US" altLang="ja-JP" dirty="0"/>
+                        <a:t>0.00</a:t>
+                      </a:r>
+                      <a:endParaRPr kumimoji="1" lang="ja-JP" altLang="en-US"/>
+                    </a:p>
+                  </a:txBody>
+                  <a:tcPr anchor="ctr"/>
+                </a:tc>
+                <a:tc>
+                  <a:txBody>
+                    <a:bodyPr/>
+                    <a:lstStyle/>
+                    <a:p>
+                      <a:pPr algn="r"/>
+                      <a:r>
+                        <a:rPr kumimoji="1" lang="en-US" altLang="ja-JP" dirty="0"/>
+                        <a:t>26.4</a:t>
+                      </a:r>
+                      <a:endParaRPr kumimoji="1" lang="ja-JP" altLang="en-US"/>
+                    </a:p>
+                  </a:txBody>
+                  <a:tcPr anchor="ctr"/>
+                </a:tc>
+                <a:tc>
+                  <a:txBody>
+                    <a:bodyPr/>
+                    <a:lstStyle/>
+                    <a:p>
+                      <a:pPr algn="r"/>
+                      <a:r>
+                        <a:rPr kumimoji="1" lang="en-US" altLang="ja-JP" dirty="0"/>
+                        <a:t>164.46</a:t>
+                      </a:r>
+                      <a:endParaRPr kumimoji="1" lang="ja-JP" altLang="en-US"/>
+                    </a:p>
+                  </a:txBody>
+                  <a:tcPr anchor="ctr"/>
                 </a:tc>
                 <a:extLst>
                   <a:ext uri="{0D108BD9-81ED-4DB2-BD59-A6C34878D82A}">
-                    <a16:rowId xmlns:a16="http://schemas.microsoft.com/office/drawing/2014/main" val="4000060795"/>
-                  </a:ext>
-                </a:extLst>
-              </a:tr>
-              <a:tr h="370840">
-                <a:tc>
-                  <a:txBody>
-                    <a:bodyPr/>
-                    <a:lstStyle/>
-                    <a:p>
-                      <a:pPr algn="ctr"/>
-                      <a:r>
-                        <a:rPr kumimoji="1" lang="en-US" altLang="ja-JP" dirty="0"/>
-                        <a:t>r1a</a:t>
-                      </a:r>
-                      <a:endParaRPr kumimoji="1" lang="ja-JP" altLang="en-US"/>
-                    </a:p>
-                  </a:txBody>
-                  <a:tcPr/>
-                </a:tc>
-                <a:tc>
-                  <a:txBody>
-                    <a:bodyPr/>
-                    <a:lstStyle/>
-                    <a:p>
-                      <a:pPr algn="ctr"/>
-                      <a:r>
-                        <a:rPr kumimoji="1" lang="en-US" altLang="ja-JP" dirty="0"/>
-                        <a:t>24</a:t>
-                      </a:r>
-                      <a:endParaRPr kumimoji="1" lang="ja-JP" altLang="en-US"/>
-                    </a:p>
-                  </a:txBody>
-                  <a:tcPr/>
-                </a:tc>
-                <a:tc>
-                  <a:txBody>
-                    <a:bodyPr/>
-                    <a:lstStyle/>
-                    <a:p>
-                      <a:pPr algn="ctr"/>
-                      <a:r>
-                        <a:rPr kumimoji="1" lang="en-US" altLang="ja-JP" dirty="0"/>
-                        <a:t>3</a:t>
-                      </a:r>
-                      <a:endParaRPr kumimoji="1" lang="ja-JP" altLang="en-US"/>
-                    </a:p>
-                  </a:txBody>
-                  <a:tcPr/>
-                </a:tc>
-                <a:tc>
-                  <a:txBody>
-                    <a:bodyPr/>
-                    <a:lstStyle/>
-                    <a:p>
-                      <a:pPr algn="r"/>
-                      <a:r>
-                        <a:rPr kumimoji="1" lang="en-US" altLang="ja-JP" dirty="0"/>
-                        <a:t>212.49</a:t>
-                      </a:r>
-                      <a:endParaRPr kumimoji="1" lang="ja-JP" altLang="en-US"/>
-                    </a:p>
-                  </a:txBody>
-                  <a:tcPr anchor="ctr"/>
-                </a:tc>
-                <a:tc>
-                  <a:txBody>
-                    <a:bodyPr/>
-                    <a:lstStyle/>
-                    <a:p>
-                      <a:pPr algn="r"/>
-                      <a:r>
-                        <a:rPr kumimoji="1" lang="en-US" altLang="ja-JP" dirty="0"/>
-                        <a:t>0.00</a:t>
-                      </a:r>
-                      <a:endParaRPr kumimoji="1" lang="ja-JP" altLang="en-US"/>
-                    </a:p>
-                  </a:txBody>
-                  <a:tcPr anchor="ctr"/>
-                </a:tc>
-                <a:tc>
-                  <a:txBody>
-                    <a:bodyPr/>
-                    <a:lstStyle/>
-                    <a:p>
-                      <a:pPr algn="r"/>
-                      <a:r>
-                        <a:rPr kumimoji="1" lang="en-US" altLang="ja-JP" dirty="0"/>
-                        <a:t>11.8</a:t>
-                      </a:r>
-                      <a:endParaRPr kumimoji="1" lang="ja-JP" altLang="en-US"/>
-                    </a:p>
-                  </a:txBody>
-                  <a:tcPr anchor="ctr"/>
-                </a:tc>
-                <a:tc>
-                  <a:txBody>
-                    <a:bodyPr/>
-                    <a:lstStyle/>
-                    <a:p>
-                      <a:pPr algn="r"/>
-                      <a:r>
-                        <a:rPr kumimoji="1" lang="en-US" altLang="ja-JP" dirty="0">
-                          <a:solidFill>
-                            <a:srgbClr val="FF0000"/>
-                          </a:solidFill>
-                        </a:rPr>
-                        <a:t>208.34</a:t>
-                      </a:r>
-                      <a:endParaRPr kumimoji="1" lang="ja-JP" altLang="en-US">
-                        <a:solidFill>
-                          <a:srgbClr val="FF0000"/>
-                        </a:solidFill>
-                      </a:endParaRPr>
-                    </a:p>
-                  </a:txBody>
-                  <a:tcPr anchor="ctr"/>
-                </a:tc>
-                <a:tc>
-                  <a:txBody>
-                    <a:bodyPr/>
-                    <a:lstStyle/>
-                    <a:p>
-                      <a:pPr algn="r"/>
-                      <a:r>
-                        <a:rPr kumimoji="1" lang="en-US" altLang="ja-JP" dirty="0"/>
-                        <a:t>0.00</a:t>
-                      </a:r>
-                      <a:endParaRPr kumimoji="1" lang="ja-JP" altLang="en-US"/>
-                    </a:p>
-                  </a:txBody>
-                  <a:tcPr anchor="ctr"/>
-                </a:tc>
-                <a:tc>
-                  <a:txBody>
-                    <a:bodyPr/>
-                    <a:lstStyle/>
-                    <a:p>
-                      <a:pPr algn="r"/>
-                      <a:r>
-                        <a:rPr kumimoji="1" lang="en-US" altLang="ja-JP" dirty="0"/>
-                        <a:t>9.6</a:t>
-                      </a:r>
-                      <a:endParaRPr kumimoji="1" lang="ja-JP" altLang="en-US"/>
-                    </a:p>
-                  </a:txBody>
-                  <a:tcPr anchor="ctr"/>
-                </a:tc>
-                <a:tc>
-                  <a:txBody>
-                    <a:bodyPr/>
-                    <a:lstStyle/>
-                    <a:p>
-                      <a:pPr algn="r"/>
-                      <a:r>
-                        <a:rPr kumimoji="1" lang="en-US" altLang="ja-JP" dirty="0"/>
-                        <a:t>190.02</a:t>
-                      </a:r>
-                      <a:endParaRPr kumimoji="1" lang="ja-JP" altLang="en-US"/>
-                    </a:p>
-                  </a:txBody>
-                  <a:tcPr anchor="ctr"/>
-                </a:tc>
-                <a:extLst>
-                  <a:ext uri="{0D108BD9-81ED-4DB2-BD59-A6C34878D82A}">
-                    <a16:rowId xmlns:a16="http://schemas.microsoft.com/office/drawing/2014/main" val="1352873157"/>
-                  </a:ext>
-                </a:extLst>
-              </a:tr>
-              <a:tr h="370840">
-                <a:tc>
-                  <a:txBody>
-                    <a:bodyPr/>
-                    <a:lstStyle/>
-                    <a:p>
-                      <a:pPr algn="ctr"/>
-                      <a:r>
-                        <a:rPr kumimoji="1" lang="en-US" altLang="ja-JP" dirty="0"/>
-                        <a:t>r2a</a:t>
-                      </a:r>
-                      <a:endParaRPr kumimoji="1" lang="ja-JP" altLang="en-US"/>
-                    </a:p>
-                  </a:txBody>
-                  <a:tcPr/>
-                </a:tc>
-                <a:tc>
-                  <a:txBody>
-                    <a:bodyPr/>
-                    <a:lstStyle/>
-                    <a:p>
-                      <a:pPr algn="ctr"/>
-                      <a:r>
-                        <a:rPr kumimoji="1" lang="en-US" altLang="ja-JP" dirty="0"/>
-                        <a:t>48</a:t>
-                      </a:r>
-                      <a:endParaRPr kumimoji="1" lang="ja-JP" altLang="en-US"/>
-                    </a:p>
-                  </a:txBody>
-                  <a:tcPr/>
-                </a:tc>
-                <a:tc>
-                  <a:txBody>
-                    <a:bodyPr/>
-                    <a:lstStyle/>
-                    <a:p>
-                      <a:pPr algn="ctr"/>
-                      <a:r>
-                        <a:rPr kumimoji="1" lang="en-US" altLang="ja-JP" dirty="0"/>
-                        <a:t>5</a:t>
-                      </a:r>
-                      <a:endParaRPr kumimoji="1" lang="ja-JP" altLang="en-US"/>
-                    </a:p>
-                  </a:txBody>
-                  <a:tcPr/>
-                </a:tc>
-                <a:tc>
-                  <a:txBody>
-                    <a:bodyPr/>
-                    <a:lstStyle/>
-                    <a:p>
-                      <a:pPr algn="r"/>
-                      <a:r>
-                        <a:rPr kumimoji="1" lang="en-US" altLang="ja-JP" dirty="0">
-                          <a:solidFill>
-                            <a:srgbClr val="FF0000"/>
-                          </a:solidFill>
-                        </a:rPr>
-                        <a:t>386.03</a:t>
-                      </a:r>
-                      <a:endParaRPr kumimoji="1" lang="ja-JP" altLang="en-US">
-                        <a:solidFill>
-                          <a:srgbClr val="FF0000"/>
-                        </a:solidFill>
-                      </a:endParaRPr>
-                    </a:p>
-                  </a:txBody>
-                  <a:tcPr anchor="ctr"/>
-                </a:tc>
-                <a:tc>
-                  <a:txBody>
-                    <a:bodyPr/>
-                    <a:lstStyle/>
-                    <a:p>
-                      <a:pPr algn="r"/>
-                      <a:r>
-                        <a:rPr kumimoji="1" lang="en-US" altLang="ja-JP" dirty="0"/>
-                        <a:t>0.00</a:t>
-                      </a:r>
-                      <a:endParaRPr kumimoji="1" lang="ja-JP" altLang="en-US"/>
-                    </a:p>
-                  </a:txBody>
-                  <a:tcPr anchor="ctr"/>
-                </a:tc>
-                <a:tc>
-                  <a:txBody>
-                    <a:bodyPr/>
-                    <a:lstStyle/>
-                    <a:p>
-                      <a:pPr algn="r"/>
-                      <a:r>
-                        <a:rPr kumimoji="1" lang="en-US" altLang="ja-JP" dirty="0"/>
-                        <a:t>27.7</a:t>
-                      </a:r>
-                      <a:endParaRPr kumimoji="1" lang="ja-JP" altLang="en-US"/>
-                    </a:p>
-                  </a:txBody>
-                  <a:tcPr anchor="ctr"/>
-                </a:tc>
-                <a:tc>
-                  <a:txBody>
-                    <a:bodyPr/>
-                    <a:lstStyle/>
-                    <a:p>
-                      <a:pPr algn="r"/>
-                      <a:r>
-                        <a:rPr kumimoji="1" lang="en-US" altLang="ja-JP" dirty="0"/>
-                        <a:t>415.57</a:t>
-                      </a:r>
-                      <a:endParaRPr kumimoji="1" lang="ja-JP" altLang="en-US"/>
-                    </a:p>
-                  </a:txBody>
-                  <a:tcPr anchor="ctr"/>
-                </a:tc>
-                <a:tc>
-                  <a:txBody>
-                    <a:bodyPr/>
-                    <a:lstStyle/>
-                    <a:p>
-                      <a:pPr algn="r"/>
-                      <a:r>
-                        <a:rPr kumimoji="1" lang="en-US" altLang="ja-JP" dirty="0"/>
-                        <a:t>0.00</a:t>
-                      </a:r>
-                      <a:endParaRPr kumimoji="1" lang="ja-JP" altLang="en-US"/>
-                    </a:p>
-                  </a:txBody>
-                  <a:tcPr anchor="ctr"/>
-                </a:tc>
-                <a:tc>
-                  <a:txBody>
-                    <a:bodyPr/>
-                    <a:lstStyle/>
-                    <a:p>
-                      <a:pPr algn="r"/>
-                      <a:r>
-                        <a:rPr kumimoji="1" lang="en-US" altLang="ja-JP" dirty="0"/>
-                        <a:t>27.7</a:t>
-                      </a:r>
-                      <a:endParaRPr kumimoji="1" lang="ja-JP" altLang="en-US"/>
-                    </a:p>
-                  </a:txBody>
-                  <a:tcPr anchor="ctr"/>
-                </a:tc>
-                <a:tc>
-                  <a:txBody>
-                    <a:bodyPr/>
-                    <a:lstStyle/>
-                    <a:p>
-                      <a:pPr algn="r"/>
-                      <a:r>
-                        <a:rPr kumimoji="1" lang="en-US" altLang="ja-JP" dirty="0"/>
-                        <a:t>302.08</a:t>
-                      </a:r>
-                      <a:endParaRPr kumimoji="1" lang="ja-JP" altLang="en-US"/>
-                    </a:p>
-                  </a:txBody>
-                  <a:tcPr anchor="ctr"/>
-                </a:tc>
-                <a:extLst>
-                  <a:ext uri="{0D108BD9-81ED-4DB2-BD59-A6C34878D82A}">
-                    <a16:rowId xmlns:a16="http://schemas.microsoft.com/office/drawing/2014/main" val="4023180184"/>
-                  </a:ext>
-                </a:extLst>
-              </a:tr>
-              <a:tr h="370840">
-                <a:tc>
-                  <a:txBody>
-                    <a:bodyPr/>
-                    <a:lstStyle/>
-                    <a:p>
-                      <a:pPr algn="ctr"/>
-                      <a:r>
-                        <a:rPr kumimoji="1" lang="en-US" altLang="ja-JP" dirty="0"/>
-                        <a:t>r3a</a:t>
-                      </a:r>
-                      <a:endParaRPr kumimoji="1" lang="ja-JP" altLang="en-US"/>
-                    </a:p>
-                  </a:txBody>
-                  <a:tcPr/>
-                </a:tc>
-                <a:tc>
-                  <a:txBody>
-                    <a:bodyPr/>
-                    <a:lstStyle/>
-                    <a:p>
-                      <a:pPr algn="ctr"/>
-                      <a:r>
-                        <a:rPr kumimoji="1" lang="en-US" altLang="ja-JP" dirty="0"/>
-                        <a:t>72</a:t>
-                      </a:r>
-                      <a:endParaRPr kumimoji="1" lang="ja-JP" altLang="en-US"/>
-                    </a:p>
-                  </a:txBody>
-                  <a:tcPr/>
-                </a:tc>
-                <a:tc>
-                  <a:txBody>
-                    <a:bodyPr/>
-                    <a:lstStyle/>
-                    <a:p>
-                      <a:pPr algn="ctr"/>
-                      <a:r>
-                        <a:rPr kumimoji="1" lang="en-US" altLang="ja-JP" dirty="0"/>
-                        <a:t>7</a:t>
-                      </a:r>
-                      <a:endParaRPr kumimoji="1" lang="ja-JP" altLang="en-US"/>
-                    </a:p>
-                  </a:txBody>
-                  <a:tcPr/>
-                </a:tc>
-                <a:tc>
-                  <a:txBody>
-                    <a:bodyPr/>
-                    <a:lstStyle/>
-                    <a:p>
-                      <a:pPr algn="r"/>
-                      <a:r>
-                        <a:rPr kumimoji="1" lang="en-US" altLang="ja-JP" dirty="0">
-                          <a:solidFill>
-                            <a:srgbClr val="FF0000"/>
-                          </a:solidFill>
-                        </a:rPr>
-                        <a:t>776.31</a:t>
-                      </a:r>
-                      <a:endParaRPr kumimoji="1" lang="ja-JP" altLang="en-US">
-                        <a:solidFill>
-                          <a:srgbClr val="FF0000"/>
-                        </a:solidFill>
-                      </a:endParaRPr>
-                    </a:p>
-                  </a:txBody>
-                  <a:tcPr anchor="ctr"/>
-                </a:tc>
-                <a:tc>
-                  <a:txBody>
-                    <a:bodyPr/>
-                    <a:lstStyle/>
-                    <a:p>
-                      <a:pPr algn="r"/>
-                      <a:r>
-                        <a:rPr kumimoji="1" lang="en-US" altLang="ja-JP" dirty="0"/>
-                        <a:t>0.56</a:t>
-                      </a:r>
-                      <a:endParaRPr kumimoji="1" lang="ja-JP" altLang="en-US"/>
-                    </a:p>
-                  </a:txBody>
-                  <a:tcPr anchor="ctr"/>
-                </a:tc>
-                <a:tc>
-                  <a:txBody>
-                    <a:bodyPr/>
-                    <a:lstStyle/>
-                    <a:p>
-                      <a:pPr algn="r"/>
-                      <a:r>
-                        <a:rPr kumimoji="1" lang="en-US" altLang="ja-JP" dirty="0"/>
-                        <a:t>45.8</a:t>
-                      </a:r>
-                      <a:endParaRPr kumimoji="1" lang="ja-JP" altLang="en-US"/>
-                    </a:p>
-                  </a:txBody>
-                  <a:tcPr anchor="ctr"/>
-                </a:tc>
-                <a:tc>
-                  <a:txBody>
-                    <a:bodyPr/>
-                    <a:lstStyle/>
-                    <a:p>
-                      <a:pPr algn="r"/>
-                      <a:r>
-                        <a:rPr kumimoji="1" lang="en-US" altLang="ja-JP" dirty="0"/>
-                        <a:t>783.60</a:t>
-                      </a:r>
-                      <a:endParaRPr kumimoji="1" lang="ja-JP" altLang="en-US"/>
-                    </a:p>
-                  </a:txBody>
-                  <a:tcPr anchor="ctr"/>
-                </a:tc>
-                <a:tc>
-                  <a:txBody>
-                    <a:bodyPr/>
-                    <a:lstStyle/>
-                    <a:p>
-                      <a:pPr algn="r"/>
-                      <a:r>
-                        <a:rPr kumimoji="1" lang="en-US" altLang="ja-JP" dirty="0"/>
-                        <a:t>0.00</a:t>
-                      </a:r>
-                      <a:endParaRPr kumimoji="1" lang="ja-JP" altLang="en-US"/>
-                    </a:p>
-                  </a:txBody>
-                  <a:tcPr anchor="ctr"/>
-                </a:tc>
-                <a:tc>
-                  <a:txBody>
-                    <a:bodyPr/>
-                    <a:lstStyle/>
-                    <a:p>
-                      <a:pPr algn="r"/>
-                      <a:r>
-                        <a:rPr kumimoji="1" lang="en-US" altLang="ja-JP" dirty="0"/>
-                        <a:t>45.8</a:t>
-                      </a:r>
-                      <a:endParaRPr kumimoji="1" lang="ja-JP" altLang="en-US"/>
-                    </a:p>
-                  </a:txBody>
-                  <a:tcPr anchor="ctr"/>
-                </a:tc>
-                <a:tc>
-                  <a:txBody>
-                    <a:bodyPr/>
-                    <a:lstStyle/>
-                    <a:p>
-                      <a:pPr algn="r"/>
-                      <a:r>
-                        <a:rPr kumimoji="1" lang="en-US" altLang="ja-JP" dirty="0"/>
-                        <a:t>532.08</a:t>
-                      </a:r>
-                      <a:endParaRPr kumimoji="1" lang="ja-JP" altLang="en-US"/>
-                    </a:p>
-                  </a:txBody>
-                  <a:tcPr anchor="ctr"/>
-                </a:tc>
-                <a:extLst>
-                  <a:ext uri="{0D108BD9-81ED-4DB2-BD59-A6C34878D82A}">
-                    <a16:rowId xmlns:a16="http://schemas.microsoft.com/office/drawing/2014/main" val="2257345316"/>
-                  </a:ext>
-                </a:extLst>
-              </a:tr>
-              <a:tr h="370840">
-                <a:tc>
-                  <a:txBody>
-                    <a:bodyPr/>
-                    <a:lstStyle/>
-                    <a:p>
-                      <a:pPr algn="ctr"/>
-                      <a:r>
-                        <a:rPr kumimoji="1" lang="en-US" altLang="ja-JP" dirty="0"/>
-                        <a:t>r4a</a:t>
-                      </a:r>
-                      <a:endParaRPr kumimoji="1" lang="ja-JP" altLang="en-US"/>
-                    </a:p>
-                  </a:txBody>
-                  <a:tcPr/>
-                </a:tc>
-                <a:tc>
-                  <a:txBody>
-                    <a:bodyPr/>
-                    <a:lstStyle/>
-                    <a:p>
-                      <a:pPr algn="ctr"/>
-                      <a:r>
-                        <a:rPr kumimoji="1" lang="en-US" altLang="ja-JP" dirty="0"/>
-                        <a:t>96</a:t>
-                      </a:r>
-                    </a:p>
-                  </a:txBody>
-                  <a:tcPr/>
-                </a:tc>
-                <a:tc>
-                  <a:txBody>
-                    <a:bodyPr/>
-                    <a:lstStyle/>
-                    <a:p>
-                      <a:pPr algn="ctr"/>
-                      <a:r>
-                        <a:rPr kumimoji="1" lang="en-US" altLang="ja-JP" dirty="0"/>
-                        <a:t>9</a:t>
-                      </a:r>
-                      <a:endParaRPr kumimoji="1" lang="ja-JP" altLang="en-US"/>
-                    </a:p>
-                  </a:txBody>
-                  <a:tcPr/>
-                </a:tc>
-                <a:tc>
-                  <a:txBody>
-                    <a:bodyPr/>
-                    <a:lstStyle/>
-                    <a:p>
-                      <a:pPr algn="r"/>
-                      <a:r>
-                        <a:rPr kumimoji="1" lang="en-US" altLang="ja-JP" dirty="0"/>
-                        <a:t>1005.17</a:t>
-                      </a:r>
-                      <a:endParaRPr kumimoji="1" lang="ja-JP" altLang="en-US"/>
-                    </a:p>
-                  </a:txBody>
-                  <a:tcPr anchor="ctr"/>
-                </a:tc>
-                <a:tc>
-                  <a:txBody>
-                    <a:bodyPr/>
-                    <a:lstStyle/>
-                    <a:p>
-                      <a:pPr algn="r"/>
-                      <a:r>
-                        <a:rPr kumimoji="1" lang="en-US" altLang="ja-JP" dirty="0"/>
-                        <a:t>0.00</a:t>
-                      </a:r>
-                      <a:endParaRPr kumimoji="1" lang="ja-JP" altLang="en-US"/>
-                    </a:p>
-                  </a:txBody>
-                  <a:tcPr anchor="ctr"/>
-                </a:tc>
-                <a:tc>
-                  <a:txBody>
-                    <a:bodyPr/>
-                    <a:lstStyle/>
-                    <a:p>
-                      <a:pPr algn="r"/>
-                      <a:r>
-                        <a:rPr kumimoji="1" lang="en-US" altLang="ja-JP" dirty="0"/>
-                        <a:t>75.4</a:t>
-                      </a:r>
-                      <a:endParaRPr kumimoji="1" lang="ja-JP" altLang="en-US"/>
-                    </a:p>
-                  </a:txBody>
-                  <a:tcPr anchor="ctr"/>
-                </a:tc>
-                <a:tc>
-                  <a:txBody>
-                    <a:bodyPr/>
-                    <a:lstStyle/>
-                    <a:p>
-                      <a:pPr algn="r"/>
-                      <a:r>
-                        <a:rPr kumimoji="1" lang="en-US" altLang="ja-JP" dirty="0">
-                          <a:solidFill>
-                            <a:srgbClr val="FF0000"/>
-                          </a:solidFill>
-                        </a:rPr>
-                        <a:t>956.48</a:t>
-                      </a:r>
-                      <a:endParaRPr kumimoji="1" lang="ja-JP" altLang="en-US">
-                        <a:solidFill>
-                          <a:srgbClr val="FF0000"/>
-                        </a:solidFill>
-                      </a:endParaRPr>
-                    </a:p>
-                  </a:txBody>
-                  <a:tcPr anchor="ctr"/>
-                </a:tc>
-                <a:tc>
-                  <a:txBody>
-                    <a:bodyPr/>
-                    <a:lstStyle/>
-                    <a:p>
-                      <a:pPr algn="r"/>
-                      <a:r>
-                        <a:rPr kumimoji="1" lang="en-US" altLang="ja-JP" dirty="0"/>
-                        <a:t>0.00</a:t>
-                      </a:r>
-                      <a:endParaRPr kumimoji="1" lang="ja-JP" altLang="en-US"/>
-                    </a:p>
-                  </a:txBody>
-                  <a:tcPr anchor="ctr"/>
-                </a:tc>
-                <a:tc>
-                  <a:txBody>
-                    <a:bodyPr/>
-                    <a:lstStyle/>
-                    <a:p>
-                      <a:pPr algn="r"/>
-                      <a:r>
-                        <a:rPr kumimoji="1" lang="en-US" altLang="ja-JP" dirty="0"/>
-                        <a:t>67.1</a:t>
-                      </a:r>
-                      <a:endParaRPr kumimoji="1" lang="ja-JP" altLang="en-US"/>
-                    </a:p>
-                  </a:txBody>
-                  <a:tcPr anchor="ctr"/>
-                </a:tc>
-                <a:tc>
-                  <a:txBody>
-                    <a:bodyPr/>
-                    <a:lstStyle/>
-                    <a:p>
-                      <a:pPr algn="r"/>
-                      <a:r>
-                        <a:rPr kumimoji="1" lang="en-US" altLang="ja-JP" dirty="0"/>
-                        <a:t>572.68</a:t>
-                      </a:r>
-                      <a:endParaRPr kumimoji="1" lang="ja-JP" altLang="en-US"/>
-                    </a:p>
-                  </a:txBody>
-                  <a:tcPr anchor="ctr"/>
-                </a:tc>
-                <a:extLst>
-                  <a:ext uri="{0D108BD9-81ED-4DB2-BD59-A6C34878D82A}">
-                    <a16:rowId xmlns:a16="http://schemas.microsoft.com/office/drawing/2014/main" val="3872839470"/>
-                  </a:ext>
-                </a:extLst>
-              </a:tr>
-              <a:tr h="370840">
-                <a:tc>
-                  <a:txBody>
-                    <a:bodyPr/>
-                    <a:lstStyle/>
-                    <a:p>
-                      <a:pPr algn="ctr"/>
-                      <a:r>
-                        <a:rPr kumimoji="1" lang="en-US" altLang="ja-JP" dirty="0"/>
-                        <a:t>r5a</a:t>
-                      </a:r>
-                      <a:endParaRPr kumimoji="1" lang="ja-JP" altLang="en-US"/>
-                    </a:p>
-                  </a:txBody>
-                  <a:tcPr/>
-                </a:tc>
-                <a:tc>
-                  <a:txBody>
-                    <a:bodyPr/>
-                    <a:lstStyle/>
-                    <a:p>
-                      <a:pPr algn="ctr"/>
-                      <a:r>
-                        <a:rPr kumimoji="1" lang="en-US" altLang="ja-JP" dirty="0"/>
-                        <a:t>120</a:t>
-                      </a:r>
-                      <a:endParaRPr kumimoji="1" lang="ja-JP" altLang="en-US"/>
-                    </a:p>
-                  </a:txBody>
-                  <a:tcPr/>
-                </a:tc>
-                <a:tc>
-                  <a:txBody>
-                    <a:bodyPr/>
-                    <a:lstStyle/>
-                    <a:p>
-                      <a:pPr algn="ctr"/>
-                      <a:r>
-                        <a:rPr kumimoji="1" lang="en-US" altLang="ja-JP" dirty="0"/>
-                        <a:t>11</a:t>
-                      </a:r>
-                      <a:endParaRPr kumimoji="1" lang="ja-JP" altLang="en-US"/>
-                    </a:p>
-                  </a:txBody>
-                  <a:tcPr/>
-                </a:tc>
-                <a:tc>
-                  <a:txBody>
-                    <a:bodyPr/>
-                    <a:lstStyle/>
-                    <a:p>
-                      <a:pPr algn="r"/>
-                      <a:r>
-                        <a:rPr kumimoji="1" lang="en-US" altLang="ja-JP" dirty="0">
-                          <a:solidFill>
-                            <a:srgbClr val="FF0000"/>
-                          </a:solidFill>
-                        </a:rPr>
-                        <a:t>1077.68</a:t>
-                      </a:r>
-                      <a:endParaRPr kumimoji="1" lang="ja-JP" altLang="en-US">
-                        <a:solidFill>
-                          <a:srgbClr val="FF0000"/>
-                        </a:solidFill>
-                      </a:endParaRPr>
-                    </a:p>
-                  </a:txBody>
-                  <a:tcPr anchor="ctr"/>
-                </a:tc>
-                <a:tc>
-                  <a:txBody>
-                    <a:bodyPr/>
-                    <a:lstStyle/>
-                    <a:p>
-                      <a:pPr algn="r"/>
-                      <a:r>
-                        <a:rPr kumimoji="1" lang="en-US" altLang="ja-JP" dirty="0"/>
-                        <a:t>0.00</a:t>
-                      </a:r>
-                      <a:endParaRPr kumimoji="1" lang="ja-JP" altLang="en-US"/>
-                    </a:p>
-                  </a:txBody>
-                  <a:tcPr anchor="ctr"/>
-                </a:tc>
-                <a:tc>
-                  <a:txBody>
-                    <a:bodyPr/>
-                    <a:lstStyle/>
-                    <a:p>
-                      <a:pPr algn="r"/>
-                      <a:r>
-                        <a:rPr kumimoji="1" lang="en-US" altLang="ja-JP" dirty="0"/>
-                        <a:t>69.1</a:t>
-                      </a:r>
-                      <a:endParaRPr kumimoji="1" lang="ja-JP" altLang="en-US"/>
-                    </a:p>
-                  </a:txBody>
-                  <a:tcPr anchor="ctr"/>
-                </a:tc>
-                <a:tc>
-                  <a:txBody>
-                    <a:bodyPr/>
-                    <a:lstStyle/>
-                    <a:p>
-                      <a:pPr algn="r"/>
-                      <a:r>
-                        <a:rPr kumimoji="1" lang="en-US" altLang="ja-JP" dirty="0"/>
-                        <a:t>1121.34</a:t>
-                      </a:r>
-                      <a:endParaRPr kumimoji="1" lang="ja-JP" altLang="en-US"/>
-                    </a:p>
-                  </a:txBody>
-                  <a:tcPr anchor="ctr"/>
-                </a:tc>
-                <a:tc>
-                  <a:txBody>
-                    <a:bodyPr/>
-                    <a:lstStyle/>
-                    <a:p>
-                      <a:pPr algn="r"/>
-                      <a:r>
-                        <a:rPr kumimoji="1" lang="en-US" altLang="ja-JP" dirty="0"/>
-                        <a:t>0.00</a:t>
-                      </a:r>
-                      <a:endParaRPr kumimoji="1" lang="ja-JP" altLang="en-US"/>
-                    </a:p>
-                  </a:txBody>
-                  <a:tcPr anchor="ctr"/>
-                </a:tc>
-                <a:tc>
-                  <a:txBody>
-                    <a:bodyPr/>
-                    <a:lstStyle/>
-                    <a:p>
-                      <a:pPr algn="r"/>
-                      <a:r>
-                        <a:rPr kumimoji="1" lang="en-US" altLang="ja-JP" dirty="0"/>
-                        <a:t>89.1</a:t>
-                      </a:r>
-                      <a:endParaRPr kumimoji="1" lang="ja-JP" altLang="en-US"/>
-                    </a:p>
-                  </a:txBody>
-                  <a:tcPr anchor="ctr"/>
-                </a:tc>
-                <a:tc>
-                  <a:txBody>
-                    <a:bodyPr/>
-                    <a:lstStyle/>
-                    <a:p>
-                      <a:pPr algn="r"/>
-                      <a:r>
-                        <a:rPr kumimoji="1" lang="en-US" altLang="ja-JP" dirty="0"/>
-                        <a:t>636.97</a:t>
-                      </a:r>
-                      <a:endParaRPr kumimoji="1" lang="ja-JP" altLang="en-US"/>
-                    </a:p>
-                  </a:txBody>
-                  <a:tcPr anchor="ctr"/>
-                </a:tc>
-                <a:extLst>
-                  <a:ext uri="{0D108BD9-81ED-4DB2-BD59-A6C34878D82A}">
-                    <a16:rowId xmlns:a16="http://schemas.microsoft.com/office/drawing/2014/main" val="2497193795"/>
-                  </a:ext>
-                </a:extLst>
-              </a:tr>
-              <a:tr h="370840">
-                <a:tc>
-                  <a:txBody>
-                    <a:bodyPr/>
-                    <a:lstStyle/>
-                    <a:p>
-                      <a:pPr algn="ctr"/>
-                      <a:r>
-                        <a:rPr kumimoji="1" lang="en-US" altLang="ja-JP" dirty="0"/>
-                        <a:t>r6a</a:t>
-                      </a:r>
-                      <a:endParaRPr kumimoji="1" lang="ja-JP" altLang="en-US"/>
-                    </a:p>
-                  </a:txBody>
-                  <a:tcPr/>
-                </a:tc>
-                <a:tc>
-                  <a:txBody>
-                    <a:bodyPr/>
-                    <a:lstStyle/>
-                    <a:p>
-                      <a:pPr algn="ctr"/>
-                      <a:r>
-                        <a:rPr kumimoji="1" lang="en-US" altLang="ja-JP" dirty="0"/>
-                        <a:t>144</a:t>
-                      </a:r>
-                      <a:endParaRPr kumimoji="1" lang="ja-JP" altLang="en-US"/>
-                    </a:p>
-                  </a:txBody>
-                  <a:tcPr/>
-                </a:tc>
-                <a:tc>
-                  <a:txBody>
-                    <a:bodyPr/>
-                    <a:lstStyle/>
-                    <a:p>
-                      <a:pPr algn="ctr"/>
-                      <a:r>
-                        <a:rPr kumimoji="1" lang="en-US" altLang="ja-JP" dirty="0"/>
-                        <a:t>13</a:t>
-                      </a:r>
-                      <a:endParaRPr kumimoji="1" lang="ja-JP" altLang="en-US"/>
-                    </a:p>
-                  </a:txBody>
-                  <a:tcPr/>
-                </a:tc>
-                <a:tc>
-                  <a:txBody>
-                    <a:bodyPr/>
-                    <a:lstStyle/>
-                    <a:p>
-                      <a:pPr algn="r"/>
-                      <a:r>
-                        <a:rPr kumimoji="1" lang="en-US" altLang="ja-JP" dirty="0"/>
-                        <a:t>1506.35</a:t>
-                      </a:r>
-                      <a:endParaRPr kumimoji="1" lang="ja-JP" altLang="en-US"/>
-                    </a:p>
-                  </a:txBody>
-                  <a:tcPr anchor="ctr"/>
-                </a:tc>
-                <a:tc>
-                  <a:txBody>
-                    <a:bodyPr/>
-                    <a:lstStyle/>
-                    <a:p>
-                      <a:pPr algn="r"/>
-                      <a:r>
-                        <a:rPr kumimoji="1" lang="en-US" altLang="ja-JP" dirty="0"/>
-                        <a:t>9.56</a:t>
-                      </a:r>
-                      <a:endParaRPr kumimoji="1" lang="ja-JP" altLang="en-US"/>
-                    </a:p>
-                  </a:txBody>
-                  <a:tcPr anchor="ctr"/>
-                </a:tc>
-                <a:tc>
-                  <a:txBody>
-                    <a:bodyPr/>
-                    <a:lstStyle/>
-                    <a:p>
-                      <a:pPr algn="r"/>
-                      <a:r>
-                        <a:rPr kumimoji="1" lang="en-US" altLang="ja-JP" dirty="0"/>
-                        <a:t>87.9</a:t>
-                      </a:r>
-                      <a:endParaRPr kumimoji="1" lang="ja-JP" altLang="en-US"/>
-                    </a:p>
-                  </a:txBody>
-                  <a:tcPr anchor="ctr"/>
-                </a:tc>
-                <a:tc>
-                  <a:txBody>
-                    <a:bodyPr/>
-                    <a:lstStyle/>
-                    <a:p>
-                      <a:pPr algn="r"/>
-                      <a:r>
-                        <a:rPr kumimoji="1" lang="en-US" altLang="ja-JP" dirty="0">
-                          <a:solidFill>
-                            <a:srgbClr val="FF0000"/>
-                          </a:solidFill>
-                        </a:rPr>
-                        <a:t>1500.95</a:t>
-                      </a:r>
-                      <a:endParaRPr kumimoji="1" lang="ja-JP" altLang="en-US">
-                        <a:solidFill>
-                          <a:srgbClr val="FF0000"/>
-                        </a:solidFill>
-                      </a:endParaRPr>
-                    </a:p>
-                  </a:txBody>
-                  <a:tcPr anchor="ctr"/>
-                </a:tc>
-                <a:tc>
-                  <a:txBody>
-                    <a:bodyPr/>
-                    <a:lstStyle/>
-                    <a:p>
-                      <a:pPr algn="r"/>
-                      <a:r>
-                        <a:rPr kumimoji="1" lang="en-US" altLang="ja-JP" dirty="0"/>
-                        <a:t>9.41</a:t>
-                      </a:r>
-                      <a:endParaRPr kumimoji="1" lang="ja-JP" altLang="en-US"/>
-                    </a:p>
-                  </a:txBody>
-                  <a:tcPr anchor="ctr"/>
-                </a:tc>
-                <a:tc>
-                  <a:txBody>
-                    <a:bodyPr/>
-                    <a:lstStyle/>
-                    <a:p>
-                      <a:pPr algn="r"/>
-                      <a:r>
-                        <a:rPr kumimoji="1" lang="en-US" altLang="ja-JP"/>
-                        <a:t>87.2</a:t>
-                      </a:r>
-                      <a:endParaRPr kumimoji="1" lang="ja-JP" altLang="en-US"/>
-                    </a:p>
-                  </a:txBody>
-                  <a:tcPr anchor="ctr"/>
-                </a:tc>
-                <a:tc>
-                  <a:txBody>
-                    <a:bodyPr/>
-                    <a:lstStyle/>
-                    <a:p>
-                      <a:pPr algn="r"/>
-                      <a:r>
-                        <a:rPr kumimoji="1" lang="en-US" altLang="ja-JP" dirty="0"/>
-                        <a:t>801.40</a:t>
-                      </a:r>
-                      <a:endParaRPr kumimoji="1" lang="ja-JP" altLang="en-US"/>
-                    </a:p>
-                  </a:txBody>
-                  <a:tcPr anchor="ctr"/>
-                </a:tc>
-                <a:extLst>
-                  <a:ext uri="{0D108BD9-81ED-4DB2-BD59-A6C34878D82A}">
-                    <a16:rowId xmlns:a16="http://schemas.microsoft.com/office/drawing/2014/main" val="2225575591"/>
+                    <a16:rowId xmlns:a16="http://schemas.microsoft.com/office/drawing/2014/main" val="2920713050"/>
                   </a:ext>
                 </a:extLst>
               </a:tr>
@@ -11885,7 +11458,7 @@
                       </a:pPr>
                       <a:r>
                         <a:rPr kumimoji="1" lang="en-US" altLang="ja-JP" dirty="0"/>
-                        <a:t>r1b</a:t>
+                        <a:t>r2b</a:t>
                       </a:r>
                       <a:endParaRPr kumimoji="1" lang="ja-JP" altLang="en-US"/>
                     </a:p>
@@ -11900,7 +11473,7 @@
                       <a:pPr algn="ctr"/>
                       <a:r>
                         <a:rPr kumimoji="1" lang="en-US" altLang="ja-JP" dirty="0"/>
-                        <a:t>24</a:t>
+                        <a:t>48</a:t>
                       </a:r>
                       <a:endParaRPr kumimoji="1" lang="ja-JP" altLang="en-US"/>
                     </a:p>
@@ -11915,7 +11488,7 @@
                       <a:pPr algn="ctr"/>
                       <a:r>
                         <a:rPr kumimoji="1" lang="en-US" altLang="ja-JP" dirty="0"/>
-                        <a:t>3</a:t>
+                        <a:t>5</a:t>
                       </a:r>
                       <a:endParaRPr kumimoji="1" lang="ja-JP" altLang="en-US"/>
                     </a:p>
@@ -11930,7 +11503,7 @@
                       <a:pPr algn="r"/>
                       <a:r>
                         <a:rPr kumimoji="1" lang="en-US" altLang="ja-JP" dirty="0"/>
-                        <a:t>195.60</a:t>
+                        <a:t>402.11</a:t>
                       </a:r>
                       <a:endParaRPr kumimoji="1" lang="ja-JP" altLang="en-US"/>
                     </a:p>
@@ -11960,7 +11533,7 @@
                       <a:pPr algn="r"/>
                       <a:r>
                         <a:rPr kumimoji="1" lang="en-US" altLang="ja-JP" dirty="0"/>
-                        <a:t>18.9</a:t>
+                        <a:t>35.8</a:t>
                       </a:r>
                       <a:endParaRPr kumimoji="1" lang="ja-JP" altLang="en-US"/>
                     </a:p>
@@ -11974,61 +11547,8 @@
                     <a:p>
                       <a:pPr algn="r"/>
                       <a:r>
-                        <a:rPr kumimoji="1" lang="en-US" altLang="ja-JP" dirty="0">
-                          <a:solidFill>
-                            <a:srgbClr val="FF0000"/>
-                          </a:solidFill>
-                        </a:rPr>
-                        <a:t>191.00</a:t>
-                      </a:r>
-                      <a:endParaRPr kumimoji="1" lang="ja-JP" altLang="en-US">
-                        <a:solidFill>
-                          <a:srgbClr val="FF0000"/>
-                        </a:solidFill>
-                      </a:endParaRPr>
-                    </a:p>
-                  </a:txBody>
-                  <a:tcPr anchor="ctr"/>
-                </a:tc>
-                <a:tc>
-                  <a:txBody>
-                    <a:bodyPr/>
-                    <a:lstStyle/>
-                    <a:p>
-                      <a:pPr algn="r"/>
-                      <a:r>
-                        <a:rPr kumimoji="1" lang="en-US" altLang="ja-JP" dirty="0"/>
-                        <a:t>0.00</a:t>
-                      </a:r>
-                      <a:endParaRPr kumimoji="1" lang="ja-JP" altLang="en-US"/>
-                    </a:p>
-                  </a:txBody>
-                  <a:tcPr anchor="ctr"/>
-                </a:tc>
-                <a:tc>
-                  <a:txBody>
-                    <a:bodyPr/>
-                    <a:lstStyle/>
-                    <a:p>
-                      <a:pPr algn="r"/>
-                      <a:r>
-                        <a:rPr kumimoji="1" lang="en-US" altLang="ja-JP" dirty="0"/>
-                        <a:t>16.1</a:t>
-                      </a:r>
-                      <a:endParaRPr kumimoji="1" lang="ja-JP" altLang="en-US"/>
-                    </a:p>
-                  </a:txBody>
-                  <a:tcPr anchor="ctr"/>
-                </a:tc>
-                <a:tc>
-                  <a:txBody>
-                    <a:bodyPr/>
-                    <a:lstStyle/>
-                    <a:p>
-                      <a:pPr algn="r"/>
-                      <a:r>
-                        <a:rPr kumimoji="1" lang="en-US" altLang="ja-JP" dirty="0"/>
-                        <a:t>164.46</a:t>
+                        <a:rPr kumimoji="1" lang="en-US" altLang="ja-JP" dirty="0"/>
+                        <a:t>296.06</a:t>
                       </a:r>
                       <a:endParaRPr kumimoji="1" lang="ja-JP" altLang="en-US"/>
                     </a:p>
@@ -12037,7 +11557,7 @@
                 </a:tc>
                 <a:extLst>
                   <a:ext uri="{0D108BD9-81ED-4DB2-BD59-A6C34878D82A}">
-                    <a16:rowId xmlns:a16="http://schemas.microsoft.com/office/drawing/2014/main" val="2920713050"/>
+                    <a16:rowId xmlns:a16="http://schemas.microsoft.com/office/drawing/2014/main" val="911103897"/>
                   </a:ext>
                 </a:extLst>
               </a:tr>
@@ -12066,7 +11586,7 @@
                       </a:pPr>
                       <a:r>
                         <a:rPr kumimoji="1" lang="en-US" altLang="ja-JP" dirty="0"/>
-                        <a:t>r2b</a:t>
+                        <a:t>r3b</a:t>
                       </a:r>
                       <a:endParaRPr kumimoji="1" lang="ja-JP" altLang="en-US"/>
                     </a:p>
@@ -12081,7 +11601,7 @@
                       <a:pPr algn="ctr"/>
                       <a:r>
                         <a:rPr kumimoji="1" lang="en-US" altLang="ja-JP" dirty="0"/>
-                        <a:t>48</a:t>
+                        <a:t>72</a:t>
                       </a:r>
                       <a:endParaRPr kumimoji="1" lang="ja-JP" altLang="en-US"/>
                     </a:p>
@@ -12096,7 +11616,7 @@
                       <a:pPr algn="ctr"/>
                       <a:r>
                         <a:rPr kumimoji="1" lang="en-US" altLang="ja-JP" dirty="0"/>
-                        <a:t>5</a:t>
+                        <a:t>7</a:t>
                       </a:r>
                       <a:endParaRPr kumimoji="1" lang="ja-JP" altLang="en-US"/>
                     </a:p>
@@ -12111,7 +11631,7 @@
                       <a:pPr algn="r"/>
                       <a:r>
                         <a:rPr kumimoji="1" lang="en-US" altLang="ja-JP" dirty="0"/>
-                        <a:t>388.43</a:t>
+                        <a:t>697.87</a:t>
                       </a:r>
                       <a:endParaRPr kumimoji="1" lang="ja-JP" altLang="en-US"/>
                     </a:p>
@@ -12141,7 +11661,7 @@
                       <a:pPr algn="r"/>
                       <a:r>
                         <a:rPr kumimoji="1" lang="en-US" altLang="ja-JP" dirty="0"/>
-                        <a:t>31.0</a:t>
+                        <a:t>41.4</a:t>
                       </a:r>
                       <a:endParaRPr kumimoji="1" lang="ja-JP" altLang="en-US"/>
                     </a:p>
@@ -12155,61 +11675,8 @@
                     <a:p>
                       <a:pPr algn="r"/>
                       <a:r>
-                        <a:rPr kumimoji="1" lang="en-US" altLang="ja-JP" dirty="0">
-                          <a:solidFill>
-                            <a:srgbClr val="FF0000"/>
-                          </a:solidFill>
-                        </a:rPr>
-                        <a:t>380.84</a:t>
-                      </a:r>
-                      <a:endParaRPr kumimoji="1" lang="ja-JP" altLang="en-US">
-                        <a:solidFill>
-                          <a:srgbClr val="FF0000"/>
-                        </a:solidFill>
-                      </a:endParaRPr>
-                    </a:p>
-                  </a:txBody>
-                  <a:tcPr anchor="ctr"/>
-                </a:tc>
-                <a:tc>
-                  <a:txBody>
-                    <a:bodyPr/>
-                    <a:lstStyle/>
-                    <a:p>
-                      <a:pPr algn="r"/>
-                      <a:r>
-                        <a:rPr kumimoji="1" lang="en-US" altLang="ja-JP" dirty="0"/>
-                        <a:t>0.00</a:t>
-                      </a:r>
-                      <a:endParaRPr kumimoji="1" lang="ja-JP" altLang="en-US"/>
-                    </a:p>
-                  </a:txBody>
-                  <a:tcPr anchor="ctr"/>
-                </a:tc>
-                <a:tc>
-                  <a:txBody>
-                    <a:bodyPr/>
-                    <a:lstStyle/>
-                    <a:p>
-                      <a:pPr algn="r"/>
-                      <a:r>
-                        <a:rPr kumimoji="1" lang="en-US" altLang="ja-JP" dirty="0"/>
-                        <a:t>28.3</a:t>
-                      </a:r>
-                      <a:endParaRPr kumimoji="1" lang="ja-JP" altLang="en-US"/>
-                    </a:p>
-                  </a:txBody>
-                  <a:tcPr anchor="ctr"/>
-                </a:tc>
-                <a:tc>
-                  <a:txBody>
-                    <a:bodyPr/>
-                    <a:lstStyle/>
-                    <a:p>
-                      <a:pPr algn="r"/>
-                      <a:r>
-                        <a:rPr kumimoji="1" lang="en-US" altLang="ja-JP" dirty="0"/>
-                        <a:t>296.06</a:t>
+                        <a:rPr kumimoji="1" lang="en-US" altLang="ja-JP" dirty="0"/>
+                        <a:t>493.30</a:t>
                       </a:r>
                       <a:endParaRPr kumimoji="1" lang="ja-JP" altLang="en-US"/>
                     </a:p>
@@ -12218,7 +11685,7 @@
                 </a:tc>
                 <a:extLst>
                   <a:ext uri="{0D108BD9-81ED-4DB2-BD59-A6C34878D82A}">
-                    <a16:rowId xmlns:a16="http://schemas.microsoft.com/office/drawing/2014/main" val="911103897"/>
+                    <a16:rowId xmlns:a16="http://schemas.microsoft.com/office/drawing/2014/main" val="3092792726"/>
                   </a:ext>
                 </a:extLst>
               </a:tr>
@@ -12247,7 +11714,7 @@
                       </a:pPr>
                       <a:r>
                         <a:rPr kumimoji="1" lang="en-US" altLang="ja-JP" dirty="0"/>
-                        <a:t>r3b</a:t>
+                        <a:t>r4b</a:t>
                       </a:r>
                       <a:endParaRPr kumimoji="1" lang="ja-JP" altLang="en-US"/>
                     </a:p>
@@ -12262,7 +11729,7 @@
                       <a:pPr algn="ctr"/>
                       <a:r>
                         <a:rPr kumimoji="1" lang="en-US" altLang="ja-JP" dirty="0"/>
-                        <a:t>72</a:t>
+                        <a:t>96</a:t>
                       </a:r>
                       <a:endParaRPr kumimoji="1" lang="ja-JP" altLang="en-US"/>
                     </a:p>
@@ -12277,57 +11744,12 @@
                       <a:pPr algn="ctr"/>
                       <a:r>
                         <a:rPr kumimoji="1" lang="en-US" altLang="ja-JP" dirty="0"/>
-                        <a:t>7</a:t>
-                      </a:r>
-                      <a:endParaRPr kumimoji="1" lang="ja-JP" altLang="en-US"/>
-                    </a:p>
-                  </a:txBody>
-                  <a:tcPr/>
-                </a:tc>
-                <a:tc>
-                  <a:txBody>
-                    <a:bodyPr/>
-                    <a:lstStyle/>
-                    <a:p>
-                      <a:pPr algn="r"/>
-                      <a:r>
-                        <a:rPr kumimoji="1" lang="en-US" altLang="ja-JP" dirty="0"/>
-                        <a:t>777.09</a:t>
-                      </a:r>
-                      <a:endParaRPr kumimoji="1" lang="ja-JP" altLang="en-US"/>
-                    </a:p>
-                  </a:txBody>
-                  <a:tcPr anchor="ctr"/>
-                </a:tc>
-                <a:tc>
-                  <a:txBody>
-                    <a:bodyPr/>
-                    <a:lstStyle/>
-                    <a:p>
-                      <a:pPr algn="r"/>
-                      <a:r>
-                        <a:rPr kumimoji="1" lang="en-US" altLang="ja-JP" dirty="0"/>
-                        <a:t>0.00</a:t>
-                      </a:r>
-                      <a:endParaRPr kumimoji="1" lang="ja-JP" altLang="en-US"/>
-                    </a:p>
-                  </a:txBody>
-                  <a:tcPr anchor="ctr"/>
-                </a:tc>
-                <a:tc>
-                  <a:txBody>
-                    <a:bodyPr/>
-                    <a:lstStyle/>
-                    <a:p>
-                      <a:pPr algn="r"/>
-                      <a:r>
-                        <a:rPr kumimoji="1" lang="en-US" altLang="ja-JP" dirty="0"/>
-                        <a:t>57.5</a:t>
-                      </a:r>
-                      <a:endParaRPr kumimoji="1" lang="ja-JP" altLang="en-US"/>
-                    </a:p>
-                  </a:txBody>
-                  <a:tcPr anchor="ctr"/>
+                        <a:t>9</a:t>
+                      </a:r>
+                      <a:endParaRPr kumimoji="1" lang="ja-JP" altLang="en-US"/>
+                    </a:p>
+                  </a:txBody>
+                  <a:tcPr/>
                 </a:tc>
                 <a:tc>
                   <a:txBody>
@@ -12338,14 +11760,14 @@
                       <a:r>
                         <a:rPr kumimoji="1" lang="en-US" altLang="ja-JP" dirty="0">
                           <a:solidFill>
-                            <a:srgbClr val="FF0000"/>
+                            <a:schemeClr val="tx1"/>
                           </a:solidFill>
                         </a:rPr>
-                        <a:t>713.94</a:t>
+                        <a:t>833.65</a:t>
                       </a:r>
                       <a:endParaRPr kumimoji="1" lang="ja-JP" altLang="en-US">
                         <a:solidFill>
-                          <a:srgbClr val="FF0000"/>
+                          <a:schemeClr val="tx1"/>
                         </a:solidFill>
                       </a:endParaRPr>
                     </a:p>
@@ -12375,7 +11797,7 @@
                       <a:pPr algn="r"/>
                       <a:r>
                         <a:rPr kumimoji="1" lang="en-US" altLang="ja-JP" dirty="0"/>
-                        <a:t>44.6</a:t>
+                        <a:t>55.5</a:t>
                       </a:r>
                       <a:endParaRPr kumimoji="1" lang="ja-JP" altLang="en-US"/>
                     </a:p>
@@ -12390,7 +11812,7 @@
                       <a:pPr algn="r"/>
                       <a:r>
                         <a:rPr kumimoji="1" lang="en-US" altLang="ja-JP" dirty="0"/>
-                        <a:t>493.30</a:t>
+                        <a:t>535.90</a:t>
                       </a:r>
                       <a:endParaRPr kumimoji="1" lang="ja-JP" altLang="en-US"/>
                     </a:p>
@@ -12399,7 +11821,7 @@
                 </a:tc>
                 <a:extLst>
                   <a:ext uri="{0D108BD9-81ED-4DB2-BD59-A6C34878D82A}">
-                    <a16:rowId xmlns:a16="http://schemas.microsoft.com/office/drawing/2014/main" val="3092792726"/>
+                    <a16:rowId xmlns:a16="http://schemas.microsoft.com/office/drawing/2014/main" val="2755415071"/>
                   </a:ext>
                 </a:extLst>
               </a:tr>
@@ -12428,7 +11850,7 @@
                       </a:pPr>
                       <a:r>
                         <a:rPr kumimoji="1" lang="en-US" altLang="ja-JP" dirty="0"/>
-                        <a:t>r4b</a:t>
+                        <a:t>r5b</a:t>
                       </a:r>
                       <a:endParaRPr kumimoji="1" lang="ja-JP" altLang="en-US"/>
                     </a:p>
@@ -12443,7 +11865,7 @@
                       <a:pPr algn="ctr"/>
                       <a:r>
                         <a:rPr kumimoji="1" lang="en-US" altLang="ja-JP" dirty="0"/>
-                        <a:t>96</a:t>
+                        <a:t>120</a:t>
                       </a:r>
                       <a:endParaRPr kumimoji="1" lang="ja-JP" altLang="en-US"/>
                     </a:p>
@@ -12458,57 +11880,12 @@
                       <a:pPr algn="ctr"/>
                       <a:r>
                         <a:rPr kumimoji="1" lang="en-US" altLang="ja-JP" dirty="0"/>
-                        <a:t>9</a:t>
-                      </a:r>
-                      <a:endParaRPr kumimoji="1" lang="ja-JP" altLang="en-US"/>
-                    </a:p>
-                  </a:txBody>
-                  <a:tcPr/>
-                </a:tc>
-                <a:tc>
-                  <a:txBody>
-                    <a:bodyPr/>
-                    <a:lstStyle/>
-                    <a:p>
-                      <a:pPr algn="r"/>
-                      <a:r>
-                        <a:rPr kumimoji="1" lang="en-US" altLang="ja-JP" dirty="0"/>
-                        <a:t>973.73</a:t>
-                      </a:r>
-                      <a:endParaRPr kumimoji="1" lang="ja-JP" altLang="en-US"/>
-                    </a:p>
-                  </a:txBody>
-                  <a:tcPr anchor="ctr"/>
-                </a:tc>
-                <a:tc>
-                  <a:txBody>
-                    <a:bodyPr/>
-                    <a:lstStyle/>
-                    <a:p>
-                      <a:pPr algn="r"/>
-                      <a:r>
-                        <a:rPr kumimoji="1" lang="en-US" altLang="ja-JP" dirty="0"/>
-                        <a:t>0.00</a:t>
-                      </a:r>
-                      <a:endParaRPr kumimoji="1" lang="ja-JP" altLang="en-US"/>
-                    </a:p>
-                  </a:txBody>
-                  <a:tcPr anchor="ctr"/>
-                </a:tc>
-                <a:tc>
-                  <a:txBody>
-                    <a:bodyPr/>
-                    <a:lstStyle/>
-                    <a:p>
-                      <a:pPr algn="r"/>
-                      <a:r>
-                        <a:rPr kumimoji="1" lang="en-US" altLang="ja-JP" dirty="0"/>
-                        <a:t>81.6</a:t>
-                      </a:r>
-                      <a:endParaRPr kumimoji="1" lang="ja-JP" altLang="en-US"/>
-                    </a:p>
-                  </a:txBody>
-                  <a:tcPr anchor="ctr"/>
+                        <a:t>11</a:t>
+                      </a:r>
+                      <a:endParaRPr kumimoji="1" lang="ja-JP" altLang="en-US"/>
+                    </a:p>
+                  </a:txBody>
+                  <a:tcPr/>
                 </a:tc>
                 <a:tc>
                   <a:txBody>
@@ -12519,14 +11896,14 @@
                       <a:r>
                         <a:rPr kumimoji="1" lang="en-US" altLang="ja-JP" dirty="0">
                           <a:solidFill>
-                            <a:srgbClr val="FF0000"/>
+                            <a:schemeClr val="tx1"/>
                           </a:solidFill>
                         </a:rPr>
-                        <a:t>881.13</a:t>
+                        <a:t>853.89</a:t>
                       </a:r>
                       <a:endParaRPr kumimoji="1" lang="ja-JP" altLang="en-US">
                         <a:solidFill>
-                          <a:srgbClr val="FF0000"/>
+                          <a:schemeClr val="tx1"/>
                         </a:solidFill>
                       </a:endParaRPr>
                     </a:p>
@@ -12556,188 +11933,7 @@
                       <a:pPr algn="r"/>
                       <a:r>
                         <a:rPr kumimoji="1" lang="en-US" altLang="ja-JP" dirty="0"/>
-                        <a:t>64.6</a:t>
-                      </a:r>
-                      <a:endParaRPr kumimoji="1" lang="ja-JP" altLang="en-US"/>
-                    </a:p>
-                  </a:txBody>
-                  <a:tcPr anchor="ctr"/>
-                </a:tc>
-                <a:tc>
-                  <a:txBody>
-                    <a:bodyPr/>
-                    <a:lstStyle/>
-                    <a:p>
-                      <a:pPr algn="r"/>
-                      <a:r>
-                        <a:rPr kumimoji="1" lang="en-US" altLang="ja-JP" dirty="0"/>
-                        <a:t>535.90</a:t>
-                      </a:r>
-                      <a:endParaRPr kumimoji="1" lang="ja-JP" altLang="en-US"/>
-                    </a:p>
-                  </a:txBody>
-                  <a:tcPr anchor="ctr"/>
-                </a:tc>
-                <a:extLst>
-                  <a:ext uri="{0D108BD9-81ED-4DB2-BD59-A6C34878D82A}">
-                    <a16:rowId xmlns:a16="http://schemas.microsoft.com/office/drawing/2014/main" val="2755415071"/>
-                  </a:ext>
-                </a:extLst>
-              </a:tr>
-              <a:tr h="370840">
-                <a:tc>
-                  <a:txBody>
-                    <a:bodyPr/>
-                    <a:lstStyle/>
-                    <a:p>
-                      <a:pPr marL="0" marR="0" lvl="0" indent="0" algn="ctr" defTabSz="914400" rtl="0" eaLnBrk="1" fontAlgn="auto" latinLnBrk="0" hangingPunct="1">
-                        <a:lnSpc>
-                          <a:spcPct val="100000"/>
-                        </a:lnSpc>
-                        <a:spcBef>
-                          <a:spcPts val="0"/>
-                        </a:spcBef>
-                        <a:spcAft>
-                          <a:spcPts val="0"/>
-                        </a:spcAft>
-                        <a:buClrTx/>
-                        <a:buSzTx/>
-                        <a:buFontTx/>
-                        <a:buNone/>
-                        <a:tabLst/>
-                        <a:defRPr/>
-                      </a:pPr>
-                      <a:r>
-                        <a:rPr kumimoji="1" lang="en-US" altLang="ja-JP" dirty="0"/>
-                        <a:t>r5b</a:t>
-                      </a:r>
-                      <a:endParaRPr kumimoji="1" lang="ja-JP" altLang="en-US"/>
-                    </a:p>
-                  </a:txBody>
-                  <a:tcPr/>
-                </a:tc>
-                <a:tc>
-                  <a:txBody>
-                    <a:bodyPr/>
-                    <a:lstStyle/>
-                    <a:p>
-                      <a:pPr algn="ctr"/>
-                      <a:r>
-                        <a:rPr kumimoji="1" lang="en-US" altLang="ja-JP" dirty="0"/>
-                        <a:t>120</a:t>
-                      </a:r>
-                      <a:endParaRPr kumimoji="1" lang="ja-JP" altLang="en-US"/>
-                    </a:p>
-                  </a:txBody>
-                  <a:tcPr/>
-                </a:tc>
-                <a:tc>
-                  <a:txBody>
-                    <a:bodyPr/>
-                    <a:lstStyle/>
-                    <a:p>
-                      <a:pPr algn="ctr"/>
-                      <a:r>
-                        <a:rPr kumimoji="1" lang="en-US" altLang="ja-JP" dirty="0"/>
-                        <a:t>11</a:t>
-                      </a:r>
-                      <a:endParaRPr kumimoji="1" lang="ja-JP" altLang="en-US"/>
-                    </a:p>
-                  </a:txBody>
-                  <a:tcPr/>
-                </a:tc>
-                <a:tc>
-                  <a:txBody>
-                    <a:bodyPr/>
-                    <a:lstStyle/>
-                    <a:p>
-                      <a:pPr algn="r"/>
-                      <a:r>
-                        <a:rPr kumimoji="1" lang="en-US" altLang="ja-JP" dirty="0">
-                          <a:solidFill>
-                            <a:srgbClr val="FF0000"/>
-                          </a:solidFill>
-                        </a:rPr>
-                        <a:t>976.45</a:t>
-                      </a:r>
-                      <a:endParaRPr kumimoji="1" lang="ja-JP" altLang="en-US">
-                        <a:solidFill>
-                          <a:srgbClr val="FF0000"/>
-                        </a:solidFill>
-                      </a:endParaRPr>
-                    </a:p>
-                  </a:txBody>
-                  <a:tcPr anchor="ctr"/>
-                </a:tc>
-                <a:tc>
-                  <a:txBody>
-                    <a:bodyPr/>
-                    <a:lstStyle/>
-                    <a:p>
-                      <a:pPr algn="r"/>
-                      <a:r>
-                        <a:rPr kumimoji="1" lang="en-US" altLang="ja-JP" dirty="0"/>
-                        <a:t>0.00</a:t>
-                      </a:r>
-                      <a:endParaRPr kumimoji="1" lang="ja-JP" altLang="en-US"/>
-                    </a:p>
-                  </a:txBody>
-                  <a:tcPr anchor="ctr"/>
-                </a:tc>
-                <a:tc>
-                  <a:txBody>
-                    <a:bodyPr/>
-                    <a:lstStyle/>
-                    <a:p>
-                      <a:pPr algn="r"/>
-                      <a:r>
-                        <a:rPr kumimoji="1" lang="en-US" altLang="ja-JP" dirty="0"/>
-                        <a:t>65.5</a:t>
-                      </a:r>
-                      <a:endParaRPr kumimoji="1" lang="ja-JP" altLang="en-US"/>
-                    </a:p>
-                  </a:txBody>
-                  <a:tcPr anchor="ctr"/>
-                </a:tc>
-                <a:tc>
-                  <a:txBody>
-                    <a:bodyPr/>
-                    <a:lstStyle/>
-                    <a:p>
-                      <a:pPr algn="r"/>
-                      <a:r>
-                        <a:rPr kumimoji="1" lang="en-US" altLang="ja-JP" dirty="0"/>
-                        <a:t>1027.24</a:t>
-                      </a:r>
-                      <a:endParaRPr kumimoji="1" lang="ja-JP" altLang="en-US"/>
-                    </a:p>
-                  </a:txBody>
-                  <a:tcPr anchor="ctr"/>
-                </a:tc>
-                <a:tc>
-                  <a:txBody>
-                    <a:bodyPr/>
-                    <a:lstStyle/>
-                    <a:p>
-                      <a:pPr algn="r"/>
-                      <a:r>
-                        <a:rPr kumimoji="1" lang="en-US" altLang="ja-JP" dirty="0"/>
-                        <a:t>0.00</a:t>
-                      </a:r>
-                      <a:endParaRPr kumimoji="1" lang="ja-JP" altLang="en-US"/>
-                    </a:p>
-                  </a:txBody>
-                  <a:tcPr anchor="ctr"/>
-                </a:tc>
-                <a:tc>
-                  <a:txBody>
-                    <a:bodyPr/>
-                    <a:lstStyle/>
-                    <a:p>
-                      <a:pPr algn="r"/>
-                      <a:r>
-                        <a:rPr kumimoji="1" lang="en-US" altLang="ja-JP" dirty="0"/>
-                        <a:t>74.3</a:t>
+                        <a:t>44.6</a:t>
                       </a:r>
                       <a:endParaRPr kumimoji="1" lang="ja-JP" altLang="en-US"/>
                     </a:p>
@@ -12771,187 +11967,6 @@
                     <a:bodyPr/>
                     <a:lstStyle/>
                     <a:p>
-                      <a:pPr marL="0" marR="0" lvl="0" indent="0" algn="ctr" defTabSz="914400" rtl="0" eaLnBrk="1" fontAlgn="auto" latinLnBrk="0" hangingPunct="1">
-                        <a:lnSpc>
-                          <a:spcPct val="100000"/>
-                        </a:lnSpc>
-                        <a:spcBef>
-                          <a:spcPts val="0"/>
-                        </a:spcBef>
-                        <a:spcAft>
-                          <a:spcPts val="0"/>
-                        </a:spcAft>
-                        <a:buClrTx/>
-                        <a:buSzTx/>
-                        <a:buFontTx/>
-                        <a:buNone/>
-                        <a:tabLst/>
-                        <a:defRPr/>
-                      </a:pPr>
-                      <a:r>
-                        <a:rPr kumimoji="1" lang="en-US" altLang="ja-JP" dirty="0"/>
-                        <a:t>r6b</a:t>
-                      </a:r>
-                      <a:endParaRPr kumimoji="1" lang="ja-JP" altLang="en-US"/>
-                    </a:p>
-                  </a:txBody>
-                  <a:tcPr/>
-                </a:tc>
-                <a:tc>
-                  <a:txBody>
-                    <a:bodyPr/>
-                    <a:lstStyle/>
-                    <a:p>
-                      <a:pPr algn="ctr"/>
-                      <a:r>
-                        <a:rPr kumimoji="1" lang="en-US" altLang="ja-JP" dirty="0"/>
-                        <a:t>144</a:t>
-                      </a:r>
-                      <a:endParaRPr kumimoji="1" lang="ja-JP" altLang="en-US"/>
-                    </a:p>
-                  </a:txBody>
-                  <a:tcPr/>
-                </a:tc>
-                <a:tc>
-                  <a:txBody>
-                    <a:bodyPr/>
-                    <a:lstStyle/>
-                    <a:p>
-                      <a:pPr algn="ctr"/>
-                      <a:r>
-                        <a:rPr kumimoji="1" lang="en-US" altLang="ja-JP" dirty="0"/>
-                        <a:t>13</a:t>
-                      </a:r>
-                      <a:endParaRPr kumimoji="1" lang="ja-JP" altLang="en-US"/>
-                    </a:p>
-                  </a:txBody>
-                  <a:tcPr/>
-                </a:tc>
-                <a:tc>
-                  <a:txBody>
-                    <a:bodyPr/>
-                    <a:lstStyle/>
-                    <a:p>
-                      <a:pPr algn="r"/>
-                      <a:r>
-                        <a:rPr kumimoji="1" lang="en-US" altLang="ja-JP" dirty="0">
-                          <a:solidFill>
-                            <a:srgbClr val="FF0000"/>
-                          </a:solidFill>
-                        </a:rPr>
-                        <a:t>1317.47</a:t>
-                      </a:r>
-                      <a:endParaRPr kumimoji="1" lang="ja-JP" altLang="en-US">
-                        <a:solidFill>
-                          <a:srgbClr val="FF0000"/>
-                        </a:solidFill>
-                      </a:endParaRPr>
-                    </a:p>
-                  </a:txBody>
-                  <a:tcPr anchor="ctr"/>
-                </a:tc>
-                <a:tc>
-                  <a:txBody>
-                    <a:bodyPr/>
-                    <a:lstStyle/>
-                    <a:p>
-                      <a:pPr algn="r"/>
-                      <a:r>
-                        <a:rPr kumimoji="1" lang="en-US" altLang="ja-JP" dirty="0"/>
-                        <a:t>0.00</a:t>
-                      </a:r>
-                      <a:endParaRPr kumimoji="1" lang="ja-JP" altLang="en-US"/>
-                    </a:p>
-                  </a:txBody>
-                  <a:tcPr anchor="ctr"/>
-                </a:tc>
-                <a:tc>
-                  <a:txBody>
-                    <a:bodyPr/>
-                    <a:lstStyle/>
-                    <a:p>
-                      <a:pPr algn="r"/>
-                      <a:r>
-                        <a:rPr kumimoji="1" lang="en-US" altLang="ja-JP" dirty="0"/>
-                        <a:t>77.1</a:t>
-                      </a:r>
-                      <a:endParaRPr kumimoji="1" lang="ja-JP" altLang="en-US"/>
-                    </a:p>
-                  </a:txBody>
-                  <a:tcPr anchor="ctr"/>
-                </a:tc>
-                <a:tc>
-                  <a:txBody>
-                    <a:bodyPr/>
-                    <a:lstStyle/>
-                    <a:p>
-                      <a:pPr algn="r"/>
-                      <a:r>
-                        <a:rPr kumimoji="1" lang="en-US" altLang="ja-JP" dirty="0"/>
-                        <a:t>1352.09</a:t>
-                      </a:r>
-                      <a:endParaRPr kumimoji="1" lang="ja-JP" altLang="en-US"/>
-                    </a:p>
-                  </a:txBody>
-                  <a:tcPr anchor="ctr"/>
-                </a:tc>
-                <a:tc>
-                  <a:txBody>
-                    <a:bodyPr/>
-                    <a:lstStyle/>
-                    <a:p>
-                      <a:pPr algn="r"/>
-                      <a:r>
-                        <a:rPr kumimoji="1" lang="en-US" altLang="ja-JP" dirty="0"/>
-                        <a:t>0.00</a:t>
-                      </a:r>
-                      <a:endParaRPr kumimoji="1" lang="ja-JP" altLang="en-US"/>
-                    </a:p>
-                  </a:txBody>
-                  <a:tcPr anchor="ctr"/>
-                </a:tc>
-                <a:tc>
-                  <a:txBody>
-                    <a:bodyPr/>
-                    <a:lstStyle/>
-                    <a:p>
-                      <a:pPr algn="r"/>
-                      <a:r>
-                        <a:rPr kumimoji="1" lang="en-US" altLang="ja-JP" dirty="0"/>
-                        <a:t>81.9</a:t>
-                      </a:r>
-                      <a:endParaRPr kumimoji="1" lang="ja-JP" altLang="en-US"/>
-                    </a:p>
-                  </a:txBody>
-                  <a:tcPr anchor="ctr"/>
-                </a:tc>
-                <a:tc>
-                  <a:txBody>
-                    <a:bodyPr/>
-                    <a:lstStyle/>
-                    <a:p>
-                      <a:pPr algn="r"/>
-                      <a:r>
-                        <a:rPr kumimoji="1" lang="en-US" altLang="ja-JP" dirty="0"/>
-                        <a:t>743.60</a:t>
-                      </a:r>
-                      <a:endParaRPr kumimoji="1" lang="ja-JP" altLang="en-US"/>
-                    </a:p>
-                  </a:txBody>
-                  <a:tcPr anchor="ctr"/>
-                </a:tc>
-                <a:extLst>
-                  <a:ext uri="{0D108BD9-81ED-4DB2-BD59-A6C34878D82A}">
-                    <a16:rowId xmlns:a16="http://schemas.microsoft.com/office/drawing/2014/main" val="495683044"/>
-                  </a:ext>
-                </a:extLst>
-              </a:tr>
-              <a:tr h="370840">
-                <a:tc>
-                  <a:txBody>
-                    <a:bodyPr/>
-                    <a:lstStyle/>
-                    <a:p>
                       <a:pPr algn="ctr"/>
                       <a:r>
                         <a:rPr kumimoji="1" lang="ja-JP" altLang="en-US"/>
@@ -13011,44 +12026,7 @@
                       <a:pPr algn="r"/>
                       <a:r>
                         <a:rPr kumimoji="1" lang="en-US" altLang="ja-JP" dirty="0"/>
-                        <a:t>51.8</a:t>
-                      </a:r>
-                      <a:endParaRPr kumimoji="1" lang="ja-JP" altLang="en-US"/>
-                    </a:p>
-                  </a:txBody>
-                  <a:tcPr anchor="ctr"/>
-                </a:tc>
-                <a:tc>
-                  <a:txBody>
-                    <a:bodyPr/>
-                    <a:lstStyle/>
-                    <a:p>
-                      <a:pPr algn="r"/>
-                      <a:endParaRPr kumimoji="1" lang="ja-JP" altLang="en-US"/>
-                    </a:p>
-                  </a:txBody>
-                  <a:tcPr anchor="ctr"/>
-                </a:tc>
-                <a:tc>
-                  <a:txBody>
-                    <a:bodyPr/>
-                    <a:lstStyle/>
-                    <a:p>
-                      <a:pPr algn="r"/>
-                      <a:endParaRPr kumimoji="1" lang="ja-JP" altLang="en-US"/>
-                    </a:p>
-                  </a:txBody>
-                  <a:tcPr anchor="ctr"/>
-                </a:tc>
-                <a:tc>
-                  <a:txBody>
-                    <a:bodyPr/>
-                    <a:lstStyle/>
-                    <a:p>
-                      <a:pPr algn="r"/>
-                      <a:r>
-                        <a:rPr kumimoji="1" lang="en-US" altLang="ja-JP" dirty="0"/>
-                        <a:t>52.9</a:t>
+                        <a:t>39.7</a:t>
                       </a:r>
                       <a:endParaRPr kumimoji="1" lang="ja-JP" altLang="en-US"/>
                     </a:p>
@@ -13099,7 +12077,7 @@
           <a:p>
             <a:fld id="{84E0C278-47E8-3649-A055-2003DC36C60A}" type="slidenum">
               <a:rPr kumimoji="1" lang="ja-JP" altLang="en-US" smtClean="0"/>
-              <a:t>20</a:t>
+              <a:t>21</a:t>
             </a:fld>
             <a:endParaRPr kumimoji="1" lang="ja-JP" altLang="en-US"/>
           </a:p>
@@ -13118,7 +12096,7 @@
 </p:sld>
 </file>
 
-<file path=ppt/slides/slide21.xml><?xml version="1.0" encoding="utf-8"?>
+<file path=ppt/slides/slide22.xml><?xml version="1.0" encoding="utf-8"?>
 <p:sld xmlns:a="http://schemas.openxmlformats.org/drawingml/2006/main" xmlns:r="http://schemas.openxmlformats.org/officeDocument/2006/relationships" xmlns:p="http://schemas.openxmlformats.org/presentationml/2006/main">
   <p:cSld>
     <p:spTree>
@@ -13163,130 +12141,204 @@
           </a:p>
         </p:txBody>
       </p:sp>
-      <p:sp>
-        <p:nvSpPr>
-          <p:cNvPr id="3" name="コンテンツ プレースホルダー 2">
-            <a:extLst>
-              <a:ext uri="{FF2B5EF4-FFF2-40B4-BE49-F238E27FC236}">
-                <a16:creationId xmlns:a16="http://schemas.microsoft.com/office/drawing/2014/main" id="{0AB70998-D480-8A48-BFC5-F2BBB543EEA7}"/>
-              </a:ext>
-            </a:extLst>
-          </p:cNvPr>
-          <p:cNvSpPr>
-            <a:spLocks noGrp="1"/>
-          </p:cNvSpPr>
-          <p:nvPr>
-            <p:ph idx="1"/>
-          </p:nvPr>
-        </p:nvSpPr>
-        <p:spPr>
-          <a:xfrm>
-            <a:off x="1130270" y="2171769"/>
-            <a:ext cx="9603275" cy="3647140"/>
-          </a:xfrm>
-        </p:spPr>
-        <p:txBody>
-          <a:bodyPr>
-            <a:normAutofit/>
-          </a:bodyPr>
-          <a:lstStyle/>
-          <a:p>
-            <a:r>
-              <a:rPr kumimoji="1" lang="ja-JP" altLang="en-US"/>
-              <a:t>多くのインスタンスでペナルティが</a:t>
-            </a:r>
-            <a:r>
-              <a:rPr kumimoji="1" lang="en-US" altLang="ja-JP" dirty="0"/>
-              <a:t>0</a:t>
-            </a:r>
-            <a:r>
-              <a:rPr lang="ja-JP" altLang="en-US"/>
-              <a:t>の解を得ることができた。</a:t>
-            </a:r>
-            <a:endParaRPr lang="en-US" altLang="ja-JP" dirty="0"/>
-          </a:p>
-          <a:p>
-            <a:r>
-              <a:rPr lang="ja-JP" altLang="en-US"/>
-              <a:t>規模の小さいインスタンスでは誤差が</a:t>
-            </a:r>
-            <a:r>
-              <a:rPr lang="en-US" altLang="ja-JP" dirty="0"/>
-              <a:t>10-30%</a:t>
-            </a:r>
-            <a:r>
-              <a:rPr lang="ja-JP" altLang="en-US"/>
-              <a:t>の解を得ることができた。</a:t>
-            </a:r>
-            <a:endParaRPr lang="en-US" altLang="ja-JP" dirty="0"/>
-          </a:p>
-          <a:p>
-            <a:pPr lvl="1"/>
-            <a:r>
-              <a:rPr lang="ja-JP" altLang="en-US"/>
-              <a:t> 局所最適解に陥っていると考えられる。</a:t>
-            </a:r>
-            <a:endParaRPr lang="en-US" altLang="ja-JP" dirty="0"/>
-          </a:p>
-          <a:p>
-            <a:r>
-              <a:rPr kumimoji="1" lang="ja-JP" altLang="en-US"/>
-              <a:t>規模の大きいインスタンスではあまり良い解を得られなかった。</a:t>
-            </a:r>
-            <a:endParaRPr kumimoji="1" lang="en-US" altLang="ja-JP" dirty="0"/>
-          </a:p>
-          <a:p>
-            <a:pPr lvl="1"/>
-            <a:r>
-              <a:rPr kumimoji="1" lang="ja-JP" altLang="en-US"/>
-              <a:t>試行回数が十分でなかった</a:t>
-            </a:r>
-            <a:endParaRPr kumimoji="1" lang="en-US" altLang="ja-JP" dirty="0"/>
-          </a:p>
-          <a:p>
-            <a:pPr lvl="1"/>
-            <a:r>
-              <a:rPr kumimoji="1" lang="ja-JP" altLang="en-US"/>
-              <a:t>ペナルティの最小化を優先としているのでルートの総距離は最小化されなかった</a:t>
-            </a:r>
-            <a:endParaRPr kumimoji="1" lang="en-US" altLang="ja-JP" dirty="0"/>
-          </a:p>
-          <a:p>
-            <a:pPr marL="457200" lvl="1" indent="0">
-              <a:buNone/>
-            </a:pPr>
-            <a:r>
-              <a:rPr kumimoji="1" lang="ja-JP" altLang="en-US"/>
-              <a:t>これらの理由が考えられる</a:t>
-            </a:r>
-            <a:endParaRPr lang="en-US" altLang="ja-JP" dirty="0"/>
-          </a:p>
-          <a:p>
-            <a:pPr marL="457200" lvl="1" indent="0">
-              <a:buNone/>
-            </a:pPr>
-            <a:endParaRPr lang="en-US" altLang="ja-JP" dirty="0"/>
-          </a:p>
-          <a:p>
-            <a:pPr marL="457200" lvl="1" indent="0">
-              <a:buNone/>
-            </a:pPr>
-            <a:endParaRPr lang="en-US" altLang="ja-JP" dirty="0"/>
-          </a:p>
-          <a:p>
-            <a:pPr marL="457200" lvl="1" indent="0">
-              <a:buNone/>
-            </a:pPr>
-            <a:endParaRPr lang="en-US" altLang="ja-JP" dirty="0"/>
-          </a:p>
-          <a:p>
-            <a:pPr marL="457200" lvl="1" indent="0">
-              <a:buNone/>
-            </a:pPr>
-            <a:endParaRPr kumimoji="1" lang="en-US" altLang="ja-JP" dirty="0"/>
-          </a:p>
-        </p:txBody>
-      </p:sp>
+      <mc:AlternateContent xmlns:mc="http://schemas.openxmlformats.org/markup-compatibility/2006">
+        <mc:Choice xmlns:a14="http://schemas.microsoft.com/office/drawing/2010/main" Requires="a14">
+          <p:sp>
+            <p:nvSpPr>
+              <p:cNvPr id="3" name="コンテンツ プレースホルダー 2">
+                <a:extLst>
+                  <a:ext uri="{FF2B5EF4-FFF2-40B4-BE49-F238E27FC236}">
+                    <a16:creationId xmlns:a16="http://schemas.microsoft.com/office/drawing/2014/main" id="{0AB70998-D480-8A48-BFC5-F2BBB543EEA7}"/>
+                  </a:ext>
+                </a:extLst>
+              </p:cNvPr>
+              <p:cNvSpPr>
+                <a:spLocks noGrp="1"/>
+              </p:cNvSpPr>
+              <p:nvPr>
+                <p:ph idx="1"/>
+              </p:nvPr>
+            </p:nvSpPr>
+            <p:spPr>
+              <a:xfrm>
+                <a:off x="1130270" y="2171769"/>
+                <a:ext cx="9603275" cy="3647140"/>
+              </a:xfrm>
+            </p:spPr>
+            <p:txBody>
+              <a:bodyPr>
+                <a:normAutofit/>
+              </a:bodyPr>
+              <a:lstStyle/>
+              <a:p>
+                <a:r>
+                  <a:rPr kumimoji="1" lang="ja-JP" altLang="en-US"/>
+                  <a:t>多くのインスタンスでペナルティが</a:t>
+                </a:r>
+                <a:r>
+                  <a:rPr kumimoji="1" lang="en-US" altLang="ja-JP" dirty="0"/>
+                  <a:t>0</a:t>
+                </a:r>
+                <a:r>
+                  <a:rPr lang="ja-JP" altLang="en-US"/>
+                  <a:t>の解を得ることができた。</a:t>
+                </a:r>
+                <a:endParaRPr lang="en-US" altLang="ja-JP" dirty="0"/>
+              </a:p>
+              <a:p>
+                <a:r>
+                  <a:rPr lang="ja-JP" altLang="en-US"/>
+                  <a:t>解の相対誤差が平均で</a:t>
+                </a:r>
+                <a:r>
+                  <a:rPr lang="en-US" altLang="ja-JP" dirty="0"/>
+                  <a:t>40%</a:t>
+                </a:r>
+                <a:r>
+                  <a:rPr lang="ja-JP" altLang="en-US"/>
+                  <a:t>程度の解を得た。</a:t>
+                </a:r>
+                <a:endParaRPr lang="en-US" altLang="ja-JP" dirty="0"/>
+              </a:p>
+              <a:p>
+                <a:r>
+                  <a:rPr lang="ja-JP" altLang="en-US"/>
+                  <a:t>ルート間の挿入回数が</a:t>
+                </a:r>
+                <a:r>
+                  <a:rPr lang="en-US" altLang="ja-JP" dirty="0"/>
+                  <a:t>72—1000</a:t>
+                </a:r>
+                <a:r>
+                  <a:rPr lang="ja-JP" altLang="en-US"/>
+                  <a:t>回程度であった。</a:t>
+                </a:r>
+                <a:endParaRPr lang="en-US" altLang="ja-JP" dirty="0"/>
+              </a:p>
+              <a:p>
+                <a:pPr marL="0" indent="0">
+                  <a:buNone/>
+                </a:pPr>
+                <a:r>
+                  <a:rPr lang="en-US" altLang="ja-JP" dirty="0"/>
+                  <a:t>	(</a:t>
+                </a:r>
+                <a:r>
+                  <a:rPr lang="en-US" altLang="ja-JP" dirty="0" err="1"/>
+                  <a:t>Cordeau</a:t>
+                </a:r>
+                <a:r>
+                  <a:rPr lang="ja-JP" altLang="en-US"/>
+                  <a:t>らの値は</a:t>
+                </a:r>
+                <a14:m>
+                  <m:oMath xmlns:m="http://schemas.openxmlformats.org/officeDocument/2006/math">
+                    <m:sSup>
+                      <m:sSupPr>
+                        <m:ctrlPr>
+                          <a:rPr lang="en-US" altLang="ja-JP" i="1" smtClean="0">
+                            <a:latin typeface="Cambria Math" panose="02040503050406030204" pitchFamily="18" charset="0"/>
+                          </a:rPr>
+                        </m:ctrlPr>
+                      </m:sSupPr>
+                      <m:e>
+                        <m:r>
+                          <a:rPr lang="en-US" altLang="ja-JP" b="0" i="1" smtClean="0">
+                            <a:latin typeface="Cambria Math" panose="02040503050406030204" pitchFamily="18" charset="0"/>
+                          </a:rPr>
+                          <m:t>10</m:t>
+                        </m:r>
+                      </m:e>
+                      <m:sup>
+                        <m:r>
+                          <a:rPr lang="en-US" altLang="ja-JP" b="0" i="1" smtClean="0">
+                            <a:latin typeface="Cambria Math" panose="02040503050406030204" pitchFamily="18" charset="0"/>
+                          </a:rPr>
+                          <m:t>5</m:t>
+                        </m:r>
+                      </m:sup>
+                    </m:sSup>
+                    <m:r>
+                      <a:rPr lang="ja-JP" altLang="en-US" i="1">
+                        <a:latin typeface="Cambria Math" panose="02040503050406030204" pitchFamily="18" charset="0"/>
+                      </a:rPr>
+                      <m:t>回</m:t>
+                    </m:r>
+                    <m:r>
+                      <a:rPr lang="en-US" altLang="ja-JP" b="0" i="1" smtClean="0">
+                        <a:latin typeface="Cambria Math" panose="02040503050406030204" pitchFamily="18" charset="0"/>
+                      </a:rPr>
+                      <m:t>)</m:t>
+                    </m:r>
+                  </m:oMath>
+                </a14:m>
+                <a:endParaRPr lang="en-US" altLang="ja-JP" dirty="0"/>
+              </a:p>
+              <a:p>
+                <a:pPr marL="0" indent="0">
+                  <a:buNone/>
+                </a:pPr>
+                <a:endParaRPr lang="en-US" altLang="ja-JP" dirty="0"/>
+              </a:p>
+              <a:p>
+                <a:pPr marL="457200" lvl="1" indent="0">
+                  <a:buNone/>
+                </a:pPr>
+                <a:endParaRPr lang="en-US" altLang="ja-JP" dirty="0"/>
+              </a:p>
+              <a:p>
+                <a:pPr marL="457200" lvl="1" indent="0">
+                  <a:buNone/>
+                </a:pPr>
+                <a:endParaRPr kumimoji="1" lang="en-US" altLang="ja-JP" dirty="0"/>
+              </a:p>
+            </p:txBody>
+          </p:sp>
+        </mc:Choice>
+        <mc:Fallback>
+          <p:sp>
+            <p:nvSpPr>
+              <p:cNvPr id="3" name="コンテンツ プレースホルダー 2">
+                <a:extLst>
+                  <a:ext uri="{FF2B5EF4-FFF2-40B4-BE49-F238E27FC236}">
+                    <a16:creationId xmlns:a16="http://schemas.microsoft.com/office/drawing/2014/main" id="{0AB70998-D480-8A48-BFC5-F2BBB543EEA7}"/>
+                  </a:ext>
+                </a:extLst>
+              </p:cNvPr>
+              <p:cNvSpPr>
+                <a:spLocks noGrp="1" noRot="1" noChangeAspect="1" noMove="1" noResize="1" noEditPoints="1" noAdjustHandles="1" noChangeArrowheads="1" noChangeShapeType="1" noTextEdit="1"/>
+              </p:cNvSpPr>
+              <p:nvPr>
+                <p:ph idx="1"/>
+              </p:nvPr>
+            </p:nvSpPr>
+            <p:spPr>
+              <a:xfrm>
+                <a:off x="1130270" y="2171769"/>
+                <a:ext cx="9603275" cy="3647140"/>
+              </a:xfrm>
+              <a:blipFill>
+                <a:blip r:embed="rId2"/>
+                <a:stretch>
+                  <a:fillRect l="-528"/>
+                </a:stretch>
+              </a:blipFill>
+            </p:spPr>
+            <p:txBody>
+              <a:bodyPr/>
+              <a:lstStyle/>
+              <a:p>
+                <a:r>
+                  <a:rPr lang="ja-JP" altLang="en-US">
+                    <a:noFill/>
+                  </a:rPr>
+                  <a:t> </a:t>
+                </a:r>
+              </a:p>
+            </p:txBody>
+          </p:sp>
+        </mc:Fallback>
+      </mc:AlternateContent>
       <p:sp>
         <p:nvSpPr>
           <p:cNvPr id="4" name="スライド番号プレースホルダー 3">
@@ -13310,7 +12362,7 @@
           <a:p>
             <a:fld id="{84E0C278-47E8-3649-A055-2003DC36C60A}" type="slidenum">
               <a:rPr kumimoji="1" lang="ja-JP" altLang="en-US" smtClean="0"/>
-              <a:t>21</a:t>
+              <a:t>22</a:t>
             </a:fld>
             <a:endParaRPr kumimoji="1" lang="ja-JP" altLang="en-US"/>
           </a:p>
@@ -13329,2752 +12381,7 @@
 </p:sld>
 </file>
 
-<file path=ppt/slides/slide22.xml><?xml version="1.0" encoding="utf-8"?>
-<p:sld xmlns:a="http://schemas.openxmlformats.org/drawingml/2006/main" xmlns:r="http://schemas.openxmlformats.org/officeDocument/2006/relationships" xmlns:p="http://schemas.openxmlformats.org/presentationml/2006/main">
-  <p:cSld>
-    <p:spTree>
-      <p:nvGrpSpPr>
-        <p:cNvPr id="1" name=""/>
-        <p:cNvGrpSpPr/>
-        <p:nvPr/>
-      </p:nvGrpSpPr>
-      <p:grpSpPr>
-        <a:xfrm>
-          <a:off x="0" y="0"/>
-          <a:ext cx="0" cy="0"/>
-          <a:chOff x="0" y="0"/>
-          <a:chExt cx="0" cy="0"/>
-        </a:xfrm>
-      </p:grpSpPr>
-      <p:sp>
-        <p:nvSpPr>
-          <p:cNvPr id="2" name="タイトル 1">
-            <a:extLst>
-              <a:ext uri="{FF2B5EF4-FFF2-40B4-BE49-F238E27FC236}">
-                <a16:creationId xmlns:a16="http://schemas.microsoft.com/office/drawing/2014/main" id="{B2FFE8A5-88AC-3448-9D08-AAB323341DC4}"/>
-              </a:ext>
-            </a:extLst>
-          </p:cNvPr>
-          <p:cNvSpPr>
-            <a:spLocks noGrp="1"/>
-          </p:cNvSpPr>
-          <p:nvPr>
-            <p:ph type="title"/>
-          </p:nvPr>
-        </p:nvSpPr>
-        <p:spPr/>
-        <p:txBody>
-          <a:bodyPr/>
-          <a:lstStyle/>
-          <a:p>
-            <a:r>
-              <a:rPr lang="ja-JP" altLang="en-US"/>
-              <a:t>目的関数の係数の違いによる比較</a:t>
-            </a:r>
-            <a:endParaRPr kumimoji="1" lang="ja-JP" altLang="en-US"/>
-          </a:p>
-        </p:txBody>
-      </p:sp>
-      <p:sp>
-        <p:nvSpPr>
-          <p:cNvPr id="3" name="コンテンツ プレースホルダー 2">
-            <a:extLst>
-              <a:ext uri="{FF2B5EF4-FFF2-40B4-BE49-F238E27FC236}">
-                <a16:creationId xmlns:a16="http://schemas.microsoft.com/office/drawing/2014/main" id="{20331575-145D-DF46-A1EA-99C89B4AFD41}"/>
-              </a:ext>
-            </a:extLst>
-          </p:cNvPr>
-          <p:cNvSpPr>
-            <a:spLocks noGrp="1"/>
-          </p:cNvSpPr>
-          <p:nvPr>
-            <p:ph idx="1"/>
-          </p:nvPr>
-        </p:nvSpPr>
-        <p:spPr>
-          <a:xfrm>
-            <a:off x="1130270" y="2171769"/>
-            <a:ext cx="9603275" cy="3611514"/>
-          </a:xfrm>
-        </p:spPr>
-        <p:txBody>
-          <a:bodyPr>
-            <a:normAutofit fontScale="92500" lnSpcReduction="10000"/>
-          </a:bodyPr>
-          <a:lstStyle/>
-          <a:p>
-            <a:r>
-              <a:rPr lang="ja-JP" altLang="en-US"/>
-              <a:t>本研究では、目的関数をルートとペナルティの重み付き和としている。</a:t>
-            </a:r>
-            <a:endParaRPr lang="en-US" altLang="ja-JP" dirty="0"/>
-          </a:p>
-          <a:p>
-            <a:r>
-              <a:rPr lang="ja-JP" altLang="en-US"/>
-              <a:t>目的関数の係数を変化させた際の解の比較をした。</a:t>
-            </a:r>
-            <a:endParaRPr lang="en-US" altLang="ja-JP" dirty="0"/>
-          </a:p>
-          <a:p>
-            <a:r>
-              <a:rPr lang="ja-JP" altLang="en-US"/>
-              <a:t>近傍操作は挿入近傍を用いた</a:t>
-            </a:r>
-            <a:endParaRPr lang="en-US" altLang="ja-JP" dirty="0"/>
-          </a:p>
-          <a:p>
-            <a:endParaRPr lang="en-US" altLang="ja-JP" dirty="0"/>
-          </a:p>
-          <a:p>
-            <a:pPr marL="0" indent="0">
-              <a:buNone/>
-            </a:pPr>
-            <a:r>
-              <a:rPr lang="ja-JP" altLang="en-US"/>
-              <a:t>  結果</a:t>
-            </a:r>
-            <a:endParaRPr kumimoji="1" lang="en-US" altLang="ja-JP" dirty="0"/>
-          </a:p>
-          <a:p>
-            <a:r>
-              <a:rPr lang="ja-JP" altLang="en-US"/>
-              <a:t>ペナルティの係数</a:t>
-            </a:r>
-            <a:r>
-              <a:rPr lang="en-US" altLang="ja-JP" dirty="0"/>
-              <a:t>β</a:t>
-            </a:r>
-            <a:r>
-              <a:rPr lang="ja-JP" altLang="en-US"/>
-              <a:t>が小さいときは、ルートは短く、ペナルティは大きい。</a:t>
-            </a:r>
-            <a:endParaRPr lang="en-US" altLang="ja-JP" dirty="0"/>
-          </a:p>
-          <a:p>
-            <a:r>
-              <a:rPr lang="ja-JP" altLang="en-US"/>
-              <a:t>係数</a:t>
-            </a:r>
-            <a:r>
-              <a:rPr lang="en-US" altLang="ja-JP" dirty="0"/>
-              <a:t>β</a:t>
-            </a:r>
-            <a:r>
-              <a:rPr lang="ja-JP" altLang="en-US"/>
-              <a:t>が大きくすることでペナルティは小さくなる。</a:t>
-            </a:r>
-            <a:endParaRPr lang="en-US" altLang="ja-JP" dirty="0"/>
-          </a:p>
-          <a:p>
-            <a:pPr marL="0" indent="0">
-              <a:buNone/>
-            </a:pPr>
-            <a:r>
-              <a:rPr lang="ja-JP" altLang="en-US"/>
-              <a:t>係数を変化させることで、様々な状況に合わせた解を出力することが確認できた。</a:t>
-            </a:r>
-            <a:endParaRPr lang="en-US" altLang="ja-JP" dirty="0"/>
-          </a:p>
-        </p:txBody>
-      </p:sp>
-      <p:sp>
-        <p:nvSpPr>
-          <p:cNvPr id="4" name="スライド番号プレースホルダー 3">
-            <a:extLst>
-              <a:ext uri="{FF2B5EF4-FFF2-40B4-BE49-F238E27FC236}">
-                <a16:creationId xmlns:a16="http://schemas.microsoft.com/office/drawing/2014/main" id="{AC9A1C76-8489-1943-8FAE-F3E8186A3510}"/>
-              </a:ext>
-            </a:extLst>
-          </p:cNvPr>
-          <p:cNvSpPr>
-            <a:spLocks noGrp="1"/>
-          </p:cNvSpPr>
-          <p:nvPr>
-            <p:ph type="sldNum" sz="quarter" idx="12"/>
-          </p:nvPr>
-        </p:nvSpPr>
-        <p:spPr/>
-        <p:txBody>
-          <a:bodyPr/>
-          <a:lstStyle/>
-          <a:p>
-            <a:fld id="{84E0C278-47E8-3649-A055-2003DC36C60A}" type="slidenum">
-              <a:rPr kumimoji="1" lang="ja-JP" altLang="en-US" smtClean="0"/>
-              <a:t>22</a:t>
-            </a:fld>
-            <a:endParaRPr kumimoji="1" lang="ja-JP" altLang="en-US"/>
-          </a:p>
-        </p:txBody>
-      </p:sp>
-    </p:spTree>
-    <p:extLst>
-      <p:ext uri="{BB962C8B-B14F-4D97-AF65-F5344CB8AC3E}">
-        <p14:creationId xmlns:p14="http://schemas.microsoft.com/office/powerpoint/2010/main" val="930844842"/>
-      </p:ext>
-    </p:extLst>
-  </p:cSld>
-  <p:clrMapOvr>
-    <a:masterClrMapping/>
-  </p:clrMapOvr>
-</p:sld>
-</file>
-
 <file path=ppt/slides/slide23.xml><?xml version="1.0" encoding="utf-8"?>
-<p:sld xmlns:a="http://schemas.openxmlformats.org/drawingml/2006/main" xmlns:r="http://schemas.openxmlformats.org/officeDocument/2006/relationships" xmlns:p="http://schemas.openxmlformats.org/presentationml/2006/main">
-  <p:cSld>
-    <p:spTree>
-      <p:nvGrpSpPr>
-        <p:cNvPr id="1" name=""/>
-        <p:cNvGrpSpPr/>
-        <p:nvPr/>
-      </p:nvGrpSpPr>
-      <p:grpSpPr>
-        <a:xfrm>
-          <a:off x="0" y="0"/>
-          <a:ext cx="0" cy="0"/>
-          <a:chOff x="0" y="0"/>
-          <a:chExt cx="0" cy="0"/>
-        </a:xfrm>
-      </p:grpSpPr>
-      <p:graphicFrame>
-        <p:nvGraphicFramePr>
-          <p:cNvPr id="2" name="表 1">
-            <a:extLst>
-              <a:ext uri="{FF2B5EF4-FFF2-40B4-BE49-F238E27FC236}">
-                <a16:creationId xmlns:a16="http://schemas.microsoft.com/office/drawing/2014/main" id="{4490C0A3-F8E5-6E45-A904-CA28E878C104}"/>
-              </a:ext>
-            </a:extLst>
-          </p:cNvPr>
-          <p:cNvGraphicFramePr>
-            <a:graphicFrameLocks noGrp="1"/>
-          </p:cNvGraphicFramePr>
-          <p:nvPr>
-            <p:extLst>
-              <p:ext uri="{D42A27DB-BD31-4B8C-83A1-F6EECF244321}">
-                <p14:modId xmlns:p14="http://schemas.microsoft.com/office/powerpoint/2010/main" val="2458621406"/>
-              </p:ext>
-            </p:extLst>
-          </p:nvPr>
-        </p:nvGraphicFramePr>
-        <p:xfrm>
-          <a:off x="926256" y="640986"/>
-          <a:ext cx="10177170" cy="5191760"/>
-        </p:xfrm>
-        <a:graphic>
-          <a:graphicData uri="http://schemas.openxmlformats.org/drawingml/2006/table">
-            <a:tbl>
-              <a:tblPr firstRow="1" bandRow="1">
-                <a:tableStyleId>{5C22544A-7EE6-4342-B048-85BDC9FD1C3A}</a:tableStyleId>
-              </a:tblPr>
-              <a:tblGrid>
-                <a:gridCol w="1017717">
-                  <a:extLst>
-                    <a:ext uri="{9D8B030D-6E8A-4147-A177-3AD203B41FA5}">
-                      <a16:colId xmlns:a16="http://schemas.microsoft.com/office/drawing/2014/main" val="222281009"/>
-                    </a:ext>
-                  </a:extLst>
-                </a:gridCol>
-                <a:gridCol w="1017717">
-                  <a:extLst>
-                    <a:ext uri="{9D8B030D-6E8A-4147-A177-3AD203B41FA5}">
-                      <a16:colId xmlns:a16="http://schemas.microsoft.com/office/drawing/2014/main" val="2499767930"/>
-                    </a:ext>
-                  </a:extLst>
-                </a:gridCol>
-                <a:gridCol w="1017717">
-                  <a:extLst>
-                    <a:ext uri="{9D8B030D-6E8A-4147-A177-3AD203B41FA5}">
-                      <a16:colId xmlns:a16="http://schemas.microsoft.com/office/drawing/2014/main" val="393723076"/>
-                    </a:ext>
-                  </a:extLst>
-                </a:gridCol>
-                <a:gridCol w="1017717">
-                  <a:extLst>
-                    <a:ext uri="{9D8B030D-6E8A-4147-A177-3AD203B41FA5}">
-                      <a16:colId xmlns:a16="http://schemas.microsoft.com/office/drawing/2014/main" val="518268210"/>
-                    </a:ext>
-                  </a:extLst>
-                </a:gridCol>
-                <a:gridCol w="1017717">
-                  <a:extLst>
-                    <a:ext uri="{9D8B030D-6E8A-4147-A177-3AD203B41FA5}">
-                      <a16:colId xmlns:a16="http://schemas.microsoft.com/office/drawing/2014/main" val="4198577977"/>
-                    </a:ext>
-                  </a:extLst>
-                </a:gridCol>
-                <a:gridCol w="1017717">
-                  <a:extLst>
-                    <a:ext uri="{9D8B030D-6E8A-4147-A177-3AD203B41FA5}">
-                      <a16:colId xmlns:a16="http://schemas.microsoft.com/office/drawing/2014/main" val="2045073907"/>
-                    </a:ext>
-                  </a:extLst>
-                </a:gridCol>
-                <a:gridCol w="1017717">
-                  <a:extLst>
-                    <a:ext uri="{9D8B030D-6E8A-4147-A177-3AD203B41FA5}">
-                      <a16:colId xmlns:a16="http://schemas.microsoft.com/office/drawing/2014/main" val="1997744215"/>
-                    </a:ext>
-                  </a:extLst>
-                </a:gridCol>
-                <a:gridCol w="1017717">
-                  <a:extLst>
-                    <a:ext uri="{9D8B030D-6E8A-4147-A177-3AD203B41FA5}">
-                      <a16:colId xmlns:a16="http://schemas.microsoft.com/office/drawing/2014/main" val="3410747205"/>
-                    </a:ext>
-                  </a:extLst>
-                </a:gridCol>
-                <a:gridCol w="1017717">
-                  <a:extLst>
-                    <a:ext uri="{9D8B030D-6E8A-4147-A177-3AD203B41FA5}">
-                      <a16:colId xmlns:a16="http://schemas.microsoft.com/office/drawing/2014/main" val="2050467908"/>
-                    </a:ext>
-                  </a:extLst>
-                </a:gridCol>
-                <a:gridCol w="1017717">
-                  <a:extLst>
-                    <a:ext uri="{9D8B030D-6E8A-4147-A177-3AD203B41FA5}">
-                      <a16:colId xmlns:a16="http://schemas.microsoft.com/office/drawing/2014/main" val="1121537908"/>
-                    </a:ext>
-                  </a:extLst>
-                </a:gridCol>
-              </a:tblGrid>
-              <a:tr h="370840">
-                <a:tc>
-                  <a:txBody>
-                    <a:bodyPr/>
-                    <a:lstStyle/>
-                    <a:p>
-                      <a:endParaRPr kumimoji="1" lang="ja-JP" altLang="en-US"/>
-                    </a:p>
-                  </a:txBody>
-                  <a:tcPr/>
-                </a:tc>
-                <a:tc>
-                  <a:txBody>
-                    <a:bodyPr/>
-                    <a:lstStyle/>
-                    <a:p>
-                      <a:endParaRPr kumimoji="1" lang="ja-JP" altLang="en-US"/>
-                    </a:p>
-                  </a:txBody>
-                  <a:tcPr/>
-                </a:tc>
-                <a:tc gridSpan="2">
-                  <a:txBody>
-                    <a:bodyPr/>
-                    <a:lstStyle/>
-                    <a:p>
-                      <a:pPr algn="ctr"/>
-                      <a:r>
-                        <a:rPr kumimoji="1" lang="en-US" altLang="ja-JP" dirty="0"/>
-                        <a:t>β=1</a:t>
-                      </a:r>
-                      <a:endParaRPr kumimoji="1" lang="ja-JP" altLang="en-US"/>
-                    </a:p>
-                  </a:txBody>
-                  <a:tcPr/>
-                </a:tc>
-                <a:tc hMerge="1">
-                  <a:txBody>
-                    <a:bodyPr/>
-                    <a:lstStyle/>
-                    <a:p>
-                      <a:endParaRPr kumimoji="1" lang="ja-JP" altLang="en-US"/>
-                    </a:p>
-                  </a:txBody>
-                  <a:tcPr/>
-                </a:tc>
-                <a:tc gridSpan="2">
-                  <a:txBody>
-                    <a:bodyPr/>
-                    <a:lstStyle/>
-                    <a:p>
-                      <a:pPr marL="0" marR="0" lvl="0" indent="0" algn="ctr" defTabSz="914400" rtl="0" eaLnBrk="1" fontAlgn="auto" latinLnBrk="0" hangingPunct="1">
-                        <a:lnSpc>
-                          <a:spcPct val="100000"/>
-                        </a:lnSpc>
-                        <a:spcBef>
-                          <a:spcPts val="0"/>
-                        </a:spcBef>
-                        <a:spcAft>
-                          <a:spcPts val="0"/>
-                        </a:spcAft>
-                        <a:buClrTx/>
-                        <a:buSzTx/>
-                        <a:buFontTx/>
-                        <a:buNone/>
-                        <a:tabLst/>
-                        <a:defRPr/>
-                      </a:pPr>
-                      <a:r>
-                        <a:rPr kumimoji="1" lang="en-US" altLang="ja-JP" dirty="0"/>
-                        <a:t>β=10</a:t>
-                      </a:r>
-                      <a:endParaRPr kumimoji="1" lang="ja-JP" altLang="en-US"/>
-                    </a:p>
-                  </a:txBody>
-                  <a:tcPr/>
-                </a:tc>
-                <a:tc hMerge="1">
-                  <a:txBody>
-                    <a:bodyPr/>
-                    <a:lstStyle/>
-                    <a:p>
-                      <a:endParaRPr kumimoji="1" lang="ja-JP" altLang="en-US"/>
-                    </a:p>
-                  </a:txBody>
-                  <a:tcPr/>
-                </a:tc>
-                <a:tc gridSpan="2">
-                  <a:txBody>
-                    <a:bodyPr/>
-                    <a:lstStyle/>
-                    <a:p>
-                      <a:pPr marL="0" marR="0" lvl="0" indent="0" algn="ctr" defTabSz="914400" rtl="0" eaLnBrk="1" fontAlgn="auto" latinLnBrk="0" hangingPunct="1">
-                        <a:lnSpc>
-                          <a:spcPct val="100000"/>
-                        </a:lnSpc>
-                        <a:spcBef>
-                          <a:spcPts val="0"/>
-                        </a:spcBef>
-                        <a:spcAft>
-                          <a:spcPts val="0"/>
-                        </a:spcAft>
-                        <a:buClrTx/>
-                        <a:buSzTx/>
-                        <a:buFontTx/>
-                        <a:buNone/>
-                        <a:tabLst/>
-                        <a:defRPr/>
-                      </a:pPr>
-                      <a:r>
-                        <a:rPr kumimoji="1" lang="en-US" altLang="ja-JP" dirty="0"/>
-                        <a:t>β=50</a:t>
-                      </a:r>
-                      <a:endParaRPr kumimoji="1" lang="ja-JP" altLang="en-US"/>
-                    </a:p>
-                  </a:txBody>
-                  <a:tcPr/>
-                </a:tc>
-                <a:tc hMerge="1">
-                  <a:txBody>
-                    <a:bodyPr/>
-                    <a:lstStyle/>
-                    <a:p>
-                      <a:endParaRPr kumimoji="1" lang="ja-JP" altLang="en-US"/>
-                    </a:p>
-                  </a:txBody>
-                  <a:tcPr/>
-                </a:tc>
-                <a:tc gridSpan="2">
-                  <a:txBody>
-                    <a:bodyPr/>
-                    <a:lstStyle/>
-                    <a:p>
-                      <a:pPr marL="0" marR="0" lvl="0" indent="0" algn="ctr" defTabSz="914400" rtl="0" eaLnBrk="1" fontAlgn="auto" latinLnBrk="0" hangingPunct="1">
-                        <a:lnSpc>
-                          <a:spcPct val="100000"/>
-                        </a:lnSpc>
-                        <a:spcBef>
-                          <a:spcPts val="0"/>
-                        </a:spcBef>
-                        <a:spcAft>
-                          <a:spcPts val="0"/>
-                        </a:spcAft>
-                        <a:buClrTx/>
-                        <a:buSzTx/>
-                        <a:buFontTx/>
-                        <a:buNone/>
-                        <a:tabLst/>
-                        <a:defRPr/>
-                      </a:pPr>
-                      <a:r>
-                        <a:rPr kumimoji="1" lang="en-US" altLang="ja-JP" dirty="0"/>
-                        <a:t>β=500</a:t>
-                      </a:r>
-                      <a:endParaRPr kumimoji="1" lang="ja-JP" altLang="en-US"/>
-                    </a:p>
-                  </a:txBody>
-                  <a:tcPr/>
-                </a:tc>
-                <a:tc hMerge="1">
-                  <a:txBody>
-                    <a:bodyPr/>
-                    <a:lstStyle/>
-                    <a:p>
-                      <a:endParaRPr kumimoji="1" lang="ja-JP" altLang="en-US"/>
-                    </a:p>
-                  </a:txBody>
-                  <a:tcPr/>
-                </a:tc>
-                <a:extLst>
-                  <a:ext uri="{0D108BD9-81ED-4DB2-BD59-A6C34878D82A}">
-                    <a16:rowId xmlns:a16="http://schemas.microsoft.com/office/drawing/2014/main" val="3809195620"/>
-                  </a:ext>
-                </a:extLst>
-              </a:tr>
-              <a:tr h="370840">
-                <a:tc>
-                  <a:txBody>
-                    <a:bodyPr/>
-                    <a:lstStyle/>
-                    <a:p>
-                      <a:pPr algn="ctr"/>
-                      <a:r>
-                        <a:rPr kumimoji="1" lang="ja-JP" altLang="en-US"/>
-                        <a:t>顧客数</a:t>
-                      </a:r>
-                    </a:p>
-                  </a:txBody>
-                  <a:tcPr/>
-                </a:tc>
-                <a:tc>
-                  <a:txBody>
-                    <a:bodyPr/>
-                    <a:lstStyle/>
-                    <a:p>
-                      <a:pPr algn="ctr"/>
-                      <a:r>
-                        <a:rPr kumimoji="1" lang="ja-JP" altLang="en-US"/>
-                        <a:t>車両数</a:t>
-                      </a:r>
-                    </a:p>
-                  </a:txBody>
-                  <a:tcPr/>
-                </a:tc>
-                <a:tc>
-                  <a:txBody>
-                    <a:bodyPr/>
-                    <a:lstStyle/>
-                    <a:p>
-                      <a:pPr algn="ctr"/>
-                      <a:r>
-                        <a:rPr kumimoji="1" lang="ja-JP" altLang="en-US"/>
-                        <a:t>値</a:t>
-                      </a:r>
-                    </a:p>
-                  </a:txBody>
-                  <a:tcPr/>
-                </a:tc>
-                <a:tc>
-                  <a:txBody>
-                    <a:bodyPr/>
-                    <a:lstStyle/>
-                    <a:p>
-                      <a:pPr algn="ctr"/>
-                      <a:r>
-                        <a:rPr kumimoji="1" lang="ja-JP" altLang="en-US"/>
-                        <a:t>ペナ</a:t>
-                      </a:r>
-                    </a:p>
-                  </a:txBody>
-                  <a:tcPr/>
-                </a:tc>
-                <a:tc>
-                  <a:txBody>
-                    <a:bodyPr/>
-                    <a:lstStyle/>
-                    <a:p>
-                      <a:pPr algn="ctr"/>
-                      <a:r>
-                        <a:rPr kumimoji="1" lang="ja-JP" altLang="en-US"/>
-                        <a:t>値</a:t>
-                      </a:r>
-                    </a:p>
-                  </a:txBody>
-                  <a:tcPr/>
-                </a:tc>
-                <a:tc>
-                  <a:txBody>
-                    <a:bodyPr/>
-                    <a:lstStyle/>
-                    <a:p>
-                      <a:pPr algn="ctr"/>
-                      <a:r>
-                        <a:rPr kumimoji="1" lang="ja-JP" altLang="en-US"/>
-                        <a:t>ペナ</a:t>
-                      </a:r>
-                    </a:p>
-                  </a:txBody>
-                  <a:tcPr/>
-                </a:tc>
-                <a:tc>
-                  <a:txBody>
-                    <a:bodyPr/>
-                    <a:lstStyle/>
-                    <a:p>
-                      <a:pPr algn="ctr"/>
-                      <a:r>
-                        <a:rPr kumimoji="1" lang="ja-JP" altLang="en-US"/>
-                        <a:t>値</a:t>
-                      </a:r>
-                    </a:p>
-                  </a:txBody>
-                  <a:tcPr/>
-                </a:tc>
-                <a:tc>
-                  <a:txBody>
-                    <a:bodyPr/>
-                    <a:lstStyle/>
-                    <a:p>
-                      <a:pPr algn="ctr"/>
-                      <a:r>
-                        <a:rPr kumimoji="1" lang="ja-JP" altLang="en-US"/>
-                        <a:t>ペナ</a:t>
-                      </a:r>
-                    </a:p>
-                  </a:txBody>
-                  <a:tcPr/>
-                </a:tc>
-                <a:tc>
-                  <a:txBody>
-                    <a:bodyPr/>
-                    <a:lstStyle/>
-                    <a:p>
-                      <a:pPr algn="ctr"/>
-                      <a:r>
-                        <a:rPr kumimoji="1" lang="ja-JP" altLang="en-US"/>
-                        <a:t>値</a:t>
-                      </a:r>
-                    </a:p>
-                  </a:txBody>
-                  <a:tcPr/>
-                </a:tc>
-                <a:tc>
-                  <a:txBody>
-                    <a:bodyPr/>
-                    <a:lstStyle/>
-                    <a:p>
-                      <a:pPr algn="ctr"/>
-                      <a:r>
-                        <a:rPr kumimoji="1" lang="ja-JP" altLang="en-US"/>
-                        <a:t>ペナ</a:t>
-                      </a:r>
-                    </a:p>
-                  </a:txBody>
-                  <a:tcPr/>
-                </a:tc>
-                <a:extLst>
-                  <a:ext uri="{0D108BD9-81ED-4DB2-BD59-A6C34878D82A}">
-                    <a16:rowId xmlns:a16="http://schemas.microsoft.com/office/drawing/2014/main" val="2593088300"/>
-                  </a:ext>
-                </a:extLst>
-              </a:tr>
-              <a:tr h="370840">
-                <a:tc>
-                  <a:txBody>
-                    <a:bodyPr/>
-                    <a:lstStyle/>
-                    <a:p>
-                      <a:pPr algn="ctr"/>
-                      <a:r>
-                        <a:rPr kumimoji="1" lang="en-US" altLang="ja-JP" dirty="0"/>
-                        <a:t>24</a:t>
-                      </a:r>
-                      <a:endParaRPr kumimoji="1" lang="ja-JP" altLang="en-US"/>
-                    </a:p>
-                  </a:txBody>
-                  <a:tcPr/>
-                </a:tc>
-                <a:tc>
-                  <a:txBody>
-                    <a:bodyPr/>
-                    <a:lstStyle/>
-                    <a:p>
-                      <a:pPr algn="ctr"/>
-                      <a:r>
-                        <a:rPr kumimoji="1" lang="en-US" altLang="ja-JP" dirty="0"/>
-                        <a:t>3</a:t>
-                      </a:r>
-                      <a:endParaRPr kumimoji="1" lang="ja-JP" altLang="en-US"/>
-                    </a:p>
-                  </a:txBody>
-                  <a:tcPr/>
-                </a:tc>
-                <a:tc>
-                  <a:txBody>
-                    <a:bodyPr/>
-                    <a:lstStyle/>
-                    <a:p>
-                      <a:pPr algn="r"/>
-                      <a:r>
-                        <a:rPr kumimoji="1" lang="en-US" altLang="ja-JP" dirty="0">
-                          <a:solidFill>
-                            <a:srgbClr val="FF0000"/>
-                          </a:solidFill>
-                        </a:rPr>
-                        <a:t>202.19</a:t>
-                      </a:r>
-                      <a:endParaRPr kumimoji="1" lang="ja-JP" altLang="en-US">
-                        <a:solidFill>
-                          <a:srgbClr val="FF0000"/>
-                        </a:solidFill>
-                      </a:endParaRPr>
-                    </a:p>
-                  </a:txBody>
-                  <a:tcPr/>
-                </a:tc>
-                <a:tc>
-                  <a:txBody>
-                    <a:bodyPr/>
-                    <a:lstStyle/>
-                    <a:p>
-                      <a:pPr algn="r"/>
-                      <a:r>
-                        <a:rPr kumimoji="1" lang="en-US" altLang="ja-JP" dirty="0">
-                          <a:solidFill>
-                            <a:srgbClr val="7030A0"/>
-                          </a:solidFill>
-                        </a:rPr>
-                        <a:t>1.07</a:t>
-                      </a:r>
-                      <a:endParaRPr kumimoji="1" lang="ja-JP" altLang="en-US">
-                        <a:solidFill>
-                          <a:srgbClr val="7030A0"/>
-                        </a:solidFill>
-                      </a:endParaRPr>
-                    </a:p>
-                  </a:txBody>
-                  <a:tcPr/>
-                </a:tc>
-                <a:tc>
-                  <a:txBody>
-                    <a:bodyPr/>
-                    <a:lstStyle/>
-                    <a:p>
-                      <a:pPr algn="r"/>
-                      <a:r>
-                        <a:rPr kumimoji="1" lang="en-US" altLang="ja-JP" dirty="0"/>
-                        <a:t>208.99</a:t>
-                      </a:r>
-                      <a:endParaRPr kumimoji="1" lang="ja-JP" altLang="en-US"/>
-                    </a:p>
-                  </a:txBody>
-                  <a:tcPr/>
-                </a:tc>
-                <a:tc>
-                  <a:txBody>
-                    <a:bodyPr/>
-                    <a:lstStyle/>
-                    <a:p>
-                      <a:pPr algn="r"/>
-                      <a:r>
-                        <a:rPr kumimoji="1" lang="en-US" altLang="ja-JP" dirty="0"/>
-                        <a:t>0.00</a:t>
-                      </a:r>
-                      <a:endParaRPr kumimoji="1" lang="ja-JP" altLang="en-US"/>
-                    </a:p>
-                  </a:txBody>
-                  <a:tcPr/>
-                </a:tc>
-                <a:tc>
-                  <a:txBody>
-                    <a:bodyPr/>
-                    <a:lstStyle/>
-                    <a:p>
-                      <a:pPr algn="r"/>
-                      <a:r>
-                        <a:rPr kumimoji="1" lang="en-US" altLang="ja-JP" dirty="0"/>
-                        <a:t>208.99</a:t>
-                      </a:r>
-                      <a:endParaRPr kumimoji="1" lang="ja-JP" altLang="en-US"/>
-                    </a:p>
-                  </a:txBody>
-                  <a:tcPr/>
-                </a:tc>
-                <a:tc>
-                  <a:txBody>
-                    <a:bodyPr/>
-                    <a:lstStyle/>
-                    <a:p>
-                      <a:pPr algn="r"/>
-                      <a:r>
-                        <a:rPr kumimoji="1" lang="en-US" altLang="ja-JP" dirty="0"/>
-                        <a:t>0.00</a:t>
-                      </a:r>
-                      <a:endParaRPr kumimoji="1" lang="ja-JP" altLang="en-US"/>
-                    </a:p>
-                  </a:txBody>
-                  <a:tcPr/>
-                </a:tc>
-                <a:tc>
-                  <a:txBody>
-                    <a:bodyPr/>
-                    <a:lstStyle/>
-                    <a:p>
-                      <a:pPr algn="r"/>
-                      <a:r>
-                        <a:rPr kumimoji="1" lang="en-US" altLang="ja-JP" dirty="0"/>
-                        <a:t>212.49</a:t>
-                      </a:r>
-                      <a:endParaRPr kumimoji="1" lang="ja-JP" altLang="en-US"/>
-                    </a:p>
-                  </a:txBody>
-                  <a:tcPr/>
-                </a:tc>
-                <a:tc>
-                  <a:txBody>
-                    <a:bodyPr/>
-                    <a:lstStyle/>
-                    <a:p>
-                      <a:pPr algn="r"/>
-                      <a:r>
-                        <a:rPr kumimoji="1" lang="en-US" altLang="ja-JP" dirty="0"/>
-                        <a:t>0.00</a:t>
-                      </a:r>
-                      <a:endParaRPr kumimoji="1" lang="ja-JP" altLang="en-US"/>
-                    </a:p>
-                  </a:txBody>
-                  <a:tcPr/>
-                </a:tc>
-                <a:extLst>
-                  <a:ext uri="{0D108BD9-81ED-4DB2-BD59-A6C34878D82A}">
-                    <a16:rowId xmlns:a16="http://schemas.microsoft.com/office/drawing/2014/main" val="2937624879"/>
-                  </a:ext>
-                </a:extLst>
-              </a:tr>
-              <a:tr h="370840">
-                <a:tc>
-                  <a:txBody>
-                    <a:bodyPr/>
-                    <a:lstStyle/>
-                    <a:p>
-                      <a:pPr algn="ctr"/>
-                      <a:r>
-                        <a:rPr kumimoji="1" lang="en-US" altLang="ja-JP" dirty="0"/>
-                        <a:t>48</a:t>
-                      </a:r>
-                      <a:endParaRPr kumimoji="1" lang="ja-JP" altLang="en-US"/>
-                    </a:p>
-                  </a:txBody>
-                  <a:tcPr/>
-                </a:tc>
-                <a:tc>
-                  <a:txBody>
-                    <a:bodyPr/>
-                    <a:lstStyle/>
-                    <a:p>
-                      <a:pPr algn="ctr"/>
-                      <a:r>
-                        <a:rPr kumimoji="1" lang="en-US" altLang="ja-JP" dirty="0"/>
-                        <a:t>5</a:t>
-                      </a:r>
-                      <a:endParaRPr kumimoji="1" lang="ja-JP" altLang="en-US"/>
-                    </a:p>
-                  </a:txBody>
-                  <a:tcPr/>
-                </a:tc>
-                <a:tc>
-                  <a:txBody>
-                    <a:bodyPr/>
-                    <a:lstStyle/>
-                    <a:p>
-                      <a:pPr algn="r"/>
-                      <a:r>
-                        <a:rPr kumimoji="1" lang="en-US" altLang="ja-JP" dirty="0"/>
-                        <a:t>424.79</a:t>
-                      </a:r>
-                      <a:endParaRPr kumimoji="1" lang="ja-JP" altLang="en-US"/>
-                    </a:p>
-                  </a:txBody>
-                  <a:tcPr/>
-                </a:tc>
-                <a:tc>
-                  <a:txBody>
-                    <a:bodyPr/>
-                    <a:lstStyle/>
-                    <a:p>
-                      <a:pPr algn="r"/>
-                      <a:r>
-                        <a:rPr kumimoji="1" lang="en-US" altLang="ja-JP" dirty="0">
-                          <a:solidFill>
-                            <a:srgbClr val="7030A0"/>
-                          </a:solidFill>
-                        </a:rPr>
-                        <a:t>1.67</a:t>
-                      </a:r>
-                      <a:endParaRPr kumimoji="1" lang="ja-JP" altLang="en-US">
-                        <a:solidFill>
-                          <a:srgbClr val="7030A0"/>
-                        </a:solidFill>
-                      </a:endParaRPr>
-                    </a:p>
-                  </a:txBody>
-                  <a:tcPr/>
-                </a:tc>
-                <a:tc>
-                  <a:txBody>
-                    <a:bodyPr/>
-                    <a:lstStyle/>
-                    <a:p>
-                      <a:pPr algn="r"/>
-                      <a:r>
-                        <a:rPr kumimoji="1" lang="en-US" altLang="ja-JP" dirty="0"/>
-                        <a:t>391.61</a:t>
-                      </a:r>
-                      <a:endParaRPr kumimoji="1" lang="ja-JP" altLang="en-US"/>
-                    </a:p>
-                  </a:txBody>
-                  <a:tcPr/>
-                </a:tc>
-                <a:tc>
-                  <a:txBody>
-                    <a:bodyPr/>
-                    <a:lstStyle/>
-                    <a:p>
-                      <a:pPr algn="r"/>
-                      <a:r>
-                        <a:rPr kumimoji="1" lang="en-US" altLang="ja-JP" dirty="0"/>
-                        <a:t>0.02</a:t>
-                      </a:r>
-                      <a:endParaRPr kumimoji="1" lang="ja-JP" altLang="en-US"/>
-                    </a:p>
-                  </a:txBody>
-                  <a:tcPr/>
-                </a:tc>
-                <a:tc>
-                  <a:txBody>
-                    <a:bodyPr/>
-                    <a:lstStyle/>
-                    <a:p>
-                      <a:pPr algn="r"/>
-                      <a:r>
-                        <a:rPr kumimoji="1" lang="en-US" altLang="ja-JP" dirty="0">
-                          <a:solidFill>
-                            <a:srgbClr val="FF0000"/>
-                          </a:solidFill>
-                        </a:rPr>
-                        <a:t>386.03</a:t>
-                      </a:r>
-                      <a:endParaRPr kumimoji="1" lang="ja-JP" altLang="en-US">
-                        <a:solidFill>
-                          <a:srgbClr val="FF0000"/>
-                        </a:solidFill>
-                      </a:endParaRPr>
-                    </a:p>
-                  </a:txBody>
-                  <a:tcPr/>
-                </a:tc>
-                <a:tc>
-                  <a:txBody>
-                    <a:bodyPr/>
-                    <a:lstStyle/>
-                    <a:p>
-                      <a:pPr algn="r"/>
-                      <a:r>
-                        <a:rPr kumimoji="1" lang="en-US" altLang="ja-JP" dirty="0"/>
-                        <a:t>0.00</a:t>
-                      </a:r>
-                      <a:endParaRPr kumimoji="1" lang="ja-JP" altLang="en-US"/>
-                    </a:p>
-                  </a:txBody>
-                  <a:tcPr/>
-                </a:tc>
-                <a:tc>
-                  <a:txBody>
-                    <a:bodyPr/>
-                    <a:lstStyle/>
-                    <a:p>
-                      <a:pPr algn="r"/>
-                      <a:r>
-                        <a:rPr kumimoji="1" lang="en-US" altLang="ja-JP" dirty="0"/>
-                        <a:t>386.03</a:t>
-                      </a:r>
-                      <a:endParaRPr kumimoji="1" lang="ja-JP" altLang="en-US"/>
-                    </a:p>
-                  </a:txBody>
-                  <a:tcPr/>
-                </a:tc>
-                <a:tc>
-                  <a:txBody>
-                    <a:bodyPr/>
-                    <a:lstStyle/>
-                    <a:p>
-                      <a:pPr algn="r"/>
-                      <a:r>
-                        <a:rPr kumimoji="1" lang="en-US" altLang="ja-JP" dirty="0"/>
-                        <a:t>0.00</a:t>
-                      </a:r>
-                      <a:endParaRPr kumimoji="1" lang="ja-JP" altLang="en-US"/>
-                    </a:p>
-                  </a:txBody>
-                  <a:tcPr/>
-                </a:tc>
-                <a:extLst>
-                  <a:ext uri="{0D108BD9-81ED-4DB2-BD59-A6C34878D82A}">
-                    <a16:rowId xmlns:a16="http://schemas.microsoft.com/office/drawing/2014/main" val="773792572"/>
-                  </a:ext>
-                </a:extLst>
-              </a:tr>
-              <a:tr h="370840">
-                <a:tc>
-                  <a:txBody>
-                    <a:bodyPr/>
-                    <a:lstStyle/>
-                    <a:p>
-                      <a:pPr algn="ctr"/>
-                      <a:r>
-                        <a:rPr kumimoji="1" lang="en-US" altLang="ja-JP" dirty="0"/>
-                        <a:t>72</a:t>
-                      </a:r>
-                      <a:endParaRPr kumimoji="1" lang="ja-JP" altLang="en-US"/>
-                    </a:p>
-                  </a:txBody>
-                  <a:tcPr/>
-                </a:tc>
-                <a:tc>
-                  <a:txBody>
-                    <a:bodyPr/>
-                    <a:lstStyle/>
-                    <a:p>
-                      <a:pPr algn="ctr"/>
-                      <a:r>
-                        <a:rPr kumimoji="1" lang="en-US" altLang="ja-JP" dirty="0"/>
-                        <a:t>7</a:t>
-                      </a:r>
-                      <a:endParaRPr kumimoji="1" lang="ja-JP" altLang="en-US"/>
-                    </a:p>
-                  </a:txBody>
-                  <a:tcPr/>
-                </a:tc>
-                <a:tc>
-                  <a:txBody>
-                    <a:bodyPr/>
-                    <a:lstStyle/>
-                    <a:p>
-                      <a:pPr algn="r"/>
-                      <a:r>
-                        <a:rPr kumimoji="1" lang="en-US" altLang="ja-JP" dirty="0">
-                          <a:solidFill>
-                            <a:srgbClr val="FF0000"/>
-                          </a:solidFill>
-                        </a:rPr>
-                        <a:t>708.97</a:t>
-                      </a:r>
-                      <a:endParaRPr kumimoji="1" lang="ja-JP" altLang="en-US">
-                        <a:solidFill>
-                          <a:srgbClr val="FF0000"/>
-                        </a:solidFill>
-                      </a:endParaRPr>
-                    </a:p>
-                  </a:txBody>
-                  <a:tcPr/>
-                </a:tc>
-                <a:tc>
-                  <a:txBody>
-                    <a:bodyPr/>
-                    <a:lstStyle/>
-                    <a:p>
-                      <a:pPr algn="r"/>
-                      <a:r>
-                        <a:rPr kumimoji="1" lang="en-US" altLang="ja-JP" dirty="0">
-                          <a:solidFill>
-                            <a:srgbClr val="7030A0"/>
-                          </a:solidFill>
-                        </a:rPr>
-                        <a:t>17.18</a:t>
-                      </a:r>
-                      <a:endParaRPr kumimoji="1" lang="ja-JP" altLang="en-US">
-                        <a:solidFill>
-                          <a:srgbClr val="7030A0"/>
-                        </a:solidFill>
-                      </a:endParaRPr>
-                    </a:p>
-                  </a:txBody>
-                  <a:tcPr/>
-                </a:tc>
-                <a:tc>
-                  <a:txBody>
-                    <a:bodyPr/>
-                    <a:lstStyle/>
-                    <a:p>
-                      <a:pPr algn="r"/>
-                      <a:r>
-                        <a:rPr kumimoji="1" lang="en-US" altLang="ja-JP" dirty="0"/>
-                        <a:t>803.64</a:t>
-                      </a:r>
-                      <a:endParaRPr kumimoji="1" lang="ja-JP" altLang="en-US"/>
-                    </a:p>
-                  </a:txBody>
-                  <a:tcPr/>
-                </a:tc>
-                <a:tc>
-                  <a:txBody>
-                    <a:bodyPr/>
-                    <a:lstStyle/>
-                    <a:p>
-                      <a:pPr algn="r"/>
-                      <a:r>
-                        <a:rPr kumimoji="1" lang="en-US" altLang="ja-JP" dirty="0"/>
-                        <a:t>0.00</a:t>
-                      </a:r>
-                      <a:endParaRPr kumimoji="1" lang="ja-JP" altLang="en-US"/>
-                    </a:p>
-                  </a:txBody>
-                  <a:tcPr/>
-                </a:tc>
-                <a:tc>
-                  <a:txBody>
-                    <a:bodyPr/>
-                    <a:lstStyle/>
-                    <a:p>
-                      <a:pPr algn="r"/>
-                      <a:r>
-                        <a:rPr kumimoji="1" lang="en-US" altLang="ja-JP" dirty="0"/>
-                        <a:t>763.27</a:t>
-                      </a:r>
-                      <a:endParaRPr kumimoji="1" lang="ja-JP" altLang="en-US"/>
-                    </a:p>
-                  </a:txBody>
-                  <a:tcPr/>
-                </a:tc>
-                <a:tc>
-                  <a:txBody>
-                    <a:bodyPr/>
-                    <a:lstStyle/>
-                    <a:p>
-                      <a:pPr algn="r"/>
-                      <a:r>
-                        <a:rPr kumimoji="1" lang="en-US" altLang="ja-JP" dirty="0"/>
-                        <a:t>3.50</a:t>
-                      </a:r>
-                      <a:endParaRPr kumimoji="1" lang="ja-JP" altLang="en-US"/>
-                    </a:p>
-                  </a:txBody>
-                  <a:tcPr/>
-                </a:tc>
-                <a:tc>
-                  <a:txBody>
-                    <a:bodyPr/>
-                    <a:lstStyle/>
-                    <a:p>
-                      <a:pPr algn="r"/>
-                      <a:r>
-                        <a:rPr kumimoji="1" lang="en-US" altLang="ja-JP" dirty="0"/>
-                        <a:t>776.31</a:t>
-                      </a:r>
-                      <a:endParaRPr kumimoji="1" lang="ja-JP" altLang="en-US"/>
-                    </a:p>
-                  </a:txBody>
-                  <a:tcPr/>
-                </a:tc>
-                <a:tc>
-                  <a:txBody>
-                    <a:bodyPr/>
-                    <a:lstStyle/>
-                    <a:p>
-                      <a:pPr algn="r"/>
-                      <a:r>
-                        <a:rPr kumimoji="1" lang="en-US" altLang="ja-JP" dirty="0"/>
-                        <a:t>0.56</a:t>
-                      </a:r>
-                      <a:endParaRPr kumimoji="1" lang="ja-JP" altLang="en-US"/>
-                    </a:p>
-                  </a:txBody>
-                  <a:tcPr/>
-                </a:tc>
-                <a:extLst>
-                  <a:ext uri="{0D108BD9-81ED-4DB2-BD59-A6C34878D82A}">
-                    <a16:rowId xmlns:a16="http://schemas.microsoft.com/office/drawing/2014/main" val="721242875"/>
-                  </a:ext>
-                </a:extLst>
-              </a:tr>
-              <a:tr h="370840">
-                <a:tc>
-                  <a:txBody>
-                    <a:bodyPr/>
-                    <a:lstStyle/>
-                    <a:p>
-                      <a:pPr algn="ctr"/>
-                      <a:r>
-                        <a:rPr kumimoji="1" lang="en-US" altLang="ja-JP" dirty="0"/>
-                        <a:t>96</a:t>
-                      </a:r>
-                    </a:p>
-                  </a:txBody>
-                  <a:tcPr/>
-                </a:tc>
-                <a:tc>
-                  <a:txBody>
-                    <a:bodyPr/>
-                    <a:lstStyle/>
-                    <a:p>
-                      <a:pPr algn="ctr"/>
-                      <a:r>
-                        <a:rPr kumimoji="1" lang="en-US" altLang="ja-JP" dirty="0"/>
-                        <a:t>9</a:t>
-                      </a:r>
-                      <a:endParaRPr kumimoji="1" lang="ja-JP" altLang="en-US"/>
-                    </a:p>
-                  </a:txBody>
-                  <a:tcPr/>
-                </a:tc>
-                <a:tc>
-                  <a:txBody>
-                    <a:bodyPr/>
-                    <a:lstStyle/>
-                    <a:p>
-                      <a:pPr algn="r"/>
-                      <a:r>
-                        <a:rPr kumimoji="1" lang="en-US" altLang="ja-JP" dirty="0">
-                          <a:solidFill>
-                            <a:srgbClr val="FF0000"/>
-                          </a:solidFill>
-                        </a:rPr>
-                        <a:t>911.66</a:t>
-                      </a:r>
-                      <a:endParaRPr kumimoji="1" lang="ja-JP" altLang="en-US">
-                        <a:solidFill>
-                          <a:srgbClr val="FF0000"/>
-                        </a:solidFill>
-                      </a:endParaRPr>
-                    </a:p>
-                  </a:txBody>
-                  <a:tcPr/>
-                </a:tc>
-                <a:tc>
-                  <a:txBody>
-                    <a:bodyPr/>
-                    <a:lstStyle/>
-                    <a:p>
-                      <a:pPr algn="r"/>
-                      <a:r>
-                        <a:rPr kumimoji="1" lang="en-US" altLang="ja-JP" dirty="0">
-                          <a:solidFill>
-                            <a:srgbClr val="7030A0"/>
-                          </a:solidFill>
-                        </a:rPr>
-                        <a:t>14.99</a:t>
-                      </a:r>
-                      <a:endParaRPr kumimoji="1" lang="ja-JP" altLang="en-US">
-                        <a:solidFill>
-                          <a:srgbClr val="7030A0"/>
-                        </a:solidFill>
-                      </a:endParaRPr>
-                    </a:p>
-                  </a:txBody>
-                  <a:tcPr/>
-                </a:tc>
-                <a:tc>
-                  <a:txBody>
-                    <a:bodyPr/>
-                    <a:lstStyle/>
-                    <a:p>
-                      <a:pPr algn="r"/>
-                      <a:r>
-                        <a:rPr kumimoji="1" lang="en-US" altLang="ja-JP" dirty="0"/>
-                        <a:t>928.49</a:t>
-                      </a:r>
-                      <a:endParaRPr kumimoji="1" lang="ja-JP" altLang="en-US"/>
-                    </a:p>
-                  </a:txBody>
-                  <a:tcPr/>
-                </a:tc>
-                <a:tc>
-                  <a:txBody>
-                    <a:bodyPr/>
-                    <a:lstStyle/>
-                    <a:p>
-                      <a:pPr algn="r"/>
-                      <a:r>
-                        <a:rPr kumimoji="1" lang="en-US" altLang="ja-JP" dirty="0"/>
-                        <a:t>0.00</a:t>
-                      </a:r>
-                      <a:endParaRPr kumimoji="1" lang="ja-JP" altLang="en-US"/>
-                    </a:p>
-                  </a:txBody>
-                  <a:tcPr/>
-                </a:tc>
-                <a:tc>
-                  <a:txBody>
-                    <a:bodyPr/>
-                    <a:lstStyle/>
-                    <a:p>
-                      <a:pPr algn="r"/>
-                      <a:r>
-                        <a:rPr kumimoji="1" lang="en-US" altLang="ja-JP" dirty="0"/>
-                        <a:t>1005.17</a:t>
-                      </a:r>
-                      <a:endParaRPr kumimoji="1" lang="ja-JP" altLang="en-US"/>
-                    </a:p>
-                  </a:txBody>
-                  <a:tcPr/>
-                </a:tc>
-                <a:tc>
-                  <a:txBody>
-                    <a:bodyPr/>
-                    <a:lstStyle/>
-                    <a:p>
-                      <a:pPr algn="r"/>
-                      <a:r>
-                        <a:rPr kumimoji="1" lang="en-US" altLang="ja-JP" dirty="0"/>
-                        <a:t>0.00</a:t>
-                      </a:r>
-                      <a:endParaRPr kumimoji="1" lang="ja-JP" altLang="en-US"/>
-                    </a:p>
-                  </a:txBody>
-                  <a:tcPr/>
-                </a:tc>
-                <a:tc>
-                  <a:txBody>
-                    <a:bodyPr/>
-                    <a:lstStyle/>
-                    <a:p>
-                      <a:pPr algn="r"/>
-                      <a:r>
-                        <a:rPr kumimoji="1" lang="en-US" altLang="ja-JP" dirty="0"/>
-                        <a:t>1005.17</a:t>
-                      </a:r>
-                      <a:endParaRPr kumimoji="1" lang="ja-JP" altLang="en-US"/>
-                    </a:p>
-                  </a:txBody>
-                  <a:tcPr/>
-                </a:tc>
-                <a:tc>
-                  <a:txBody>
-                    <a:bodyPr/>
-                    <a:lstStyle/>
-                    <a:p>
-                      <a:pPr algn="r"/>
-                      <a:r>
-                        <a:rPr kumimoji="1" lang="en-US" altLang="ja-JP" dirty="0"/>
-                        <a:t>0.00</a:t>
-                      </a:r>
-                      <a:endParaRPr kumimoji="1" lang="ja-JP" altLang="en-US"/>
-                    </a:p>
-                  </a:txBody>
-                  <a:tcPr/>
-                </a:tc>
-                <a:extLst>
-                  <a:ext uri="{0D108BD9-81ED-4DB2-BD59-A6C34878D82A}">
-                    <a16:rowId xmlns:a16="http://schemas.microsoft.com/office/drawing/2014/main" val="2477381420"/>
-                  </a:ext>
-                </a:extLst>
-              </a:tr>
-              <a:tr h="370840">
-                <a:tc>
-                  <a:txBody>
-                    <a:bodyPr/>
-                    <a:lstStyle/>
-                    <a:p>
-                      <a:pPr algn="ctr"/>
-                      <a:r>
-                        <a:rPr kumimoji="1" lang="en-US" altLang="ja-JP" dirty="0"/>
-                        <a:t>120</a:t>
-                      </a:r>
-                      <a:endParaRPr kumimoji="1" lang="ja-JP" altLang="en-US"/>
-                    </a:p>
-                  </a:txBody>
-                  <a:tcPr/>
-                </a:tc>
-                <a:tc>
-                  <a:txBody>
-                    <a:bodyPr/>
-                    <a:lstStyle/>
-                    <a:p>
-                      <a:pPr algn="ctr"/>
-                      <a:r>
-                        <a:rPr kumimoji="1" lang="en-US" altLang="ja-JP" dirty="0"/>
-                        <a:t>11</a:t>
-                      </a:r>
-                      <a:endParaRPr kumimoji="1" lang="ja-JP" altLang="en-US"/>
-                    </a:p>
-                  </a:txBody>
-                  <a:tcPr/>
-                </a:tc>
-                <a:tc>
-                  <a:txBody>
-                    <a:bodyPr/>
-                    <a:lstStyle/>
-                    <a:p>
-                      <a:pPr algn="r"/>
-                      <a:r>
-                        <a:rPr kumimoji="1" lang="en-US" altLang="ja-JP" dirty="0">
-                          <a:solidFill>
-                            <a:srgbClr val="FF0000"/>
-                          </a:solidFill>
-                        </a:rPr>
-                        <a:t>1038.52</a:t>
-                      </a:r>
-                      <a:endParaRPr kumimoji="1" lang="ja-JP" altLang="en-US">
-                        <a:solidFill>
-                          <a:srgbClr val="FF0000"/>
-                        </a:solidFill>
-                      </a:endParaRPr>
-                    </a:p>
-                  </a:txBody>
-                  <a:tcPr/>
-                </a:tc>
-                <a:tc>
-                  <a:txBody>
-                    <a:bodyPr/>
-                    <a:lstStyle/>
-                    <a:p>
-                      <a:pPr algn="r"/>
-                      <a:r>
-                        <a:rPr kumimoji="1" lang="en-US" altLang="ja-JP" dirty="0">
-                          <a:solidFill>
-                            <a:srgbClr val="7030A0"/>
-                          </a:solidFill>
-                        </a:rPr>
-                        <a:t>19.37</a:t>
-                      </a:r>
-                      <a:endParaRPr kumimoji="1" lang="ja-JP" altLang="en-US">
-                        <a:solidFill>
-                          <a:srgbClr val="7030A0"/>
-                        </a:solidFill>
-                      </a:endParaRPr>
-                    </a:p>
-                  </a:txBody>
-                  <a:tcPr/>
-                </a:tc>
-                <a:tc>
-                  <a:txBody>
-                    <a:bodyPr/>
-                    <a:lstStyle/>
-                    <a:p>
-                      <a:pPr algn="r"/>
-                      <a:r>
-                        <a:rPr kumimoji="1" lang="en-US" altLang="ja-JP" dirty="0"/>
-                        <a:t>1094.43</a:t>
-                      </a:r>
-                      <a:endParaRPr kumimoji="1" lang="ja-JP" altLang="en-US"/>
-                    </a:p>
-                  </a:txBody>
-                  <a:tcPr/>
-                </a:tc>
-                <a:tc>
-                  <a:txBody>
-                    <a:bodyPr/>
-                    <a:lstStyle/>
-                    <a:p>
-                      <a:pPr algn="r"/>
-                      <a:r>
-                        <a:rPr kumimoji="1" lang="en-US" altLang="ja-JP" dirty="0"/>
-                        <a:t>0.00</a:t>
-                      </a:r>
-                      <a:endParaRPr kumimoji="1" lang="ja-JP" altLang="en-US"/>
-                    </a:p>
-                  </a:txBody>
-                  <a:tcPr/>
-                </a:tc>
-                <a:tc>
-                  <a:txBody>
-                    <a:bodyPr/>
-                    <a:lstStyle/>
-                    <a:p>
-                      <a:pPr algn="r"/>
-                      <a:r>
-                        <a:rPr kumimoji="1" lang="en-US" altLang="ja-JP" dirty="0"/>
-                        <a:t>1077.49</a:t>
-                      </a:r>
-                      <a:endParaRPr kumimoji="1" lang="ja-JP" altLang="en-US"/>
-                    </a:p>
-                  </a:txBody>
-                  <a:tcPr/>
-                </a:tc>
-                <a:tc>
-                  <a:txBody>
-                    <a:bodyPr/>
-                    <a:lstStyle/>
-                    <a:p>
-                      <a:pPr algn="r"/>
-                      <a:r>
-                        <a:rPr kumimoji="1" lang="en-US" altLang="ja-JP" dirty="0"/>
-                        <a:t>0.00</a:t>
-                      </a:r>
-                      <a:endParaRPr kumimoji="1" lang="ja-JP" altLang="en-US"/>
-                    </a:p>
-                  </a:txBody>
-                  <a:tcPr/>
-                </a:tc>
-                <a:tc>
-                  <a:txBody>
-                    <a:bodyPr/>
-                    <a:lstStyle/>
-                    <a:p>
-                      <a:pPr algn="r"/>
-                      <a:r>
-                        <a:rPr kumimoji="1" lang="en-US" altLang="ja-JP" dirty="0"/>
-                        <a:t>1077.68</a:t>
-                      </a:r>
-                      <a:endParaRPr kumimoji="1" lang="ja-JP" altLang="en-US"/>
-                    </a:p>
-                  </a:txBody>
-                  <a:tcPr/>
-                </a:tc>
-                <a:tc>
-                  <a:txBody>
-                    <a:bodyPr/>
-                    <a:lstStyle/>
-                    <a:p>
-                      <a:pPr algn="r"/>
-                      <a:r>
-                        <a:rPr kumimoji="1" lang="en-US" altLang="ja-JP" dirty="0"/>
-                        <a:t>0.00</a:t>
-                      </a:r>
-                      <a:endParaRPr kumimoji="1" lang="ja-JP" altLang="en-US"/>
-                    </a:p>
-                  </a:txBody>
-                  <a:tcPr/>
-                </a:tc>
-                <a:extLst>
-                  <a:ext uri="{0D108BD9-81ED-4DB2-BD59-A6C34878D82A}">
-                    <a16:rowId xmlns:a16="http://schemas.microsoft.com/office/drawing/2014/main" val="3044546570"/>
-                  </a:ext>
-                </a:extLst>
-              </a:tr>
-              <a:tr h="370840">
-                <a:tc>
-                  <a:txBody>
-                    <a:bodyPr/>
-                    <a:lstStyle/>
-                    <a:p>
-                      <a:pPr algn="ctr"/>
-                      <a:r>
-                        <a:rPr kumimoji="1" lang="en-US" altLang="ja-JP" dirty="0"/>
-                        <a:t>144</a:t>
-                      </a:r>
-                      <a:endParaRPr kumimoji="1" lang="ja-JP" altLang="en-US"/>
-                    </a:p>
-                  </a:txBody>
-                  <a:tcPr/>
-                </a:tc>
-                <a:tc>
-                  <a:txBody>
-                    <a:bodyPr/>
-                    <a:lstStyle/>
-                    <a:p>
-                      <a:pPr algn="ctr"/>
-                      <a:r>
-                        <a:rPr kumimoji="1" lang="en-US" altLang="ja-JP" dirty="0"/>
-                        <a:t>13</a:t>
-                      </a:r>
-                      <a:endParaRPr kumimoji="1" lang="ja-JP" altLang="en-US"/>
-                    </a:p>
-                  </a:txBody>
-                  <a:tcPr/>
-                </a:tc>
-                <a:tc>
-                  <a:txBody>
-                    <a:bodyPr/>
-                    <a:lstStyle/>
-                    <a:p>
-                      <a:pPr algn="r"/>
-                      <a:r>
-                        <a:rPr kumimoji="1" lang="en-US" altLang="ja-JP" dirty="0">
-                          <a:solidFill>
-                            <a:srgbClr val="FF0000"/>
-                          </a:solidFill>
-                        </a:rPr>
-                        <a:t>1350.81</a:t>
-                      </a:r>
-                      <a:endParaRPr kumimoji="1" lang="ja-JP" altLang="en-US">
-                        <a:solidFill>
-                          <a:srgbClr val="FF0000"/>
-                        </a:solidFill>
-                      </a:endParaRPr>
-                    </a:p>
-                  </a:txBody>
-                  <a:tcPr/>
-                </a:tc>
-                <a:tc>
-                  <a:txBody>
-                    <a:bodyPr/>
-                    <a:lstStyle/>
-                    <a:p>
-                      <a:pPr algn="r"/>
-                      <a:r>
-                        <a:rPr kumimoji="1" lang="en-US" altLang="ja-JP" dirty="0"/>
-                        <a:t>22.38</a:t>
-                      </a:r>
-                      <a:endParaRPr kumimoji="1" lang="ja-JP" altLang="en-US"/>
-                    </a:p>
-                  </a:txBody>
-                  <a:tcPr/>
-                </a:tc>
-                <a:tc>
-                  <a:txBody>
-                    <a:bodyPr/>
-                    <a:lstStyle/>
-                    <a:p>
-                      <a:pPr algn="r"/>
-                      <a:r>
-                        <a:rPr kumimoji="1" lang="en-US" altLang="ja-JP" dirty="0"/>
-                        <a:t>1428.04</a:t>
-                      </a:r>
-                      <a:endParaRPr kumimoji="1" lang="ja-JP" altLang="en-US"/>
-                    </a:p>
-                  </a:txBody>
-                  <a:tcPr/>
-                </a:tc>
-                <a:tc>
-                  <a:txBody>
-                    <a:bodyPr/>
-                    <a:lstStyle/>
-                    <a:p>
-                      <a:pPr algn="r"/>
-                      <a:r>
-                        <a:rPr kumimoji="1" lang="en-US" altLang="ja-JP" dirty="0">
-                          <a:solidFill>
-                            <a:srgbClr val="7030A0"/>
-                          </a:solidFill>
-                        </a:rPr>
-                        <a:t>49.88</a:t>
-                      </a:r>
-                      <a:endParaRPr kumimoji="1" lang="ja-JP" altLang="en-US">
-                        <a:solidFill>
-                          <a:srgbClr val="7030A0"/>
-                        </a:solidFill>
-                      </a:endParaRPr>
-                    </a:p>
-                  </a:txBody>
-                  <a:tcPr/>
-                </a:tc>
-                <a:tc>
-                  <a:txBody>
-                    <a:bodyPr/>
-                    <a:lstStyle/>
-                    <a:p>
-                      <a:pPr algn="r"/>
-                      <a:r>
-                        <a:rPr kumimoji="1" lang="en-US" altLang="ja-JP" dirty="0"/>
-                        <a:t>1494.52</a:t>
-                      </a:r>
-                      <a:endParaRPr kumimoji="1" lang="ja-JP" altLang="en-US"/>
-                    </a:p>
-                  </a:txBody>
-                  <a:tcPr/>
-                </a:tc>
-                <a:tc>
-                  <a:txBody>
-                    <a:bodyPr/>
-                    <a:lstStyle/>
-                    <a:p>
-                      <a:pPr algn="r"/>
-                      <a:r>
-                        <a:rPr kumimoji="1" lang="en-US" altLang="ja-JP" dirty="0"/>
-                        <a:t>39.64</a:t>
-                      </a:r>
-                      <a:endParaRPr kumimoji="1" lang="ja-JP" altLang="en-US"/>
-                    </a:p>
-                  </a:txBody>
-                  <a:tcPr/>
-                </a:tc>
-                <a:tc>
-                  <a:txBody>
-                    <a:bodyPr/>
-                    <a:lstStyle/>
-                    <a:p>
-                      <a:pPr algn="r"/>
-                      <a:r>
-                        <a:rPr kumimoji="1" lang="en-US" altLang="ja-JP" dirty="0"/>
-                        <a:t>1506.35</a:t>
-                      </a:r>
-                      <a:endParaRPr kumimoji="1" lang="ja-JP" altLang="en-US"/>
-                    </a:p>
-                  </a:txBody>
-                  <a:tcPr/>
-                </a:tc>
-                <a:tc>
-                  <a:txBody>
-                    <a:bodyPr/>
-                    <a:lstStyle/>
-                    <a:p>
-                      <a:pPr algn="r"/>
-                      <a:r>
-                        <a:rPr kumimoji="1" lang="en-US" altLang="ja-JP" dirty="0"/>
-                        <a:t>9.56</a:t>
-                      </a:r>
-                      <a:endParaRPr kumimoji="1" lang="ja-JP" altLang="en-US"/>
-                    </a:p>
-                  </a:txBody>
-                  <a:tcPr/>
-                </a:tc>
-                <a:extLst>
-                  <a:ext uri="{0D108BD9-81ED-4DB2-BD59-A6C34878D82A}">
-                    <a16:rowId xmlns:a16="http://schemas.microsoft.com/office/drawing/2014/main" val="2993000327"/>
-                  </a:ext>
-                </a:extLst>
-              </a:tr>
-              <a:tr h="370840">
-                <a:tc>
-                  <a:txBody>
-                    <a:bodyPr/>
-                    <a:lstStyle/>
-                    <a:p>
-                      <a:pPr algn="ctr"/>
-                      <a:r>
-                        <a:rPr kumimoji="1" lang="en-US" altLang="ja-JP" dirty="0"/>
-                        <a:t>24</a:t>
-                      </a:r>
-                      <a:endParaRPr kumimoji="1" lang="ja-JP" altLang="en-US"/>
-                    </a:p>
-                  </a:txBody>
-                  <a:tcPr/>
-                </a:tc>
-                <a:tc>
-                  <a:txBody>
-                    <a:bodyPr/>
-                    <a:lstStyle/>
-                    <a:p>
-                      <a:pPr algn="ctr"/>
-                      <a:r>
-                        <a:rPr kumimoji="1" lang="en-US" altLang="ja-JP" dirty="0"/>
-                        <a:t>3</a:t>
-                      </a:r>
-                      <a:endParaRPr kumimoji="1" lang="ja-JP" altLang="en-US"/>
-                    </a:p>
-                  </a:txBody>
-                  <a:tcPr/>
-                </a:tc>
-                <a:tc>
-                  <a:txBody>
-                    <a:bodyPr/>
-                    <a:lstStyle/>
-                    <a:p>
-                      <a:pPr algn="r"/>
-                      <a:r>
-                        <a:rPr kumimoji="1" lang="en-US" altLang="ja-JP" dirty="0"/>
-                        <a:t>200.74</a:t>
-                      </a:r>
-                      <a:endParaRPr kumimoji="1" lang="ja-JP" altLang="en-US"/>
-                    </a:p>
-                  </a:txBody>
-                  <a:tcPr/>
-                </a:tc>
-                <a:tc>
-                  <a:txBody>
-                    <a:bodyPr/>
-                    <a:lstStyle/>
-                    <a:p>
-                      <a:pPr algn="r"/>
-                      <a:r>
-                        <a:rPr kumimoji="1" lang="en-US" altLang="ja-JP" dirty="0"/>
-                        <a:t>0.00</a:t>
-                      </a:r>
-                      <a:endParaRPr kumimoji="1" lang="ja-JP" altLang="en-US"/>
-                    </a:p>
-                  </a:txBody>
-                  <a:tcPr/>
-                </a:tc>
-                <a:tc>
-                  <a:txBody>
-                    <a:bodyPr/>
-                    <a:lstStyle/>
-                    <a:p>
-                      <a:pPr algn="r"/>
-                      <a:r>
-                        <a:rPr kumimoji="1" lang="en-US" altLang="ja-JP" dirty="0"/>
-                        <a:t>197.48</a:t>
-                      </a:r>
-                      <a:endParaRPr kumimoji="1" lang="ja-JP" altLang="en-US"/>
-                    </a:p>
-                  </a:txBody>
-                  <a:tcPr/>
-                </a:tc>
-                <a:tc>
-                  <a:txBody>
-                    <a:bodyPr/>
-                    <a:lstStyle/>
-                    <a:p>
-                      <a:pPr algn="r"/>
-                      <a:r>
-                        <a:rPr kumimoji="1" lang="en-US" altLang="ja-JP" dirty="0"/>
-                        <a:t>0.00</a:t>
-                      </a:r>
-                      <a:endParaRPr kumimoji="1" lang="ja-JP" altLang="en-US"/>
-                    </a:p>
-                  </a:txBody>
-                  <a:tcPr/>
-                </a:tc>
-                <a:tc>
-                  <a:txBody>
-                    <a:bodyPr/>
-                    <a:lstStyle/>
-                    <a:p>
-                      <a:pPr algn="r"/>
-                      <a:r>
-                        <a:rPr kumimoji="1" lang="en-US" altLang="ja-JP" dirty="0"/>
-                        <a:t>203.61</a:t>
-                      </a:r>
-                      <a:endParaRPr kumimoji="1" lang="ja-JP" altLang="en-US"/>
-                    </a:p>
-                  </a:txBody>
-                  <a:tcPr/>
-                </a:tc>
-                <a:tc>
-                  <a:txBody>
-                    <a:bodyPr/>
-                    <a:lstStyle/>
-                    <a:p>
-                      <a:pPr algn="r"/>
-                      <a:r>
-                        <a:rPr kumimoji="1" lang="en-US" altLang="ja-JP" dirty="0"/>
-                        <a:t>0.00</a:t>
-                      </a:r>
-                      <a:endParaRPr kumimoji="1" lang="ja-JP" altLang="en-US"/>
-                    </a:p>
-                  </a:txBody>
-                  <a:tcPr/>
-                </a:tc>
-                <a:tc>
-                  <a:txBody>
-                    <a:bodyPr/>
-                    <a:lstStyle/>
-                    <a:p>
-                      <a:pPr algn="r"/>
-                      <a:r>
-                        <a:rPr kumimoji="1" lang="en-US" altLang="ja-JP" dirty="0">
-                          <a:solidFill>
-                            <a:srgbClr val="FF0000"/>
-                          </a:solidFill>
-                        </a:rPr>
-                        <a:t>195.60</a:t>
-                      </a:r>
-                      <a:endParaRPr kumimoji="1" lang="ja-JP" altLang="en-US">
-                        <a:solidFill>
-                          <a:srgbClr val="FF0000"/>
-                        </a:solidFill>
-                      </a:endParaRPr>
-                    </a:p>
-                  </a:txBody>
-                  <a:tcPr/>
-                </a:tc>
-                <a:tc>
-                  <a:txBody>
-                    <a:bodyPr/>
-                    <a:lstStyle/>
-                    <a:p>
-                      <a:pPr algn="r"/>
-                      <a:r>
-                        <a:rPr kumimoji="1" lang="en-US" altLang="ja-JP" dirty="0"/>
-                        <a:t>0.00</a:t>
-                      </a:r>
-                      <a:endParaRPr kumimoji="1" lang="ja-JP" altLang="en-US"/>
-                    </a:p>
-                  </a:txBody>
-                  <a:tcPr/>
-                </a:tc>
-                <a:extLst>
-                  <a:ext uri="{0D108BD9-81ED-4DB2-BD59-A6C34878D82A}">
-                    <a16:rowId xmlns:a16="http://schemas.microsoft.com/office/drawing/2014/main" val="3601042982"/>
-                  </a:ext>
-                </a:extLst>
-              </a:tr>
-              <a:tr h="370840">
-                <a:tc>
-                  <a:txBody>
-                    <a:bodyPr/>
-                    <a:lstStyle/>
-                    <a:p>
-                      <a:pPr algn="ctr"/>
-                      <a:r>
-                        <a:rPr kumimoji="1" lang="en-US" altLang="ja-JP" dirty="0"/>
-                        <a:t>48</a:t>
-                      </a:r>
-                      <a:endParaRPr kumimoji="1" lang="ja-JP" altLang="en-US"/>
-                    </a:p>
-                  </a:txBody>
-                  <a:tcPr/>
-                </a:tc>
-                <a:tc>
-                  <a:txBody>
-                    <a:bodyPr/>
-                    <a:lstStyle/>
-                    <a:p>
-                      <a:pPr algn="ctr"/>
-                      <a:r>
-                        <a:rPr kumimoji="1" lang="en-US" altLang="ja-JP" dirty="0"/>
-                        <a:t>5</a:t>
-                      </a:r>
-                      <a:endParaRPr kumimoji="1" lang="ja-JP" altLang="en-US"/>
-                    </a:p>
-                  </a:txBody>
-                  <a:tcPr/>
-                </a:tc>
-                <a:tc>
-                  <a:txBody>
-                    <a:bodyPr/>
-                    <a:lstStyle/>
-                    <a:p>
-                      <a:pPr algn="r"/>
-                      <a:r>
-                        <a:rPr kumimoji="1" lang="en-US" altLang="ja-JP" dirty="0"/>
-                        <a:t>403.99</a:t>
-                      </a:r>
-                      <a:endParaRPr kumimoji="1" lang="ja-JP" altLang="en-US"/>
-                    </a:p>
-                  </a:txBody>
-                  <a:tcPr/>
-                </a:tc>
-                <a:tc>
-                  <a:txBody>
-                    <a:bodyPr/>
-                    <a:lstStyle/>
-                    <a:p>
-                      <a:pPr algn="r"/>
-                      <a:r>
-                        <a:rPr kumimoji="1" lang="en-US" altLang="ja-JP" dirty="0">
-                          <a:solidFill>
-                            <a:srgbClr val="7030A0"/>
-                          </a:solidFill>
-                        </a:rPr>
-                        <a:t>1.38</a:t>
-                      </a:r>
-                      <a:endParaRPr kumimoji="1" lang="ja-JP" altLang="en-US">
-                        <a:solidFill>
-                          <a:srgbClr val="7030A0"/>
-                        </a:solidFill>
-                      </a:endParaRPr>
-                    </a:p>
-                  </a:txBody>
-                  <a:tcPr/>
-                </a:tc>
-                <a:tc>
-                  <a:txBody>
-                    <a:bodyPr/>
-                    <a:lstStyle/>
-                    <a:p>
-                      <a:pPr algn="r"/>
-                      <a:r>
-                        <a:rPr kumimoji="1" lang="en-US" altLang="ja-JP" dirty="0"/>
-                        <a:t>398.94</a:t>
-                      </a:r>
-                      <a:endParaRPr kumimoji="1" lang="ja-JP" altLang="en-US"/>
-                    </a:p>
-                  </a:txBody>
-                  <a:tcPr/>
-                </a:tc>
-                <a:tc>
-                  <a:txBody>
-                    <a:bodyPr/>
-                    <a:lstStyle/>
-                    <a:p>
-                      <a:pPr algn="r"/>
-                      <a:r>
-                        <a:rPr kumimoji="1" lang="en-US" altLang="ja-JP" dirty="0"/>
-                        <a:t>0.00</a:t>
-                      </a:r>
-                      <a:endParaRPr kumimoji="1" lang="ja-JP" altLang="en-US"/>
-                    </a:p>
-                  </a:txBody>
-                  <a:tcPr/>
-                </a:tc>
-                <a:tc>
-                  <a:txBody>
-                    <a:bodyPr/>
-                    <a:lstStyle/>
-                    <a:p>
-                      <a:pPr algn="r"/>
-                      <a:r>
-                        <a:rPr kumimoji="1" lang="en-US" altLang="ja-JP" dirty="0">
-                          <a:solidFill>
-                            <a:srgbClr val="FF0000"/>
-                          </a:solidFill>
-                        </a:rPr>
-                        <a:t>386.47</a:t>
-                      </a:r>
-                      <a:endParaRPr kumimoji="1" lang="ja-JP" altLang="en-US">
-                        <a:solidFill>
-                          <a:srgbClr val="FF0000"/>
-                        </a:solidFill>
-                      </a:endParaRPr>
-                    </a:p>
-                  </a:txBody>
-                  <a:tcPr/>
-                </a:tc>
-                <a:tc>
-                  <a:txBody>
-                    <a:bodyPr/>
-                    <a:lstStyle/>
-                    <a:p>
-                      <a:pPr algn="r"/>
-                      <a:r>
-                        <a:rPr kumimoji="1" lang="en-US" altLang="ja-JP" dirty="0"/>
-                        <a:t>0.00</a:t>
-                      </a:r>
-                      <a:endParaRPr kumimoji="1" lang="ja-JP" altLang="en-US"/>
-                    </a:p>
-                  </a:txBody>
-                  <a:tcPr/>
-                </a:tc>
-                <a:tc>
-                  <a:txBody>
-                    <a:bodyPr/>
-                    <a:lstStyle/>
-                    <a:p>
-                      <a:pPr algn="r"/>
-                      <a:r>
-                        <a:rPr kumimoji="1" lang="en-US" altLang="ja-JP" dirty="0"/>
-                        <a:t>388.43</a:t>
-                      </a:r>
-                      <a:endParaRPr kumimoji="1" lang="ja-JP" altLang="en-US"/>
-                    </a:p>
-                  </a:txBody>
-                  <a:tcPr/>
-                </a:tc>
-                <a:tc>
-                  <a:txBody>
-                    <a:bodyPr/>
-                    <a:lstStyle/>
-                    <a:p>
-                      <a:pPr algn="r"/>
-                      <a:r>
-                        <a:rPr kumimoji="1" lang="en-US" altLang="ja-JP" dirty="0"/>
-                        <a:t>0.00</a:t>
-                      </a:r>
-                      <a:endParaRPr kumimoji="1" lang="ja-JP" altLang="en-US"/>
-                    </a:p>
-                  </a:txBody>
-                  <a:tcPr/>
-                </a:tc>
-                <a:extLst>
-                  <a:ext uri="{0D108BD9-81ED-4DB2-BD59-A6C34878D82A}">
-                    <a16:rowId xmlns:a16="http://schemas.microsoft.com/office/drawing/2014/main" val="455728037"/>
-                  </a:ext>
-                </a:extLst>
-              </a:tr>
-              <a:tr h="370840">
-                <a:tc>
-                  <a:txBody>
-                    <a:bodyPr/>
-                    <a:lstStyle/>
-                    <a:p>
-                      <a:pPr algn="ctr"/>
-                      <a:r>
-                        <a:rPr kumimoji="1" lang="en-US" altLang="ja-JP" dirty="0"/>
-                        <a:t>72</a:t>
-                      </a:r>
-                      <a:endParaRPr kumimoji="1" lang="ja-JP" altLang="en-US"/>
-                    </a:p>
-                  </a:txBody>
-                  <a:tcPr/>
-                </a:tc>
-                <a:tc>
-                  <a:txBody>
-                    <a:bodyPr/>
-                    <a:lstStyle/>
-                    <a:p>
-                      <a:pPr algn="ctr"/>
-                      <a:r>
-                        <a:rPr kumimoji="1" lang="en-US" altLang="ja-JP" dirty="0"/>
-                        <a:t>7</a:t>
-                      </a:r>
-                      <a:endParaRPr kumimoji="1" lang="ja-JP" altLang="en-US"/>
-                    </a:p>
-                  </a:txBody>
-                  <a:tcPr/>
-                </a:tc>
-                <a:tc>
-                  <a:txBody>
-                    <a:bodyPr/>
-                    <a:lstStyle/>
-                    <a:p>
-                      <a:pPr algn="r"/>
-                      <a:r>
-                        <a:rPr kumimoji="1" lang="en-US" altLang="ja-JP" dirty="0">
-                          <a:solidFill>
-                            <a:srgbClr val="FF0000"/>
-                          </a:solidFill>
-                        </a:rPr>
-                        <a:t>686.30</a:t>
-                      </a:r>
-                      <a:endParaRPr kumimoji="1" lang="ja-JP" altLang="en-US">
-                        <a:solidFill>
-                          <a:srgbClr val="FF0000"/>
-                        </a:solidFill>
-                      </a:endParaRPr>
-                    </a:p>
-                  </a:txBody>
-                  <a:tcPr/>
-                </a:tc>
-                <a:tc>
-                  <a:txBody>
-                    <a:bodyPr/>
-                    <a:lstStyle/>
-                    <a:p>
-                      <a:pPr algn="r"/>
-                      <a:r>
-                        <a:rPr kumimoji="1" lang="en-US" altLang="ja-JP" dirty="0">
-                          <a:solidFill>
-                            <a:srgbClr val="7030A0"/>
-                          </a:solidFill>
-                        </a:rPr>
-                        <a:t>15.71</a:t>
-                      </a:r>
-                      <a:endParaRPr kumimoji="1" lang="ja-JP" altLang="en-US">
-                        <a:solidFill>
-                          <a:srgbClr val="7030A0"/>
-                        </a:solidFill>
-                      </a:endParaRPr>
-                    </a:p>
-                  </a:txBody>
-                  <a:tcPr/>
-                </a:tc>
-                <a:tc>
-                  <a:txBody>
-                    <a:bodyPr/>
-                    <a:lstStyle/>
-                    <a:p>
-                      <a:pPr algn="r"/>
-                      <a:r>
-                        <a:rPr kumimoji="1" lang="en-US" altLang="ja-JP" dirty="0"/>
-                        <a:t>752.70</a:t>
-                      </a:r>
-                      <a:endParaRPr kumimoji="1" lang="ja-JP" altLang="en-US"/>
-                    </a:p>
-                  </a:txBody>
-                  <a:tcPr/>
-                </a:tc>
-                <a:tc>
-                  <a:txBody>
-                    <a:bodyPr/>
-                    <a:lstStyle/>
-                    <a:p>
-                      <a:pPr algn="r"/>
-                      <a:r>
-                        <a:rPr kumimoji="1" lang="en-US" altLang="ja-JP" dirty="0"/>
-                        <a:t>0.14</a:t>
-                      </a:r>
-                      <a:endParaRPr kumimoji="1" lang="ja-JP" altLang="en-US"/>
-                    </a:p>
-                  </a:txBody>
-                  <a:tcPr/>
-                </a:tc>
-                <a:tc>
-                  <a:txBody>
-                    <a:bodyPr/>
-                    <a:lstStyle/>
-                    <a:p>
-                      <a:pPr algn="r"/>
-                      <a:r>
-                        <a:rPr kumimoji="1" lang="en-US" altLang="ja-JP" dirty="0"/>
-                        <a:t>777.09</a:t>
-                      </a:r>
-                      <a:endParaRPr kumimoji="1" lang="ja-JP" altLang="en-US"/>
-                    </a:p>
-                  </a:txBody>
-                  <a:tcPr/>
-                </a:tc>
-                <a:tc>
-                  <a:txBody>
-                    <a:bodyPr/>
-                    <a:lstStyle/>
-                    <a:p>
-                      <a:pPr algn="r"/>
-                      <a:r>
-                        <a:rPr kumimoji="1" lang="en-US" altLang="ja-JP" dirty="0"/>
-                        <a:t>0.00</a:t>
-                      </a:r>
-                      <a:endParaRPr kumimoji="1" lang="ja-JP" altLang="en-US"/>
-                    </a:p>
-                  </a:txBody>
-                  <a:tcPr/>
-                </a:tc>
-                <a:tc>
-                  <a:txBody>
-                    <a:bodyPr/>
-                    <a:lstStyle/>
-                    <a:p>
-                      <a:pPr algn="r"/>
-                      <a:r>
-                        <a:rPr kumimoji="1" lang="en-US" altLang="ja-JP" dirty="0"/>
-                        <a:t>777.09</a:t>
-                      </a:r>
-                      <a:endParaRPr kumimoji="1" lang="ja-JP" altLang="en-US"/>
-                    </a:p>
-                  </a:txBody>
-                  <a:tcPr/>
-                </a:tc>
-                <a:tc>
-                  <a:txBody>
-                    <a:bodyPr/>
-                    <a:lstStyle/>
-                    <a:p>
-                      <a:pPr algn="r"/>
-                      <a:r>
-                        <a:rPr kumimoji="1" lang="en-US" altLang="ja-JP" dirty="0"/>
-                        <a:t>0.00</a:t>
-                      </a:r>
-                      <a:endParaRPr kumimoji="1" lang="ja-JP" altLang="en-US"/>
-                    </a:p>
-                  </a:txBody>
-                  <a:tcPr/>
-                </a:tc>
-                <a:extLst>
-                  <a:ext uri="{0D108BD9-81ED-4DB2-BD59-A6C34878D82A}">
-                    <a16:rowId xmlns:a16="http://schemas.microsoft.com/office/drawing/2014/main" val="538989466"/>
-                  </a:ext>
-                </a:extLst>
-              </a:tr>
-              <a:tr h="370840">
-                <a:tc>
-                  <a:txBody>
-                    <a:bodyPr/>
-                    <a:lstStyle/>
-                    <a:p>
-                      <a:pPr algn="ctr"/>
-                      <a:r>
-                        <a:rPr kumimoji="1" lang="en-US" altLang="ja-JP" dirty="0"/>
-                        <a:t>96</a:t>
-                      </a:r>
-                      <a:endParaRPr kumimoji="1" lang="ja-JP" altLang="en-US"/>
-                    </a:p>
-                  </a:txBody>
-                  <a:tcPr/>
-                </a:tc>
-                <a:tc>
-                  <a:txBody>
-                    <a:bodyPr/>
-                    <a:lstStyle/>
-                    <a:p>
-                      <a:pPr algn="ctr"/>
-                      <a:r>
-                        <a:rPr kumimoji="1" lang="en-US" altLang="ja-JP" dirty="0"/>
-                        <a:t>9</a:t>
-                      </a:r>
-                      <a:endParaRPr kumimoji="1" lang="ja-JP" altLang="en-US"/>
-                    </a:p>
-                  </a:txBody>
-                  <a:tcPr/>
-                </a:tc>
-                <a:tc>
-                  <a:txBody>
-                    <a:bodyPr/>
-                    <a:lstStyle/>
-                    <a:p>
-                      <a:pPr algn="r"/>
-                      <a:r>
-                        <a:rPr kumimoji="1" lang="en-US" altLang="ja-JP" dirty="0">
-                          <a:solidFill>
-                            <a:srgbClr val="FF0000"/>
-                          </a:solidFill>
-                        </a:rPr>
-                        <a:t>894.65</a:t>
-                      </a:r>
-                      <a:endParaRPr kumimoji="1" lang="ja-JP" altLang="en-US">
-                        <a:solidFill>
-                          <a:srgbClr val="FF0000"/>
-                        </a:solidFill>
-                      </a:endParaRPr>
-                    </a:p>
-                  </a:txBody>
-                  <a:tcPr/>
-                </a:tc>
-                <a:tc>
-                  <a:txBody>
-                    <a:bodyPr/>
-                    <a:lstStyle/>
-                    <a:p>
-                      <a:pPr algn="r"/>
-                      <a:r>
-                        <a:rPr kumimoji="1" lang="en-US" altLang="ja-JP" dirty="0">
-                          <a:solidFill>
-                            <a:srgbClr val="7030A0"/>
-                          </a:solidFill>
-                        </a:rPr>
-                        <a:t>3.70</a:t>
-                      </a:r>
-                      <a:endParaRPr kumimoji="1" lang="ja-JP" altLang="en-US">
-                        <a:solidFill>
-                          <a:srgbClr val="7030A0"/>
-                        </a:solidFill>
-                      </a:endParaRPr>
-                    </a:p>
-                  </a:txBody>
-                  <a:tcPr/>
-                </a:tc>
-                <a:tc>
-                  <a:txBody>
-                    <a:bodyPr/>
-                    <a:lstStyle/>
-                    <a:p>
-                      <a:pPr algn="r"/>
-                      <a:r>
-                        <a:rPr kumimoji="1" lang="en-US" altLang="ja-JP" dirty="0"/>
-                        <a:t>919.01</a:t>
-                      </a:r>
-                      <a:endParaRPr kumimoji="1" lang="ja-JP" altLang="en-US"/>
-                    </a:p>
-                  </a:txBody>
-                  <a:tcPr/>
-                </a:tc>
-                <a:tc>
-                  <a:txBody>
-                    <a:bodyPr/>
-                    <a:lstStyle/>
-                    <a:p>
-                      <a:pPr algn="r"/>
-                      <a:r>
-                        <a:rPr kumimoji="1" lang="en-US" altLang="ja-JP" dirty="0"/>
-                        <a:t>0.00</a:t>
-                      </a:r>
-                      <a:endParaRPr kumimoji="1" lang="ja-JP" altLang="en-US"/>
-                    </a:p>
-                  </a:txBody>
-                  <a:tcPr/>
-                </a:tc>
-                <a:tc>
-                  <a:txBody>
-                    <a:bodyPr/>
-                    <a:lstStyle/>
-                    <a:p>
-                      <a:pPr algn="r"/>
-                      <a:r>
-                        <a:rPr kumimoji="1" lang="en-US" altLang="ja-JP" dirty="0"/>
-                        <a:t>958.40</a:t>
-                      </a:r>
-                      <a:endParaRPr kumimoji="1" lang="ja-JP" altLang="en-US"/>
-                    </a:p>
-                  </a:txBody>
-                  <a:tcPr/>
-                </a:tc>
-                <a:tc>
-                  <a:txBody>
-                    <a:bodyPr/>
-                    <a:lstStyle/>
-                    <a:p>
-                      <a:pPr algn="r"/>
-                      <a:r>
-                        <a:rPr kumimoji="1" lang="en-US" altLang="ja-JP" dirty="0"/>
-                        <a:t>0.24</a:t>
-                      </a:r>
-                      <a:endParaRPr kumimoji="1" lang="ja-JP" altLang="en-US"/>
-                    </a:p>
-                  </a:txBody>
-                  <a:tcPr/>
-                </a:tc>
-                <a:tc>
-                  <a:txBody>
-                    <a:bodyPr/>
-                    <a:lstStyle/>
-                    <a:p>
-                      <a:pPr algn="r"/>
-                      <a:r>
-                        <a:rPr kumimoji="1" lang="en-US" altLang="ja-JP" dirty="0"/>
-                        <a:t>973.73</a:t>
-                      </a:r>
-                      <a:endParaRPr kumimoji="1" lang="ja-JP" altLang="en-US"/>
-                    </a:p>
-                  </a:txBody>
-                  <a:tcPr/>
-                </a:tc>
-                <a:tc>
-                  <a:txBody>
-                    <a:bodyPr/>
-                    <a:lstStyle/>
-                    <a:p>
-                      <a:pPr algn="r"/>
-                      <a:r>
-                        <a:rPr kumimoji="1" lang="en-US" altLang="ja-JP" dirty="0"/>
-                        <a:t>0.00</a:t>
-                      </a:r>
-                      <a:endParaRPr kumimoji="1" lang="ja-JP" altLang="en-US"/>
-                    </a:p>
-                  </a:txBody>
-                  <a:tcPr/>
-                </a:tc>
-                <a:extLst>
-                  <a:ext uri="{0D108BD9-81ED-4DB2-BD59-A6C34878D82A}">
-                    <a16:rowId xmlns:a16="http://schemas.microsoft.com/office/drawing/2014/main" val="2618405646"/>
-                  </a:ext>
-                </a:extLst>
-              </a:tr>
-              <a:tr h="370840">
-                <a:tc>
-                  <a:txBody>
-                    <a:bodyPr/>
-                    <a:lstStyle/>
-                    <a:p>
-                      <a:pPr algn="ctr"/>
-                      <a:r>
-                        <a:rPr kumimoji="1" lang="en-US" altLang="ja-JP" dirty="0"/>
-                        <a:t>120</a:t>
-                      </a:r>
-                      <a:endParaRPr kumimoji="1" lang="ja-JP" altLang="en-US"/>
-                    </a:p>
-                  </a:txBody>
-                  <a:tcPr/>
-                </a:tc>
-                <a:tc>
-                  <a:txBody>
-                    <a:bodyPr/>
-                    <a:lstStyle/>
-                    <a:p>
-                      <a:pPr algn="ctr"/>
-                      <a:r>
-                        <a:rPr kumimoji="1" lang="en-US" altLang="ja-JP" dirty="0"/>
-                        <a:t>11</a:t>
-                      </a:r>
-                      <a:endParaRPr kumimoji="1" lang="ja-JP" altLang="en-US"/>
-                    </a:p>
-                  </a:txBody>
-                  <a:tcPr/>
-                </a:tc>
-                <a:tc>
-                  <a:txBody>
-                    <a:bodyPr/>
-                    <a:lstStyle/>
-                    <a:p>
-                      <a:pPr algn="r"/>
-                      <a:r>
-                        <a:rPr kumimoji="1" lang="en-US" altLang="ja-JP" dirty="0">
-                          <a:solidFill>
-                            <a:srgbClr val="FF0000"/>
-                          </a:solidFill>
-                        </a:rPr>
-                        <a:t>964.83</a:t>
-                      </a:r>
-                      <a:endParaRPr kumimoji="1" lang="ja-JP" altLang="en-US">
-                        <a:solidFill>
-                          <a:srgbClr val="FF0000"/>
-                        </a:solidFill>
-                      </a:endParaRPr>
-                    </a:p>
-                  </a:txBody>
-                  <a:tcPr/>
-                </a:tc>
-                <a:tc>
-                  <a:txBody>
-                    <a:bodyPr/>
-                    <a:lstStyle/>
-                    <a:p>
-                      <a:pPr algn="r"/>
-                      <a:r>
-                        <a:rPr kumimoji="1" lang="en-US" altLang="ja-JP" dirty="0">
-                          <a:solidFill>
-                            <a:srgbClr val="7030A0"/>
-                          </a:solidFill>
-                        </a:rPr>
-                        <a:t>12.25</a:t>
-                      </a:r>
-                      <a:endParaRPr kumimoji="1" lang="ja-JP" altLang="en-US">
-                        <a:solidFill>
-                          <a:srgbClr val="7030A0"/>
-                        </a:solidFill>
-                      </a:endParaRPr>
-                    </a:p>
-                  </a:txBody>
-                  <a:tcPr/>
-                </a:tc>
-                <a:tc>
-                  <a:txBody>
-                    <a:bodyPr/>
-                    <a:lstStyle/>
-                    <a:p>
-                      <a:pPr algn="r"/>
-                      <a:r>
-                        <a:rPr kumimoji="1" lang="en-US" altLang="ja-JP" dirty="0"/>
-                        <a:t>1007.51</a:t>
-                      </a:r>
-                      <a:endParaRPr kumimoji="1" lang="ja-JP" altLang="en-US"/>
-                    </a:p>
-                  </a:txBody>
-                  <a:tcPr/>
-                </a:tc>
-                <a:tc>
-                  <a:txBody>
-                    <a:bodyPr/>
-                    <a:lstStyle/>
-                    <a:p>
-                      <a:pPr algn="r"/>
-                      <a:r>
-                        <a:rPr kumimoji="1" lang="en-US" altLang="ja-JP" dirty="0"/>
-                        <a:t>0.00</a:t>
-                      </a:r>
-                      <a:endParaRPr kumimoji="1" lang="ja-JP" altLang="en-US"/>
-                    </a:p>
-                  </a:txBody>
-                  <a:tcPr/>
-                </a:tc>
-                <a:tc>
-                  <a:txBody>
-                    <a:bodyPr/>
-                    <a:lstStyle/>
-                    <a:p>
-                      <a:pPr algn="r"/>
-                      <a:r>
-                        <a:rPr kumimoji="1" lang="en-US" altLang="ja-JP" dirty="0"/>
-                        <a:t>976.45</a:t>
-                      </a:r>
-                      <a:endParaRPr kumimoji="1" lang="ja-JP" altLang="en-US"/>
-                    </a:p>
-                  </a:txBody>
-                  <a:tcPr/>
-                </a:tc>
-                <a:tc>
-                  <a:txBody>
-                    <a:bodyPr/>
-                    <a:lstStyle/>
-                    <a:p>
-                      <a:pPr algn="r"/>
-                      <a:r>
-                        <a:rPr kumimoji="1" lang="en-US" altLang="ja-JP" dirty="0"/>
-                        <a:t>0.00</a:t>
-                      </a:r>
-                      <a:endParaRPr kumimoji="1" lang="ja-JP" altLang="en-US"/>
-                    </a:p>
-                  </a:txBody>
-                  <a:tcPr/>
-                </a:tc>
-                <a:tc>
-                  <a:txBody>
-                    <a:bodyPr/>
-                    <a:lstStyle/>
-                    <a:p>
-                      <a:pPr algn="r"/>
-                      <a:r>
-                        <a:rPr kumimoji="1" lang="en-US" altLang="ja-JP" dirty="0"/>
-                        <a:t>976.45</a:t>
-                      </a:r>
-                      <a:endParaRPr kumimoji="1" lang="ja-JP" altLang="en-US"/>
-                    </a:p>
-                  </a:txBody>
-                  <a:tcPr/>
-                </a:tc>
-                <a:tc>
-                  <a:txBody>
-                    <a:bodyPr/>
-                    <a:lstStyle/>
-                    <a:p>
-                      <a:pPr algn="r"/>
-                      <a:r>
-                        <a:rPr kumimoji="1" lang="en-US" altLang="ja-JP" dirty="0"/>
-                        <a:t>0.00</a:t>
-                      </a:r>
-                      <a:endParaRPr kumimoji="1" lang="ja-JP" altLang="en-US"/>
-                    </a:p>
-                  </a:txBody>
-                  <a:tcPr/>
-                </a:tc>
-                <a:extLst>
-                  <a:ext uri="{0D108BD9-81ED-4DB2-BD59-A6C34878D82A}">
-                    <a16:rowId xmlns:a16="http://schemas.microsoft.com/office/drawing/2014/main" val="1918070349"/>
-                  </a:ext>
-                </a:extLst>
-              </a:tr>
-              <a:tr h="370840">
-                <a:tc>
-                  <a:txBody>
-                    <a:bodyPr/>
-                    <a:lstStyle/>
-                    <a:p>
-                      <a:pPr algn="ctr"/>
-                      <a:r>
-                        <a:rPr kumimoji="1" lang="en-US" altLang="ja-JP" dirty="0"/>
-                        <a:t>144</a:t>
-                      </a:r>
-                      <a:endParaRPr kumimoji="1" lang="ja-JP" altLang="en-US"/>
-                    </a:p>
-                  </a:txBody>
-                  <a:tcPr/>
-                </a:tc>
-                <a:tc>
-                  <a:txBody>
-                    <a:bodyPr/>
-                    <a:lstStyle/>
-                    <a:p>
-                      <a:pPr algn="ctr"/>
-                      <a:r>
-                        <a:rPr kumimoji="1" lang="en-US" altLang="ja-JP" dirty="0"/>
-                        <a:t>13</a:t>
-                      </a:r>
-                      <a:endParaRPr kumimoji="1" lang="ja-JP" altLang="en-US"/>
-                    </a:p>
-                  </a:txBody>
-                  <a:tcPr/>
-                </a:tc>
-                <a:tc>
-                  <a:txBody>
-                    <a:bodyPr/>
-                    <a:lstStyle/>
-                    <a:p>
-                      <a:pPr algn="r"/>
-                      <a:r>
-                        <a:rPr kumimoji="1" lang="en-US" altLang="ja-JP" dirty="0">
-                          <a:solidFill>
-                            <a:srgbClr val="FF0000"/>
-                          </a:solidFill>
-                        </a:rPr>
-                        <a:t>1264.03</a:t>
-                      </a:r>
-                      <a:endParaRPr kumimoji="1" lang="ja-JP" altLang="en-US">
-                        <a:solidFill>
-                          <a:srgbClr val="FF0000"/>
-                        </a:solidFill>
-                      </a:endParaRPr>
-                    </a:p>
-                  </a:txBody>
-                  <a:tcPr/>
-                </a:tc>
-                <a:tc>
-                  <a:txBody>
-                    <a:bodyPr/>
-                    <a:lstStyle/>
-                    <a:p>
-                      <a:pPr algn="r"/>
-                      <a:r>
-                        <a:rPr kumimoji="1" lang="en-US" altLang="ja-JP" dirty="0">
-                          <a:solidFill>
-                            <a:srgbClr val="7030A0"/>
-                          </a:solidFill>
-                        </a:rPr>
-                        <a:t>22.45</a:t>
-                      </a:r>
-                      <a:endParaRPr kumimoji="1" lang="ja-JP" altLang="en-US">
-                        <a:solidFill>
-                          <a:srgbClr val="7030A0"/>
-                        </a:solidFill>
-                      </a:endParaRPr>
-                    </a:p>
-                  </a:txBody>
-                  <a:tcPr/>
-                </a:tc>
-                <a:tc>
-                  <a:txBody>
-                    <a:bodyPr/>
-                    <a:lstStyle/>
-                    <a:p>
-                      <a:pPr algn="r"/>
-                      <a:r>
-                        <a:rPr kumimoji="1" lang="en-US" altLang="ja-JP" dirty="0"/>
-                        <a:t>1297.15</a:t>
-                      </a:r>
-                      <a:endParaRPr kumimoji="1" lang="ja-JP" altLang="en-US"/>
-                    </a:p>
-                  </a:txBody>
-                  <a:tcPr/>
-                </a:tc>
-                <a:tc>
-                  <a:txBody>
-                    <a:bodyPr/>
-                    <a:lstStyle/>
-                    <a:p>
-                      <a:pPr algn="r"/>
-                      <a:r>
-                        <a:rPr kumimoji="1" lang="en-US" altLang="ja-JP" dirty="0"/>
-                        <a:t>0.34</a:t>
-                      </a:r>
-                      <a:endParaRPr kumimoji="1" lang="ja-JP" altLang="en-US"/>
-                    </a:p>
-                  </a:txBody>
-                  <a:tcPr/>
-                </a:tc>
-                <a:tc>
-                  <a:txBody>
-                    <a:bodyPr/>
-                    <a:lstStyle/>
-                    <a:p>
-                      <a:pPr algn="r"/>
-                      <a:r>
-                        <a:rPr kumimoji="1" lang="en-US" altLang="ja-JP" dirty="0"/>
-                        <a:t>1314.24</a:t>
-                      </a:r>
-                      <a:endParaRPr kumimoji="1" lang="ja-JP" altLang="en-US"/>
-                    </a:p>
-                  </a:txBody>
-                  <a:tcPr/>
-                </a:tc>
-                <a:tc>
-                  <a:txBody>
-                    <a:bodyPr/>
-                    <a:lstStyle/>
-                    <a:p>
-                      <a:pPr algn="r"/>
-                      <a:r>
-                        <a:rPr kumimoji="1" lang="en-US" altLang="ja-JP" dirty="0"/>
-                        <a:t>0.00</a:t>
-                      </a:r>
-                      <a:endParaRPr kumimoji="1" lang="ja-JP" altLang="en-US"/>
-                    </a:p>
-                  </a:txBody>
-                  <a:tcPr/>
-                </a:tc>
-                <a:tc>
-                  <a:txBody>
-                    <a:bodyPr/>
-                    <a:lstStyle/>
-                    <a:p>
-                      <a:pPr algn="r"/>
-                      <a:r>
-                        <a:rPr kumimoji="1" lang="en-US" altLang="ja-JP" dirty="0"/>
-                        <a:t>1317.47</a:t>
-                      </a:r>
-                      <a:endParaRPr kumimoji="1" lang="ja-JP" altLang="en-US"/>
-                    </a:p>
-                  </a:txBody>
-                  <a:tcPr/>
-                </a:tc>
-                <a:tc>
-                  <a:txBody>
-                    <a:bodyPr/>
-                    <a:lstStyle/>
-                    <a:p>
-                      <a:pPr algn="r"/>
-                      <a:r>
-                        <a:rPr kumimoji="1" lang="en-US" altLang="ja-JP" dirty="0"/>
-                        <a:t>0.00</a:t>
-                      </a:r>
-                      <a:endParaRPr kumimoji="1" lang="ja-JP" altLang="en-US"/>
-                    </a:p>
-                  </a:txBody>
-                  <a:tcPr/>
-                </a:tc>
-                <a:extLst>
-                  <a:ext uri="{0D108BD9-81ED-4DB2-BD59-A6C34878D82A}">
-                    <a16:rowId xmlns:a16="http://schemas.microsoft.com/office/drawing/2014/main" val="247052037"/>
-                  </a:ext>
-                </a:extLst>
-              </a:tr>
-            </a:tbl>
-          </a:graphicData>
-        </a:graphic>
-      </p:graphicFrame>
-      <p:sp>
-        <p:nvSpPr>
-          <p:cNvPr id="3" name="スライド番号プレースホルダー 2">
-            <a:extLst>
-              <a:ext uri="{FF2B5EF4-FFF2-40B4-BE49-F238E27FC236}">
-                <a16:creationId xmlns:a16="http://schemas.microsoft.com/office/drawing/2014/main" id="{E4C68E15-6390-D94E-927F-BF41B9424F52}"/>
-              </a:ext>
-            </a:extLst>
-          </p:cNvPr>
-          <p:cNvSpPr>
-            <a:spLocks noGrp="1"/>
-          </p:cNvSpPr>
-          <p:nvPr>
-            <p:ph type="sldNum" sz="quarter" idx="12"/>
-          </p:nvPr>
-        </p:nvSpPr>
-        <p:spPr/>
-        <p:txBody>
-          <a:bodyPr/>
-          <a:lstStyle/>
-          <a:p>
-            <a:fld id="{84E0C278-47E8-3649-A055-2003DC36C60A}" type="slidenum">
-              <a:rPr kumimoji="1" lang="ja-JP" altLang="en-US" smtClean="0"/>
-              <a:t>23</a:t>
-            </a:fld>
-            <a:endParaRPr kumimoji="1" lang="ja-JP" altLang="en-US"/>
-          </a:p>
-        </p:txBody>
-      </p:sp>
-    </p:spTree>
-    <p:extLst>
-      <p:ext uri="{BB962C8B-B14F-4D97-AF65-F5344CB8AC3E}">
-        <p14:creationId xmlns:p14="http://schemas.microsoft.com/office/powerpoint/2010/main" val="1810648527"/>
-      </p:ext>
-    </p:extLst>
-  </p:cSld>
-  <p:clrMapOvr>
-    <a:masterClrMapping/>
-  </p:clrMapOvr>
-</p:sld>
-</file>
-
-<file path=ppt/slides/slide24.xml><?xml version="1.0" encoding="utf-8"?>
 <p:sld xmlns:a="http://schemas.openxmlformats.org/drawingml/2006/main" xmlns:r="http://schemas.openxmlformats.org/officeDocument/2006/relationships" xmlns:p="http://schemas.openxmlformats.org/presentationml/2006/main">
   <p:cSld>
     <p:spTree>
@@ -16127,226 +12434,124 @@
           </a:p>
         </p:txBody>
       </p:sp>
-      <mc:AlternateContent xmlns:mc="http://schemas.openxmlformats.org/markup-compatibility/2006" xmlns:a14="http://schemas.microsoft.com/office/drawing/2010/main">
-        <mc:Choice Requires="a14">
-          <p:sp>
-            <p:nvSpPr>
-              <p:cNvPr id="3" name="コンテンツ プレースホルダー 2">
-                <a:extLst>
-                  <a:ext uri="{FF2B5EF4-FFF2-40B4-BE49-F238E27FC236}">
-                    <a16:creationId xmlns:a16="http://schemas.microsoft.com/office/drawing/2014/main" id="{4EB8ED30-B0D8-D54F-9EF5-59C71AC4BF02}"/>
-                  </a:ext>
-                </a:extLst>
-              </p:cNvPr>
-              <p:cNvSpPr>
-                <a:spLocks noGrp="1"/>
-              </p:cNvSpPr>
-              <p:nvPr>
-                <p:ph idx="1"/>
-              </p:nvPr>
-            </p:nvSpPr>
-            <p:spPr>
-              <a:xfrm>
-                <a:off x="1130270" y="1839259"/>
-                <a:ext cx="9603275" cy="3837145"/>
-              </a:xfrm>
-            </p:spPr>
-            <p:txBody>
-              <a:bodyPr>
-                <a:normAutofit fontScale="92500"/>
-              </a:bodyPr>
-              <a:lstStyle/>
-              <a:p>
-                <a:r>
-                  <a:rPr lang="ja-JP" altLang="en-US"/>
-                  <a:t>実社会のサービスで車両数を減らすことは、コストの削減に大きくつながる。</a:t>
-                </a:r>
-                <a:endParaRPr lang="en-US" altLang="ja-JP" dirty="0"/>
-              </a:p>
-              <a:p>
-                <a:r>
-                  <a:rPr lang="ja-JP" altLang="en-US"/>
-                  <a:t>既存研究のインスタンスで定められた車両台数から</a:t>
-                </a:r>
-                <a:r>
-                  <a:rPr lang="en-US" altLang="ja-JP" dirty="0"/>
-                  <a:t>1</a:t>
-                </a:r>
-                <a:r>
-                  <a:rPr lang="ja-JP" altLang="en-US"/>
-                  <a:t>台減らして計算実験を行った。</a:t>
-                </a:r>
-                <a:endParaRPr lang="en-US" altLang="ja-JP" dirty="0"/>
-              </a:p>
-              <a:p>
-                <a:r>
-                  <a:rPr lang="ja-JP" altLang="en-US"/>
-                  <a:t>目的関数の係数</a:t>
-                </a:r>
-                <a14:m>
-                  <m:oMath xmlns:m="http://schemas.openxmlformats.org/officeDocument/2006/math">
-                    <m:r>
-                      <a:rPr lang="ja-JP" altLang="en-US" i="1" smtClean="0">
-                        <a:latin typeface="Cambria Math" panose="02040503050406030204" pitchFamily="18" charset="0"/>
-                      </a:rPr>
-                      <m:t>𝛼</m:t>
-                    </m:r>
-                    <m:r>
-                      <a:rPr lang="en-US" altLang="ja-JP" b="0" i="1" smtClean="0">
-                        <a:latin typeface="Cambria Math" panose="02040503050406030204" pitchFamily="18" charset="0"/>
-                      </a:rPr>
-                      <m:t>, </m:t>
-                    </m:r>
-                    <m:r>
-                      <a:rPr lang="en-US" altLang="ja-JP" b="0" i="1" smtClean="0">
-                        <a:latin typeface="Cambria Math" panose="02040503050406030204" pitchFamily="18" charset="0"/>
-                        <a:ea typeface="Cambria Math" panose="02040503050406030204" pitchFamily="18" charset="0"/>
-                      </a:rPr>
-                      <m:t>𝛽</m:t>
-                    </m:r>
-                    <m:r>
-                      <a:rPr lang="ja-JP" altLang="en-US" i="1">
-                        <a:latin typeface="Cambria Math" panose="02040503050406030204" pitchFamily="18" charset="0"/>
-                        <a:ea typeface="Cambria Math" panose="02040503050406030204" pitchFamily="18" charset="0"/>
-                      </a:rPr>
-                      <m:t>は</m:t>
-                    </m:r>
-                    <m:r>
-                      <a:rPr lang="ja-JP" altLang="en-US" i="1" smtClean="0">
-                        <a:latin typeface="Cambria Math" panose="02040503050406030204" pitchFamily="18" charset="0"/>
-                        <a:ea typeface="Cambria Math" panose="02040503050406030204" pitchFamily="18" charset="0"/>
-                      </a:rPr>
-                      <m:t>ともに</m:t>
-                    </m:r>
-                    <m:r>
-                      <a:rPr lang="en-US" altLang="ja-JP" b="0" i="1" smtClean="0">
-                        <a:latin typeface="Cambria Math" panose="02040503050406030204" pitchFamily="18" charset="0"/>
-                        <a:ea typeface="Cambria Math" panose="02040503050406030204" pitchFamily="18" charset="0"/>
-                      </a:rPr>
-                      <m:t>1</m:t>
-                    </m:r>
-                    <m:r>
-                      <a:rPr lang="ja-JP" altLang="en-US" i="1">
-                        <a:latin typeface="Cambria Math" panose="02040503050406030204" pitchFamily="18" charset="0"/>
-                        <a:ea typeface="Cambria Math" panose="02040503050406030204" pitchFamily="18" charset="0"/>
-                      </a:rPr>
-                      <m:t>とした</m:t>
-                    </m:r>
-                  </m:oMath>
-                </a14:m>
-                <a:r>
-                  <a:rPr lang="ja-JP" altLang="en-US" dirty="0"/>
-                  <a:t>。</a:t>
-                </a:r>
-                <a:endParaRPr lang="en-US" altLang="ja-JP" dirty="0"/>
-              </a:p>
-              <a:p>
-                <a:endParaRPr lang="en-US" altLang="ja-JP" dirty="0"/>
-              </a:p>
-              <a:p>
-                <a:pPr marL="0" indent="0">
-                  <a:buNone/>
-                </a:pPr>
-                <a:r>
-                  <a:rPr lang="ja-JP" altLang="en-US"/>
-                  <a:t> </a:t>
-                </a:r>
-                <a:r>
-                  <a:rPr lang="en-US" altLang="ja-JP" dirty="0"/>
-                  <a:t> </a:t>
-                </a:r>
-                <a:r>
-                  <a:rPr lang="ja-JP" altLang="en-US"/>
-                  <a:t>結果</a:t>
-                </a:r>
-                <a:endParaRPr lang="en-US" altLang="ja-JP" dirty="0"/>
-              </a:p>
-              <a:p>
-                <a:r>
-                  <a:rPr lang="ja-JP" altLang="en-US"/>
-                  <a:t>ほぼ全てのインスタンスでペナルティの値は増加した。</a:t>
-                </a:r>
-                <a:endParaRPr lang="en-US" altLang="ja-JP" dirty="0"/>
-              </a:p>
-              <a:p>
-                <a:r>
-                  <a:rPr lang="ja-JP" altLang="en-US"/>
-                  <a:t>いくつかのインスタンスでは車両を減らすことで解が改善した。</a:t>
-                </a:r>
-                <a:endParaRPr lang="en-US" altLang="ja-JP" dirty="0"/>
-              </a:p>
-              <a:p>
-                <a:r>
-                  <a:rPr lang="ja-JP" altLang="en-US"/>
-                  <a:t>車両数を削減しつつ運行ができるため、コストの削減が可能である。</a:t>
-                </a:r>
-                <a:endParaRPr lang="en-US" altLang="ja-JP" dirty="0"/>
-              </a:p>
-              <a:p>
-                <a:endParaRPr lang="en-US" altLang="ja-JP" dirty="0"/>
-              </a:p>
-              <a:p>
-                <a:endParaRPr lang="en-US" altLang="ja-JP" dirty="0"/>
-              </a:p>
-              <a:p>
-                <a:endParaRPr lang="en-US" altLang="ja-JP" dirty="0"/>
-              </a:p>
-              <a:p>
-                <a:endParaRPr lang="en-US" altLang="ja-JP" dirty="0"/>
-              </a:p>
-              <a:p>
-                <a:endParaRPr kumimoji="1" lang="en-US" altLang="ja-JP" dirty="0"/>
-              </a:p>
-              <a:p>
-                <a:endParaRPr kumimoji="1" lang="ja-JP" altLang="en-US"/>
-              </a:p>
-            </p:txBody>
-          </p:sp>
-        </mc:Choice>
-        <mc:Fallback xmlns="">
-          <p:sp>
-            <p:nvSpPr>
-              <p:cNvPr id="3" name="コンテンツ プレースホルダー 2">
-                <a:extLst>
-                  <a:ext uri="{FF2B5EF4-FFF2-40B4-BE49-F238E27FC236}">
-                    <a16:creationId xmlns:a16="http://schemas.microsoft.com/office/drawing/2014/main" id="{4EB8ED30-B0D8-D54F-9EF5-59C71AC4BF02}"/>
-                  </a:ext>
-                </a:extLst>
-              </p:cNvPr>
-              <p:cNvSpPr>
-                <a:spLocks noGrp="1" noRot="1" noChangeAspect="1" noMove="1" noResize="1" noEditPoints="1" noAdjustHandles="1" noChangeArrowheads="1" noChangeShapeType="1" noTextEdit="1"/>
-              </p:cNvSpPr>
-              <p:nvPr>
-                <p:ph idx="1"/>
-              </p:nvPr>
-            </p:nvSpPr>
-            <p:spPr>
-              <a:xfrm>
-                <a:off x="1130270" y="1839259"/>
-                <a:ext cx="9603275" cy="3837145"/>
-              </a:xfrm>
-              <a:blipFill>
-                <a:blip r:embed="rId2"/>
-                <a:stretch>
-                  <a:fillRect l="-396"/>
-                </a:stretch>
-              </a:blipFill>
-            </p:spPr>
-            <p:txBody>
-              <a:bodyPr/>
-              <a:lstStyle/>
-              <a:p>
-                <a:r>
-                  <a:rPr lang="ja-JP" altLang="en-US">
-                    <a:noFill/>
-                  </a:rPr>
-                  <a:t> </a:t>
-                </a:r>
-              </a:p>
-            </p:txBody>
-          </p:sp>
-        </mc:Fallback>
-      </mc:AlternateContent>
+      <p:sp>
+        <p:nvSpPr>
+          <p:cNvPr id="3" name="コンテンツ プレースホルダー 2">
+            <a:extLst>
+              <a:ext uri="{FF2B5EF4-FFF2-40B4-BE49-F238E27FC236}">
+                <a16:creationId xmlns:a16="http://schemas.microsoft.com/office/drawing/2014/main" id="{4EB8ED30-B0D8-D54F-9EF5-59C71AC4BF02}"/>
+              </a:ext>
+            </a:extLst>
+          </p:cNvPr>
+          <p:cNvSpPr>
+            <a:spLocks noGrp="1"/>
+          </p:cNvSpPr>
+          <p:nvPr>
+            <p:ph idx="1"/>
+          </p:nvPr>
+        </p:nvSpPr>
+        <p:spPr>
+          <a:xfrm>
+            <a:off x="1130270" y="1839259"/>
+            <a:ext cx="10008785" cy="3979650"/>
+          </a:xfrm>
+        </p:spPr>
+        <p:txBody>
+          <a:bodyPr>
+            <a:normAutofit/>
+          </a:bodyPr>
+          <a:lstStyle/>
+          <a:p>
+            <a:r>
+              <a:rPr lang="ja-JP" altLang="en-US"/>
+              <a:t>実社会のサービスで車両数を減らすことは、コストの削減に大きくつながる。</a:t>
+            </a:r>
+            <a:endParaRPr lang="en-US" altLang="ja-JP" dirty="0"/>
+          </a:p>
+          <a:p>
+            <a:r>
+              <a:rPr lang="ja-JP" altLang="en-US"/>
+              <a:t>既存研究のインスタンスで定められた車両台数から</a:t>
+            </a:r>
+            <a:r>
+              <a:rPr lang="en-US" altLang="ja-JP" dirty="0"/>
+              <a:t>1</a:t>
+            </a:r>
+            <a:r>
+              <a:rPr lang="ja-JP" altLang="en-US"/>
+              <a:t>台減らして計算実験を行った。</a:t>
+            </a:r>
+            <a:endParaRPr lang="en-US" altLang="ja-JP" dirty="0"/>
+          </a:p>
+          <a:p>
+            <a:r>
+              <a:rPr lang="ja-JP" altLang="en-US"/>
+              <a:t>容量制約を満たすものを必ず出力</a:t>
+            </a:r>
+            <a:endParaRPr lang="en-US" altLang="ja-JP" dirty="0"/>
+          </a:p>
+          <a:p>
+            <a:pPr marL="0" indent="0">
+              <a:buNone/>
+            </a:pPr>
+            <a:endParaRPr lang="en-US" altLang="ja-JP" dirty="0"/>
+          </a:p>
+          <a:p>
+            <a:pPr marL="0" indent="0">
+              <a:buNone/>
+            </a:pPr>
+            <a:r>
+              <a:rPr lang="ja-JP" altLang="en-US"/>
+              <a:t> </a:t>
+            </a:r>
+            <a:r>
+              <a:rPr lang="en-US" altLang="ja-JP" dirty="0"/>
+              <a:t> </a:t>
+            </a:r>
+            <a:r>
+              <a:rPr lang="ja-JP" altLang="en-US"/>
+              <a:t>結果</a:t>
+            </a:r>
+            <a:endParaRPr lang="en-US" altLang="ja-JP" dirty="0"/>
+          </a:p>
+          <a:p>
+            <a:r>
+              <a:rPr lang="ja-JP" altLang="en-US"/>
+              <a:t>ほぼ全てのインスタンスでペナルティの値は増加した。</a:t>
+            </a:r>
+            <a:endParaRPr lang="en-US" altLang="ja-JP" dirty="0"/>
+          </a:p>
+          <a:p>
+            <a:r>
+              <a:rPr lang="ja-JP" altLang="en-US"/>
+              <a:t>いくつかのインスタンスでは車両を減らすことでルートが改善した。</a:t>
+            </a:r>
+            <a:endParaRPr lang="en-US" altLang="ja-JP" dirty="0"/>
+          </a:p>
+          <a:p>
+            <a:r>
+              <a:rPr lang="ja-JP" altLang="en-US"/>
+              <a:t>車両数を削減しつつ運行ができるため、コストの削減が可能である。</a:t>
+            </a:r>
+            <a:endParaRPr lang="en-US" altLang="ja-JP" dirty="0"/>
+          </a:p>
+          <a:p>
+            <a:endParaRPr lang="en-US" altLang="ja-JP" dirty="0"/>
+          </a:p>
+          <a:p>
+            <a:endParaRPr lang="en-US" altLang="ja-JP" dirty="0"/>
+          </a:p>
+          <a:p>
+            <a:endParaRPr lang="en-US" altLang="ja-JP" dirty="0"/>
+          </a:p>
+          <a:p>
+            <a:endParaRPr kumimoji="1" lang="en-US" altLang="ja-JP" dirty="0"/>
+          </a:p>
+          <a:p>
+            <a:endParaRPr kumimoji="1" lang="ja-JP" altLang="en-US"/>
+          </a:p>
+        </p:txBody>
+      </p:sp>
       <p:sp>
         <p:nvSpPr>
           <p:cNvPr id="4" name="スライド番号プレースホルダー 3">
@@ -16370,7 +12575,7 @@
           <a:p>
             <a:fld id="{84E0C278-47E8-3649-A055-2003DC36C60A}" type="slidenum">
               <a:rPr kumimoji="1" lang="ja-JP" altLang="en-US" smtClean="0"/>
-              <a:t>24</a:t>
+              <a:t>23</a:t>
             </a:fld>
             <a:endParaRPr kumimoji="1" lang="ja-JP" altLang="en-US"/>
           </a:p>
@@ -16389,7 +12594,7 @@
 </p:sld>
 </file>
 
-<file path=ppt/slides/slide25.xml><?xml version="1.0" encoding="utf-8"?>
+<file path=ppt/slides/slide24.xml><?xml version="1.0" encoding="utf-8"?>
 <p:sld xmlns:a="http://schemas.openxmlformats.org/drawingml/2006/main" xmlns:r="http://schemas.openxmlformats.org/officeDocument/2006/relationships" xmlns:p="http://schemas.openxmlformats.org/presentationml/2006/main">
   <p:cSld>
     <p:spTree>
@@ -16421,14 +12626,14 @@
           <p:nvPr>
             <p:extLst>
               <p:ext uri="{D42A27DB-BD31-4B8C-83A1-F6EECF244321}">
-                <p14:modId xmlns:p14="http://schemas.microsoft.com/office/powerpoint/2010/main" val="3959393191"/>
+                <p14:modId xmlns:p14="http://schemas.microsoft.com/office/powerpoint/2010/main" val="934845037"/>
               </p:ext>
             </p:extLst>
           </p:nvPr>
         </p:nvGraphicFramePr>
         <p:xfrm>
-          <a:off x="1818245" y="1413164"/>
-          <a:ext cx="8128001" cy="3703671"/>
+          <a:off x="660140" y="997528"/>
+          <a:ext cx="11001427" cy="4315545"/>
         </p:xfrm>
         <a:graphic>
           <a:graphicData uri="http://schemas.openxmlformats.org/drawingml/2006/table">
@@ -16437,57 +12642,71 @@
                 <a:tableStyleId>{5C22544A-7EE6-4342-B048-85BDC9FD1C3A}</a:tableStyleId>
               </a:tblPr>
               <a:tblGrid>
-                <a:gridCol w="1161143">
+                <a:gridCol w="895528">
                   <a:extLst>
                     <a:ext uri="{9D8B030D-6E8A-4147-A177-3AD203B41FA5}">
                       <a16:colId xmlns:a16="http://schemas.microsoft.com/office/drawing/2014/main" val="3559914617"/>
                     </a:ext>
                   </a:extLst>
                 </a:gridCol>
-                <a:gridCol w="1161143">
+                <a:gridCol w="914400">
                   <a:extLst>
                     <a:ext uri="{9D8B030D-6E8A-4147-A177-3AD203B41FA5}">
                       <a16:colId xmlns:a16="http://schemas.microsoft.com/office/drawing/2014/main" val="3028046478"/>
                     </a:ext>
                   </a:extLst>
                 </a:gridCol>
-                <a:gridCol w="1161143">
+                <a:gridCol w="1246909">
                   <a:extLst>
                     <a:ext uri="{9D8B030D-6E8A-4147-A177-3AD203B41FA5}">
-                      <a16:colId xmlns:a16="http://schemas.microsoft.com/office/drawing/2014/main" val="380045088"/>
+                      <a16:colId xmlns:a16="http://schemas.microsoft.com/office/drawing/2014/main" val="2115349003"/>
                     </a:ext>
                   </a:extLst>
                 </a:gridCol>
-                <a:gridCol w="1161143">
+                <a:gridCol w="1353787">
                   <a:extLst>
                     <a:ext uri="{9D8B030D-6E8A-4147-A177-3AD203B41FA5}">
                       <a16:colId xmlns:a16="http://schemas.microsoft.com/office/drawing/2014/main" val="2396654004"/>
                     </a:ext>
                   </a:extLst>
                 </a:gridCol>
-                <a:gridCol w="1161143">
+                <a:gridCol w="1508166">
+                  <a:extLst>
+                    <a:ext uri="{9D8B030D-6E8A-4147-A177-3AD203B41FA5}">
+                      <a16:colId xmlns:a16="http://schemas.microsoft.com/office/drawing/2014/main" val="4059110950"/>
+                    </a:ext>
+                  </a:extLst>
+                </a:gridCol>
+                <a:gridCol w="997527">
                   <a:extLst>
                     <a:ext uri="{9D8B030D-6E8A-4147-A177-3AD203B41FA5}">
                       <a16:colId xmlns:a16="http://schemas.microsoft.com/office/drawing/2014/main" val="3374093472"/>
                     </a:ext>
                   </a:extLst>
                 </a:gridCol>
-                <a:gridCol w="1161143">
+                <a:gridCol w="1175657">
                   <a:extLst>
                     <a:ext uri="{9D8B030D-6E8A-4147-A177-3AD203B41FA5}">
                       <a16:colId xmlns:a16="http://schemas.microsoft.com/office/drawing/2014/main" val="404505229"/>
                     </a:ext>
                   </a:extLst>
                 </a:gridCol>
-                <a:gridCol w="1161143">
+                <a:gridCol w="1365663">
                   <a:extLst>
                     <a:ext uri="{9D8B030D-6E8A-4147-A177-3AD203B41FA5}">
                       <a16:colId xmlns:a16="http://schemas.microsoft.com/office/drawing/2014/main" val="810827491"/>
                     </a:ext>
                   </a:extLst>
                 </a:gridCol>
+                <a:gridCol w="1543790">
+                  <a:extLst>
+                    <a:ext uri="{9D8B030D-6E8A-4147-A177-3AD203B41FA5}">
+                      <a16:colId xmlns:a16="http://schemas.microsoft.com/office/drawing/2014/main" val="1267058213"/>
+                    </a:ext>
+                  </a:extLst>
+                </a:gridCol>
               </a:tblGrid>
-              <a:tr h="366111">
+              <a:tr h="498481">
                 <a:tc>
                   <a:txBody>
                     <a:bodyPr/>
@@ -16499,7 +12718,7 @@
                   </a:txBody>
                   <a:tcPr anchor="ctr"/>
                 </a:tc>
-                <a:tc gridSpan="3">
+                <a:tc gridSpan="4">
                   <a:txBody>
                     <a:bodyPr/>
                     <a:lstStyle/>
@@ -16533,7 +12752,18 @@
                   </a:txBody>
                   <a:tcPr/>
                 </a:tc>
-                <a:tc gridSpan="3">
+                <a:tc hMerge="1">
+                  <a:txBody>
+                    <a:bodyPr/>
+                    <a:lstStyle/>
+                    <a:p>
+                      <a:pPr algn="ctr"/>
+                      <a:endParaRPr kumimoji="1" lang="ja-JP" altLang="en-US"/>
+                    </a:p>
+                  </a:txBody>
+                  <a:tcPr anchor="ctr"/>
+                </a:tc>
+                <a:tc gridSpan="4">
                   <a:txBody>
                     <a:bodyPr/>
                     <a:lstStyle/>
@@ -16570,6 +12800,17 @@
                     </a:p>
                   </a:txBody>
                   <a:tcPr/>
+                </a:tc>
+                <a:tc hMerge="1">
+                  <a:txBody>
+                    <a:bodyPr/>
+                    <a:lstStyle/>
+                    <a:p>
+                      <a:pPr algn="ctr"/>
+                      <a:endParaRPr kumimoji="1" lang="ja-JP" altLang="en-US"/>
+                    </a:p>
+                  </a:txBody>
+                  <a:tcPr anchor="ctr"/>
                 </a:tc>
                 <a:extLst>
                   <a:ext uri="{0D108BD9-81ED-4DB2-BD59-A6C34878D82A}">
@@ -16577,7 +12818,7 @@
                   </a:ext>
                 </a:extLst>
               </a:tr>
-              <a:tr h="370840">
+              <a:tr h="284834">
                 <a:tc>
                   <a:txBody>
                     <a:bodyPr/>
@@ -16614,11 +12855,11 @@
                       <a:pPr algn="ctr"/>
                       <a:r>
                         <a:rPr kumimoji="1" lang="ja-JP" altLang="en-US"/>
-                        <a:t>値</a:t>
-                      </a:r>
-                    </a:p>
-                  </a:txBody>
-                  <a:tcPr anchor="ctr"/>
+                        <a:t>ルートの長さ</a:t>
+                      </a:r>
+                    </a:p>
+                  </a:txBody>
+                  <a:tcPr/>
                 </a:tc>
                 <a:tc>
                   <a:txBody>
@@ -16628,8 +12869,44 @@
                       <a:pPr algn="ctr"/>
                       <a:r>
                         <a:rPr kumimoji="1" lang="ja-JP" altLang="en-US"/>
-                        <a:t>ペナ</a:t>
-                      </a:r>
+                        <a:t>合計</a:t>
+                      </a:r>
+                      <a:endParaRPr kumimoji="1" lang="en-US" altLang="ja-JP" dirty="0"/>
+                    </a:p>
+                    <a:p>
+                      <a:pPr algn="ctr"/>
+                      <a:r>
+                        <a:rPr kumimoji="1" lang="ja-JP" altLang="en-US"/>
+                        <a:t>ペナルティ</a:t>
+                      </a:r>
+                      <a:endParaRPr kumimoji="1" lang="en-US" altLang="ja-JP" dirty="0"/>
+                    </a:p>
+                  </a:txBody>
+                  <a:tcPr/>
+                </a:tc>
+                <a:tc>
+                  <a:txBody>
+                    <a:bodyPr/>
+                    <a:lstStyle/>
+                    <a:p>
+                      <a:pPr algn="ctr"/>
+                      <a:r>
+                        <a:rPr kumimoji="1" lang="en-US" altLang="ja-JP" dirty="0"/>
+                        <a:t>1</a:t>
+                      </a:r>
+                      <a:r>
+                        <a:rPr kumimoji="1" lang="ja-JP" altLang="en-US"/>
+                        <a:t>人あたりの</a:t>
+                      </a:r>
+                      <a:endParaRPr kumimoji="1" lang="en-US" altLang="ja-JP" dirty="0"/>
+                    </a:p>
+                    <a:p>
+                      <a:pPr algn="ctr"/>
+                      <a:r>
+                        <a:rPr kumimoji="1" lang="ja-JP" altLang="en-US"/>
+                        <a:t>ペナルティ</a:t>
+                      </a:r>
+                      <a:endParaRPr kumimoji="1" lang="en-US" altLang="ja-JP" dirty="0"/>
                     </a:p>
                   </a:txBody>
                   <a:tcPr/>
@@ -16656,21 +12933,63 @@
                       <a:pPr algn="ctr"/>
                       <a:r>
                         <a:rPr kumimoji="1" lang="ja-JP" altLang="en-US"/>
-                        <a:t>値</a:t>
-                      </a:r>
-                    </a:p>
-                  </a:txBody>
-                  <a:tcPr/>
-                </a:tc>
-                <a:tc>
-                  <a:txBody>
-                    <a:bodyPr/>
-                    <a:lstStyle/>
+                        <a:t>ルートの</a:t>
+                      </a:r>
+                      <a:endParaRPr kumimoji="1" lang="en-US" altLang="ja-JP" dirty="0"/>
+                    </a:p>
                     <a:p>
                       <a:pPr algn="ctr"/>
                       <a:r>
                         <a:rPr kumimoji="1" lang="ja-JP" altLang="en-US"/>
-                        <a:t>ペナ</a:t>
+                        <a:t>長さ</a:t>
+                      </a:r>
+                    </a:p>
+                  </a:txBody>
+                  <a:tcPr/>
+                </a:tc>
+                <a:tc>
+                  <a:txBody>
+                    <a:bodyPr/>
+                    <a:lstStyle/>
+                    <a:p>
+                      <a:pPr algn="ctr"/>
+                      <a:r>
+                        <a:rPr kumimoji="1" lang="ja-JP" altLang="en-US"/>
+                        <a:t>合計</a:t>
+                      </a:r>
+                      <a:endParaRPr kumimoji="1" lang="en-US" altLang="ja-JP" dirty="0"/>
+                    </a:p>
+                    <a:p>
+                      <a:pPr algn="ctr"/>
+                      <a:r>
+                        <a:rPr kumimoji="1" lang="ja-JP" altLang="en-US"/>
+                        <a:t>ペナルティ</a:t>
+                      </a:r>
+                    </a:p>
+                  </a:txBody>
+                  <a:tcPr/>
+                </a:tc>
+                <a:tc>
+                  <a:txBody>
+                    <a:bodyPr/>
+                    <a:lstStyle/>
+                    <a:p>
+                      <a:pPr algn="ctr"/>
+                      <a:r>
+                        <a:rPr kumimoji="1" lang="en-US" altLang="ja-JP" dirty="0"/>
+                        <a:t>1</a:t>
+                      </a:r>
+                      <a:r>
+                        <a:rPr kumimoji="1" lang="ja-JP" altLang="en-US"/>
+                        <a:t>人あたりの</a:t>
+                      </a:r>
+                      <a:endParaRPr kumimoji="1" lang="en-US" altLang="ja-JP" dirty="0"/>
+                    </a:p>
+                    <a:p>
+                      <a:pPr algn="ctr"/>
+                      <a:r>
+                        <a:rPr kumimoji="1" lang="ja-JP" altLang="en-US"/>
+                        <a:t>ペナルティ</a:t>
                       </a:r>
                     </a:p>
                   </a:txBody>
@@ -16682,7 +13001,7 @@
                   </a:ext>
                 </a:extLst>
               </a:tr>
-              <a:tr h="370840">
+              <a:tr h="397123">
                 <a:tc>
                   <a:txBody>
                     <a:bodyPr/>
@@ -16718,10 +13037,25 @@
                     <a:bodyPr/>
                     <a:lstStyle/>
                     <a:p>
+                      <a:pPr algn="ctr"/>
+                      <a:r>
+                        <a:rPr kumimoji="1" lang="en-US" altLang="ja-JP" dirty="0"/>
+                        <a:t>202.19</a:t>
+                      </a:r>
+                      <a:endParaRPr kumimoji="1" lang="ja-JP" altLang="en-US"/>
+                    </a:p>
+                  </a:txBody>
+                  <a:tcPr/>
+                </a:tc>
+                <a:tc>
+                  <a:txBody>
+                    <a:bodyPr/>
+                    <a:lstStyle/>
+                    <a:p>
                       <a:pPr algn="r"/>
                       <a:r>
                         <a:rPr kumimoji="1" lang="en-US" altLang="ja-JP" dirty="0"/>
-                        <a:t>202.19</a:t>
+                        <a:t>1.07</a:t>
                       </a:r>
                       <a:endParaRPr kumimoji="1" lang="ja-JP" altLang="en-US"/>
                     </a:p>
@@ -16736,7 +13070,7 @@
                       <a:pPr algn="r"/>
                       <a:r>
                         <a:rPr kumimoji="1" lang="en-US" altLang="ja-JP" dirty="0"/>
-                        <a:t>1.07</a:t>
+                        <a:t>0.04</a:t>
                       </a:r>
                       <a:endParaRPr kumimoji="1" lang="ja-JP" altLang="en-US"/>
                     </a:p>
@@ -16782,6 +13116,21 @@
                       <a:r>
                         <a:rPr kumimoji="1" lang="en-US" altLang="ja-JP" dirty="0"/>
                         <a:t>0.44</a:t>
+                      </a:r>
+                      <a:endParaRPr kumimoji="1" lang="ja-JP" altLang="en-US"/>
+                    </a:p>
+                  </a:txBody>
+                  <a:tcPr/>
+                </a:tc>
+                <a:tc>
+                  <a:txBody>
+                    <a:bodyPr/>
+                    <a:lstStyle/>
+                    <a:p>
+                      <a:pPr algn="r"/>
+                      <a:r>
+                        <a:rPr kumimoji="1" lang="en-US" altLang="ja-JP" dirty="0"/>
+                        <a:t>0.01</a:t>
                       </a:r>
                       <a:endParaRPr kumimoji="1" lang="ja-JP" altLang="en-US"/>
                     </a:p>
@@ -16794,7 +13143,7 @@
                   </a:ext>
                 </a:extLst>
               </a:tr>
-              <a:tr h="370840">
+              <a:tr h="397123">
                 <a:tc>
                   <a:txBody>
                     <a:bodyPr/>
@@ -16830,10 +13179,25 @@
                     <a:bodyPr/>
                     <a:lstStyle/>
                     <a:p>
+                      <a:pPr algn="ctr"/>
+                      <a:r>
+                        <a:rPr kumimoji="1" lang="en-US" altLang="ja-JP" dirty="0"/>
+                        <a:t>424.79</a:t>
+                      </a:r>
+                      <a:endParaRPr kumimoji="1" lang="ja-JP" altLang="en-US"/>
+                    </a:p>
+                  </a:txBody>
+                  <a:tcPr/>
+                </a:tc>
+                <a:tc>
+                  <a:txBody>
+                    <a:bodyPr/>
+                    <a:lstStyle/>
+                    <a:p>
                       <a:pPr algn="r"/>
                       <a:r>
                         <a:rPr kumimoji="1" lang="en-US" altLang="ja-JP" dirty="0"/>
-                        <a:t>424.79</a:t>
+                        <a:t>1.67</a:t>
                       </a:r>
                       <a:endParaRPr kumimoji="1" lang="ja-JP" altLang="en-US"/>
                     </a:p>
@@ -16848,7 +13212,7 @@
                       <a:pPr algn="r"/>
                       <a:r>
                         <a:rPr kumimoji="1" lang="en-US" altLang="ja-JP" dirty="0"/>
-                        <a:t>1.67</a:t>
+                        <a:t>0.03</a:t>
                       </a:r>
                       <a:endParaRPr kumimoji="1" lang="ja-JP" altLang="en-US"/>
                     </a:p>
@@ -16894,6 +13258,21 @@
                       <a:r>
                         <a:rPr kumimoji="1" lang="en-US" altLang="ja-JP" dirty="0"/>
                         <a:t>13.08</a:t>
+                      </a:r>
+                      <a:endParaRPr kumimoji="1" lang="ja-JP" altLang="en-US"/>
+                    </a:p>
+                  </a:txBody>
+                  <a:tcPr/>
+                </a:tc>
+                <a:tc>
+                  <a:txBody>
+                    <a:bodyPr/>
+                    <a:lstStyle/>
+                    <a:p>
+                      <a:pPr algn="r"/>
+                      <a:r>
+                        <a:rPr kumimoji="1" lang="en-US" altLang="ja-JP" dirty="0"/>
+                        <a:t>0.27</a:t>
                       </a:r>
                       <a:endParaRPr kumimoji="1" lang="ja-JP" altLang="en-US"/>
                     </a:p>
@@ -16906,7 +13285,7 @@
                   </a:ext>
                 </a:extLst>
               </a:tr>
-              <a:tr h="370840">
+              <a:tr h="397123">
                 <a:tc>
                   <a:txBody>
                     <a:bodyPr/>
@@ -16942,10 +13321,25 @@
                     <a:bodyPr/>
                     <a:lstStyle/>
                     <a:p>
+                      <a:pPr algn="ctr"/>
+                      <a:r>
+                        <a:rPr kumimoji="1" lang="en-US" altLang="ja-JP" dirty="0"/>
+                        <a:t>708.97</a:t>
+                      </a:r>
+                      <a:endParaRPr kumimoji="1" lang="ja-JP" altLang="en-US"/>
+                    </a:p>
+                  </a:txBody>
+                  <a:tcPr/>
+                </a:tc>
+                <a:tc>
+                  <a:txBody>
+                    <a:bodyPr/>
+                    <a:lstStyle/>
+                    <a:p>
                       <a:pPr algn="r"/>
                       <a:r>
                         <a:rPr kumimoji="1" lang="en-US" altLang="ja-JP" dirty="0"/>
-                        <a:t>708.97</a:t>
+                        <a:t>17.18</a:t>
                       </a:r>
                       <a:endParaRPr kumimoji="1" lang="ja-JP" altLang="en-US"/>
                     </a:p>
@@ -16960,7 +13354,7 @@
                       <a:pPr algn="r"/>
                       <a:r>
                         <a:rPr kumimoji="1" lang="en-US" altLang="ja-JP" dirty="0"/>
-                        <a:t>17.18</a:t>
+                        <a:t>0.23</a:t>
                       </a:r>
                       <a:endParaRPr kumimoji="1" lang="ja-JP" altLang="en-US"/>
                     </a:p>
@@ -17006,6 +13400,21 @@
                       <a:r>
                         <a:rPr kumimoji="1" lang="en-US" altLang="ja-JP" dirty="0"/>
                         <a:t>45.47</a:t>
+                      </a:r>
+                      <a:endParaRPr kumimoji="1" lang="ja-JP" altLang="en-US"/>
+                    </a:p>
+                  </a:txBody>
+                  <a:tcPr/>
+                </a:tc>
+                <a:tc>
+                  <a:txBody>
+                    <a:bodyPr/>
+                    <a:lstStyle/>
+                    <a:p>
+                      <a:pPr algn="r"/>
+                      <a:r>
+                        <a:rPr kumimoji="1" lang="en-US" altLang="ja-JP" dirty="0"/>
+                        <a:t>0.63</a:t>
                       </a:r>
                       <a:endParaRPr kumimoji="1" lang="ja-JP" altLang="en-US"/>
                     </a:p>
@@ -17018,7 +13427,7 @@
                   </a:ext>
                 </a:extLst>
               </a:tr>
-              <a:tr h="370840">
+              <a:tr h="397123">
                 <a:tc>
                   <a:txBody>
                     <a:bodyPr/>
@@ -17054,10 +13463,25 @@
                     <a:bodyPr/>
                     <a:lstStyle/>
                     <a:p>
+                      <a:pPr algn="ctr"/>
+                      <a:r>
+                        <a:rPr kumimoji="1" lang="en-US" altLang="ja-JP" dirty="0"/>
+                        <a:t>911.66</a:t>
+                      </a:r>
+                      <a:endParaRPr kumimoji="1" lang="ja-JP" altLang="en-US"/>
+                    </a:p>
+                  </a:txBody>
+                  <a:tcPr/>
+                </a:tc>
+                <a:tc>
+                  <a:txBody>
+                    <a:bodyPr/>
+                    <a:lstStyle/>
+                    <a:p>
                       <a:pPr algn="r"/>
                       <a:r>
                         <a:rPr kumimoji="1" lang="en-US" altLang="ja-JP" dirty="0"/>
-                        <a:t>911.66</a:t>
+                        <a:t>14.99</a:t>
                       </a:r>
                       <a:endParaRPr kumimoji="1" lang="ja-JP" altLang="en-US"/>
                     </a:p>
@@ -17072,7 +13496,7 @@
                       <a:pPr algn="r"/>
                       <a:r>
                         <a:rPr kumimoji="1" lang="en-US" altLang="ja-JP" dirty="0"/>
-                        <a:t>14.99</a:t>
+                        <a:t>0.15</a:t>
                       </a:r>
                       <a:endParaRPr kumimoji="1" lang="ja-JP" altLang="en-US"/>
                     </a:p>
@@ -17118,6 +13542,21 @@
                       <a:r>
                         <a:rPr kumimoji="1" lang="en-US" altLang="ja-JP" dirty="0"/>
                         <a:t>23.95</a:t>
+                      </a:r>
+                      <a:endParaRPr kumimoji="1" lang="ja-JP" altLang="en-US"/>
+                    </a:p>
+                  </a:txBody>
+                  <a:tcPr/>
+                </a:tc>
+                <a:tc>
+                  <a:txBody>
+                    <a:bodyPr/>
+                    <a:lstStyle/>
+                    <a:p>
+                      <a:pPr algn="r"/>
+                      <a:r>
+                        <a:rPr kumimoji="1" lang="en-US" altLang="ja-JP" dirty="0"/>
+                        <a:t>0.24</a:t>
                       </a:r>
                       <a:endParaRPr kumimoji="1" lang="ja-JP" altLang="en-US"/>
                     </a:p>
@@ -17130,7 +13569,7 @@
                   </a:ext>
                 </a:extLst>
               </a:tr>
-              <a:tr h="370840">
+              <a:tr h="397123">
                 <a:tc>
                   <a:txBody>
                     <a:bodyPr/>
@@ -17166,10 +13605,25 @@
                     <a:bodyPr/>
                     <a:lstStyle/>
                     <a:p>
+                      <a:pPr algn="ctr"/>
+                      <a:r>
+                        <a:rPr kumimoji="1" lang="en-US" altLang="ja-JP" dirty="0"/>
+                        <a:t>200.74</a:t>
+                      </a:r>
+                      <a:endParaRPr kumimoji="1" lang="ja-JP" altLang="en-US"/>
+                    </a:p>
+                  </a:txBody>
+                  <a:tcPr/>
+                </a:tc>
+                <a:tc>
+                  <a:txBody>
+                    <a:bodyPr/>
+                    <a:lstStyle/>
+                    <a:p>
                       <a:pPr algn="r"/>
                       <a:r>
                         <a:rPr kumimoji="1" lang="en-US" altLang="ja-JP" dirty="0"/>
-                        <a:t>200.74</a:t>
+                        <a:t>0.00</a:t>
                       </a:r>
                       <a:endParaRPr kumimoji="1" lang="ja-JP" altLang="en-US"/>
                     </a:p>
@@ -17230,6 +13684,21 @@
                       <a:r>
                         <a:rPr kumimoji="1" lang="en-US" altLang="ja-JP" dirty="0"/>
                         <a:t>2.40</a:t>
+                      </a:r>
+                      <a:endParaRPr kumimoji="1" lang="ja-JP" altLang="en-US"/>
+                    </a:p>
+                  </a:txBody>
+                  <a:tcPr/>
+                </a:tc>
+                <a:tc>
+                  <a:txBody>
+                    <a:bodyPr/>
+                    <a:lstStyle/>
+                    <a:p>
+                      <a:pPr algn="r"/>
+                      <a:r>
+                        <a:rPr kumimoji="1" lang="en-US" altLang="ja-JP" dirty="0"/>
+                        <a:t>0.10</a:t>
                       </a:r>
                       <a:endParaRPr kumimoji="1" lang="ja-JP" altLang="en-US"/>
                     </a:p>
@@ -17242,7 +13711,7 @@
                   </a:ext>
                 </a:extLst>
               </a:tr>
-              <a:tr h="370840">
+              <a:tr h="397123">
                 <a:tc>
                   <a:txBody>
                     <a:bodyPr/>
@@ -17278,10 +13747,25 @@
                     <a:bodyPr/>
                     <a:lstStyle/>
                     <a:p>
+                      <a:pPr algn="ctr"/>
+                      <a:r>
+                        <a:rPr kumimoji="1" lang="en-US" altLang="ja-JP" dirty="0"/>
+                        <a:t>403.99</a:t>
+                      </a:r>
+                      <a:endParaRPr kumimoji="1" lang="ja-JP" altLang="en-US"/>
+                    </a:p>
+                  </a:txBody>
+                  <a:tcPr/>
+                </a:tc>
+                <a:tc>
+                  <a:txBody>
+                    <a:bodyPr/>
+                    <a:lstStyle/>
+                    <a:p>
                       <a:pPr algn="r"/>
                       <a:r>
                         <a:rPr kumimoji="1" lang="en-US" altLang="ja-JP" dirty="0"/>
-                        <a:t>403.99</a:t>
+                        <a:t>1.38</a:t>
                       </a:r>
                       <a:endParaRPr kumimoji="1" lang="ja-JP" altLang="en-US"/>
                     </a:p>
@@ -17296,7 +13780,7 @@
                       <a:pPr algn="r"/>
                       <a:r>
                         <a:rPr kumimoji="1" lang="en-US" altLang="ja-JP" dirty="0"/>
-                        <a:t>1.38</a:t>
+                        <a:t>0.02</a:t>
                       </a:r>
                       <a:endParaRPr kumimoji="1" lang="ja-JP" altLang="en-US"/>
                     </a:p>
@@ -17342,6 +13826,21 @@
                       <a:r>
                         <a:rPr kumimoji="1" lang="en-US" altLang="ja-JP" dirty="0"/>
                         <a:t>11.46</a:t>
+                      </a:r>
+                      <a:endParaRPr kumimoji="1" lang="ja-JP" altLang="en-US"/>
+                    </a:p>
+                  </a:txBody>
+                  <a:tcPr/>
+                </a:tc>
+                <a:tc>
+                  <a:txBody>
+                    <a:bodyPr/>
+                    <a:lstStyle/>
+                    <a:p>
+                      <a:pPr algn="r"/>
+                      <a:r>
+                        <a:rPr kumimoji="1" lang="en-US" altLang="ja-JP" dirty="0"/>
+                        <a:t>0.23</a:t>
                       </a:r>
                       <a:endParaRPr kumimoji="1" lang="ja-JP" altLang="en-US"/>
                     </a:p>
@@ -17354,7 +13853,7 @@
                   </a:ext>
                 </a:extLst>
               </a:tr>
-              <a:tr h="370840">
+              <a:tr h="397123">
                 <a:tc>
                   <a:txBody>
                     <a:bodyPr/>
@@ -17390,10 +13889,25 @@
                     <a:bodyPr/>
                     <a:lstStyle/>
                     <a:p>
+                      <a:pPr algn="ctr"/>
+                      <a:r>
+                        <a:rPr kumimoji="1" lang="en-US" altLang="ja-JP" dirty="0"/>
+                        <a:t>686.30</a:t>
+                      </a:r>
+                      <a:endParaRPr kumimoji="1" lang="ja-JP" altLang="en-US"/>
+                    </a:p>
+                  </a:txBody>
+                  <a:tcPr/>
+                </a:tc>
+                <a:tc>
+                  <a:txBody>
+                    <a:bodyPr/>
+                    <a:lstStyle/>
+                    <a:p>
                       <a:pPr algn="r"/>
                       <a:r>
                         <a:rPr kumimoji="1" lang="en-US" altLang="ja-JP" dirty="0"/>
-                        <a:t>686.30</a:t>
+                        <a:t>15.71</a:t>
                       </a:r>
                       <a:endParaRPr kumimoji="1" lang="ja-JP" altLang="en-US"/>
                     </a:p>
@@ -17408,7 +13922,7 @@
                       <a:pPr algn="r"/>
                       <a:r>
                         <a:rPr kumimoji="1" lang="en-US" altLang="ja-JP" dirty="0"/>
-                        <a:t>15.71</a:t>
+                        <a:t>0.21</a:t>
                       </a:r>
                       <a:endParaRPr kumimoji="1" lang="ja-JP" altLang="en-US"/>
                     </a:p>
@@ -17454,6 +13968,21 @@
                       <a:r>
                         <a:rPr kumimoji="1" lang="en-US" altLang="ja-JP" dirty="0"/>
                         <a:t>27.26</a:t>
+                      </a:r>
+                      <a:endParaRPr kumimoji="1" lang="ja-JP" altLang="en-US"/>
+                    </a:p>
+                  </a:txBody>
+                  <a:tcPr/>
+                </a:tc>
+                <a:tc>
+                  <a:txBody>
+                    <a:bodyPr/>
+                    <a:lstStyle/>
+                    <a:p>
+                      <a:pPr algn="r"/>
+                      <a:r>
+                        <a:rPr kumimoji="1" lang="en-US" altLang="ja-JP" dirty="0"/>
+                        <a:t>0.37</a:t>
                       </a:r>
                       <a:endParaRPr kumimoji="1" lang="ja-JP" altLang="en-US"/>
                     </a:p>
@@ -17466,7 +13995,7 @@
                   </a:ext>
                 </a:extLst>
               </a:tr>
-              <a:tr h="370840">
+              <a:tr h="397123">
                 <a:tc>
                   <a:txBody>
                     <a:bodyPr/>
@@ -17501,10 +14030,24 @@
                     <a:bodyPr/>
                     <a:lstStyle/>
                     <a:p>
+                      <a:pPr algn="ctr"/>
+                      <a:r>
+                        <a:rPr kumimoji="1" lang="en-US" altLang="ja-JP" dirty="0"/>
+                        <a:t>894.65</a:t>
+                      </a:r>
+                    </a:p>
+                  </a:txBody>
+                  <a:tcPr/>
+                </a:tc>
+                <a:tc>
+                  <a:txBody>
+                    <a:bodyPr/>
+                    <a:lstStyle/>
+                    <a:p>
                       <a:pPr algn="r"/>
                       <a:r>
                         <a:rPr kumimoji="1" lang="en-US" altLang="ja-JP" dirty="0"/>
-                        <a:t>894.65</a:t>
+                        <a:t>3.70</a:t>
                       </a:r>
                       <a:endParaRPr kumimoji="1" lang="ja-JP" altLang="en-US"/>
                     </a:p>
@@ -17519,7 +14062,7 @@
                       <a:pPr algn="r"/>
                       <a:r>
                         <a:rPr kumimoji="1" lang="en-US" altLang="ja-JP" dirty="0"/>
-                        <a:t>3.70</a:t>
+                        <a:t>0.03</a:t>
                       </a:r>
                       <a:endParaRPr kumimoji="1" lang="ja-JP" altLang="en-US"/>
                     </a:p>
@@ -17565,6 +14108,21 @@
                       <a:r>
                         <a:rPr kumimoji="1" lang="en-US" altLang="ja-JP" dirty="0"/>
                         <a:t>27.26</a:t>
+                      </a:r>
+                      <a:endParaRPr kumimoji="1" lang="ja-JP" altLang="en-US"/>
+                    </a:p>
+                  </a:txBody>
+                  <a:tcPr/>
+                </a:tc>
+                <a:tc>
+                  <a:txBody>
+                    <a:bodyPr/>
+                    <a:lstStyle/>
+                    <a:p>
+                      <a:pPr algn="r"/>
+                      <a:r>
+                        <a:rPr kumimoji="1" lang="en-US" altLang="ja-JP" dirty="0"/>
+                        <a:t>0.31</a:t>
                       </a:r>
                       <a:endParaRPr kumimoji="1" lang="ja-JP" altLang="en-US"/>
                     </a:p>
@@ -17604,7 +14162,7 @@
           <a:p>
             <a:fld id="{84E0C278-47E8-3649-A055-2003DC36C60A}" type="slidenum">
               <a:rPr kumimoji="1" lang="ja-JP" altLang="en-US" smtClean="0"/>
-              <a:t>25</a:t>
+              <a:t>24</a:t>
             </a:fld>
             <a:endParaRPr kumimoji="1" lang="ja-JP" altLang="en-US"/>
           </a:p>
@@ -17623,7 +14181,7 @@
 </p:sld>
 </file>
 
-<file path=ppt/slides/slide26.xml><?xml version="1.0" encoding="utf-8"?>
+<file path=ppt/slides/slide25.xml><?xml version="1.0" encoding="utf-8"?>
 <p:sld xmlns:a="http://schemas.openxmlformats.org/drawingml/2006/main" xmlns:r="http://schemas.openxmlformats.org/officeDocument/2006/relationships" xmlns:p="http://schemas.openxmlformats.org/presentationml/2006/main">
   <p:cSld>
     <p:spTree>
@@ -17687,7 +14245,7 @@
         <p:spPr>
           <a:xfrm>
             <a:off x="1130270" y="1591294"/>
-            <a:ext cx="9603275" cy="4275116"/>
+            <a:ext cx="9603275" cy="4251366"/>
           </a:xfrm>
         </p:spPr>
         <p:txBody>
@@ -17725,16 +14283,12 @@
           </a:p>
           <a:p>
             <a:r>
-              <a:rPr kumimoji="1" lang="ja-JP" altLang="en-US"/>
-              <a:t>目的関数の係数を変えた際の比較</a:t>
-            </a:r>
-            <a:endParaRPr kumimoji="1" lang="en-US" altLang="ja-JP" dirty="0"/>
-          </a:p>
-          <a:p>
-            <a:r>
               <a:rPr lang="ja-JP" altLang="en-US"/>
               <a:t>車両台数を減らした際の考察</a:t>
             </a:r>
+            <a:endParaRPr lang="en-US" altLang="ja-JP" dirty="0"/>
+          </a:p>
+          <a:p>
             <a:endParaRPr lang="en-US" altLang="ja-JP" dirty="0"/>
           </a:p>
           <a:p>
@@ -17750,7 +14304,7 @@
           <a:p>
             <a:r>
               <a:rPr kumimoji="1" lang="ja-JP" altLang="en-US"/>
-              <a:t>局所最適解に陥らないような手法の提案</a:t>
+              <a:t>ヒューリスティックを用いた手法の提案</a:t>
             </a:r>
             <a:endParaRPr lang="en-US" altLang="ja-JP" dirty="0"/>
           </a:p>
@@ -17786,7 +14340,7 @@
           <a:p>
             <a:fld id="{84E0C278-47E8-3649-A055-2003DC36C60A}" type="slidenum">
               <a:rPr kumimoji="1" lang="ja-JP" altLang="en-US" smtClean="0"/>
-              <a:t>26</a:t>
+              <a:t>25</a:t>
             </a:fld>
             <a:endParaRPr kumimoji="1" lang="ja-JP" altLang="en-US"/>
           </a:p>
@@ -17919,7 +14473,15 @@
             </a:pPr>
             <a:r>
               <a:rPr kumimoji="1" lang="ja-JP" altLang="en-US"/>
-              <a:t>→これらのサービスにおいて最適なルートを求めることで、</a:t>
+              <a:t>→</a:t>
+            </a:r>
+            <a:r>
+              <a:rPr kumimoji="1" lang="en-US" altLang="ja-JP" dirty="0"/>
+              <a:t> </a:t>
+            </a:r>
+            <a:r>
+              <a:rPr kumimoji="1" lang="ja-JP" altLang="en-US"/>
+              <a:t>これらのサービスにおいて最適なルートを求めることで、</a:t>
             </a:r>
             <a:endParaRPr kumimoji="1" lang="en-US" altLang="ja-JP" dirty="0"/>
           </a:p>
@@ -18061,8 +14623,8 @@
         </p:nvSpPr>
         <p:spPr>
           <a:xfrm>
-            <a:off x="999640" y="1874885"/>
-            <a:ext cx="10258167" cy="3813396"/>
+            <a:off x="999640" y="1874884"/>
+            <a:ext cx="10258167" cy="4217157"/>
           </a:xfrm>
         </p:spPr>
         <p:txBody>
@@ -18075,77 +14637,39 @@
               <a:buNone/>
             </a:pPr>
             <a:r>
-              <a:rPr lang="ja-JP" altLang="en-US" sz="2900"/>
+              <a:rPr lang="ja-JP" altLang="en-US" sz="3600"/>
               <a:t>入力</a:t>
             </a:r>
             <a:r>
-              <a:rPr lang="en-US" altLang="ja-JP" sz="2900" dirty="0"/>
+              <a:rPr lang="en-US" altLang="ja-JP" sz="3600" dirty="0"/>
               <a:t>: </a:t>
             </a:r>
             <a:r>
-              <a:rPr lang="ja-JP" altLang="en-US" sz="2900"/>
+              <a:rPr lang="ja-JP" altLang="en-US" sz="3600"/>
               <a:t>リクエスト</a:t>
             </a:r>
             <a:r>
-              <a:rPr lang="en-US" altLang="ja-JP" sz="2900" dirty="0"/>
+              <a:rPr lang="en-US" altLang="ja-JP" sz="3600" dirty="0"/>
               <a:t>(</a:t>
             </a:r>
             <a:r>
-              <a:rPr lang="ja-JP" altLang="en-US" sz="2900"/>
+              <a:rPr lang="ja-JP" altLang="en-US" sz="3600"/>
               <a:t>出発、到着のペア</a:t>
             </a:r>
             <a:r>
-              <a:rPr lang="en-US" altLang="ja-JP" sz="2900" dirty="0"/>
+              <a:rPr lang="en-US" altLang="ja-JP" sz="3600" dirty="0"/>
               <a:t>)</a:t>
             </a:r>
             <a:r>
-              <a:rPr lang="ja-JP" altLang="en-US" sz="2900"/>
+              <a:rPr lang="ja-JP" altLang="en-US" sz="3600"/>
               <a:t>の集合、車両数、など</a:t>
             </a:r>
-            <a:endParaRPr lang="en-US" altLang="ja-JP" sz="2900" dirty="0"/>
-          </a:p>
-          <a:p>
-            <a:endParaRPr lang="en-US" altLang="ja-JP" sz="2900" dirty="0"/>
+            <a:endParaRPr lang="en-US" altLang="ja-JP" sz="3600" dirty="0"/>
           </a:p>
           <a:p>
             <a:pPr marL="0" indent="0">
               <a:buNone/>
             </a:pPr>
-            <a:r>
-              <a:rPr lang="ja-JP" altLang="en-US" sz="2900"/>
-              <a:t>制約</a:t>
-            </a:r>
-            <a:endParaRPr lang="en-US" altLang="ja-JP" sz="2900" dirty="0"/>
-          </a:p>
-          <a:p>
-            <a:r>
-              <a:rPr lang="ja-JP" altLang="en-US" sz="2900"/>
-              <a:t>リクエスト全ての点を訪問する。</a:t>
-            </a:r>
-            <a:endParaRPr lang="en-US" altLang="ja-JP" sz="2900" dirty="0"/>
-          </a:p>
-          <a:p>
-            <a:r>
-              <a:rPr lang="ja-JP" altLang="en-US" sz="2900"/>
-              <a:t>車両はデポから出発し、デポに帰る。</a:t>
-            </a:r>
-            <a:endParaRPr lang="en-US" altLang="ja-JP" sz="2900" dirty="0"/>
-          </a:p>
-          <a:p>
-            <a:r>
-              <a:rPr lang="ja-JP" altLang="en-US" sz="2900"/>
-              <a:t>リクエストのペアである出発点と到着点は、同じ車両が訪問する。</a:t>
-            </a:r>
-            <a:endParaRPr lang="en-US" altLang="ja-JP" sz="2900" dirty="0"/>
-          </a:p>
-          <a:p>
-            <a:r>
-              <a:rPr lang="ja-JP" altLang="en-US" sz="2900"/>
-              <a:t>それぞれのリクエストで、必ず出発地のあとに到着点を訪問する。</a:t>
-            </a:r>
-            <a:endParaRPr lang="en-US" altLang="ja-JP" sz="2900" dirty="0"/>
-          </a:p>
-          <a:p>
             <a:endParaRPr lang="en-US" altLang="ja-JP" sz="2900" dirty="0"/>
           </a:p>
           <a:p>
@@ -18153,9 +14677,40 @@
               <a:buNone/>
             </a:pPr>
             <a:r>
-              <a:rPr lang="ja-JP" altLang="en-US" sz="2900"/>
-              <a:t>これらの制約を満たし、コストを最小化することを目的とする。</a:t>
-            </a:r>
+              <a:rPr lang="ja-JP" altLang="en-US" sz="3600"/>
+              <a:t>制約</a:t>
+            </a:r>
+            <a:endParaRPr lang="en-US" altLang="ja-JP" sz="3600" dirty="0"/>
+          </a:p>
+          <a:p>
+            <a:r>
+              <a:rPr lang="ja-JP" altLang="en-US" sz="3600"/>
+              <a:t>リクエスト全ての点を訪問する。</a:t>
+            </a:r>
+            <a:endParaRPr lang="en-US" altLang="ja-JP" sz="3600" dirty="0"/>
+          </a:p>
+          <a:p>
+            <a:r>
+              <a:rPr lang="ja-JP" altLang="en-US" sz="3600"/>
+              <a:t>車両はデポから出発し、デポに帰る。</a:t>
+            </a:r>
+            <a:endParaRPr lang="en-US" altLang="ja-JP" sz="3600" dirty="0"/>
+          </a:p>
+          <a:p>
+            <a:r>
+              <a:rPr lang="ja-JP" altLang="en-US" sz="3600"/>
+              <a:t>リクエストのペアである出発点と到着点は、同じ車両が訪問する。</a:t>
+            </a:r>
+            <a:endParaRPr lang="en-US" altLang="ja-JP" sz="3600" dirty="0"/>
+          </a:p>
+          <a:p>
+            <a:r>
+              <a:rPr lang="ja-JP" altLang="en-US" sz="3600"/>
+              <a:t>それぞれのリクエストで、必ず出発地のあとに到着点を訪問する。</a:t>
+            </a:r>
+            <a:endParaRPr lang="en-US" altLang="ja-JP" sz="3600" dirty="0"/>
+          </a:p>
+          <a:p>
             <a:endParaRPr lang="en-US" altLang="ja-JP" sz="2900" dirty="0"/>
           </a:p>
           <a:p>
@@ -18163,10 +14718,20 @@
               <a:buNone/>
             </a:pPr>
             <a:r>
-              <a:rPr lang="ja-JP" altLang="en-US" sz="2900"/>
+              <a:rPr lang="ja-JP" altLang="en-US" sz="3200"/>
+              <a:t>これらの制約を満たし、コストを最小化することを目的とする。</a:t>
+            </a:r>
+            <a:endParaRPr lang="en-US" altLang="ja-JP" sz="3200" dirty="0"/>
+          </a:p>
+          <a:p>
+            <a:pPr marL="0" indent="0">
+              <a:buNone/>
+            </a:pPr>
+            <a:r>
+              <a:rPr lang="ja-JP" altLang="en-US" sz="3200"/>
               <a:t>その他の制約として、時間枠制約や車両の容量制約がよく扱われる。</a:t>
             </a:r>
-            <a:endParaRPr lang="en-US" altLang="ja-JP" dirty="0"/>
+            <a:endParaRPr lang="en-US" altLang="ja-JP" sz="3200" dirty="0"/>
           </a:p>
           <a:p>
             <a:endParaRPr lang="en-US" altLang="ja-JP" dirty="0"/>
@@ -18286,58 +14851,66 @@
         </p:nvSpPr>
         <p:spPr>
           <a:xfrm>
-            <a:off x="1130270" y="1812554"/>
-            <a:ext cx="9759404" cy="3765892"/>
+            <a:off x="1130269" y="1812554"/>
+            <a:ext cx="10139413" cy="4065732"/>
           </a:xfrm>
         </p:spPr>
         <p:txBody>
           <a:bodyPr>
-            <a:normAutofit/>
+            <a:normAutofit fontScale="92500"/>
           </a:bodyPr>
           <a:lstStyle/>
           <a:p>
             <a:r>
-              <a:rPr lang="ja-JP" altLang="en-US" sz="1900"/>
+              <a:rPr lang="ja-JP" altLang="en-US" sz="2200"/>
               <a:t>乗合タクシー問題</a:t>
             </a:r>
             <a:r>
-              <a:rPr lang="en-US" altLang="ja-JP" sz="1900" dirty="0"/>
+              <a:rPr lang="en-US" altLang="ja-JP" sz="2200" dirty="0"/>
               <a:t>(dial-a-ride problem, DARP)</a:t>
             </a:r>
             <a:r>
-              <a:rPr lang="ja-JP" altLang="en-US" sz="1900"/>
+              <a:rPr lang="ja-JP" altLang="en-US" sz="2200"/>
               <a:t>は、</a:t>
             </a:r>
             <a:r>
-              <a:rPr lang="en-US" altLang="ja-JP" sz="1900" dirty="0"/>
+              <a:rPr lang="en-US" altLang="ja-JP" sz="2200" dirty="0"/>
               <a:t>PDP</a:t>
             </a:r>
             <a:r>
-              <a:rPr lang="ja-JP" altLang="en-US" sz="1900"/>
+              <a:rPr lang="ja-JP" altLang="en-US" sz="2200"/>
               <a:t>を人の輸送に特化した問題</a:t>
             </a:r>
-            <a:endParaRPr lang="en-US" altLang="ja-JP" sz="1900" dirty="0"/>
-          </a:p>
-          <a:p>
-            <a:r>
-              <a:rPr lang="ja-JP" altLang="en-US" sz="1900"/>
+            <a:endParaRPr lang="en-US" altLang="ja-JP" sz="2200" dirty="0"/>
+          </a:p>
+          <a:p>
+            <a:r>
+              <a:rPr lang="ja-JP" altLang="en-US" sz="2200"/>
               <a:t>人を輸送するため、車両に乗っている時間が長すぎたりすると利用者の不満がたまる</a:t>
             </a:r>
-            <a:endParaRPr lang="en-US" altLang="ja-JP" sz="1900" dirty="0"/>
+            <a:endParaRPr lang="en-US" altLang="ja-JP" sz="2200" dirty="0"/>
           </a:p>
           <a:p>
             <a:pPr marL="0" indent="0">
               <a:buNone/>
             </a:pPr>
             <a:r>
-              <a:rPr lang="en-US" altLang="ja-JP" dirty="0"/>
+              <a:rPr lang="en-US" altLang="ja-JP" sz="2200" dirty="0"/>
               <a:t>    </a:t>
             </a:r>
             <a:r>
-              <a:rPr lang="ja-JP" altLang="en-US"/>
-              <a:t>→利用者の不満度を考慮する必要がある。</a:t>
-            </a:r>
-            <a:endParaRPr lang="en-US" altLang="ja-JP" dirty="0"/>
+              <a:rPr lang="ja-JP" altLang="en-US" sz="2200"/>
+              <a:t>→</a:t>
+            </a:r>
+            <a:r>
+              <a:rPr lang="en-US" altLang="ja-JP" sz="2200" dirty="0"/>
+              <a:t> </a:t>
+            </a:r>
+            <a:r>
+              <a:rPr lang="ja-JP" altLang="en-US" sz="2200"/>
+              <a:t>利用者の不満度を考慮する必要がある。</a:t>
+            </a:r>
+            <a:endParaRPr lang="en-US" altLang="ja-JP" sz="2200" dirty="0"/>
           </a:p>
           <a:p>
             <a:pPr marL="0" indent="0">
@@ -18347,24 +14920,24 @@
           </a:p>
           <a:p>
             <a:r>
-              <a:rPr lang="ja-JP" altLang="en-US"/>
-              <a:t>乗合タクシー問題は、多くの先行研究がある。</a:t>
-            </a:r>
-            <a:endParaRPr lang="en-US" altLang="ja-JP" dirty="0"/>
-          </a:p>
-          <a:p>
-            <a:r>
-              <a:rPr lang="ja-JP" altLang="en-US"/>
+              <a:rPr lang="ja-JP" altLang="en-US" sz="2200"/>
+              <a:t>乗合タクシー問題には、多くの先行研究がある。</a:t>
+            </a:r>
+            <a:endParaRPr lang="en-US" altLang="ja-JP" sz="2200" dirty="0"/>
+          </a:p>
+          <a:p>
+            <a:r>
+              <a:rPr lang="ja-JP" altLang="en-US" sz="2200"/>
               <a:t>先行研究では、乗降に関しての時間枠と最大乗車時間をハード制約で与える。</a:t>
             </a:r>
-            <a:endParaRPr lang="en-US" altLang="ja-JP" dirty="0"/>
-          </a:p>
-          <a:p>
-            <a:r>
-              <a:rPr lang="ja-JP" altLang="en-US"/>
-              <a:t>本研究では、リクエストに関する制約をペナルティ関数として与えて、　　　　　ソフト制約にする。</a:t>
-            </a:r>
-            <a:endParaRPr lang="en-US" altLang="ja-JP" dirty="0"/>
+            <a:endParaRPr lang="en-US" altLang="ja-JP" sz="2200" dirty="0"/>
+          </a:p>
+          <a:p>
+            <a:r>
+              <a:rPr lang="ja-JP" altLang="en-US" sz="2200"/>
+              <a:t>本研究では、リクエストに関する制約をペナルティ関数として与えて、　　　　　　ソフト制約にする。</a:t>
+            </a:r>
+            <a:endParaRPr lang="en-US" altLang="ja-JP" sz="2200" dirty="0"/>
           </a:p>
           <a:p>
             <a:endParaRPr lang="en-US" altLang="ja-JP" dirty="0"/>
@@ -18509,7 +15082,7 @@
         </p:spPr>
         <p:txBody>
           <a:bodyPr>
-            <a:normAutofit fontScale="92500" lnSpcReduction="20000"/>
+            <a:normAutofit fontScale="92500" lnSpcReduction="10000"/>
           </a:bodyPr>
           <a:lstStyle/>
           <a:p>
@@ -18540,7 +15113,7 @@
             </a:r>
             <a:r>
               <a:rPr lang="en-US" altLang="ja-JP" dirty="0"/>
-              <a:t>                  </a:t>
+              <a:t>              </a:t>
             </a:r>
             <a:r>
               <a:rPr kumimoji="1" lang="ja-JP" altLang="en-US"/>
@@ -18597,60 +15170,58 @@
             <a:pPr marL="0" indent="0">
               <a:buNone/>
             </a:pPr>
-            <a:endParaRPr lang="en-US" altLang="ja-JP" dirty="0"/>
+            <a:r>
+              <a:rPr lang="ja-JP" altLang="en-US" sz="2200"/>
+              <a:t>この</a:t>
+            </a:r>
+            <a:r>
+              <a:rPr lang="ja-JP" altLang="en-US" sz="2200" dirty="0"/>
+              <a:t>ように制約を与えることで、</a:t>
+            </a:r>
+            <a:r>
+              <a:rPr kumimoji="1" lang="en-US" altLang="ja-JP" sz="2200" dirty="0"/>
+              <a:t>  </a:t>
+            </a:r>
+            <a:r>
+              <a:rPr kumimoji="1" lang="ja-JP" altLang="en-US" sz="2200" dirty="0"/>
+              <a:t>少しの遅延は許容したりすることが可能になる。</a:t>
+            </a:r>
           </a:p>
           <a:p>
             <a:pPr marL="0" indent="0">
               <a:buNone/>
             </a:pPr>
             <a:r>
-              <a:rPr lang="ja-JP" altLang="en-US" dirty="0"/>
-              <a:t>このように制約を与えることで、</a:t>
-            </a:r>
-            <a:r>
-              <a:rPr kumimoji="1" lang="en-US" altLang="ja-JP" dirty="0"/>
-              <a:t>  </a:t>
-            </a:r>
-            <a:r>
-              <a:rPr kumimoji="1" lang="ja-JP" altLang="en-US" dirty="0"/>
-              <a:t>少しの遅延は許容したりすることが可能になる。</a:t>
-            </a:r>
+              <a:rPr kumimoji="1" lang="ja-JP" altLang="en-US" sz="2200" dirty="0"/>
+              <a:t>また、乗車時間に応じてペナルティがかかるので、不満度を柔軟に表現できる。</a:t>
+            </a:r>
+            <a:endParaRPr lang="en-US" altLang="ja-JP" sz="2200" dirty="0"/>
           </a:p>
           <a:p>
             <a:pPr marL="0" indent="0">
               <a:buNone/>
             </a:pPr>
             <a:r>
-              <a:rPr kumimoji="1" lang="ja-JP" altLang="en-US" dirty="0"/>
-              <a:t>また、乗車時間に応じてペナルティがかかるので、不満度を柔軟に表現できる。</a:t>
-            </a:r>
-            <a:endParaRPr lang="en-US" altLang="ja-JP" dirty="0"/>
-          </a:p>
-          <a:p>
-            <a:pPr marL="0" indent="0">
-              <a:buNone/>
-            </a:pPr>
-            <a:r>
-              <a:rPr lang="ja-JP" altLang="en-US" dirty="0"/>
+              <a:rPr lang="ja-JP" altLang="en-US" sz="2200" dirty="0"/>
               <a:t>ソフト制約とすることで、</a:t>
             </a:r>
             <a:r>
-              <a:rPr lang="en-US" altLang="ja-JP" dirty="0"/>
+              <a:rPr lang="en-US" altLang="ja-JP" sz="2200" dirty="0"/>
               <a:t>DARP</a:t>
             </a:r>
             <a:r>
-              <a:rPr lang="ja-JP" altLang="en-US" dirty="0"/>
+              <a:rPr lang="ja-JP" altLang="en-US" sz="2200" dirty="0"/>
               <a:t>をより</a:t>
             </a:r>
             <a:r>
-              <a:rPr kumimoji="1" lang="ja-JP" altLang="en-US" dirty="0"/>
+              <a:rPr kumimoji="1" lang="ja-JP" altLang="en-US" sz="2200" dirty="0"/>
               <a:t>汎用的にすることができる。</a:t>
             </a:r>
             <a:r>
-              <a:rPr kumimoji="1" lang="en-US" altLang="ja-JP" dirty="0"/>
+              <a:rPr kumimoji="1" lang="en-US" altLang="ja-JP" sz="2200" dirty="0"/>
               <a:t>                     </a:t>
             </a:r>
-            <a:endParaRPr kumimoji="1" lang="ja-JP" altLang="en-US" dirty="0"/>
+            <a:endParaRPr kumimoji="1" lang="ja-JP" altLang="en-US" sz="2200" dirty="0"/>
           </a:p>
         </p:txBody>
       </p:sp>
@@ -18676,7 +15247,7 @@
         </p:blipFill>
         <p:spPr>
           <a:xfrm>
-            <a:off x="6845982" y="2508826"/>
+            <a:off x="6418470" y="2314897"/>
             <a:ext cx="3728853" cy="2053493"/>
           </a:xfrm>
           <a:prstGeom prst="rect">
@@ -18706,7 +15277,7 @@
         </p:blipFill>
         <p:spPr>
           <a:xfrm>
-            <a:off x="2086945" y="2508826"/>
+            <a:off x="1683184" y="2314897"/>
             <a:ext cx="4088651" cy="2053493"/>
           </a:xfrm>
           <a:prstGeom prst="rect">
@@ -18819,8 +15390,8 @@
         </p:nvSpPr>
         <p:spPr>
           <a:xfrm>
-            <a:off x="1282535" y="1477941"/>
-            <a:ext cx="10094026" cy="4932220"/>
+            <a:off x="1270658" y="1394814"/>
+            <a:ext cx="10497787" cy="4932220"/>
           </a:xfrm>
         </p:spPr>
         <p:txBody>
@@ -18840,61 +15411,61 @@
           </a:p>
           <a:p>
             <a:r>
-              <a:rPr kumimoji="1" lang="ja-JP" altLang="en-US"/>
+              <a:rPr kumimoji="1" lang="ja-JP" altLang="en-US" sz="2100"/>
               <a:t>デポ、乗車地点、降車地点を頂点とした完全有向グラフ</a:t>
             </a:r>
-            <a:endParaRPr kumimoji="1" lang="en-US" altLang="ja-JP" dirty="0"/>
-          </a:p>
-          <a:p>
-            <a:r>
-              <a:rPr kumimoji="1" lang="ja-JP" altLang="en-US"/>
+            <a:endParaRPr kumimoji="1" lang="en-US" altLang="ja-JP" sz="2100" dirty="0"/>
+          </a:p>
+          <a:p>
+            <a:r>
+              <a:rPr kumimoji="1" lang="ja-JP" altLang="en-US" sz="2100"/>
               <a:t>車両数</a:t>
             </a:r>
             <a:r>
-              <a:rPr lang="ja-JP" altLang="en-US"/>
+              <a:rPr lang="ja-JP" altLang="en-US" sz="2100"/>
               <a:t>、車両容量</a:t>
             </a:r>
             <a:r>
-              <a:rPr lang="en-US" altLang="ja-JP" dirty="0"/>
+              <a:rPr lang="en-US" altLang="ja-JP" sz="2100" dirty="0"/>
               <a:t>(</a:t>
             </a:r>
             <a:r>
-              <a:rPr lang="ja-JP" altLang="en-US"/>
+              <a:rPr lang="ja-JP" altLang="en-US" sz="2100"/>
               <a:t>最大乗車人数</a:t>
             </a:r>
             <a:r>
-              <a:rPr lang="en-US" altLang="ja-JP" dirty="0"/>
+              <a:rPr lang="en-US" altLang="ja-JP" sz="2100" dirty="0"/>
               <a:t>)</a:t>
             </a:r>
-            <a:endParaRPr kumimoji="1" lang="en-US" altLang="ja-JP" dirty="0"/>
-          </a:p>
-          <a:p>
-            <a:r>
-              <a:rPr lang="ja-JP" altLang="en-US"/>
+            <a:endParaRPr kumimoji="1" lang="en-US" altLang="ja-JP" sz="2100" dirty="0"/>
+          </a:p>
+          <a:p>
+            <a:r>
+              <a:rPr lang="ja-JP" altLang="en-US" sz="2100"/>
               <a:t>各リクエストに対して</a:t>
             </a:r>
             <a:r>
-              <a:rPr lang="en-US" altLang="ja-JP" dirty="0"/>
+              <a:rPr lang="en-US" altLang="ja-JP" sz="2100" dirty="0"/>
               <a:t>:</a:t>
             </a:r>
             <a:r>
-              <a:rPr lang="ja-JP" altLang="en-US"/>
+              <a:rPr lang="ja-JP" altLang="en-US" sz="2100"/>
               <a:t> </a:t>
             </a:r>
             <a:r>
-              <a:rPr kumimoji="1" lang="ja-JP" altLang="en-US"/>
+              <a:rPr kumimoji="1" lang="ja-JP" altLang="en-US" sz="2100"/>
               <a:t>乗降時刻、乗車時間に対するペナルティ関数、消費容量</a:t>
             </a:r>
             <a:r>
-              <a:rPr kumimoji="1" lang="en-US" altLang="ja-JP" dirty="0"/>
+              <a:rPr kumimoji="1" lang="en-US" altLang="ja-JP" sz="2100" dirty="0"/>
               <a:t>(</a:t>
             </a:r>
             <a:r>
-              <a:rPr kumimoji="1" lang="ja-JP" altLang="en-US"/>
+              <a:rPr kumimoji="1" lang="ja-JP" altLang="en-US" sz="2100"/>
               <a:t>乗車人数</a:t>
             </a:r>
             <a:r>
-              <a:rPr kumimoji="1" lang="en-US" altLang="ja-JP" dirty="0"/>
+              <a:rPr kumimoji="1" lang="en-US" altLang="ja-JP" sz="2100" dirty="0"/>
               <a:t>)</a:t>
             </a:r>
           </a:p>
@@ -19068,8 +15639,8 @@
           </a:p>
         </p:txBody>
       </p:sp>
-      <mc:AlternateContent xmlns:mc="http://schemas.openxmlformats.org/markup-compatibility/2006" xmlns:a14="http://schemas.microsoft.com/office/drawing/2010/main">
-        <mc:Choice Requires="a14">
+      <mc:AlternateContent xmlns:mc="http://schemas.openxmlformats.org/markup-compatibility/2006">
+        <mc:Choice xmlns:a14="http://schemas.microsoft.com/office/drawing/2010/main" Requires="a14">
           <p:sp>
             <p:nvSpPr>
               <p:cNvPr id="3" name="コンテンツ プレースホルダー 2">
@@ -19094,7 +15665,7 @@
             </p:spPr>
             <p:txBody>
               <a:bodyPr>
-                <a:normAutofit fontScale="92500" lnSpcReduction="20000"/>
+                <a:normAutofit/>
               </a:bodyPr>
               <a:lstStyle/>
               <a:p>
@@ -19121,9 +15692,13 @@
                 </a14:m>
                 <a:r>
                   <a:rPr kumimoji="1" lang="ja-JP" altLang="en-US"/>
-                  <a:t>とする</a:t>
+                  <a:t>と</a:t>
                 </a:r>
-                <a:endParaRPr kumimoji="1" lang="en-US" altLang="ja-JP" dirty="0"/>
+                <a:r>
+                  <a:rPr lang="ja-JP" altLang="en-US"/>
+                  <a:t>する</a:t>
+                </a:r>
+                <a:endParaRPr lang="en-US" altLang="ja-JP" dirty="0"/>
               </a:p>
               <a:p>
                 <a:pPr marL="0" indent="0">
@@ -19131,7 +15706,7 @@
                 </a:pPr>
                 <a:r>
                   <a:rPr kumimoji="1" lang="ja-JP" altLang="en-US"/>
-                  <a:t> ルートの総距離を</a:t>
+                  <a:t>ルートの総距離を</a:t>
                 </a:r>
                 <a14:m>
                   <m:oMath xmlns:m="http://schemas.openxmlformats.org/officeDocument/2006/math">
@@ -19141,304 +15716,31 @@
                       </a:rPr>
                       <m:t>𝑑</m:t>
                     </m:r>
-                    <m:r>
-                      <a:rPr kumimoji="1" lang="en-US" altLang="ja-JP" b="0" i="1" smtClean="0">
-                        <a:latin typeface="Cambria Math" panose="02040503050406030204" pitchFamily="18" charset="0"/>
-                      </a:rPr>
-                      <m:t>(</m:t>
-                    </m:r>
-                    <m:r>
-                      <a:rPr kumimoji="1" lang="en-US" altLang="ja-JP" b="0" i="1" smtClean="0">
-                        <a:latin typeface="Cambria Math" panose="02040503050406030204" pitchFamily="18" charset="0"/>
-                        <a:ea typeface="Cambria Math" panose="02040503050406030204" pitchFamily="18" charset="0"/>
-                      </a:rPr>
-                      <m:t>𝜎</m:t>
-                    </m:r>
-                    <m:r>
-                      <a:rPr kumimoji="1" lang="en-US" altLang="ja-JP" b="0" i="1" smtClean="0">
-                        <a:latin typeface="Cambria Math" panose="02040503050406030204" pitchFamily="18" charset="0"/>
-                      </a:rPr>
-                      <m:t>)</m:t>
-                    </m:r>
+                    <m:d>
+                      <m:dPr>
+                        <m:ctrlPr>
+                          <a:rPr kumimoji="1" lang="en-US" altLang="ja-JP" b="0" i="1" smtClean="0">
+                            <a:latin typeface="Cambria Math" panose="02040503050406030204" pitchFamily="18" charset="0"/>
+                          </a:rPr>
+                        </m:ctrlPr>
+                      </m:dPr>
+                      <m:e>
+                        <m:r>
+                          <a:rPr kumimoji="1" lang="en-US" altLang="ja-JP" b="0" i="1" smtClean="0">
+                            <a:latin typeface="Cambria Math" panose="02040503050406030204" pitchFamily="18" charset="0"/>
+                            <a:ea typeface="Cambria Math" panose="02040503050406030204" pitchFamily="18" charset="0"/>
+                          </a:rPr>
+                          <m:t>𝜎</m:t>
+                        </m:r>
+                      </m:e>
+                    </m:d>
                   </m:oMath>
                 </a14:m>
                 <a:r>
                   <a:rPr kumimoji="1" lang="ja-JP" altLang="en-US" dirty="0"/>
-                  <a:t>とする</a:t>
-                </a:r>
-                <a:r>
-                  <a:rPr kumimoji="1" lang="ja-JP" altLang="en-US"/>
-                  <a:t>と、</a:t>
+                  <a:t>とする。</a:t>
                 </a:r>
                 <a:endParaRPr kumimoji="1" lang="en-US" altLang="ja-JP" dirty="0"/>
-              </a:p>
-              <a:p>
-                <a:pPr marL="0" indent="0">
-                  <a:buNone/>
-                </a:pPr>
-                <a14:m>
-                  <m:oMathPara xmlns:m="http://schemas.openxmlformats.org/officeDocument/2006/math">
-                    <m:oMathParaPr>
-                      <m:jc m:val="centerGroup"/>
-                    </m:oMathParaPr>
-                    <m:oMath xmlns:m="http://schemas.openxmlformats.org/officeDocument/2006/math">
-                      <m:r>
-                        <a:rPr lang="en-US" altLang="ja-JP" b="0" i="1" smtClean="0">
-                          <a:latin typeface="Cambria Math" panose="02040503050406030204" pitchFamily="18" charset="0"/>
-                        </a:rPr>
-                        <m:t>𝑑</m:t>
-                      </m:r>
-                      <m:d>
-                        <m:dPr>
-                          <m:ctrlPr>
-                            <a:rPr lang="en-US" altLang="ja-JP" b="0" i="1" smtClean="0">
-                              <a:latin typeface="Cambria Math" panose="02040503050406030204" pitchFamily="18" charset="0"/>
-                            </a:rPr>
-                          </m:ctrlPr>
-                        </m:dPr>
-                        <m:e>
-                          <m:r>
-                            <a:rPr lang="en-US" altLang="ja-JP" b="0" i="1" smtClean="0">
-                              <a:latin typeface="Cambria Math" panose="02040503050406030204" pitchFamily="18" charset="0"/>
-                              <a:ea typeface="Cambria Math" panose="02040503050406030204" pitchFamily="18" charset="0"/>
-                            </a:rPr>
-                            <m:t>𝜎</m:t>
-                          </m:r>
-                        </m:e>
-                      </m:d>
-                      <m:r>
-                        <a:rPr lang="en-US" altLang="ja-JP" b="0" i="1" smtClean="0">
-                          <a:latin typeface="Cambria Math" panose="02040503050406030204" pitchFamily="18" charset="0"/>
-                          <a:ea typeface="Cambria Math" panose="02040503050406030204" pitchFamily="18" charset="0"/>
-                        </a:rPr>
-                        <m:t>=</m:t>
-                      </m:r>
-                      <m:nary>
-                        <m:naryPr>
-                          <m:chr m:val="∑"/>
-                          <m:supHide m:val="on"/>
-                          <m:ctrlPr>
-                            <a:rPr lang="en-US" altLang="ja-JP" b="0" i="1" smtClean="0">
-                              <a:latin typeface="Cambria Math" panose="02040503050406030204" pitchFamily="18" charset="0"/>
-                              <a:ea typeface="Cambria Math" panose="02040503050406030204" pitchFamily="18" charset="0"/>
-                            </a:rPr>
-                          </m:ctrlPr>
-                        </m:naryPr>
-                        <m:sub>
-                          <m:r>
-                            <m:rPr>
-                              <m:brk m:alnAt="7"/>
-                            </m:rPr>
-                            <a:rPr lang="en-US" altLang="ja-JP" b="0" i="1" smtClean="0">
-                              <a:latin typeface="Cambria Math" panose="02040503050406030204" pitchFamily="18" charset="0"/>
-                              <a:ea typeface="Cambria Math" panose="02040503050406030204" pitchFamily="18" charset="0"/>
-                            </a:rPr>
-                            <m:t>𝑘</m:t>
-                          </m:r>
-                          <m:r>
-                            <a:rPr lang="en-US" altLang="ja-JP" b="0" i="1" smtClean="0">
-                              <a:latin typeface="Cambria Math" panose="02040503050406030204" pitchFamily="18" charset="0"/>
-                              <a:ea typeface="Cambria Math" panose="02040503050406030204" pitchFamily="18" charset="0"/>
-                            </a:rPr>
-                            <m:t>∈</m:t>
-                          </m:r>
-                          <m:r>
-                            <a:rPr lang="en-US" altLang="ja-JP" b="0" i="1" smtClean="0">
-                              <a:latin typeface="Cambria Math" panose="02040503050406030204" pitchFamily="18" charset="0"/>
-                              <a:ea typeface="Cambria Math" panose="02040503050406030204" pitchFamily="18" charset="0"/>
-                            </a:rPr>
-                            <m:t>𝐾</m:t>
-                          </m:r>
-                        </m:sub>
-                        <m:sup/>
-                        <m:e>
-                          <m:nary>
-                            <m:naryPr>
-                              <m:chr m:val="∑"/>
-                              <m:ctrlPr>
-                                <a:rPr lang="en-US" altLang="ja-JP" b="0" i="1" smtClean="0">
-                                  <a:latin typeface="Cambria Math" panose="02040503050406030204" pitchFamily="18" charset="0"/>
-                                  <a:ea typeface="Cambria Math" panose="02040503050406030204" pitchFamily="18" charset="0"/>
-                                </a:rPr>
-                              </m:ctrlPr>
-                            </m:naryPr>
-                            <m:sub>
-                              <m:r>
-                                <m:rPr>
-                                  <m:brk m:alnAt="23"/>
-                                </m:rPr>
-                                <a:rPr lang="en-US" altLang="ja-JP" b="0" i="1" smtClean="0">
-                                  <a:latin typeface="Cambria Math" panose="02040503050406030204" pitchFamily="18" charset="0"/>
-                                  <a:ea typeface="Cambria Math" panose="02040503050406030204" pitchFamily="18" charset="0"/>
-                                </a:rPr>
-                                <m:t>h</m:t>
-                              </m:r>
-                              <m:r>
-                                <a:rPr lang="en-US" altLang="ja-JP" b="0" i="1" smtClean="0">
-                                  <a:latin typeface="Cambria Math" panose="02040503050406030204" pitchFamily="18" charset="0"/>
-                                  <a:ea typeface="Cambria Math" panose="02040503050406030204" pitchFamily="18" charset="0"/>
-                                </a:rPr>
-                                <m:t>=0</m:t>
-                              </m:r>
-                            </m:sub>
-                            <m:sup>
-                              <m:sSub>
-                                <m:sSubPr>
-                                  <m:ctrlPr>
-                                    <a:rPr lang="en-US" altLang="ja-JP" b="0" i="1" smtClean="0">
-                                      <a:latin typeface="Cambria Math" panose="02040503050406030204" pitchFamily="18" charset="0"/>
-                                      <a:ea typeface="Cambria Math" panose="02040503050406030204" pitchFamily="18" charset="0"/>
-                                    </a:rPr>
-                                  </m:ctrlPr>
-                                </m:sSubPr>
-                                <m:e>
-                                  <m:r>
-                                    <a:rPr lang="en-US" altLang="ja-JP" b="0" i="1" smtClean="0">
-                                      <a:latin typeface="Cambria Math" panose="02040503050406030204" pitchFamily="18" charset="0"/>
-                                      <a:ea typeface="Cambria Math" panose="02040503050406030204" pitchFamily="18" charset="0"/>
-                                    </a:rPr>
-                                    <m:t>𝑛</m:t>
-                                  </m:r>
-                                </m:e>
-                                <m:sub>
-                                  <m:r>
-                                    <a:rPr lang="en-US" altLang="ja-JP" b="0" i="1" smtClean="0">
-                                      <a:latin typeface="Cambria Math" panose="02040503050406030204" pitchFamily="18" charset="0"/>
-                                      <a:ea typeface="Cambria Math" panose="02040503050406030204" pitchFamily="18" charset="0"/>
-                                    </a:rPr>
-                                    <m:t>𝑘</m:t>
-                                  </m:r>
-                                </m:sub>
-                              </m:sSub>
-                            </m:sup>
-                            <m:e>
-                              <m:sSub>
-                                <m:sSubPr>
-                                  <m:ctrlPr>
-                                    <a:rPr lang="en-US" altLang="ja-JP" b="0" i="1" smtClean="0">
-                                      <a:latin typeface="Cambria Math" panose="02040503050406030204" pitchFamily="18" charset="0"/>
-                                      <a:ea typeface="Cambria Math" panose="02040503050406030204" pitchFamily="18" charset="0"/>
-                                    </a:rPr>
-                                  </m:ctrlPr>
-                                </m:sSubPr>
-                                <m:e>
-                                  <m:r>
-                                    <a:rPr lang="en-US" altLang="ja-JP" b="0" i="1" smtClean="0">
-                                      <a:latin typeface="Cambria Math" panose="02040503050406030204" pitchFamily="18" charset="0"/>
-                                      <a:ea typeface="Cambria Math" panose="02040503050406030204" pitchFamily="18" charset="0"/>
-                                    </a:rPr>
-                                    <m:t>𝐶</m:t>
-                                  </m:r>
-                                </m:e>
-                                <m:sub>
-                                  <m:sSub>
-                                    <m:sSubPr>
-                                      <m:ctrlPr>
-                                        <a:rPr lang="en-US" altLang="ja-JP" b="0" i="1" smtClean="0">
-                                          <a:latin typeface="Cambria Math" panose="02040503050406030204" pitchFamily="18" charset="0"/>
-                                          <a:ea typeface="Cambria Math" panose="02040503050406030204" pitchFamily="18" charset="0"/>
-                                        </a:rPr>
-                                      </m:ctrlPr>
-                                    </m:sSubPr>
-                                    <m:e>
-                                      <m:r>
-                                        <a:rPr lang="en-US" altLang="ja-JP" b="0" i="1" smtClean="0">
-                                          <a:latin typeface="Cambria Math" panose="02040503050406030204" pitchFamily="18" charset="0"/>
-                                          <a:ea typeface="Cambria Math" panose="02040503050406030204" pitchFamily="18" charset="0"/>
-                                        </a:rPr>
-                                        <m:t>𝜎</m:t>
-                                      </m:r>
-                                    </m:e>
-                                    <m:sub>
-                                      <m:r>
-                                        <a:rPr lang="en-US" altLang="ja-JP" b="0" i="1" smtClean="0">
-                                          <a:latin typeface="Cambria Math" panose="02040503050406030204" pitchFamily="18" charset="0"/>
-                                          <a:ea typeface="Cambria Math" panose="02040503050406030204" pitchFamily="18" charset="0"/>
-                                        </a:rPr>
-                                        <m:t>𝑘</m:t>
-                                      </m:r>
-                                      <m:r>
-                                        <a:rPr lang="en-US" altLang="ja-JP" b="0" i="1" smtClean="0">
-                                          <a:latin typeface="Cambria Math" panose="02040503050406030204" pitchFamily="18" charset="0"/>
-                                          <a:ea typeface="Cambria Math" panose="02040503050406030204" pitchFamily="18" charset="0"/>
-                                        </a:rPr>
-                                        <m:t>(</m:t>
-                                      </m:r>
-                                      <m:r>
-                                        <a:rPr lang="en-US" altLang="ja-JP" b="0" i="1" smtClean="0">
-                                          <a:latin typeface="Cambria Math" panose="02040503050406030204" pitchFamily="18" charset="0"/>
-                                          <a:ea typeface="Cambria Math" panose="02040503050406030204" pitchFamily="18" charset="0"/>
-                                        </a:rPr>
-                                        <m:t>h</m:t>
-                                      </m:r>
-                                      <m:r>
-                                        <a:rPr lang="en-US" altLang="ja-JP" b="0" i="1" smtClean="0">
-                                          <a:latin typeface="Cambria Math" panose="02040503050406030204" pitchFamily="18" charset="0"/>
-                                          <a:ea typeface="Cambria Math" panose="02040503050406030204" pitchFamily="18" charset="0"/>
-                                        </a:rPr>
-                                        <m:t>)</m:t>
-                                      </m:r>
-                                    </m:sub>
-                                  </m:sSub>
-                                  <m:sSub>
-                                    <m:sSubPr>
-                                      <m:ctrlPr>
-                                        <a:rPr lang="en-US" altLang="ja-JP" b="0" i="1" smtClean="0">
-                                          <a:latin typeface="Cambria Math" panose="02040503050406030204" pitchFamily="18" charset="0"/>
-                                          <a:ea typeface="Cambria Math" panose="02040503050406030204" pitchFamily="18" charset="0"/>
-                                        </a:rPr>
-                                      </m:ctrlPr>
-                                    </m:sSubPr>
-                                    <m:e>
-                                      <m:r>
-                                        <a:rPr lang="en-US" altLang="ja-JP" b="0" i="1" smtClean="0">
-                                          <a:latin typeface="Cambria Math" panose="02040503050406030204" pitchFamily="18" charset="0"/>
-                                          <a:ea typeface="Cambria Math" panose="02040503050406030204" pitchFamily="18" charset="0"/>
-                                        </a:rPr>
-                                        <m:t>𝜎</m:t>
-                                      </m:r>
-                                    </m:e>
-                                    <m:sub>
-                                      <m:r>
-                                        <a:rPr lang="en-US" altLang="ja-JP" b="0" i="1" smtClean="0">
-                                          <a:latin typeface="Cambria Math" panose="02040503050406030204" pitchFamily="18" charset="0"/>
-                                          <a:ea typeface="Cambria Math" panose="02040503050406030204" pitchFamily="18" charset="0"/>
-                                        </a:rPr>
-                                        <m:t>𝑘</m:t>
-                                      </m:r>
-                                      <m:r>
-                                        <a:rPr lang="en-US" altLang="ja-JP" b="0" i="1" smtClean="0">
-                                          <a:latin typeface="Cambria Math" panose="02040503050406030204" pitchFamily="18" charset="0"/>
-                                          <a:ea typeface="Cambria Math" panose="02040503050406030204" pitchFamily="18" charset="0"/>
-                                        </a:rPr>
-                                        <m:t>(</m:t>
-                                      </m:r>
-                                      <m:r>
-                                        <a:rPr lang="en-US" altLang="ja-JP" b="0" i="1" smtClean="0">
-                                          <a:latin typeface="Cambria Math" panose="02040503050406030204" pitchFamily="18" charset="0"/>
-                                          <a:ea typeface="Cambria Math" panose="02040503050406030204" pitchFamily="18" charset="0"/>
-                                        </a:rPr>
-                                        <m:t>h</m:t>
-                                      </m:r>
-                                      <m:r>
-                                        <a:rPr lang="en-US" altLang="ja-JP" b="0" i="1" smtClean="0">
-                                          <a:latin typeface="Cambria Math" panose="02040503050406030204" pitchFamily="18" charset="0"/>
-                                          <a:ea typeface="Cambria Math" panose="02040503050406030204" pitchFamily="18" charset="0"/>
-                                        </a:rPr>
-                                        <m:t>+1)</m:t>
-                                      </m:r>
-                                    </m:sub>
-                                  </m:sSub>
-                                </m:sub>
-                              </m:sSub>
-                            </m:e>
-                          </m:nary>
-                        </m:e>
-                      </m:nary>
-                    </m:oMath>
-                  </m:oMathPara>
-                </a14:m>
-                <a:endParaRPr lang="en-US" altLang="ja-JP" dirty="0"/>
               </a:p>
               <a:p>
                 <a:pPr marL="0" indent="0">
@@ -19454,7 +15756,7 @@
                       <a:rPr lang="ja-JP" altLang="en-US" i="1" smtClean="0">
                         <a:latin typeface="Cambria Math" panose="02040503050406030204" pitchFamily="18" charset="0"/>
                       </a:rPr>
-                      <m:t>𝜌</m:t>
+                      <m:t>𝜎</m:t>
                     </m:r>
                   </m:oMath>
                 </a14:m>
@@ -19465,31 +15767,29 @@
                 <a14:m>
                   <m:oMath xmlns:m="http://schemas.openxmlformats.org/officeDocument/2006/math">
                     <m:r>
-                      <a:rPr lang="ja-JP" altLang="en-US" i="1" smtClean="0">
-                        <a:latin typeface="Cambria Math" panose="02040503050406030204" pitchFamily="18" charset="0"/>
-                      </a:rPr>
-                      <m:t>𝜏</m:t>
-                    </m:r>
-                    <m:r>
                       <a:rPr lang="en-US" altLang="ja-JP" b="0" i="1" smtClean="0">
                         <a:latin typeface="Cambria Math" panose="02040503050406030204" pitchFamily="18" charset="0"/>
                       </a:rPr>
-                      <m:t>(</m:t>
+                      <m:t>𝑡</m:t>
                     </m:r>
-                    <m:r>
-                      <a:rPr lang="en-US" altLang="ja-JP" b="0" i="1" smtClean="0">
-                        <a:latin typeface="Cambria Math" panose="02040503050406030204" pitchFamily="18" charset="0"/>
-                        <a:ea typeface="Cambria Math" panose="02040503050406030204" pitchFamily="18" charset="0"/>
-                      </a:rPr>
-                      <m:t>𝜎</m:t>
-                    </m:r>
-                    <m:r>
-                      <a:rPr lang="en-US" altLang="ja-JP" b="0" i="1" smtClean="0">
-                        <a:latin typeface="Cambria Math" panose="02040503050406030204" pitchFamily="18" charset="0"/>
-                        <a:ea typeface="Cambria Math" panose="02040503050406030204" pitchFamily="18" charset="0"/>
-                      </a:rPr>
-                      <m:t>)</m:t>
-                    </m:r>
+                    <m:d>
+                      <m:dPr>
+                        <m:ctrlPr>
+                          <a:rPr lang="en-US" altLang="ja-JP" b="0" i="1" smtClean="0">
+                            <a:latin typeface="Cambria Math" panose="02040503050406030204" pitchFamily="18" charset="0"/>
+                          </a:rPr>
+                        </m:ctrlPr>
+                      </m:dPr>
+                      <m:e>
+                        <m:r>
+                          <a:rPr lang="en-US" altLang="ja-JP" b="0" i="1" smtClean="0">
+                            <a:latin typeface="Cambria Math" panose="02040503050406030204" pitchFamily="18" charset="0"/>
+                            <a:ea typeface="Cambria Math" panose="02040503050406030204" pitchFamily="18" charset="0"/>
+                          </a:rPr>
+                          <m:t>𝜎</m:t>
+                        </m:r>
+                      </m:e>
+                    </m:d>
                   </m:oMath>
                 </a14:m>
                 <a:r>
@@ -19498,7 +15798,7 @@
                 </a:r>
                 <a:r>
                   <a:rPr lang="ja-JP" altLang="en-US"/>
-                  <a:t>すると、</a:t>
+                  <a:t>して、以下のように定義する。</a:t>
                 </a:r>
                 <a:endParaRPr lang="en-US" altLang="ja-JP" dirty="0"/>
               </a:p>
@@ -19927,158 +16227,310 @@
                 <a:pPr marL="0" indent="0">
                   <a:buNone/>
                 </a:pPr>
-                <a:r>
-                  <a:rPr lang="en-US" altLang="ja-JP" dirty="0">
-                    <a:ea typeface="Cambria Math" panose="02040503050406030204" pitchFamily="18" charset="0"/>
-                  </a:rPr>
-                  <a:t>	(</a:t>
-                </a:r>
                 <a14:m>
-                  <m:oMath xmlns:m="http://schemas.openxmlformats.org/officeDocument/2006/math">
-                    <m:sSubSup>
-                      <m:sSubSupPr>
-                        <m:ctrlPr>
-                          <a:rPr lang="en-US" altLang="ja-JP" i="1" smtClean="0">
-                            <a:latin typeface="Cambria Math" panose="02040503050406030204" pitchFamily="18" charset="0"/>
-                            <a:ea typeface="Cambria Math" panose="02040503050406030204" pitchFamily="18" charset="0"/>
-                          </a:rPr>
-                        </m:ctrlPr>
-                      </m:sSubSupPr>
-                      <m:e>
-                        <m:r>
-                          <a:rPr lang="en-US" altLang="ja-JP" i="1">
-                            <a:latin typeface="Cambria Math" panose="02040503050406030204" pitchFamily="18" charset="0"/>
-                            <a:ea typeface="Cambria Math" panose="02040503050406030204" pitchFamily="18" charset="0"/>
-                          </a:rPr>
-                          <m:t>𝑔</m:t>
-                        </m:r>
-                      </m:e>
-                      <m:sub>
-                        <m:r>
-                          <a:rPr lang="en-US" altLang="ja-JP" i="1">
-                            <a:latin typeface="Cambria Math" panose="02040503050406030204" pitchFamily="18" charset="0"/>
-                            <a:ea typeface="Cambria Math" panose="02040503050406030204" pitchFamily="18" charset="0"/>
-                          </a:rPr>
-                          <m:t>𝑖</m:t>
-                        </m:r>
-                      </m:sub>
-                      <m:sup>
-                        <m:r>
-                          <a:rPr lang="en-US" altLang="ja-JP" i="1">
-                            <a:latin typeface="Cambria Math" panose="02040503050406030204" pitchFamily="18" charset="0"/>
-                            <a:ea typeface="Cambria Math" panose="02040503050406030204" pitchFamily="18" charset="0"/>
-                          </a:rPr>
-                          <m:t>+</m:t>
-                        </m:r>
-                      </m:sup>
-                    </m:sSubSup>
-                  </m:oMath>
+                  <m:oMathPara xmlns:m="http://schemas.openxmlformats.org/officeDocument/2006/math">
+                    <m:oMathParaPr>
+                      <m:jc m:val="centerGroup"/>
+                    </m:oMathParaPr>
+                    <m:oMath xmlns:m="http://schemas.openxmlformats.org/officeDocument/2006/math">
+                      <m:d>
+                        <m:dPr>
+                          <m:ctrlPr>
+                            <a:rPr lang="en-US" altLang="ja-JP" i="1" smtClean="0">
+                              <a:latin typeface="Cambria Math" panose="02040503050406030204" pitchFamily="18" charset="0"/>
+                            </a:rPr>
+                          </m:ctrlPr>
+                        </m:dPr>
+                        <m:e>
+                          <m:f>
+                            <m:fPr>
+                              <m:type m:val="noBar"/>
+                              <m:ctrlPr>
+                                <a:rPr lang="en-US" altLang="ja-JP" i="1" smtClean="0">
+                                  <a:latin typeface="Cambria Math" panose="02040503050406030204" pitchFamily="18" charset="0"/>
+                                </a:rPr>
+                              </m:ctrlPr>
+                            </m:fPr>
+                            <m:num>
+                              <m:sSub>
+                                <m:sSubPr>
+                                  <m:ctrlPr>
+                                    <a:rPr lang="en-US" altLang="ja-JP" i="1" dirty="0" smtClean="0">
+                                      <a:latin typeface="Cambria Math" panose="02040503050406030204" pitchFamily="18" charset="0"/>
+                                    </a:rPr>
+                                  </m:ctrlPr>
+                                </m:sSubPr>
+                                <m:e>
+                                  <m:r>
+                                    <a:rPr lang="en-US" altLang="ja-JP" i="1" dirty="0" smtClean="0">
+                                      <a:latin typeface="Cambria Math" panose="02040503050406030204" pitchFamily="18" charset="0"/>
+                                      <a:ea typeface="Cambria Math" panose="02040503050406030204" pitchFamily="18" charset="0"/>
+                                    </a:rPr>
+                                    <m:t>𝜏</m:t>
+                                  </m:r>
+                                </m:e>
+                                <m:sub>
+                                  <m:r>
+                                    <a:rPr lang="en-US" altLang="ja-JP" b="0" i="1" dirty="0" smtClean="0">
+                                      <a:latin typeface="Cambria Math" panose="02040503050406030204" pitchFamily="18" charset="0"/>
+                                    </a:rPr>
+                                    <m:t>𝑖</m:t>
+                                  </m:r>
+                                </m:sub>
+                              </m:sSub>
+                              <m:r>
+                                <a:rPr lang="ja-JP" altLang="en-US" i="1" dirty="0">
+                                  <a:latin typeface="Cambria Math" panose="02040503050406030204" pitchFamily="18" charset="0"/>
+                                </a:rPr>
+                                <m:t>は</m:t>
+                              </m:r>
+                              <m:r>
+                                <a:rPr lang="ja-JP" altLang="en-US" i="1" dirty="0" smtClean="0">
+                                  <a:latin typeface="Cambria Math" panose="02040503050406030204" pitchFamily="18" charset="0"/>
+                                </a:rPr>
+                                <m:t>ユーザ</m:t>
+                              </m:r>
+                              <m:r>
+                                <a:rPr lang="en-US" altLang="ja-JP" b="0" i="1" dirty="0" smtClean="0">
+                                  <a:latin typeface="Cambria Math" panose="02040503050406030204" pitchFamily="18" charset="0"/>
+                                </a:rPr>
+                                <m:t>𝑖</m:t>
+                              </m:r>
+                              <m:r>
+                                <a:rPr lang="ja-JP" altLang="en-US" i="1" dirty="0">
+                                  <a:latin typeface="Cambria Math" panose="02040503050406030204" pitchFamily="18" charset="0"/>
+                                </a:rPr>
+                                <m:t>の</m:t>
+                              </m:r>
+                              <m:r>
+                                <a:rPr lang="ja-JP" altLang="en-US" i="1" dirty="0" smtClean="0">
+                                  <a:latin typeface="Cambria Math" panose="02040503050406030204" pitchFamily="18" charset="0"/>
+                                </a:rPr>
+                                <m:t>乗車時刻</m:t>
+                              </m:r>
+                              <m:r>
+                                <a:rPr lang="en-US" altLang="ja-JP" b="0" i="1" dirty="0" smtClean="0">
+                                  <a:latin typeface="Cambria Math" panose="02040503050406030204" pitchFamily="18" charset="0"/>
+                                </a:rPr>
+                                <m:t>,</m:t>
+                              </m:r>
+                              <m:sSub>
+                                <m:sSubPr>
+                                  <m:ctrlPr>
+                                    <a:rPr lang="en-US" altLang="ja-JP" b="0" i="1" dirty="0" smtClean="0">
+                                      <a:latin typeface="Cambria Math" panose="02040503050406030204" pitchFamily="18" charset="0"/>
+                                    </a:rPr>
+                                  </m:ctrlPr>
+                                </m:sSubPr>
+                                <m:e>
+                                  <m:r>
+                                    <a:rPr lang="en-US" altLang="ja-JP" b="0" i="1" dirty="0" smtClean="0">
+                                      <a:latin typeface="Cambria Math" panose="02040503050406030204" pitchFamily="18" charset="0"/>
+                                      <a:ea typeface="Cambria Math" panose="02040503050406030204" pitchFamily="18" charset="0"/>
+                                    </a:rPr>
+                                    <m:t>𝜏</m:t>
+                                  </m:r>
+                                </m:e>
+                                <m:sub>
+                                  <m:r>
+                                    <a:rPr lang="en-US" altLang="ja-JP" b="0" i="1" dirty="0" smtClean="0">
+                                      <a:latin typeface="Cambria Math" panose="02040503050406030204" pitchFamily="18" charset="0"/>
+                                    </a:rPr>
+                                    <m:t>𝑖</m:t>
+                                  </m:r>
+                                  <m:r>
+                                    <a:rPr lang="en-US" altLang="ja-JP" b="0" i="1" dirty="0" smtClean="0">
+                                      <a:latin typeface="Cambria Math" panose="02040503050406030204" pitchFamily="18" charset="0"/>
+                                    </a:rPr>
+                                    <m:t>+</m:t>
+                                  </m:r>
+                                  <m:r>
+                                    <a:rPr lang="en-US" altLang="ja-JP" b="0" i="1" dirty="0" smtClean="0">
+                                      <a:latin typeface="Cambria Math" panose="02040503050406030204" pitchFamily="18" charset="0"/>
+                                    </a:rPr>
+                                    <m:t>𝑛</m:t>
+                                  </m:r>
+                                </m:sub>
+                              </m:sSub>
+                              <m:r>
+                                <a:rPr lang="ja-JP" altLang="en-US" i="1" dirty="0">
+                                  <a:latin typeface="Cambria Math" panose="02040503050406030204" pitchFamily="18" charset="0"/>
+                                </a:rPr>
+                                <m:t>は</m:t>
+                              </m:r>
+                              <m:r>
+                                <a:rPr lang="ja-JP" altLang="en-US" i="1" dirty="0" smtClean="0">
+                                  <a:latin typeface="Cambria Math" panose="02040503050406030204" pitchFamily="18" charset="0"/>
+                                </a:rPr>
+                                <m:t>降車</m:t>
+                              </m:r>
+                              <m:r>
+                                <a:rPr lang="ja-JP" altLang="en-US" i="1" dirty="0">
+                                  <a:latin typeface="Cambria Math" panose="02040503050406030204" pitchFamily="18" charset="0"/>
+                                </a:rPr>
+                                <m:t>時刻</m:t>
+                              </m:r>
+                              <m:r>
+                                <a:rPr lang="en-US" altLang="ja-JP" i="1" dirty="0" smtClean="0">
+                                  <a:latin typeface="Cambria Math" panose="02040503050406030204" pitchFamily="18" charset="0"/>
+                                </a:rPr>
+                                <m:t> </m:t>
+                              </m:r>
+                            </m:num>
+                            <m:den>
+                              <m:sSubSup>
+                                <m:sSubSupPr>
+                                  <m:ctrlPr>
+                                    <a:rPr lang="en-US" altLang="ja-JP" i="1">
+                                      <a:latin typeface="Cambria Math" panose="02040503050406030204" pitchFamily="18" charset="0"/>
+                                      <a:ea typeface="Cambria Math" panose="02040503050406030204" pitchFamily="18" charset="0"/>
+                                    </a:rPr>
+                                  </m:ctrlPr>
+                                </m:sSubSupPr>
+                                <m:e>
+                                  <m:r>
+                                    <a:rPr lang="en-US" altLang="ja-JP" i="1">
+                                      <a:latin typeface="Cambria Math" panose="02040503050406030204" pitchFamily="18" charset="0"/>
+                                      <a:ea typeface="Cambria Math" panose="02040503050406030204" pitchFamily="18" charset="0"/>
+                                    </a:rPr>
+                                    <m:t>𝑔</m:t>
+                                  </m:r>
+                                </m:e>
+                                <m:sub>
+                                  <m:r>
+                                    <a:rPr lang="en-US" altLang="ja-JP" i="1">
+                                      <a:latin typeface="Cambria Math" panose="02040503050406030204" pitchFamily="18" charset="0"/>
+                                      <a:ea typeface="Cambria Math" panose="02040503050406030204" pitchFamily="18" charset="0"/>
+                                    </a:rPr>
+                                    <m:t>𝑖</m:t>
+                                  </m:r>
+                                </m:sub>
+                                <m:sup>
+                                  <m:r>
+                                    <a:rPr lang="en-US" altLang="ja-JP" i="1">
+                                      <a:latin typeface="Cambria Math" panose="02040503050406030204" pitchFamily="18" charset="0"/>
+                                      <a:ea typeface="Cambria Math" panose="02040503050406030204" pitchFamily="18" charset="0"/>
+                                    </a:rPr>
+                                    <m:t>+</m:t>
+                                  </m:r>
+                                </m:sup>
+                              </m:sSubSup>
+                              <m:r>
+                                <m:rPr>
+                                  <m:nor/>
+                                </m:rPr>
+                                <a:rPr lang="en-US" altLang="ja-JP" dirty="0"/>
+                                <m:t>,</m:t>
+                              </m:r>
+                              <m:r>
+                                <m:rPr>
+                                  <m:nor/>
+                                </m:rPr>
+                                <a:rPr lang="en-US" altLang="ja-JP" dirty="0">
+                                  <a:ea typeface="Cambria Math" panose="02040503050406030204" pitchFamily="18" charset="0"/>
+                                </a:rPr>
+                                <m:t> </m:t>
+                              </m:r>
+                              <m:sSubSup>
+                                <m:sSubSupPr>
+                                  <m:ctrlPr>
+                                    <a:rPr lang="en-US" altLang="ja-JP" i="1">
+                                      <a:latin typeface="Cambria Math" panose="02040503050406030204" pitchFamily="18" charset="0"/>
+                                      <a:ea typeface="Cambria Math" panose="02040503050406030204" pitchFamily="18" charset="0"/>
+                                    </a:rPr>
+                                  </m:ctrlPr>
+                                </m:sSubSupPr>
+                                <m:e>
+                                  <m:r>
+                                    <a:rPr lang="en-US" altLang="ja-JP" i="1">
+                                      <a:latin typeface="Cambria Math" panose="02040503050406030204" pitchFamily="18" charset="0"/>
+                                      <a:ea typeface="Cambria Math" panose="02040503050406030204" pitchFamily="18" charset="0"/>
+                                    </a:rPr>
+                                    <m:t>𝑔</m:t>
+                                  </m:r>
+                                </m:e>
+                                <m:sub>
+                                  <m:r>
+                                    <a:rPr lang="en-US" altLang="ja-JP" i="1">
+                                      <a:latin typeface="Cambria Math" panose="02040503050406030204" pitchFamily="18" charset="0"/>
+                                      <a:ea typeface="Cambria Math" panose="02040503050406030204" pitchFamily="18" charset="0"/>
+                                    </a:rPr>
+                                    <m:t>𝑖</m:t>
+                                  </m:r>
+                                </m:sub>
+                                <m:sup>
+                                  <m:r>
+                                    <a:rPr lang="en-US" altLang="ja-JP" i="1">
+                                      <a:latin typeface="Cambria Math" panose="02040503050406030204" pitchFamily="18" charset="0"/>
+                                      <a:ea typeface="Cambria Math" panose="02040503050406030204" pitchFamily="18" charset="0"/>
+                                    </a:rPr>
+                                    <m:t>−</m:t>
+                                  </m:r>
+                                </m:sup>
+                              </m:sSubSup>
+                              <m:r>
+                                <m:rPr>
+                                  <m:nor/>
+                                </m:rPr>
+                                <a:rPr lang="en-US" altLang="ja-JP" dirty="0"/>
+                                <m:t>,</m:t>
+                              </m:r>
+                              <m:r>
+                                <m:rPr>
+                                  <m:nor/>
+                                </m:rPr>
+                                <a:rPr lang="en-US" altLang="ja-JP" dirty="0">
+                                  <a:ea typeface="Cambria Math" panose="02040503050406030204" pitchFamily="18" charset="0"/>
+                                </a:rPr>
+                                <m:t> </m:t>
+                              </m:r>
+                              <m:sSub>
+                                <m:sSubPr>
+                                  <m:ctrlPr>
+                                    <a:rPr lang="en-US" altLang="ja-JP" i="1">
+                                      <a:latin typeface="Cambria Math" panose="02040503050406030204" pitchFamily="18" charset="0"/>
+                                      <a:ea typeface="Cambria Math" panose="02040503050406030204" pitchFamily="18" charset="0"/>
+                                    </a:rPr>
+                                  </m:ctrlPr>
+                                </m:sSubPr>
+                                <m:e>
+                                  <m:r>
+                                    <a:rPr lang="en-US" altLang="ja-JP" i="1">
+                                      <a:latin typeface="Cambria Math" panose="02040503050406030204" pitchFamily="18" charset="0"/>
+                                      <a:ea typeface="Cambria Math" panose="02040503050406030204" pitchFamily="18" charset="0"/>
+                                    </a:rPr>
+                                    <m:t>𝑔</m:t>
+                                  </m:r>
+                                </m:e>
+                                <m:sub>
+                                  <m:r>
+                                    <a:rPr lang="en-US" altLang="ja-JP" i="1">
+                                      <a:latin typeface="Cambria Math" panose="02040503050406030204" pitchFamily="18" charset="0"/>
+                                      <a:ea typeface="Cambria Math" panose="02040503050406030204" pitchFamily="18" charset="0"/>
+                                    </a:rPr>
+                                    <m:t>𝑖</m:t>
+                                  </m:r>
+                                </m:sub>
+                              </m:sSub>
+                              <m:r>
+                                <m:rPr>
+                                  <m:nor/>
+                                </m:rPr>
+                                <a:rPr lang="ja-JP" altLang="en-US">
+                                  <a:ea typeface="Cambria Math" panose="02040503050406030204" pitchFamily="18" charset="0"/>
+                                </a:rPr>
+                                <m:t>はそれぞれ乗車時刻、降車時刻、乗車時間のペナルティ関数</m:t>
+                              </m:r>
+                            </m:den>
+                          </m:f>
+                        </m:e>
+                      </m:d>
+                    </m:oMath>
+                  </m:oMathPara>
                 </a14:m>
-                <a:r>
-                  <a:rPr lang="en-US" altLang="ja-JP" dirty="0"/>
-                  <a:t>,</a:t>
-                </a:r>
-                <a:r>
-                  <a:rPr lang="en-US" altLang="ja-JP" dirty="0">
-                    <a:ea typeface="Cambria Math" panose="02040503050406030204" pitchFamily="18" charset="0"/>
-                  </a:rPr>
-                  <a:t> </a:t>
-                </a:r>
-                <a14:m>
-                  <m:oMath xmlns:m="http://schemas.openxmlformats.org/officeDocument/2006/math">
-                    <m:sSubSup>
-                      <m:sSubSupPr>
-                        <m:ctrlPr>
-                          <a:rPr lang="en-US" altLang="ja-JP" i="1">
-                            <a:latin typeface="Cambria Math" panose="02040503050406030204" pitchFamily="18" charset="0"/>
-                            <a:ea typeface="Cambria Math" panose="02040503050406030204" pitchFamily="18" charset="0"/>
-                          </a:rPr>
-                        </m:ctrlPr>
-                      </m:sSubSupPr>
-                      <m:e>
-                        <m:r>
-                          <a:rPr lang="en-US" altLang="ja-JP" i="1">
-                            <a:latin typeface="Cambria Math" panose="02040503050406030204" pitchFamily="18" charset="0"/>
-                            <a:ea typeface="Cambria Math" panose="02040503050406030204" pitchFamily="18" charset="0"/>
-                          </a:rPr>
-                          <m:t>𝑔</m:t>
-                        </m:r>
-                      </m:e>
-                      <m:sub>
-                        <m:r>
-                          <a:rPr lang="en-US" altLang="ja-JP" i="1">
-                            <a:latin typeface="Cambria Math" panose="02040503050406030204" pitchFamily="18" charset="0"/>
-                            <a:ea typeface="Cambria Math" panose="02040503050406030204" pitchFamily="18" charset="0"/>
-                          </a:rPr>
-                          <m:t>𝑖</m:t>
-                        </m:r>
-                      </m:sub>
-                      <m:sup>
-                        <m:r>
-                          <a:rPr lang="en-US" altLang="ja-JP" b="0" i="1" smtClean="0">
-                            <a:latin typeface="Cambria Math" panose="02040503050406030204" pitchFamily="18" charset="0"/>
-                            <a:ea typeface="Cambria Math" panose="02040503050406030204" pitchFamily="18" charset="0"/>
-                          </a:rPr>
-                          <m:t>−</m:t>
-                        </m:r>
-                      </m:sup>
-                    </m:sSubSup>
-                  </m:oMath>
-                </a14:m>
-                <a:r>
-                  <a:rPr lang="en-US" altLang="ja-JP" dirty="0"/>
-                  <a:t>,</a:t>
-                </a:r>
-                <a:r>
-                  <a:rPr lang="en-US" altLang="ja-JP" dirty="0">
-                    <a:ea typeface="Cambria Math" panose="02040503050406030204" pitchFamily="18" charset="0"/>
-                  </a:rPr>
-                  <a:t> </a:t>
-                </a:r>
-                <a14:m>
-                  <m:oMath xmlns:m="http://schemas.openxmlformats.org/officeDocument/2006/math">
-                    <m:sSub>
-                      <m:sSubPr>
-                        <m:ctrlPr>
-                          <a:rPr lang="en-US" altLang="ja-JP" i="1">
-                            <a:latin typeface="Cambria Math" panose="02040503050406030204" pitchFamily="18" charset="0"/>
-                            <a:ea typeface="Cambria Math" panose="02040503050406030204" pitchFamily="18" charset="0"/>
-                          </a:rPr>
-                        </m:ctrlPr>
-                      </m:sSubPr>
-                      <m:e>
-                        <m:r>
-                          <a:rPr lang="en-US" altLang="ja-JP" i="1">
-                            <a:latin typeface="Cambria Math" panose="02040503050406030204" pitchFamily="18" charset="0"/>
-                            <a:ea typeface="Cambria Math" panose="02040503050406030204" pitchFamily="18" charset="0"/>
-                          </a:rPr>
-                          <m:t>𝑔</m:t>
-                        </m:r>
-                      </m:e>
-                      <m:sub>
-                        <m:r>
-                          <a:rPr lang="en-US" altLang="ja-JP" i="1">
-                            <a:latin typeface="Cambria Math" panose="02040503050406030204" pitchFamily="18" charset="0"/>
-                            <a:ea typeface="Cambria Math" panose="02040503050406030204" pitchFamily="18" charset="0"/>
-                          </a:rPr>
-                          <m:t>𝑖</m:t>
-                        </m:r>
-                      </m:sub>
-                    </m:sSub>
-                  </m:oMath>
-                </a14:m>
-                <a:r>
-                  <a:rPr lang="ja-JP" altLang="en-US">
-                    <a:ea typeface="Cambria Math" panose="02040503050406030204" pitchFamily="18" charset="0"/>
-                  </a:rPr>
-                  <a:t>はそれぞれ乗車時刻、降車時刻、乗車時間のペナルティ関数</a:t>
-                </a:r>
-                <a:r>
-                  <a:rPr lang="en-US" altLang="ja-JP" dirty="0">
-                    <a:ea typeface="Cambria Math" panose="02040503050406030204" pitchFamily="18" charset="0"/>
-                  </a:rPr>
-                  <a:t>)</a:t>
-                </a:r>
+                <a:endParaRPr lang="en-US" altLang="ja-JP" dirty="0">
+                  <a:ea typeface="Cambria Math" panose="02040503050406030204" pitchFamily="18" charset="0"/>
+                </a:endParaRPr>
               </a:p>
               <a:p>
                 <a:pPr marL="0" indent="0">
@@ -20086,7 +16538,7 @@
                 </a:pPr>
                 <a:r>
                   <a:rPr lang="ja-JP" altLang="en-US"/>
-                  <a:t>このとき、目的関数は</a:t>
+                  <a:t>このとき、目的関数を</a:t>
                 </a:r>
                 <a14:m>
                   <m:oMath xmlns:m="http://schemas.openxmlformats.org/officeDocument/2006/math">
@@ -20113,7 +16565,7 @@
                 </a14:m>
                 <a:r>
                   <a:rPr lang="ja-JP" altLang="en-US"/>
-                  <a:t>を定数とする以下の重み付き和で表せる。</a:t>
+                  <a:t>を定数とする以下の重み付き和とする。</a:t>
                 </a:r>
                 <a:endParaRPr lang="en-US" altLang="ja-JP" dirty="0"/>
               </a:p>
@@ -20225,7 +16677,7 @@
             </p:txBody>
           </p:sp>
         </mc:Choice>
-        <mc:Fallback xmlns="">
+        <mc:Fallback>
           <p:sp>
             <p:nvSpPr>
               <p:cNvPr id="3" name="コンテンツ プレースホルダー 2">
@@ -20250,7 +16702,7 @@
               <a:blipFill>
                 <a:blip r:embed="rId2"/>
                 <a:stretch>
-                  <a:fillRect l="-483" t="-1190" b="-3869"/>
+                  <a:fillRect l="-483"/>
                 </a:stretch>
               </a:blipFill>
             </p:spPr>
@@ -20356,8 +16808,8 @@
           </a:p>
         </p:txBody>
       </p:sp>
-      <mc:AlternateContent xmlns:mc="http://schemas.openxmlformats.org/markup-compatibility/2006" xmlns:a14="http://schemas.microsoft.com/office/drawing/2010/main">
-        <mc:Choice Requires="a14">
+      <mc:AlternateContent xmlns:mc="http://schemas.openxmlformats.org/markup-compatibility/2006">
+        <mc:Choice xmlns:a14="http://schemas.microsoft.com/office/drawing/2010/main" Requires="a14">
           <p:sp>
             <p:nvSpPr>
               <p:cNvPr id="3" name="コンテンツ プレースホルダー 2">
@@ -20407,10 +16859,14 @@
                 <a14:m>
                   <m:oMath xmlns:m="http://schemas.openxmlformats.org/officeDocument/2006/math">
                     <m:r>
-                      <a:rPr kumimoji="1" lang="en-US" altLang="ja-JP" b="0" i="1" smtClean="0">
+                      <m:rPr>
+                        <m:sty m:val="p"/>
+                      </m:rPr>
+                      <a:rPr kumimoji="1" lang="el-GR" altLang="ja-JP" i="1" smtClean="0">
                         <a:latin typeface="Cambria Math" panose="02040503050406030204" pitchFamily="18" charset="0"/>
+                        <a:ea typeface="Cambria Math" panose="02040503050406030204" pitchFamily="18" charset="0"/>
                       </a:rPr>
-                      <m:t>𝑄𝑃</m:t>
+                      <m:t>Η</m:t>
                     </m:r>
                   </m:oMath>
                 </a14:m>
@@ -20431,10 +16887,14 @@
                     </m:oMathParaPr>
                     <m:oMath xmlns:m="http://schemas.openxmlformats.org/officeDocument/2006/math">
                       <m:r>
-                        <a:rPr lang="en-US" altLang="ja-JP" b="0" i="1" smtClean="0">
+                        <m:rPr>
+                          <m:sty m:val="p"/>
+                        </m:rPr>
+                        <a:rPr lang="el-GR" altLang="ja-JP" b="0" i="1" smtClean="0">
                           <a:latin typeface="Cambria Math" panose="02040503050406030204" pitchFamily="18" charset="0"/>
+                          <a:ea typeface="Cambria Math" panose="02040503050406030204" pitchFamily="18" charset="0"/>
                         </a:rPr>
-                        <m:t>𝑄𝑃</m:t>
+                        <m:t>Η</m:t>
                       </m:r>
                       <m:r>
                         <a:rPr lang="en-US" altLang="ja-JP" b="0" i="1" smtClean="0">
@@ -20537,39 +16997,37 @@
                             </m:sub>
                             <m:sup/>
                             <m:e>
-                              <m:sSubSup>
-                                <m:sSubSupPr>
+                              <m:sSub>
+                                <m:sSubPr>
                                   <m:ctrlPr>
                                     <a:rPr lang="en-US" altLang="ja-JP" b="0" i="1" smtClean="0">
                                       <a:latin typeface="Cambria Math" panose="02040503050406030204" pitchFamily="18" charset="0"/>
+                                      <a:ea typeface="Cambria Math" panose="02040503050406030204" pitchFamily="18" charset="0"/>
                                     </a:rPr>
                                   </m:ctrlPr>
-                                </m:sSubSupPr>
+                                </m:sSubPr>
                                 <m:e>
                                   <m:r>
-                                    <a:rPr lang="en-US" altLang="ja-JP" b="0" i="1" smtClean="0">
+                                    <m:rPr>
+                                      <m:sty m:val="p"/>
+                                    </m:rPr>
+                                    <a:rPr lang="el-GR" altLang="ja-JP" b="0" i="1" smtClean="0">
                                       <a:latin typeface="Cambria Math" panose="02040503050406030204" pitchFamily="18" charset="0"/>
+                                      <a:ea typeface="Cambria Math" panose="02040503050406030204" pitchFamily="18" charset="0"/>
                                     </a:rPr>
-                                    <m:t>𝑄𝑃</m:t>
+                                    <m:t>Η</m:t>
                                   </m:r>
                                 </m:e>
                                 <m:sub>
                                   <m:r>
                                     <a:rPr lang="en-US" altLang="ja-JP" b="0" i="1" smtClean="0">
                                       <a:latin typeface="Cambria Math" panose="02040503050406030204" pitchFamily="18" charset="0"/>
+                                      <a:ea typeface="Cambria Math" panose="02040503050406030204" pitchFamily="18" charset="0"/>
                                     </a:rPr>
-                                    <m:t>𝑖</m:t>
+                                    <m:t>𝑘𝑖</m:t>
                                   </m:r>
                                 </m:sub>
-                                <m:sup>
-                                  <m:r>
-                                    <a:rPr lang="en-US" altLang="ja-JP" b="0" i="1" smtClean="0">
-                                      <a:latin typeface="Cambria Math" panose="02040503050406030204" pitchFamily="18" charset="0"/>
-                                    </a:rPr>
-                                    <m:t>𝑘</m:t>
-                                  </m:r>
-                                </m:sup>
-                              </m:sSubSup>
+                              </m:sSub>
                             </m:e>
                           </m:nary>
                         </m:e>
@@ -20585,45 +17043,35 @@
                 </a:pPr>
                 <a14:m>
                   <m:oMath xmlns:m="http://schemas.openxmlformats.org/officeDocument/2006/math">
-                    <m:r>
-                      <a:rPr lang="en-US" altLang="ja-JP" i="1">
-                        <a:latin typeface="Cambria Math" panose="02040503050406030204" pitchFamily="18" charset="0"/>
-                      </a:rPr>
-                      <m:t>𝑄</m:t>
-                    </m:r>
-                    <m:sSubSup>
-                      <m:sSubSupPr>
+                    <m:sSub>
+                      <m:sSubPr>
                         <m:ctrlPr>
-                          <a:rPr lang="en-US" altLang="ja-JP" i="1">
+                          <a:rPr lang="en-US" altLang="ja-JP" i="1" smtClean="0">
                             <a:latin typeface="Cambria Math" panose="02040503050406030204" pitchFamily="18" charset="0"/>
                           </a:rPr>
                         </m:ctrlPr>
-                      </m:sSubSupPr>
+                      </m:sSubPr>
                       <m:e>
                         <m:r>
-                          <a:rPr lang="en-US" altLang="ja-JP" i="1">
+                          <m:rPr>
+                            <m:sty m:val="p"/>
+                          </m:rPr>
+                          <a:rPr lang="el-GR" altLang="ja-JP" i="1" smtClean="0">
                             <a:latin typeface="Cambria Math" panose="02040503050406030204" pitchFamily="18" charset="0"/>
+                            <a:ea typeface="Cambria Math" panose="02040503050406030204" pitchFamily="18" charset="0"/>
                           </a:rPr>
-                          <m:t>𝑃</m:t>
+                          <m:t>Η</m:t>
                         </m:r>
                       </m:e>
                       <m:sub>
                         <m:r>
-                          <a:rPr lang="en-US" altLang="ja-JP" i="1">
+                          <a:rPr lang="en-US" altLang="ja-JP" b="0" i="1" smtClean="0">
                             <a:latin typeface="Cambria Math" panose="02040503050406030204" pitchFamily="18" charset="0"/>
                           </a:rPr>
-                          <m:t>𝑖</m:t>
+                          <m:t>𝑘𝑖</m:t>
                         </m:r>
                       </m:sub>
-                      <m:sup>
-                        <m:r>
-                          <a:rPr lang="en-US" altLang="ja-JP" i="1">
-                            <a:latin typeface="Cambria Math" panose="02040503050406030204" pitchFamily="18" charset="0"/>
-                          </a:rPr>
-                          <m:t>𝑘</m:t>
-                        </m:r>
-                      </m:sup>
-                    </m:sSubSup>
+                    </m:sSub>
                     <m:r>
                       <a:rPr lang="en-US" altLang="ja-JP" b="0" i="1" smtClean="0">
                         <a:latin typeface="Cambria Math" panose="02040503050406030204" pitchFamily="18" charset="0"/>
@@ -20675,7 +17123,7 @@
             </p:txBody>
           </p:sp>
         </mc:Choice>
-        <mc:Fallback xmlns="">
+        <mc:Fallback>
           <p:sp>
             <p:nvSpPr>
               <p:cNvPr id="3" name="コンテンツ プレースホルダー 2">
@@ -20696,7 +17144,7 @@
               <a:blipFill>
                 <a:blip r:embed="rId2"/>
                 <a:stretch>
-                  <a:fillRect l="-712" t="-337"/>
+                  <a:fillRect l="-528" b="-15769"/>
                 </a:stretch>
               </a:blipFill>
             </p:spPr>

--- a/卒論発表_10分用.pptx
+++ b/卒論発表_10分用.pptx
@@ -5,7 +5,7 @@
     <p:sldMasterId id="2147484149" r:id="rId1"/>
   </p:sldMasterIdLst>
   <p:notesMasterIdLst>
-    <p:notesMasterId r:id="rId27"/>
+    <p:notesMasterId r:id="rId26"/>
   </p:notesMasterIdLst>
   <p:sldIdLst>
     <p:sldId id="256" r:id="rId2"/>
@@ -29,10 +29,9 @@
     <p:sldId id="369" r:id="rId20"/>
     <p:sldId id="373" r:id="rId21"/>
     <p:sldId id="374" r:id="rId22"/>
-    <p:sldId id="375" r:id="rId23"/>
-    <p:sldId id="378" r:id="rId24"/>
-    <p:sldId id="379" r:id="rId25"/>
-    <p:sldId id="361" r:id="rId26"/>
+    <p:sldId id="378" r:id="rId23"/>
+    <p:sldId id="379" r:id="rId24"/>
+    <p:sldId id="361" r:id="rId25"/>
   </p:sldIdLst>
   <p:sldSz cx="12192000" cy="6858000"/>
   <p:notesSz cx="6858000" cy="9144000"/>
@@ -221,7 +220,7 @@
           <a:p>
             <a:fld id="{F185D03E-571D-BA42-85BF-4D068DC12E29}" type="datetimeFigureOut">
               <a:rPr kumimoji="1" lang="ja-JP" altLang="en-US" smtClean="0"/>
-              <a:t>2020/1/31</a:t>
+              <a:t>2020/2/1</a:t>
             </a:fld>
             <a:endParaRPr kumimoji="1" lang="ja-JP" altLang="en-US"/>
           </a:p>
@@ -896,7 +895,7 @@
           <a:p>
             <a:fld id="{4022EDAD-B217-3946-A79C-481C6FEC392F}" type="datetime1">
               <a:rPr kumimoji="1" lang="ja-JP" altLang="en-US" smtClean="0"/>
-              <a:t>2020/1/31</a:t>
+              <a:t>2020/2/1</a:t>
             </a:fld>
             <a:endParaRPr kumimoji="1" lang="ja-JP" altLang="en-US"/>
           </a:p>
@@ -1124,7 +1123,7 @@
           <a:p>
             <a:fld id="{8F2CA839-3EA4-F84E-9DD3-1549C09B4DFF}" type="datetime1">
               <a:rPr kumimoji="1" lang="ja-JP" altLang="en-US" smtClean="0"/>
-              <a:t>2020/1/31</a:t>
+              <a:t>2020/2/1</a:t>
             </a:fld>
             <a:endParaRPr kumimoji="1" lang="ja-JP" altLang="en-US"/>
           </a:p>
@@ -1356,7 +1355,7 @@
           <a:p>
             <a:fld id="{0903EBEF-087E-1C4B-A394-4BF982076E9B}" type="datetime1">
               <a:rPr kumimoji="1" lang="ja-JP" altLang="en-US" smtClean="0"/>
-              <a:t>2020/1/31</a:t>
+              <a:t>2020/2/1</a:t>
             </a:fld>
             <a:endParaRPr kumimoji="1" lang="ja-JP" altLang="en-US"/>
           </a:p>
@@ -1578,7 +1577,7 @@
           <a:p>
             <a:fld id="{3CC3E3BD-DD2F-0F4C-9F7B-BD2CFE73C08E}" type="datetime1">
               <a:rPr kumimoji="1" lang="ja-JP" altLang="en-US" smtClean="0"/>
-              <a:t>2020/1/31</a:t>
+              <a:t>2020/2/1</a:t>
             </a:fld>
             <a:endParaRPr kumimoji="1" lang="ja-JP" altLang="en-US"/>
           </a:p>
@@ -1907,7 +1906,7 @@
           <a:p>
             <a:fld id="{C115CAE8-F975-9249-9A1B-F50E55793BF8}" type="datetime1">
               <a:rPr kumimoji="1" lang="ja-JP" altLang="en-US" smtClean="0"/>
-              <a:t>2020/1/31</a:t>
+              <a:t>2020/2/1</a:t>
             </a:fld>
             <a:endParaRPr kumimoji="1" lang="ja-JP" altLang="en-US"/>
           </a:p>
@@ -2200,7 +2199,7 @@
           <a:p>
             <a:fld id="{4B86C5E8-D6C8-5540-A4FD-D0987B8EBD10}" type="datetime1">
               <a:rPr kumimoji="1" lang="ja-JP" altLang="en-US" smtClean="0"/>
-              <a:t>2020/1/31</a:t>
+              <a:t>2020/2/1</a:t>
             </a:fld>
             <a:endParaRPr kumimoji="1" lang="ja-JP" altLang="en-US"/>
           </a:p>
@@ -2715,7 +2714,7 @@
           <a:p>
             <a:fld id="{6FA0929B-742B-B141-B071-CCB3728A9B97}" type="datetime1">
               <a:rPr kumimoji="1" lang="ja-JP" altLang="en-US" smtClean="0"/>
-              <a:t>2020/1/31</a:t>
+              <a:t>2020/2/1</a:t>
             </a:fld>
             <a:endParaRPr kumimoji="1" lang="ja-JP" altLang="en-US"/>
           </a:p>
@@ -2873,7 +2872,7 @@
           <a:p>
             <a:fld id="{6E24F31F-B5AD-3641-8587-346597BEC0BE}" type="datetime1">
               <a:rPr kumimoji="1" lang="ja-JP" altLang="en-US" smtClean="0"/>
-              <a:t>2020/1/31</a:t>
+              <a:t>2020/2/1</a:t>
             </a:fld>
             <a:endParaRPr kumimoji="1" lang="ja-JP" altLang="en-US"/>
           </a:p>
@@ -3008,7 +3007,7 @@
           <a:p>
             <a:fld id="{BE99A350-A1B1-1E45-BB25-3DF64E2FB64C}" type="datetime1">
               <a:rPr kumimoji="1" lang="ja-JP" altLang="en-US" smtClean="0"/>
-              <a:t>2020/1/31</a:t>
+              <a:t>2020/2/1</a:t>
             </a:fld>
             <a:endParaRPr kumimoji="1" lang="ja-JP" altLang="en-US"/>
           </a:p>
@@ -3304,7 +3303,7 @@
           <a:p>
             <a:fld id="{B66F413D-3751-BA4F-95FD-B012FBB5AC38}" type="datetime1">
               <a:rPr kumimoji="1" lang="ja-JP" altLang="en-US" smtClean="0"/>
-              <a:t>2020/1/31</a:t>
+              <a:t>2020/2/1</a:t>
             </a:fld>
             <a:endParaRPr kumimoji="1" lang="ja-JP" altLang="en-US"/>
           </a:p>
@@ -3801,7 +3800,7 @@
           <a:p>
             <a:fld id="{3F034A29-2760-CE48-9EAD-37F6D8A2ED9E}" type="datetime1">
               <a:rPr kumimoji="1" lang="ja-JP" altLang="en-US" smtClean="0"/>
-              <a:t>2020/1/31</a:t>
+              <a:t>2020/2/1</a:t>
             </a:fld>
             <a:endParaRPr kumimoji="1" lang="ja-JP" altLang="en-US"/>
           </a:p>
@@ -4182,7 +4181,7 @@
           <a:p>
             <a:fld id="{4BD725EE-9545-E84A-BF76-93ECAC915F52}" type="datetime1">
               <a:rPr kumimoji="1" lang="ja-JP" altLang="en-US" smtClean="0"/>
-              <a:t>2020/1/31</a:t>
+              <a:t>2020/2/1</a:t>
             </a:fld>
             <a:endParaRPr kumimoji="1" lang="ja-JP" altLang="en-US"/>
           </a:p>
@@ -4800,8 +4799,8 @@
           </a:p>
         </p:txBody>
       </p:sp>
-      <mc:AlternateContent xmlns:mc="http://schemas.openxmlformats.org/markup-compatibility/2006">
-        <mc:Choice xmlns:a14="http://schemas.microsoft.com/office/drawing/2010/main" Requires="a14">
+      <mc:AlternateContent xmlns:mc="http://schemas.openxmlformats.org/markup-compatibility/2006" xmlns:a14="http://schemas.microsoft.com/office/drawing/2010/main">
+        <mc:Choice Requires="a14">
           <p:sp>
             <p:nvSpPr>
               <p:cNvPr id="3" name="コンテンツ プレースホルダー 2">
@@ -5235,7 +5234,7 @@
             </p:txBody>
           </p:sp>
         </mc:Choice>
-        <mc:Fallback>
+        <mc:Fallback xmlns="">
           <p:sp>
             <p:nvSpPr>
               <p:cNvPr id="3" name="コンテンツ プレースホルダー 2">
@@ -10312,73 +10311,159 @@
           </a:p>
         </p:txBody>
       </p:sp>
-      <p:sp>
-        <p:nvSpPr>
-          <p:cNvPr id="3" name="コンテンツ プレースホルダー 2">
-            <a:extLst>
-              <a:ext uri="{FF2B5EF4-FFF2-40B4-BE49-F238E27FC236}">
-                <a16:creationId xmlns:a16="http://schemas.microsoft.com/office/drawing/2014/main" id="{384CB143-5579-764F-894E-0A155B971A55}"/>
-              </a:ext>
-            </a:extLst>
-          </p:cNvPr>
-          <p:cNvSpPr>
-            <a:spLocks noGrp="1"/>
-          </p:cNvSpPr>
-          <p:nvPr>
-            <p:ph idx="1"/>
-          </p:nvPr>
-        </p:nvSpPr>
-        <p:spPr/>
-        <p:txBody>
-          <a:bodyPr/>
-          <a:lstStyle/>
-          <a:p>
-            <a:r>
-              <a:rPr kumimoji="1" lang="ja-JP" altLang="en-US"/>
-              <a:t>目的関数のペナルティに対する係数を十分に大きくすることで、</a:t>
-            </a:r>
-            <a:r>
-              <a:rPr lang="ja-JP" altLang="en-US"/>
-              <a:t>ハード制約として扱うことができる。</a:t>
-            </a:r>
-            <a:endParaRPr lang="en-US" altLang="ja-JP" dirty="0"/>
-          </a:p>
-          <a:p>
-            <a:r>
-              <a:rPr kumimoji="1" lang="ja-JP" altLang="en-US"/>
-              <a:t>先行研究との解の制度を比較した。</a:t>
-            </a:r>
-            <a:endParaRPr kumimoji="1" lang="en-US" altLang="ja-JP" dirty="0"/>
-          </a:p>
-          <a:p>
-            <a:r>
-              <a:rPr lang="ja-JP" altLang="en-US">
-                <a:latin typeface="+mn-ea"/>
-              </a:rPr>
-              <a:t>挿入近傍を用いた。</a:t>
-            </a:r>
-            <a:endParaRPr lang="en-US" altLang="ja-JP" dirty="0">
-              <a:latin typeface="+mn-ea"/>
-            </a:endParaRPr>
-          </a:p>
-          <a:p>
-            <a:r>
-              <a:rPr lang="ja-JP" altLang="en-US">
-                <a:latin typeface="+mn-ea"/>
-              </a:rPr>
-              <a:t>容量制約を満たすものを必ず出力する。</a:t>
-            </a:r>
-            <a:endParaRPr lang="en-US" altLang="ja-JP" dirty="0">
-              <a:latin typeface="+mn-ea"/>
-            </a:endParaRPr>
-          </a:p>
-          <a:p>
-            <a:endParaRPr lang="en-US" altLang="ja-JP" dirty="0">
-              <a:latin typeface="+mn-ea"/>
-            </a:endParaRPr>
-          </a:p>
-        </p:txBody>
-      </p:sp>
+      <mc:AlternateContent xmlns:mc="http://schemas.openxmlformats.org/markup-compatibility/2006">
+        <mc:Choice xmlns:a14="http://schemas.microsoft.com/office/drawing/2010/main" Requires="a14">
+          <p:sp>
+            <p:nvSpPr>
+              <p:cNvPr id="3" name="コンテンツ プレースホルダー 2">
+                <a:extLst>
+                  <a:ext uri="{FF2B5EF4-FFF2-40B4-BE49-F238E27FC236}">
+                    <a16:creationId xmlns:a16="http://schemas.microsoft.com/office/drawing/2014/main" id="{384CB143-5579-764F-894E-0A155B971A55}"/>
+                  </a:ext>
+                </a:extLst>
+              </p:cNvPr>
+              <p:cNvSpPr>
+                <a:spLocks noGrp="1"/>
+              </p:cNvSpPr>
+              <p:nvPr>
+                <p:ph idx="1"/>
+              </p:nvPr>
+            </p:nvSpPr>
+            <p:spPr/>
+            <p:txBody>
+              <a:bodyPr>
+                <a:normAutofit/>
+              </a:bodyPr>
+              <a:lstStyle/>
+              <a:p>
+                <a:r>
+                  <a:rPr kumimoji="1" lang="ja-JP" altLang="en-US"/>
+                  <a:t>目的関数のペナルティに対する係数を十分に大きくすることで、</a:t>
+                </a:r>
+                <a:r>
+                  <a:rPr lang="ja-JP" altLang="en-US"/>
+                  <a:t>ハード制約として扱うことができる。</a:t>
+                </a:r>
+                <a:endParaRPr lang="en-US" altLang="ja-JP" dirty="0"/>
+              </a:p>
+              <a:p>
+                <a:r>
+                  <a:rPr lang="ja-JP" altLang="en-US">
+                    <a:latin typeface="+mn-ea"/>
+                  </a:rPr>
+                  <a:t>挿入近傍を用いた。</a:t>
+                </a:r>
+                <a:endParaRPr lang="en-US" altLang="ja-JP" dirty="0">
+                  <a:latin typeface="+mn-ea"/>
+                </a:endParaRPr>
+              </a:p>
+              <a:p>
+                <a:r>
+                  <a:rPr lang="ja-JP" altLang="en-US">
+                    <a:latin typeface="+mn-ea"/>
+                  </a:rPr>
+                  <a:t>容量制約を満たすものを必ず出力する。</a:t>
+                </a:r>
+                <a:endParaRPr lang="en-US" altLang="ja-JP" dirty="0"/>
+              </a:p>
+              <a:p>
+                <a:r>
+                  <a:rPr lang="en-US" altLang="ja-JP" dirty="0" err="1"/>
+                  <a:t>Cordeau</a:t>
+                </a:r>
+                <a:r>
+                  <a:rPr lang="ja-JP" altLang="en-US"/>
+                  <a:t>らの</a:t>
+                </a:r>
+                <a:r>
+                  <a:rPr kumimoji="1" lang="ja-JP" altLang="en-US"/>
+                  <a:t>先行研究との解の精度を比較した。</a:t>
+                </a:r>
+                <a:endParaRPr kumimoji="1" lang="en-US" altLang="ja-JP" dirty="0"/>
+              </a:p>
+              <a:p>
+                <a:r>
+                  <a:rPr lang="ja-JP" altLang="en-US"/>
+                  <a:t>先行研究は挿入近傍の探索回数が</a:t>
+                </a:r>
+                <a14:m>
+                  <m:oMath xmlns:m="http://schemas.openxmlformats.org/officeDocument/2006/math">
+                    <m:sSup>
+                      <m:sSupPr>
+                        <m:ctrlPr>
+                          <a:rPr lang="en-US" altLang="ja-JP" i="1" smtClean="0">
+                            <a:latin typeface="Cambria Math" panose="02040503050406030204" pitchFamily="18" charset="0"/>
+                          </a:rPr>
+                        </m:ctrlPr>
+                      </m:sSupPr>
+                      <m:e>
+                        <m:r>
+                          <a:rPr lang="en-US" altLang="ja-JP" b="0" i="1" smtClean="0">
+                            <a:latin typeface="Cambria Math" panose="02040503050406030204" pitchFamily="18" charset="0"/>
+                          </a:rPr>
+                          <m:t>10</m:t>
+                        </m:r>
+                      </m:e>
+                      <m:sup>
+                        <m:r>
+                          <a:rPr lang="en-US" altLang="ja-JP" b="0" i="1" smtClean="0">
+                            <a:latin typeface="Cambria Math" panose="02040503050406030204" pitchFamily="18" charset="0"/>
+                          </a:rPr>
+                          <m:t>5</m:t>
+                        </m:r>
+                      </m:sup>
+                    </m:sSup>
+                  </m:oMath>
+                </a14:m>
+                <a:r>
+                  <a:rPr kumimoji="1" lang="ja-JP" altLang="en-US"/>
+                  <a:t>回の解</a:t>
+                </a:r>
+                <a:endParaRPr kumimoji="1" lang="en-US" altLang="ja-JP" dirty="0"/>
+              </a:p>
+            </p:txBody>
+          </p:sp>
+        </mc:Choice>
+        <mc:Fallback>
+          <p:sp>
+            <p:nvSpPr>
+              <p:cNvPr id="3" name="コンテンツ プレースホルダー 2">
+                <a:extLst>
+                  <a:ext uri="{FF2B5EF4-FFF2-40B4-BE49-F238E27FC236}">
+                    <a16:creationId xmlns:a16="http://schemas.microsoft.com/office/drawing/2014/main" id="{384CB143-5579-764F-894E-0A155B971A55}"/>
+                  </a:ext>
+                </a:extLst>
+              </p:cNvPr>
+              <p:cNvSpPr>
+                <a:spLocks noGrp="1" noRot="1" noChangeAspect="1" noMove="1" noResize="1" noEditPoints="1" noAdjustHandles="1" noChangeArrowheads="1" noChangeShapeType="1" noTextEdit="1"/>
+              </p:cNvSpPr>
+              <p:nvPr>
+                <p:ph idx="1"/>
+              </p:nvPr>
+            </p:nvSpPr>
+            <p:spPr>
+              <a:blipFill>
+                <a:blip r:embed="rId2"/>
+                <a:stretch>
+                  <a:fillRect l="-528" r="-132"/>
+                </a:stretch>
+              </a:blipFill>
+            </p:spPr>
+            <p:txBody>
+              <a:bodyPr/>
+              <a:lstStyle/>
+              <a:p>
+                <a:r>
+                  <a:rPr lang="ja-JP" altLang="en-US">
+                    <a:noFill/>
+                  </a:rPr>
+                  <a:t> </a:t>
+                </a:r>
+              </a:p>
+            </p:txBody>
+          </p:sp>
+        </mc:Fallback>
+      </mc:AlternateContent>
       <p:sp>
         <p:nvSpPr>
           <p:cNvPr id="4" name="スライド番号プレースホルダー 3">
@@ -10453,14 +10538,14 @@
           <p:nvPr>
             <p:extLst>
               <p:ext uri="{D42A27DB-BD31-4B8C-83A1-F6EECF244321}">
-                <p14:modId xmlns:p14="http://schemas.microsoft.com/office/powerpoint/2010/main" val="564347054"/>
+                <p14:modId xmlns:p14="http://schemas.microsoft.com/office/powerpoint/2010/main" val="2893833777"/>
               </p:ext>
             </p:extLst>
           </p:nvPr>
         </p:nvGraphicFramePr>
         <p:xfrm>
-          <a:off x="1317108" y="816709"/>
-          <a:ext cx="8705665" cy="5121894"/>
+          <a:off x="498764" y="816709"/>
+          <a:ext cx="10794669" cy="5121894"/>
         </p:xfrm>
         <a:graphic>
           <a:graphicData uri="http://schemas.openxmlformats.org/drawingml/2006/table">
@@ -10469,49 +10554,63 @@
                 <a:tableStyleId>{5C22544A-7EE6-4342-B048-85BDC9FD1C3A}</a:tableStyleId>
               </a:tblPr>
               <a:tblGrid>
-                <a:gridCol w="1165129">
+                <a:gridCol w="1159660">
                   <a:extLst>
                     <a:ext uri="{9D8B030D-6E8A-4147-A177-3AD203B41FA5}">
                       <a16:colId xmlns:a16="http://schemas.microsoft.com/office/drawing/2014/main" val="3067472456"/>
                     </a:ext>
                   </a:extLst>
                 </a:gridCol>
-                <a:gridCol w="1050138">
+                <a:gridCol w="1045207">
                   <a:extLst>
                     <a:ext uri="{9D8B030D-6E8A-4147-A177-3AD203B41FA5}">
                       <a16:colId xmlns:a16="http://schemas.microsoft.com/office/drawing/2014/main" val="2482243895"/>
                     </a:ext>
                   </a:extLst>
                 </a:gridCol>
-                <a:gridCol w="1113399">
+                <a:gridCol w="1108172">
                   <a:extLst>
                     <a:ext uri="{9D8B030D-6E8A-4147-A177-3AD203B41FA5}">
                       <a16:colId xmlns:a16="http://schemas.microsoft.com/office/drawing/2014/main" val="1348079041"/>
                     </a:ext>
                   </a:extLst>
                 </a:gridCol>
-                <a:gridCol w="1287490">
+                <a:gridCol w="1281445">
                   <a:extLst>
                     <a:ext uri="{9D8B030D-6E8A-4147-A177-3AD203B41FA5}">
                       <a16:colId xmlns:a16="http://schemas.microsoft.com/office/drawing/2014/main" val="2295132505"/>
                     </a:ext>
                   </a:extLst>
                 </a:gridCol>
-                <a:gridCol w="1358186">
+                <a:gridCol w="1351810">
                   <a:extLst>
                     <a:ext uri="{9D8B030D-6E8A-4147-A177-3AD203B41FA5}">
                       <a16:colId xmlns:a16="http://schemas.microsoft.com/office/drawing/2014/main" val="3700408153"/>
                     </a:ext>
                   </a:extLst>
                 </a:gridCol>
-                <a:gridCol w="1069960">
+                <a:gridCol w="1064937">
                   <a:extLst>
                     <a:ext uri="{9D8B030D-6E8A-4147-A177-3AD203B41FA5}">
                       <a16:colId xmlns:a16="http://schemas.microsoft.com/office/drawing/2014/main" val="2489046969"/>
                     </a:ext>
                   </a:extLst>
                 </a:gridCol>
-                <a:gridCol w="1661363">
+                <a:gridCol w="1420249">
+                  <a:extLst>
+                    <a:ext uri="{9D8B030D-6E8A-4147-A177-3AD203B41FA5}">
+                      <a16:colId xmlns:a16="http://schemas.microsoft.com/office/drawing/2014/main" val="4233022040"/>
+                    </a:ext>
+                  </a:extLst>
+                </a:gridCol>
+                <a:gridCol w="709625">
+                  <a:extLst>
+                    <a:ext uri="{9D8B030D-6E8A-4147-A177-3AD203B41FA5}">
+                      <a16:colId xmlns:a16="http://schemas.microsoft.com/office/drawing/2014/main" val="4036047598"/>
+                    </a:ext>
+                  </a:extLst>
+                </a:gridCol>
+                <a:gridCol w="1653564">
                   <a:extLst>
                     <a:ext uri="{9D8B030D-6E8A-4147-A177-3AD203B41FA5}">
                       <a16:colId xmlns:a16="http://schemas.microsoft.com/office/drawing/2014/main" val="1447902104"/>
@@ -10555,7 +10654,7 @@
                   </a:txBody>
                   <a:tcPr/>
                 </a:tc>
-                <a:tc gridSpan="3">
+                <a:tc gridSpan="5">
                   <a:txBody>
                     <a:bodyPr/>
                     <a:lstStyle/>
@@ -10584,6 +10683,28 @@
                     <a:bodyPr/>
                     <a:lstStyle/>
                     <a:p>
+                      <a:endParaRPr kumimoji="1" lang="ja-JP" altLang="en-US"/>
+                    </a:p>
+                  </a:txBody>
+                  <a:tcPr/>
+                </a:tc>
+                <a:tc hMerge="1">
+                  <a:txBody>
+                    <a:bodyPr/>
+                    <a:lstStyle/>
+                    <a:p>
+                      <a:pPr algn="ctr"/>
+                      <a:endParaRPr kumimoji="1" lang="ja-JP" altLang="en-US"/>
+                    </a:p>
+                  </a:txBody>
+                  <a:tcPr/>
+                </a:tc>
+                <a:tc hMerge="1">
+                  <a:txBody>
+                    <a:bodyPr/>
+                    <a:lstStyle/>
+                    <a:p>
+                      <a:pPr algn="ctr"/>
                       <a:endParaRPr kumimoji="1" lang="ja-JP" altLang="en-US"/>
                     </a:p>
                   </a:txBody>
@@ -10702,6 +10823,42 @@
                       <a:pPr algn="ctr"/>
                       <a:r>
                         <a:rPr kumimoji="1" lang="ja-JP" altLang="en-US"/>
+                        <a:t>挿入近傍の</a:t>
+                      </a:r>
+                      <a:endParaRPr kumimoji="1" lang="en-US" altLang="ja-JP" dirty="0"/>
+                    </a:p>
+                    <a:p>
+                      <a:pPr algn="ctr"/>
+                      <a:r>
+                        <a:rPr kumimoji="1" lang="ja-JP" altLang="en-US"/>
+                        <a:t>探索回数</a:t>
+                      </a:r>
+                    </a:p>
+                  </a:txBody>
+                  <a:tcPr/>
+                </a:tc>
+                <a:tc>
+                  <a:txBody>
+                    <a:bodyPr/>
+                    <a:lstStyle/>
+                    <a:p>
+                      <a:pPr algn="ctr"/>
+                      <a:r>
+                        <a:rPr kumimoji="1" lang="ja-JP" altLang="en-US"/>
+                        <a:t>改善回数</a:t>
+                      </a:r>
+                    </a:p>
+                  </a:txBody>
+                  <a:tcPr/>
+                </a:tc>
+                <a:tc>
+                  <a:txBody>
+                    <a:bodyPr/>
+                    <a:lstStyle/>
+                    <a:p>
+                      <a:pPr algn="ctr"/>
+                      <a:r>
+                        <a:rPr kumimoji="1" lang="ja-JP" altLang="en-US"/>
                         <a:t>値</a:t>
                       </a:r>
                     </a:p>
@@ -10813,6 +10970,36 @@
                       <a:pPr algn="r"/>
                       <a:r>
                         <a:rPr kumimoji="1" lang="en-US" altLang="ja-JP" dirty="0"/>
+                        <a:t>72</a:t>
+                      </a:r>
+                      <a:endParaRPr kumimoji="1" lang="ja-JP" altLang="en-US"/>
+                    </a:p>
+                  </a:txBody>
+                  <a:tcPr anchor="ctr"/>
+                </a:tc>
+                <a:tc>
+                  <a:txBody>
+                    <a:bodyPr/>
+                    <a:lstStyle/>
+                    <a:p>
+                      <a:pPr algn="r"/>
+                      <a:r>
+                        <a:rPr kumimoji="1" lang="en-US" altLang="ja-JP" dirty="0"/>
+                        <a:t>5</a:t>
+                      </a:r>
+                      <a:endParaRPr kumimoji="1" lang="ja-JP" altLang="en-US"/>
+                    </a:p>
+                  </a:txBody>
+                  <a:tcPr anchor="ctr"/>
+                </a:tc>
+                <a:tc>
+                  <a:txBody>
+                    <a:bodyPr/>
+                    <a:lstStyle/>
+                    <a:p>
+                      <a:pPr algn="r"/>
+                      <a:r>
+                        <a:rPr kumimoji="1" lang="en-US" altLang="ja-JP" dirty="0"/>
                         <a:t>190.02</a:t>
                       </a:r>
                       <a:endParaRPr kumimoji="1" lang="ja-JP" altLang="en-US"/>
@@ -10941,6 +11128,36 @@
                       <a:pPr algn="r"/>
                       <a:r>
                         <a:rPr kumimoji="1" lang="en-US" altLang="ja-JP" dirty="0"/>
+                        <a:t>240</a:t>
+                      </a:r>
+                      <a:endParaRPr kumimoji="1" lang="ja-JP" altLang="en-US"/>
+                    </a:p>
+                  </a:txBody>
+                  <a:tcPr anchor="ctr"/>
+                </a:tc>
+                <a:tc>
+                  <a:txBody>
+                    <a:bodyPr/>
+                    <a:lstStyle/>
+                    <a:p>
+                      <a:pPr algn="r"/>
+                      <a:r>
+                        <a:rPr kumimoji="1" lang="en-US" altLang="ja-JP" dirty="0"/>
+                        <a:t>32</a:t>
+                      </a:r>
+                      <a:endParaRPr kumimoji="1" lang="ja-JP" altLang="en-US"/>
+                    </a:p>
+                  </a:txBody>
+                  <a:tcPr anchor="ctr"/>
+                </a:tc>
+                <a:tc>
+                  <a:txBody>
+                    <a:bodyPr/>
+                    <a:lstStyle/>
+                    <a:p>
+                      <a:pPr algn="r"/>
+                      <a:r>
+                        <a:rPr kumimoji="1" lang="en-US" altLang="ja-JP" dirty="0"/>
                         <a:t>302.08</a:t>
                       </a:r>
                       <a:endParaRPr kumimoji="1" lang="ja-JP" altLang="en-US"/>
@@ -11061,6 +11278,36 @@
                       <a:pPr algn="r"/>
                       <a:r>
                         <a:rPr kumimoji="1" lang="en-US" altLang="ja-JP" dirty="0"/>
+                        <a:t>504</a:t>
+                      </a:r>
+                      <a:endParaRPr kumimoji="1" lang="ja-JP" altLang="en-US"/>
+                    </a:p>
+                  </a:txBody>
+                  <a:tcPr anchor="ctr"/>
+                </a:tc>
+                <a:tc>
+                  <a:txBody>
+                    <a:bodyPr/>
+                    <a:lstStyle/>
+                    <a:p>
+                      <a:pPr algn="r"/>
+                      <a:r>
+                        <a:rPr kumimoji="1" lang="en-US" altLang="ja-JP" dirty="0"/>
+                        <a:t>41</a:t>
+                      </a:r>
+                      <a:endParaRPr kumimoji="1" lang="ja-JP" altLang="en-US"/>
+                    </a:p>
+                  </a:txBody>
+                  <a:tcPr anchor="ctr"/>
+                </a:tc>
+                <a:tc>
+                  <a:txBody>
+                    <a:bodyPr/>
+                    <a:lstStyle/>
+                    <a:p>
+                      <a:pPr algn="r"/>
+                      <a:r>
+                        <a:rPr kumimoji="1" lang="en-US" altLang="ja-JP" dirty="0"/>
                         <a:t>532.08</a:t>
                       </a:r>
                       <a:endParaRPr kumimoji="1" lang="ja-JP" altLang="en-US"/>
@@ -11172,6 +11419,36 @@
                       <a:pPr algn="r"/>
                       <a:r>
                         <a:rPr kumimoji="1" lang="en-US" altLang="ja-JP" dirty="0"/>
+                        <a:t>864</a:t>
+                      </a:r>
+                      <a:endParaRPr kumimoji="1" lang="ja-JP" altLang="en-US"/>
+                    </a:p>
+                  </a:txBody>
+                  <a:tcPr anchor="ctr"/>
+                </a:tc>
+                <a:tc>
+                  <a:txBody>
+                    <a:bodyPr/>
+                    <a:lstStyle/>
+                    <a:p>
+                      <a:pPr algn="r"/>
+                      <a:r>
+                        <a:rPr kumimoji="1" lang="en-US" altLang="ja-JP" dirty="0"/>
+                        <a:t>61</a:t>
+                      </a:r>
+                      <a:endParaRPr kumimoji="1" lang="ja-JP" altLang="en-US"/>
+                    </a:p>
+                  </a:txBody>
+                  <a:tcPr anchor="ctr"/>
+                </a:tc>
+                <a:tc>
+                  <a:txBody>
+                    <a:bodyPr/>
+                    <a:lstStyle/>
+                    <a:p>
+                      <a:pPr algn="r"/>
+                      <a:r>
+                        <a:rPr kumimoji="1" lang="en-US" altLang="ja-JP" dirty="0"/>
                         <a:t>572.68</a:t>
                       </a:r>
                       <a:endParaRPr kumimoji="1" lang="ja-JP" altLang="en-US"/>
@@ -11278,6 +11555,36 @@
                       <a:r>
                         <a:rPr kumimoji="1" lang="en-US" altLang="ja-JP" dirty="0"/>
                         <a:t>43.6</a:t>
+                      </a:r>
+                      <a:endParaRPr kumimoji="1" lang="ja-JP" altLang="en-US"/>
+                    </a:p>
+                  </a:txBody>
+                  <a:tcPr anchor="ctr"/>
+                </a:tc>
+                <a:tc>
+                  <a:txBody>
+                    <a:bodyPr/>
+                    <a:lstStyle/>
+                    <a:p>
+                      <a:pPr algn="r"/>
+                      <a:r>
+                        <a:rPr kumimoji="1" lang="en-US" altLang="ja-JP" dirty="0"/>
+                        <a:t>1320</a:t>
+                      </a:r>
+                      <a:endParaRPr kumimoji="1" lang="ja-JP" altLang="en-US"/>
+                    </a:p>
+                  </a:txBody>
+                  <a:tcPr anchor="ctr"/>
+                </a:tc>
+                <a:tc>
+                  <a:txBody>
+                    <a:bodyPr/>
+                    <a:lstStyle/>
+                    <a:p>
+                      <a:pPr algn="r"/>
+                      <a:r>
+                        <a:rPr kumimoji="1" lang="en-US" altLang="ja-JP" dirty="0"/>
+                        <a:t>110</a:t>
                       </a:r>
                       <a:endParaRPr kumimoji="1" lang="ja-JP" altLang="en-US"/>
                     </a:p>
@@ -11420,6 +11727,36 @@
                       <a:pPr algn="r"/>
                       <a:r>
                         <a:rPr kumimoji="1" lang="en-US" altLang="ja-JP" dirty="0"/>
+                        <a:t>72</a:t>
+                      </a:r>
+                      <a:endParaRPr kumimoji="1" lang="ja-JP" altLang="en-US"/>
+                    </a:p>
+                  </a:txBody>
+                  <a:tcPr anchor="ctr"/>
+                </a:tc>
+                <a:tc>
+                  <a:txBody>
+                    <a:bodyPr/>
+                    <a:lstStyle/>
+                    <a:p>
+                      <a:pPr algn="r"/>
+                      <a:r>
+                        <a:rPr kumimoji="1" lang="en-US" altLang="ja-JP" dirty="0"/>
+                        <a:t>16</a:t>
+                      </a:r>
+                      <a:endParaRPr kumimoji="1" lang="ja-JP" altLang="en-US"/>
+                    </a:p>
+                  </a:txBody>
+                  <a:tcPr anchor="ctr"/>
+                </a:tc>
+                <a:tc>
+                  <a:txBody>
+                    <a:bodyPr/>
+                    <a:lstStyle/>
+                    <a:p>
+                      <a:pPr algn="r"/>
+                      <a:r>
+                        <a:rPr kumimoji="1" lang="en-US" altLang="ja-JP" dirty="0"/>
                         <a:t>164.46</a:t>
                       </a:r>
                       <a:endParaRPr kumimoji="1" lang="ja-JP" altLang="en-US"/>
@@ -11548,6 +11885,36 @@
                       <a:pPr algn="r"/>
                       <a:r>
                         <a:rPr kumimoji="1" lang="en-US" altLang="ja-JP" dirty="0"/>
+                        <a:t>240</a:t>
+                      </a:r>
+                      <a:endParaRPr kumimoji="1" lang="ja-JP" altLang="en-US"/>
+                    </a:p>
+                  </a:txBody>
+                  <a:tcPr anchor="ctr"/>
+                </a:tc>
+                <a:tc>
+                  <a:txBody>
+                    <a:bodyPr/>
+                    <a:lstStyle/>
+                    <a:p>
+                      <a:pPr algn="r"/>
+                      <a:r>
+                        <a:rPr kumimoji="1" lang="en-US" altLang="ja-JP" dirty="0"/>
+                        <a:t>15</a:t>
+                      </a:r>
+                      <a:endParaRPr kumimoji="1" lang="ja-JP" altLang="en-US"/>
+                    </a:p>
+                  </a:txBody>
+                  <a:tcPr anchor="ctr"/>
+                </a:tc>
+                <a:tc>
+                  <a:txBody>
+                    <a:bodyPr/>
+                    <a:lstStyle/>
+                    <a:p>
+                      <a:pPr algn="r"/>
+                      <a:r>
+                        <a:rPr kumimoji="1" lang="en-US" altLang="ja-JP" dirty="0"/>
                         <a:t>296.06</a:t>
                       </a:r>
                       <a:endParaRPr kumimoji="1" lang="ja-JP" altLang="en-US"/>
@@ -11676,6 +12043,36 @@
                       <a:pPr algn="r"/>
                       <a:r>
                         <a:rPr kumimoji="1" lang="en-US" altLang="ja-JP" dirty="0"/>
+                        <a:t>504</a:t>
+                      </a:r>
+                      <a:endParaRPr kumimoji="1" lang="ja-JP" altLang="en-US"/>
+                    </a:p>
+                  </a:txBody>
+                  <a:tcPr anchor="ctr"/>
+                </a:tc>
+                <a:tc>
+                  <a:txBody>
+                    <a:bodyPr/>
+                    <a:lstStyle/>
+                    <a:p>
+                      <a:pPr algn="r"/>
+                      <a:r>
+                        <a:rPr kumimoji="1" lang="en-US" altLang="ja-JP" dirty="0"/>
+                        <a:t>49</a:t>
+                      </a:r>
+                      <a:endParaRPr kumimoji="1" lang="ja-JP" altLang="en-US"/>
+                    </a:p>
+                  </a:txBody>
+                  <a:tcPr anchor="ctr"/>
+                </a:tc>
+                <a:tc>
+                  <a:txBody>
+                    <a:bodyPr/>
+                    <a:lstStyle/>
+                    <a:p>
+                      <a:pPr algn="r"/>
+                      <a:r>
+                        <a:rPr kumimoji="1" lang="en-US" altLang="ja-JP" dirty="0"/>
                         <a:t>493.30</a:t>
                       </a:r>
                       <a:endParaRPr kumimoji="1" lang="ja-JP" altLang="en-US"/>
@@ -11812,6 +12209,36 @@
                       <a:pPr algn="r"/>
                       <a:r>
                         <a:rPr kumimoji="1" lang="en-US" altLang="ja-JP" dirty="0"/>
+                        <a:t>864</a:t>
+                      </a:r>
+                      <a:endParaRPr kumimoji="1" lang="ja-JP" altLang="en-US"/>
+                    </a:p>
+                  </a:txBody>
+                  <a:tcPr anchor="ctr"/>
+                </a:tc>
+                <a:tc>
+                  <a:txBody>
+                    <a:bodyPr/>
+                    <a:lstStyle/>
+                    <a:p>
+                      <a:pPr algn="r"/>
+                      <a:r>
+                        <a:rPr kumimoji="1" lang="en-US" altLang="ja-JP" dirty="0"/>
+                        <a:t>75</a:t>
+                      </a:r>
+                      <a:endParaRPr kumimoji="1" lang="ja-JP" altLang="en-US"/>
+                    </a:p>
+                  </a:txBody>
+                  <a:tcPr anchor="ctr"/>
+                </a:tc>
+                <a:tc>
+                  <a:txBody>
+                    <a:bodyPr/>
+                    <a:lstStyle/>
+                    <a:p>
+                      <a:pPr algn="r"/>
+                      <a:r>
+                        <a:rPr kumimoji="1" lang="en-US" altLang="ja-JP" dirty="0"/>
                         <a:t>535.90</a:t>
                       </a:r>
                       <a:endParaRPr kumimoji="1" lang="ja-JP" altLang="en-US"/>
@@ -11948,6 +12375,36 @@
                       <a:pPr algn="r"/>
                       <a:r>
                         <a:rPr kumimoji="1" lang="en-US" altLang="ja-JP" dirty="0"/>
+                        <a:t>1320</a:t>
+                      </a:r>
+                      <a:endParaRPr kumimoji="1" lang="ja-JP" altLang="en-US"/>
+                    </a:p>
+                  </a:txBody>
+                  <a:tcPr anchor="ctr"/>
+                </a:tc>
+                <a:tc>
+                  <a:txBody>
+                    <a:bodyPr/>
+                    <a:lstStyle/>
+                    <a:p>
+                      <a:pPr algn="r"/>
+                      <a:r>
+                        <a:rPr kumimoji="1" lang="en-US" altLang="ja-JP" dirty="0"/>
+                        <a:t>106</a:t>
+                      </a:r>
+                      <a:endParaRPr kumimoji="1" lang="ja-JP" altLang="en-US"/>
+                    </a:p>
+                  </a:txBody>
+                  <a:tcPr anchor="ctr"/>
+                </a:tc>
+                <a:tc>
+                  <a:txBody>
+                    <a:bodyPr/>
+                    <a:lstStyle/>
+                    <a:p>
+                      <a:pPr algn="r"/>
+                      <a:r>
+                        <a:rPr kumimoji="1" lang="en-US" altLang="ja-JP" dirty="0"/>
                         <a:t>589.74</a:t>
                       </a:r>
                       <a:endParaRPr kumimoji="1" lang="ja-JP" altLang="en-US"/>
@@ -12028,6 +12485,28 @@
                         <a:rPr kumimoji="1" lang="en-US" altLang="ja-JP" dirty="0"/>
                         <a:t>39.7</a:t>
                       </a:r>
+                      <a:endParaRPr kumimoji="1" lang="ja-JP" altLang="en-US"/>
+                    </a:p>
+                  </a:txBody>
+                  <a:tcPr anchor="ctr"/>
+                </a:tc>
+                <a:tc>
+                  <a:txBody>
+                    <a:bodyPr/>
+                    <a:lstStyle/>
+                    <a:p>
+                      <a:pPr algn="r"/>
+                      <a:endParaRPr kumimoji="1" lang="ja-JP" altLang="en-US"/>
+                    </a:p>
+                  </a:txBody>
+                  <a:tcPr anchor="ctr"/>
+                </a:tc>
+                <a:tc>
+                  <a:txBody>
+                    <a:bodyPr/>
+                    <a:lstStyle/>
+                    <a:p>
+                      <a:pPr algn="r"/>
                       <a:endParaRPr kumimoji="1" lang="ja-JP" altLang="en-US"/>
                     </a:p>
                   </a:txBody>
@@ -12118,291 +12597,6 @@
           <p:cNvPr id="2" name="タイトル 1">
             <a:extLst>
               <a:ext uri="{FF2B5EF4-FFF2-40B4-BE49-F238E27FC236}">
-                <a16:creationId xmlns:a16="http://schemas.microsoft.com/office/drawing/2014/main" id="{BA08D0EC-0BE6-5745-8320-C9ED70F9A334}"/>
-              </a:ext>
-            </a:extLst>
-          </p:cNvPr>
-          <p:cNvSpPr>
-            <a:spLocks noGrp="1"/>
-          </p:cNvSpPr>
-          <p:nvPr>
-            <p:ph type="title"/>
-          </p:nvPr>
-        </p:nvSpPr>
-        <p:spPr/>
-        <p:txBody>
-          <a:bodyPr/>
-          <a:lstStyle/>
-          <a:p>
-            <a:r>
-              <a:rPr kumimoji="1" lang="ja-JP" altLang="en-US"/>
-              <a:t>先行研究との比較</a:t>
-            </a:r>
-          </a:p>
-        </p:txBody>
-      </p:sp>
-      <mc:AlternateContent xmlns:mc="http://schemas.openxmlformats.org/markup-compatibility/2006">
-        <mc:Choice xmlns:a14="http://schemas.microsoft.com/office/drawing/2010/main" Requires="a14">
-          <p:sp>
-            <p:nvSpPr>
-              <p:cNvPr id="3" name="コンテンツ プレースホルダー 2">
-                <a:extLst>
-                  <a:ext uri="{FF2B5EF4-FFF2-40B4-BE49-F238E27FC236}">
-                    <a16:creationId xmlns:a16="http://schemas.microsoft.com/office/drawing/2014/main" id="{0AB70998-D480-8A48-BFC5-F2BBB543EEA7}"/>
-                  </a:ext>
-                </a:extLst>
-              </p:cNvPr>
-              <p:cNvSpPr>
-                <a:spLocks noGrp="1"/>
-              </p:cNvSpPr>
-              <p:nvPr>
-                <p:ph idx="1"/>
-              </p:nvPr>
-            </p:nvSpPr>
-            <p:spPr>
-              <a:xfrm>
-                <a:off x="1130270" y="2171769"/>
-                <a:ext cx="9603275" cy="3647140"/>
-              </a:xfrm>
-            </p:spPr>
-            <p:txBody>
-              <a:bodyPr>
-                <a:normAutofit/>
-              </a:bodyPr>
-              <a:lstStyle/>
-              <a:p>
-                <a:r>
-                  <a:rPr kumimoji="1" lang="ja-JP" altLang="en-US"/>
-                  <a:t>多くのインスタンスでペナルティが</a:t>
-                </a:r>
-                <a:r>
-                  <a:rPr kumimoji="1" lang="en-US" altLang="ja-JP" dirty="0"/>
-                  <a:t>0</a:t>
-                </a:r>
-                <a:r>
-                  <a:rPr lang="ja-JP" altLang="en-US"/>
-                  <a:t>の解を得ることができた。</a:t>
-                </a:r>
-                <a:endParaRPr lang="en-US" altLang="ja-JP" dirty="0"/>
-              </a:p>
-              <a:p>
-                <a:r>
-                  <a:rPr lang="ja-JP" altLang="en-US"/>
-                  <a:t>解の相対誤差が平均で</a:t>
-                </a:r>
-                <a:r>
-                  <a:rPr lang="en-US" altLang="ja-JP" dirty="0"/>
-                  <a:t>40%</a:t>
-                </a:r>
-                <a:r>
-                  <a:rPr lang="ja-JP" altLang="en-US"/>
-                  <a:t>程度の解を得た。</a:t>
-                </a:r>
-                <a:endParaRPr lang="en-US" altLang="ja-JP" dirty="0"/>
-              </a:p>
-              <a:p>
-                <a:r>
-                  <a:rPr lang="ja-JP" altLang="en-US"/>
-                  <a:t>ルート間の挿入回数が</a:t>
-                </a:r>
-                <a:r>
-                  <a:rPr lang="en-US" altLang="ja-JP" dirty="0"/>
-                  <a:t>72—1000</a:t>
-                </a:r>
-                <a:r>
-                  <a:rPr lang="ja-JP" altLang="en-US"/>
-                  <a:t>回程度であった。</a:t>
-                </a:r>
-                <a:endParaRPr lang="en-US" altLang="ja-JP" dirty="0"/>
-              </a:p>
-              <a:p>
-                <a:pPr marL="0" indent="0">
-                  <a:buNone/>
-                </a:pPr>
-                <a:r>
-                  <a:rPr lang="en-US" altLang="ja-JP" dirty="0"/>
-                  <a:t>	(</a:t>
-                </a:r>
-                <a:r>
-                  <a:rPr lang="en-US" altLang="ja-JP" dirty="0" err="1"/>
-                  <a:t>Cordeau</a:t>
-                </a:r>
-                <a:r>
-                  <a:rPr lang="ja-JP" altLang="en-US"/>
-                  <a:t>らの値は</a:t>
-                </a:r>
-                <a14:m>
-                  <m:oMath xmlns:m="http://schemas.openxmlformats.org/officeDocument/2006/math">
-                    <m:sSup>
-                      <m:sSupPr>
-                        <m:ctrlPr>
-                          <a:rPr lang="en-US" altLang="ja-JP" i="1" smtClean="0">
-                            <a:latin typeface="Cambria Math" panose="02040503050406030204" pitchFamily="18" charset="0"/>
-                          </a:rPr>
-                        </m:ctrlPr>
-                      </m:sSupPr>
-                      <m:e>
-                        <m:r>
-                          <a:rPr lang="en-US" altLang="ja-JP" b="0" i="1" smtClean="0">
-                            <a:latin typeface="Cambria Math" panose="02040503050406030204" pitchFamily="18" charset="0"/>
-                          </a:rPr>
-                          <m:t>10</m:t>
-                        </m:r>
-                      </m:e>
-                      <m:sup>
-                        <m:r>
-                          <a:rPr lang="en-US" altLang="ja-JP" b="0" i="1" smtClean="0">
-                            <a:latin typeface="Cambria Math" panose="02040503050406030204" pitchFamily="18" charset="0"/>
-                          </a:rPr>
-                          <m:t>5</m:t>
-                        </m:r>
-                      </m:sup>
-                    </m:sSup>
-                    <m:r>
-                      <a:rPr lang="ja-JP" altLang="en-US" i="1">
-                        <a:latin typeface="Cambria Math" panose="02040503050406030204" pitchFamily="18" charset="0"/>
-                      </a:rPr>
-                      <m:t>回</m:t>
-                    </m:r>
-                    <m:r>
-                      <a:rPr lang="en-US" altLang="ja-JP" b="0" i="1" smtClean="0">
-                        <a:latin typeface="Cambria Math" panose="02040503050406030204" pitchFamily="18" charset="0"/>
-                      </a:rPr>
-                      <m:t>)</m:t>
-                    </m:r>
-                  </m:oMath>
-                </a14:m>
-                <a:endParaRPr lang="en-US" altLang="ja-JP" dirty="0"/>
-              </a:p>
-              <a:p>
-                <a:pPr marL="0" indent="0">
-                  <a:buNone/>
-                </a:pPr>
-                <a:endParaRPr lang="en-US" altLang="ja-JP" dirty="0"/>
-              </a:p>
-              <a:p>
-                <a:pPr marL="457200" lvl="1" indent="0">
-                  <a:buNone/>
-                </a:pPr>
-                <a:endParaRPr lang="en-US" altLang="ja-JP" dirty="0"/>
-              </a:p>
-              <a:p>
-                <a:pPr marL="457200" lvl="1" indent="0">
-                  <a:buNone/>
-                </a:pPr>
-                <a:endParaRPr kumimoji="1" lang="en-US" altLang="ja-JP" dirty="0"/>
-              </a:p>
-            </p:txBody>
-          </p:sp>
-        </mc:Choice>
-        <mc:Fallback>
-          <p:sp>
-            <p:nvSpPr>
-              <p:cNvPr id="3" name="コンテンツ プレースホルダー 2">
-                <a:extLst>
-                  <a:ext uri="{FF2B5EF4-FFF2-40B4-BE49-F238E27FC236}">
-                    <a16:creationId xmlns:a16="http://schemas.microsoft.com/office/drawing/2014/main" id="{0AB70998-D480-8A48-BFC5-F2BBB543EEA7}"/>
-                  </a:ext>
-                </a:extLst>
-              </p:cNvPr>
-              <p:cNvSpPr>
-                <a:spLocks noGrp="1" noRot="1" noChangeAspect="1" noMove="1" noResize="1" noEditPoints="1" noAdjustHandles="1" noChangeArrowheads="1" noChangeShapeType="1" noTextEdit="1"/>
-              </p:cNvSpPr>
-              <p:nvPr>
-                <p:ph idx="1"/>
-              </p:nvPr>
-            </p:nvSpPr>
-            <p:spPr>
-              <a:xfrm>
-                <a:off x="1130270" y="2171769"/>
-                <a:ext cx="9603275" cy="3647140"/>
-              </a:xfrm>
-              <a:blipFill>
-                <a:blip r:embed="rId2"/>
-                <a:stretch>
-                  <a:fillRect l="-528"/>
-                </a:stretch>
-              </a:blipFill>
-            </p:spPr>
-            <p:txBody>
-              <a:bodyPr/>
-              <a:lstStyle/>
-              <a:p>
-                <a:r>
-                  <a:rPr lang="ja-JP" altLang="en-US">
-                    <a:noFill/>
-                  </a:rPr>
-                  <a:t> </a:t>
-                </a:r>
-              </a:p>
-            </p:txBody>
-          </p:sp>
-        </mc:Fallback>
-      </mc:AlternateContent>
-      <p:sp>
-        <p:nvSpPr>
-          <p:cNvPr id="4" name="スライド番号プレースホルダー 3">
-            <a:extLst>
-              <a:ext uri="{FF2B5EF4-FFF2-40B4-BE49-F238E27FC236}">
-                <a16:creationId xmlns:a16="http://schemas.microsoft.com/office/drawing/2014/main" id="{98C3D642-9301-724A-A819-AB8BBAAAD29F}"/>
-              </a:ext>
-            </a:extLst>
-          </p:cNvPr>
-          <p:cNvSpPr>
-            <a:spLocks noGrp="1"/>
-          </p:cNvSpPr>
-          <p:nvPr>
-            <p:ph type="sldNum" sz="quarter" idx="12"/>
-          </p:nvPr>
-        </p:nvSpPr>
-        <p:spPr/>
-        <p:txBody>
-          <a:bodyPr/>
-          <a:lstStyle/>
-          <a:p>
-            <a:fld id="{84E0C278-47E8-3649-A055-2003DC36C60A}" type="slidenum">
-              <a:rPr kumimoji="1" lang="ja-JP" altLang="en-US" smtClean="0"/>
-              <a:t>22</a:t>
-            </a:fld>
-            <a:endParaRPr kumimoji="1" lang="ja-JP" altLang="en-US"/>
-          </a:p>
-        </p:txBody>
-      </p:sp>
-    </p:spTree>
-    <p:extLst>
-      <p:ext uri="{BB962C8B-B14F-4D97-AF65-F5344CB8AC3E}">
-        <p14:creationId xmlns:p14="http://schemas.microsoft.com/office/powerpoint/2010/main" val="1422273129"/>
-      </p:ext>
-    </p:extLst>
-  </p:cSld>
-  <p:clrMapOvr>
-    <a:masterClrMapping/>
-  </p:clrMapOvr>
-</p:sld>
-</file>
-
-<file path=ppt/slides/slide23.xml><?xml version="1.0" encoding="utf-8"?>
-<p:sld xmlns:a="http://schemas.openxmlformats.org/drawingml/2006/main" xmlns:r="http://schemas.openxmlformats.org/officeDocument/2006/relationships" xmlns:p="http://schemas.openxmlformats.org/presentationml/2006/main">
-  <p:cSld>
-    <p:spTree>
-      <p:nvGrpSpPr>
-        <p:cNvPr id="1" name=""/>
-        <p:cNvGrpSpPr/>
-        <p:nvPr/>
-      </p:nvGrpSpPr>
-      <p:grpSpPr>
-        <a:xfrm>
-          <a:off x="0" y="0"/>
-          <a:ext cx="0" cy="0"/>
-          <a:chOff x="0" y="0"/>
-          <a:chExt cx="0" cy="0"/>
-        </a:xfrm>
-      </p:grpSpPr>
-      <p:sp>
-        <p:nvSpPr>
-          <p:cNvPr id="2" name="タイトル 1">
-            <a:extLst>
-              <a:ext uri="{FF2B5EF4-FFF2-40B4-BE49-F238E27FC236}">
                 <a16:creationId xmlns:a16="http://schemas.microsoft.com/office/drawing/2014/main" id="{23138078-15D2-F744-A921-1FDB5651924C}"/>
               </a:ext>
             </a:extLst>
@@ -12575,7 +12769,7 @@
           <a:p>
             <a:fld id="{84E0C278-47E8-3649-A055-2003DC36C60A}" type="slidenum">
               <a:rPr kumimoji="1" lang="ja-JP" altLang="en-US" smtClean="0"/>
-              <a:t>23</a:t>
+              <a:t>22</a:t>
             </a:fld>
             <a:endParaRPr kumimoji="1" lang="ja-JP" altLang="en-US"/>
           </a:p>
@@ -12594,7 +12788,7 @@
 </p:sld>
 </file>
 
-<file path=ppt/slides/slide24.xml><?xml version="1.0" encoding="utf-8"?>
+<file path=ppt/slides/slide23.xml><?xml version="1.0" encoding="utf-8"?>
 <p:sld xmlns:a="http://schemas.openxmlformats.org/drawingml/2006/main" xmlns:r="http://schemas.openxmlformats.org/officeDocument/2006/relationships" xmlns:p="http://schemas.openxmlformats.org/presentationml/2006/main">
   <p:cSld>
     <p:spTree>
@@ -14162,7 +14356,7 @@
           <a:p>
             <a:fld id="{84E0C278-47E8-3649-A055-2003DC36C60A}" type="slidenum">
               <a:rPr kumimoji="1" lang="ja-JP" altLang="en-US" smtClean="0"/>
-              <a:t>24</a:t>
+              <a:t>23</a:t>
             </a:fld>
             <a:endParaRPr kumimoji="1" lang="ja-JP" altLang="en-US"/>
           </a:p>
@@ -14181,7 +14375,7 @@
 </p:sld>
 </file>
 
-<file path=ppt/slides/slide25.xml><?xml version="1.0" encoding="utf-8"?>
+<file path=ppt/slides/slide24.xml><?xml version="1.0" encoding="utf-8"?>
 <p:sld xmlns:a="http://schemas.openxmlformats.org/drawingml/2006/main" xmlns:r="http://schemas.openxmlformats.org/officeDocument/2006/relationships" xmlns:p="http://schemas.openxmlformats.org/presentationml/2006/main">
   <p:cSld>
     <p:spTree>
@@ -14250,7 +14444,7 @@
         </p:spPr>
         <p:txBody>
           <a:bodyPr>
-            <a:normAutofit/>
+            <a:normAutofit lnSpcReduction="10000"/>
           </a:bodyPr>
           <a:lstStyle/>
           <a:p>
@@ -14312,6 +14506,13 @@
             <a:r>
               <a:rPr kumimoji="1" lang="ja-JP" altLang="en-US"/>
               <a:t>近傍操作の見直し</a:t>
+            </a:r>
+            <a:endParaRPr lang="en-US" altLang="ja-JP" dirty="0"/>
+          </a:p>
+          <a:p>
+            <a:r>
+              <a:rPr kumimoji="1" lang="ja-JP" altLang="en-US"/>
+              <a:t>計算時間を減らす方法の提案</a:t>
             </a:r>
             <a:endParaRPr kumimoji="1" lang="en-US" altLang="ja-JP" dirty="0"/>
           </a:p>
@@ -14340,7 +14541,7 @@
           <a:p>
             <a:fld id="{84E0C278-47E8-3649-A055-2003DC36C60A}" type="slidenum">
               <a:rPr kumimoji="1" lang="ja-JP" altLang="en-US" smtClean="0"/>
-              <a:t>25</a:t>
+              <a:t>24</a:t>
             </a:fld>
             <a:endParaRPr kumimoji="1" lang="ja-JP" altLang="en-US"/>
           </a:p>
@@ -15639,8 +15840,8 @@
           </a:p>
         </p:txBody>
       </p:sp>
-      <mc:AlternateContent xmlns:mc="http://schemas.openxmlformats.org/markup-compatibility/2006">
-        <mc:Choice xmlns:a14="http://schemas.microsoft.com/office/drawing/2010/main" Requires="a14">
+      <mc:AlternateContent xmlns:mc="http://schemas.openxmlformats.org/markup-compatibility/2006" xmlns:a14="http://schemas.microsoft.com/office/drawing/2010/main">
+        <mc:Choice Requires="a14">
           <p:sp>
             <p:nvSpPr>
               <p:cNvPr id="3" name="コンテンツ プレースホルダー 2">
@@ -16677,7 +16878,7 @@
             </p:txBody>
           </p:sp>
         </mc:Choice>
-        <mc:Fallback>
+        <mc:Fallback xmlns="">
           <p:sp>
             <p:nvSpPr>
               <p:cNvPr id="3" name="コンテンツ プレースホルダー 2">
@@ -16808,8 +17009,8 @@
           </a:p>
         </p:txBody>
       </p:sp>
-      <mc:AlternateContent xmlns:mc="http://schemas.openxmlformats.org/markup-compatibility/2006">
-        <mc:Choice xmlns:a14="http://schemas.microsoft.com/office/drawing/2010/main" Requires="a14">
+      <mc:AlternateContent xmlns:mc="http://schemas.openxmlformats.org/markup-compatibility/2006" xmlns:a14="http://schemas.microsoft.com/office/drawing/2010/main">
+        <mc:Choice Requires="a14">
           <p:sp>
             <p:nvSpPr>
               <p:cNvPr id="3" name="コンテンツ プレースホルダー 2">
@@ -17123,7 +17324,7 @@
             </p:txBody>
           </p:sp>
         </mc:Choice>
-        <mc:Fallback>
+        <mc:Fallback xmlns="">
           <p:sp>
             <p:nvSpPr>
               <p:cNvPr id="3" name="コンテンツ プレースホルダー 2">

--- a/卒論発表_10分用.pptx
+++ b/卒論発表_10分用.pptx
@@ -220,7 +220,7 @@
           <a:p>
             <a:fld id="{F185D03E-571D-BA42-85BF-4D068DC12E29}" type="datetimeFigureOut">
               <a:rPr kumimoji="1" lang="ja-JP" altLang="en-US" smtClean="0"/>
-              <a:t>2020/2/1</a:t>
+              <a:t>2020/2/3</a:t>
             </a:fld>
             <a:endParaRPr kumimoji="1" lang="ja-JP" altLang="en-US"/>
           </a:p>
@@ -895,7 +895,7 @@
           <a:p>
             <a:fld id="{4022EDAD-B217-3946-A79C-481C6FEC392F}" type="datetime1">
               <a:rPr kumimoji="1" lang="ja-JP" altLang="en-US" smtClean="0"/>
-              <a:t>2020/2/1</a:t>
+              <a:t>2020/2/3</a:t>
             </a:fld>
             <a:endParaRPr kumimoji="1" lang="ja-JP" altLang="en-US"/>
           </a:p>
@@ -1123,7 +1123,7 @@
           <a:p>
             <a:fld id="{8F2CA839-3EA4-F84E-9DD3-1549C09B4DFF}" type="datetime1">
               <a:rPr kumimoji="1" lang="ja-JP" altLang="en-US" smtClean="0"/>
-              <a:t>2020/2/1</a:t>
+              <a:t>2020/2/3</a:t>
             </a:fld>
             <a:endParaRPr kumimoji="1" lang="ja-JP" altLang="en-US"/>
           </a:p>
@@ -1355,7 +1355,7 @@
           <a:p>
             <a:fld id="{0903EBEF-087E-1C4B-A394-4BF982076E9B}" type="datetime1">
               <a:rPr kumimoji="1" lang="ja-JP" altLang="en-US" smtClean="0"/>
-              <a:t>2020/2/1</a:t>
+              <a:t>2020/2/3</a:t>
             </a:fld>
             <a:endParaRPr kumimoji="1" lang="ja-JP" altLang="en-US"/>
           </a:p>
@@ -1577,7 +1577,7 @@
           <a:p>
             <a:fld id="{3CC3E3BD-DD2F-0F4C-9F7B-BD2CFE73C08E}" type="datetime1">
               <a:rPr kumimoji="1" lang="ja-JP" altLang="en-US" smtClean="0"/>
-              <a:t>2020/2/1</a:t>
+              <a:t>2020/2/3</a:t>
             </a:fld>
             <a:endParaRPr kumimoji="1" lang="ja-JP" altLang="en-US"/>
           </a:p>
@@ -1906,7 +1906,7 @@
           <a:p>
             <a:fld id="{C115CAE8-F975-9249-9A1B-F50E55793BF8}" type="datetime1">
               <a:rPr kumimoji="1" lang="ja-JP" altLang="en-US" smtClean="0"/>
-              <a:t>2020/2/1</a:t>
+              <a:t>2020/2/3</a:t>
             </a:fld>
             <a:endParaRPr kumimoji="1" lang="ja-JP" altLang="en-US"/>
           </a:p>
@@ -2199,7 +2199,7 @@
           <a:p>
             <a:fld id="{4B86C5E8-D6C8-5540-A4FD-D0987B8EBD10}" type="datetime1">
               <a:rPr kumimoji="1" lang="ja-JP" altLang="en-US" smtClean="0"/>
-              <a:t>2020/2/1</a:t>
+              <a:t>2020/2/3</a:t>
             </a:fld>
             <a:endParaRPr kumimoji="1" lang="ja-JP" altLang="en-US"/>
           </a:p>
@@ -2714,7 +2714,7 @@
           <a:p>
             <a:fld id="{6FA0929B-742B-B141-B071-CCB3728A9B97}" type="datetime1">
               <a:rPr kumimoji="1" lang="ja-JP" altLang="en-US" smtClean="0"/>
-              <a:t>2020/2/1</a:t>
+              <a:t>2020/2/3</a:t>
             </a:fld>
             <a:endParaRPr kumimoji="1" lang="ja-JP" altLang="en-US"/>
           </a:p>
@@ -2872,7 +2872,7 @@
           <a:p>
             <a:fld id="{6E24F31F-B5AD-3641-8587-346597BEC0BE}" type="datetime1">
               <a:rPr kumimoji="1" lang="ja-JP" altLang="en-US" smtClean="0"/>
-              <a:t>2020/2/1</a:t>
+              <a:t>2020/2/3</a:t>
             </a:fld>
             <a:endParaRPr kumimoji="1" lang="ja-JP" altLang="en-US"/>
           </a:p>
@@ -3007,7 +3007,7 @@
           <a:p>
             <a:fld id="{BE99A350-A1B1-1E45-BB25-3DF64E2FB64C}" type="datetime1">
               <a:rPr kumimoji="1" lang="ja-JP" altLang="en-US" smtClean="0"/>
-              <a:t>2020/2/1</a:t>
+              <a:t>2020/2/3</a:t>
             </a:fld>
             <a:endParaRPr kumimoji="1" lang="ja-JP" altLang="en-US"/>
           </a:p>
@@ -3303,7 +3303,7 @@
           <a:p>
             <a:fld id="{B66F413D-3751-BA4F-95FD-B012FBB5AC38}" type="datetime1">
               <a:rPr kumimoji="1" lang="ja-JP" altLang="en-US" smtClean="0"/>
-              <a:t>2020/2/1</a:t>
+              <a:t>2020/2/3</a:t>
             </a:fld>
             <a:endParaRPr kumimoji="1" lang="ja-JP" altLang="en-US"/>
           </a:p>
@@ -3800,7 +3800,7 @@
           <a:p>
             <a:fld id="{3F034A29-2760-CE48-9EAD-37F6D8A2ED9E}" type="datetime1">
               <a:rPr kumimoji="1" lang="ja-JP" altLang="en-US" smtClean="0"/>
-              <a:t>2020/2/1</a:t>
+              <a:t>2020/2/3</a:t>
             </a:fld>
             <a:endParaRPr kumimoji="1" lang="ja-JP" altLang="en-US"/>
           </a:p>
@@ -4181,7 +4181,7 @@
           <a:p>
             <a:fld id="{4BD725EE-9545-E84A-BF76-93ECAC915F52}" type="datetime1">
               <a:rPr kumimoji="1" lang="ja-JP" altLang="en-US" smtClean="0"/>
-              <a:t>2020/2/1</a:t>
+              <a:t>2020/2/3</a:t>
             </a:fld>
             <a:endParaRPr kumimoji="1" lang="ja-JP" altLang="en-US"/>
           </a:p>
@@ -8571,8 +8571,8 @@
           </a:p>
         </p:txBody>
       </p:sp>
-      <mc:AlternateContent xmlns:mc="http://schemas.openxmlformats.org/markup-compatibility/2006" xmlns:a14="http://schemas.microsoft.com/office/drawing/2010/main">
-        <mc:Choice Requires="a14">
+      <mc:AlternateContent xmlns:mc="http://schemas.openxmlformats.org/markup-compatibility/2006">
+        <mc:Choice xmlns:a14="http://schemas.microsoft.com/office/drawing/2010/main" Requires="a14">
           <p:sp>
             <p:nvSpPr>
               <p:cNvPr id="3" name="コンテンツ プレースホルダー 2">
@@ -8601,61 +8601,39 @@
               </a:bodyPr>
               <a:lstStyle/>
               <a:p>
+                <a:pPr marL="0" indent="0">
+                  <a:buNone/>
+                </a:pPr>
                 <a:r>
                   <a:rPr lang="ja-JP" altLang="en-US"/>
-                  <a:t>試行回数を</a:t>
+                  <a:t>サービス最適時刻の決定回数</a:t>
                 </a:r>
                 <a14:m>
                   <m:oMath xmlns:m="http://schemas.openxmlformats.org/officeDocument/2006/math">
+                    <m:r>
+                      <a:rPr lang="ja-JP" altLang="en-US" b="0" i="1">
+                        <a:latin typeface="Cambria Math" panose="02040503050406030204" pitchFamily="18" charset="0"/>
+                      </a:rPr>
+                      <m:t>が</m:t>
+                    </m:r>
                     <m:r>
                       <a:rPr lang="en-US" altLang="ja-JP" b="0" i="1" smtClean="0">
                         <a:latin typeface="Cambria Math" panose="02040503050406030204" pitchFamily="18" charset="0"/>
                       </a:rPr>
                       <m:t>1000</m:t>
                     </m:r>
+                    <m:r>
+                      <a:rPr lang="ja-JP" altLang="en-US" i="1">
+                        <a:latin typeface="Cambria Math" panose="02040503050406030204" pitchFamily="18" charset="0"/>
+                      </a:rPr>
+                      <m:t>回</m:t>
+                    </m:r>
                   </m:oMath>
                 </a14:m>
                 <a:r>
                   <a:rPr lang="ja-JP" altLang="en-US"/>
-                  <a:t>として、目的関数の係数は</a:t>
+                  <a:t>の解を比較</a:t>
                 </a:r>
-                <a14:m>
-                  <m:oMath xmlns:m="http://schemas.openxmlformats.org/officeDocument/2006/math">
-                    <m:r>
-                      <a:rPr lang="ja-JP" altLang="en-US" i="1" smtClean="0">
-                        <a:latin typeface="Cambria Math" panose="02040503050406030204" pitchFamily="18" charset="0"/>
-                      </a:rPr>
-                      <m:t>𝛼</m:t>
-                    </m:r>
-                    <m:r>
-                      <a:rPr lang="en-US" altLang="ja-JP" b="0" i="1" smtClean="0">
-                        <a:latin typeface="Cambria Math" panose="02040503050406030204" pitchFamily="18" charset="0"/>
-                      </a:rPr>
-                      <m:t>=1,</m:t>
-                    </m:r>
-                    <m:r>
-                      <a:rPr lang="en-US" altLang="ja-JP" b="0" i="1" smtClean="0">
-                        <a:latin typeface="Cambria Math" panose="02040503050406030204" pitchFamily="18" charset="0"/>
-                        <a:ea typeface="Cambria Math" panose="02040503050406030204" pitchFamily="18" charset="0"/>
-                      </a:rPr>
-                      <m:t>𝛽</m:t>
-                    </m:r>
-                    <m:r>
-                      <a:rPr lang="en-US" altLang="ja-JP" b="0" i="1" smtClean="0">
-                        <a:latin typeface="Cambria Math" panose="02040503050406030204" pitchFamily="18" charset="0"/>
-                        <a:ea typeface="Cambria Math" panose="02040503050406030204" pitchFamily="18" charset="0"/>
-                      </a:rPr>
-                      <m:t>=5</m:t>
-                    </m:r>
-                    <m:r>
-                      <a:rPr lang="ja-JP" altLang="en-US" i="1">
-                        <a:latin typeface="Cambria Math" panose="02040503050406030204" pitchFamily="18" charset="0"/>
-                        <a:ea typeface="Cambria Math" panose="02040503050406030204" pitchFamily="18" charset="0"/>
-                      </a:rPr>
-                      <m:t>とする</m:t>
-                    </m:r>
-                  </m:oMath>
-                </a14:m>
                 <a:endParaRPr lang="en-US" altLang="ja-JP" dirty="0">
                   <a:ea typeface="Cambria Math" panose="02040503050406030204" pitchFamily="18" charset="0"/>
                 </a:endParaRPr>
@@ -8693,7 +8671,7 @@
             </p:txBody>
           </p:sp>
         </mc:Choice>
-        <mc:Fallback xmlns="">
+        <mc:Fallback>
           <p:sp>
             <p:nvSpPr>
               <p:cNvPr id="3" name="コンテンツ プレースホルダー 2">
@@ -10338,7 +10316,7 @@
               <a:p>
                 <a:r>
                   <a:rPr kumimoji="1" lang="ja-JP" altLang="en-US"/>
-                  <a:t>目的関数のペナルティに対する係数を十分に大きくすることで、</a:t>
+                  <a:t>目的関数のペナルティに対する係数を十分に大きくすることで、　　　　　　</a:t>
                 </a:r>
                 <a:r>
                   <a:rPr lang="ja-JP" altLang="en-US"/>
@@ -10445,7 +10423,7 @@
               <a:blipFill>
                 <a:blip r:embed="rId2"/>
                 <a:stretch>
-                  <a:fillRect l="-528" r="-132"/>
+                  <a:fillRect l="-528"/>
                 </a:stretch>
               </a:blipFill>
             </p:spPr>
@@ -17009,8 +16987,8 @@
           </a:p>
         </p:txBody>
       </p:sp>
-      <mc:AlternateContent xmlns:mc="http://schemas.openxmlformats.org/markup-compatibility/2006" xmlns:a14="http://schemas.microsoft.com/office/drawing/2010/main">
-        <mc:Choice Requires="a14">
+      <mc:AlternateContent xmlns:mc="http://schemas.openxmlformats.org/markup-compatibility/2006">
+        <mc:Choice xmlns:a14="http://schemas.microsoft.com/office/drawing/2010/main" Requires="a14">
           <p:sp>
             <p:nvSpPr>
               <p:cNvPr id="3" name="コンテンツ プレースホルダー 2">
@@ -17041,12 +17019,6 @@
                   <a:rPr kumimoji="1" lang="ja-JP" altLang="en-US"/>
                   <a:t>局所探索を行う上で、より自由に探索を行うために、容量制約を緩和する。</a:t>
                 </a:r>
-                <a:endParaRPr kumimoji="1" lang="en-US" altLang="ja-JP" dirty="0"/>
-              </a:p>
-              <a:p>
-                <a:pPr marL="0" indent="0">
-                  <a:buNone/>
-                </a:pPr>
                 <a:endParaRPr kumimoji="1" lang="en-US" altLang="ja-JP" dirty="0"/>
               </a:p>
               <a:p>
@@ -17324,7 +17296,7 @@
             </p:txBody>
           </p:sp>
         </mc:Choice>
-        <mc:Fallback xmlns="">
+        <mc:Fallback>
           <p:sp>
             <p:nvSpPr>
               <p:cNvPr id="3" name="コンテンツ プレースホルダー 2">
@@ -17345,7 +17317,7 @@
               <a:blipFill>
                 <a:blip r:embed="rId2"/>
                 <a:stretch>
-                  <a:fillRect l="-528" b="-15769"/>
+                  <a:fillRect l="-528" t="-1538" b="-769"/>
                 </a:stretch>
               </a:blipFill>
             </p:spPr>

--- a/卒論発表_10分用.pptx
+++ b/卒論発表_10分用.pptx
@@ -220,7 +220,7 @@
           <a:p>
             <a:fld id="{F185D03E-571D-BA42-85BF-4D068DC12E29}" type="datetimeFigureOut">
               <a:rPr kumimoji="1" lang="ja-JP" altLang="en-US" smtClean="0"/>
-              <a:t>2020/2/3</a:t>
+              <a:t>2020/2/5</a:t>
             </a:fld>
             <a:endParaRPr kumimoji="1" lang="ja-JP" altLang="en-US"/>
           </a:p>
@@ -895,7 +895,7 @@
           <a:p>
             <a:fld id="{4022EDAD-B217-3946-A79C-481C6FEC392F}" type="datetime1">
               <a:rPr kumimoji="1" lang="ja-JP" altLang="en-US" smtClean="0"/>
-              <a:t>2020/2/3</a:t>
+              <a:t>2020/2/5</a:t>
             </a:fld>
             <a:endParaRPr kumimoji="1" lang="ja-JP" altLang="en-US"/>
           </a:p>
@@ -1123,7 +1123,7 @@
           <a:p>
             <a:fld id="{8F2CA839-3EA4-F84E-9DD3-1549C09B4DFF}" type="datetime1">
               <a:rPr kumimoji="1" lang="ja-JP" altLang="en-US" smtClean="0"/>
-              <a:t>2020/2/3</a:t>
+              <a:t>2020/2/5</a:t>
             </a:fld>
             <a:endParaRPr kumimoji="1" lang="ja-JP" altLang="en-US"/>
           </a:p>
@@ -1355,7 +1355,7 @@
           <a:p>
             <a:fld id="{0903EBEF-087E-1C4B-A394-4BF982076E9B}" type="datetime1">
               <a:rPr kumimoji="1" lang="ja-JP" altLang="en-US" smtClean="0"/>
-              <a:t>2020/2/3</a:t>
+              <a:t>2020/2/5</a:t>
             </a:fld>
             <a:endParaRPr kumimoji="1" lang="ja-JP" altLang="en-US"/>
           </a:p>
@@ -1577,7 +1577,7 @@
           <a:p>
             <a:fld id="{3CC3E3BD-DD2F-0F4C-9F7B-BD2CFE73C08E}" type="datetime1">
               <a:rPr kumimoji="1" lang="ja-JP" altLang="en-US" smtClean="0"/>
-              <a:t>2020/2/3</a:t>
+              <a:t>2020/2/5</a:t>
             </a:fld>
             <a:endParaRPr kumimoji="1" lang="ja-JP" altLang="en-US"/>
           </a:p>
@@ -1906,7 +1906,7 @@
           <a:p>
             <a:fld id="{C115CAE8-F975-9249-9A1B-F50E55793BF8}" type="datetime1">
               <a:rPr kumimoji="1" lang="ja-JP" altLang="en-US" smtClean="0"/>
-              <a:t>2020/2/3</a:t>
+              <a:t>2020/2/5</a:t>
             </a:fld>
             <a:endParaRPr kumimoji="1" lang="ja-JP" altLang="en-US"/>
           </a:p>
@@ -2199,7 +2199,7 @@
           <a:p>
             <a:fld id="{4B86C5E8-D6C8-5540-A4FD-D0987B8EBD10}" type="datetime1">
               <a:rPr kumimoji="1" lang="ja-JP" altLang="en-US" smtClean="0"/>
-              <a:t>2020/2/3</a:t>
+              <a:t>2020/2/5</a:t>
             </a:fld>
             <a:endParaRPr kumimoji="1" lang="ja-JP" altLang="en-US"/>
           </a:p>
@@ -2714,7 +2714,7 @@
           <a:p>
             <a:fld id="{6FA0929B-742B-B141-B071-CCB3728A9B97}" type="datetime1">
               <a:rPr kumimoji="1" lang="ja-JP" altLang="en-US" smtClean="0"/>
-              <a:t>2020/2/3</a:t>
+              <a:t>2020/2/5</a:t>
             </a:fld>
             <a:endParaRPr kumimoji="1" lang="ja-JP" altLang="en-US"/>
           </a:p>
@@ -2872,7 +2872,7 @@
           <a:p>
             <a:fld id="{6E24F31F-B5AD-3641-8587-346597BEC0BE}" type="datetime1">
               <a:rPr kumimoji="1" lang="ja-JP" altLang="en-US" smtClean="0"/>
-              <a:t>2020/2/3</a:t>
+              <a:t>2020/2/5</a:t>
             </a:fld>
             <a:endParaRPr kumimoji="1" lang="ja-JP" altLang="en-US"/>
           </a:p>
@@ -3007,7 +3007,7 @@
           <a:p>
             <a:fld id="{BE99A350-A1B1-1E45-BB25-3DF64E2FB64C}" type="datetime1">
               <a:rPr kumimoji="1" lang="ja-JP" altLang="en-US" smtClean="0"/>
-              <a:t>2020/2/3</a:t>
+              <a:t>2020/2/5</a:t>
             </a:fld>
             <a:endParaRPr kumimoji="1" lang="ja-JP" altLang="en-US"/>
           </a:p>
@@ -3303,7 +3303,7 @@
           <a:p>
             <a:fld id="{B66F413D-3751-BA4F-95FD-B012FBB5AC38}" type="datetime1">
               <a:rPr kumimoji="1" lang="ja-JP" altLang="en-US" smtClean="0"/>
-              <a:t>2020/2/3</a:t>
+              <a:t>2020/2/5</a:t>
             </a:fld>
             <a:endParaRPr kumimoji="1" lang="ja-JP" altLang="en-US"/>
           </a:p>
@@ -3800,7 +3800,7 @@
           <a:p>
             <a:fld id="{3F034A29-2760-CE48-9EAD-37F6D8A2ED9E}" type="datetime1">
               <a:rPr kumimoji="1" lang="ja-JP" altLang="en-US" smtClean="0"/>
-              <a:t>2020/2/3</a:t>
+              <a:t>2020/2/5</a:t>
             </a:fld>
             <a:endParaRPr kumimoji="1" lang="ja-JP" altLang="en-US"/>
           </a:p>
@@ -4181,7 +4181,7 @@
           <a:p>
             <a:fld id="{4BD725EE-9545-E84A-BF76-93ECAC915F52}" type="datetime1">
               <a:rPr kumimoji="1" lang="ja-JP" altLang="en-US" smtClean="0"/>
-              <a:t>2020/2/3</a:t>
+              <a:t>2020/2/5</a:t>
             </a:fld>
             <a:endParaRPr kumimoji="1" lang="ja-JP" altLang="en-US"/>
           </a:p>
@@ -8571,8 +8571,8 @@
           </a:p>
         </p:txBody>
       </p:sp>
-      <mc:AlternateContent xmlns:mc="http://schemas.openxmlformats.org/markup-compatibility/2006">
-        <mc:Choice xmlns:a14="http://schemas.microsoft.com/office/drawing/2010/main" Requires="a14">
+      <mc:AlternateContent xmlns:mc="http://schemas.openxmlformats.org/markup-compatibility/2006" xmlns:a14="http://schemas.microsoft.com/office/drawing/2010/main">
+        <mc:Choice Requires="a14">
           <p:sp>
             <p:nvSpPr>
               <p:cNvPr id="3" name="コンテンツ プレースホルダー 2">
@@ -8671,7 +8671,7 @@
             </p:txBody>
           </p:sp>
         </mc:Choice>
-        <mc:Fallback>
+        <mc:Fallback xmlns="">
           <p:sp>
             <p:nvSpPr>
               <p:cNvPr id="3" name="コンテンツ プレースホルダー 2">
@@ -10289,8 +10289,8 @@
           </a:p>
         </p:txBody>
       </p:sp>
-      <mc:AlternateContent xmlns:mc="http://schemas.openxmlformats.org/markup-compatibility/2006">
-        <mc:Choice xmlns:a14="http://schemas.microsoft.com/office/drawing/2010/main" Requires="a14">
+      <mc:AlternateContent xmlns:mc="http://schemas.openxmlformats.org/markup-compatibility/2006" xmlns:a14="http://schemas.microsoft.com/office/drawing/2010/main">
+        <mc:Choice Requires="a14">
           <p:sp>
             <p:nvSpPr>
               <p:cNvPr id="3" name="コンテンツ プレースホルダー 2">
@@ -10402,7 +10402,7 @@
             </p:txBody>
           </p:sp>
         </mc:Choice>
-        <mc:Fallback>
+        <mc:Fallback xmlns="">
           <p:sp>
             <p:nvSpPr>
               <p:cNvPr id="3" name="コンテンツ プレースホルダー 2">
@@ -14618,17 +14618,17 @@
           </a:p>
           <a:p>
             <a:r>
-              <a:rPr kumimoji="1" lang="ja-JP" altLang="en-US"/>
+              <a:rPr kumimoji="1" lang="ja-JP" altLang="en-US" sz="2200"/>
               <a:t>利用者が場所や時間を指定する</a:t>
             </a:r>
-            <a:endParaRPr kumimoji="1" lang="en-US" altLang="ja-JP" dirty="0"/>
-          </a:p>
-          <a:p>
-            <a:r>
-              <a:rPr lang="ja-JP" altLang="en-US"/>
+            <a:endParaRPr kumimoji="1" lang="en-US" altLang="ja-JP" sz="2200" dirty="0"/>
+          </a:p>
+          <a:p>
+            <a:r>
+              <a:rPr lang="ja-JP" altLang="en-US" sz="2200"/>
               <a:t>複数の利用者が相乗りする</a:t>
             </a:r>
-            <a:endParaRPr lang="en-US" altLang="ja-JP" dirty="0"/>
+            <a:endParaRPr lang="en-US" altLang="ja-JP" sz="2200" dirty="0"/>
           </a:p>
           <a:p>
             <a:pPr marL="0" indent="0">
@@ -14641,42 +14641,42 @@
               <a:buNone/>
             </a:pPr>
             <a:r>
-              <a:rPr lang="ja-JP" altLang="en-US"/>
+              <a:rPr lang="ja-JP" altLang="en-US" sz="2200"/>
               <a:t>近年、これらの特徴を持つ乗合タクシーやヘルスケアサービスの送迎などの需要が増加</a:t>
             </a:r>
-            <a:endParaRPr lang="en-US" altLang="ja-JP" dirty="0"/>
+            <a:endParaRPr lang="en-US" altLang="ja-JP" sz="2200" dirty="0"/>
           </a:p>
           <a:p>
             <a:pPr marL="0" indent="0">
               <a:buNone/>
             </a:pPr>
             <a:r>
-              <a:rPr kumimoji="1" lang="ja-JP" altLang="en-US"/>
+              <a:rPr kumimoji="1" lang="ja-JP" altLang="en-US" sz="2200"/>
               <a:t>→</a:t>
             </a:r>
             <a:r>
-              <a:rPr kumimoji="1" lang="en-US" altLang="ja-JP" dirty="0"/>
+              <a:rPr kumimoji="1" lang="en-US" altLang="ja-JP" sz="2200" dirty="0"/>
               <a:t> </a:t>
             </a:r>
             <a:r>
-              <a:rPr kumimoji="1" lang="ja-JP" altLang="en-US"/>
+              <a:rPr kumimoji="1" lang="ja-JP" altLang="en-US" sz="2200"/>
               <a:t>これらのサービスにおいて最適なルートを求めることで、</a:t>
             </a:r>
-            <a:endParaRPr kumimoji="1" lang="en-US" altLang="ja-JP" dirty="0"/>
+            <a:endParaRPr kumimoji="1" lang="en-US" altLang="ja-JP" sz="2200" dirty="0"/>
           </a:p>
           <a:p>
             <a:pPr marL="0" indent="0">
               <a:buNone/>
             </a:pPr>
             <a:r>
-              <a:rPr lang="en-US" altLang="ja-JP" dirty="0"/>
+              <a:rPr lang="en-US" altLang="ja-JP" sz="2200" dirty="0"/>
               <a:t>	</a:t>
             </a:r>
             <a:r>
-              <a:rPr kumimoji="1" lang="ja-JP" altLang="en-US"/>
+              <a:rPr kumimoji="1" lang="ja-JP" altLang="en-US" sz="2200"/>
               <a:t>効率的にサービスを提供できる</a:t>
             </a:r>
-            <a:endParaRPr kumimoji="1" lang="en-US" altLang="ja-JP" dirty="0"/>
+            <a:endParaRPr kumimoji="1" lang="en-US" altLang="ja-JP" sz="2200" dirty="0"/>
           </a:p>
           <a:p>
             <a:pPr marL="0" indent="0">
@@ -14897,20 +14897,20 @@
               <a:buNone/>
             </a:pPr>
             <a:r>
-              <a:rPr lang="ja-JP" altLang="en-US" sz="3200"/>
+              <a:rPr lang="ja-JP" altLang="en-US" sz="3600"/>
               <a:t>これらの制約を満たし、コストを最小化することを目的とする。</a:t>
             </a:r>
-            <a:endParaRPr lang="en-US" altLang="ja-JP" sz="3200" dirty="0"/>
+            <a:endParaRPr lang="en-US" altLang="ja-JP" sz="3600" dirty="0"/>
           </a:p>
           <a:p>
             <a:pPr marL="0" indent="0">
               <a:buNone/>
             </a:pPr>
             <a:r>
-              <a:rPr lang="ja-JP" altLang="en-US" sz="3200"/>
+              <a:rPr lang="ja-JP" altLang="en-US" sz="3600"/>
               <a:t>その他の制約として、時間枠制約や車両の容量制約がよく扱われる。</a:t>
             </a:r>
-            <a:endParaRPr lang="en-US" altLang="ja-JP" sz="3200" dirty="0"/>
+            <a:endParaRPr lang="en-US" altLang="ja-JP" sz="3600" dirty="0"/>
           </a:p>
           <a:p>
             <a:endParaRPr lang="en-US" altLang="ja-JP" dirty="0"/>
@@ -16987,8 +16987,8 @@
           </a:p>
         </p:txBody>
       </p:sp>
-      <mc:AlternateContent xmlns:mc="http://schemas.openxmlformats.org/markup-compatibility/2006">
-        <mc:Choice xmlns:a14="http://schemas.microsoft.com/office/drawing/2010/main" Requires="a14">
+      <mc:AlternateContent xmlns:mc="http://schemas.openxmlformats.org/markup-compatibility/2006" xmlns:a14="http://schemas.microsoft.com/office/drawing/2010/main">
+        <mc:Choice Requires="a14">
           <p:sp>
             <p:nvSpPr>
               <p:cNvPr id="3" name="コンテンツ プレースホルダー 2">
@@ -17296,7 +17296,7 @@
             </p:txBody>
           </p:sp>
         </mc:Choice>
-        <mc:Fallback>
+        <mc:Fallback xmlns="">
           <p:sp>
             <p:nvSpPr>
               <p:cNvPr id="3" name="コンテンツ プレースホルダー 2">

--- a/卒論発表_10分用.pptx
+++ b/卒論発表_10分用.pptx
@@ -7344,8 +7344,8 @@
           </a:p>
         </p:txBody>
       </p:sp>
-      <mc:AlternateContent xmlns:mc="http://schemas.openxmlformats.org/markup-compatibility/2006">
-        <mc:Choice xmlns:a14="http://schemas.microsoft.com/office/drawing/2010/main" Requires="a14">
+      <mc:AlternateContent xmlns:mc="http://schemas.openxmlformats.org/markup-compatibility/2006" xmlns:a14="http://schemas.microsoft.com/office/drawing/2010/main">
+        <mc:Choice Requires="a14">
           <p:sp>
             <p:nvSpPr>
               <p:cNvPr id="3" name="コンテンツ プレースホルダー 2">
@@ -7416,7 +7416,7 @@
                         <m:sty m:val="p"/>
                       </m:rPr>
                       <a:rPr kumimoji="1" lang="el-GR" altLang="ja-JP" sz="2200" i="1" smtClean="0">
-                        <a:latin typeface="+mn-ea"/>
+                        <a:latin typeface="Cambria Math" panose="02040503050406030204" pitchFamily="18" charset="0"/>
                       </a:rPr>
                       <m:t>Η</m:t>
                     </m:r>
@@ -7705,7 +7705,7 @@
             </p:txBody>
           </p:sp>
         </mc:Choice>
-        <mc:Fallback>
+        <mc:Fallback xmlns="">
           <p:sp>
             <p:nvSpPr>
               <p:cNvPr id="3" name="コンテンツ プレースホルダー 2">
@@ -7840,8 +7840,8 @@
           </a:p>
         </p:txBody>
       </p:sp>
-      <mc:AlternateContent xmlns:mc="http://schemas.openxmlformats.org/markup-compatibility/2006">
-        <mc:Choice xmlns:a14="http://schemas.microsoft.com/office/drawing/2010/main" Requires="a14">
+      <mc:AlternateContent xmlns:mc="http://schemas.openxmlformats.org/markup-compatibility/2006" xmlns:a14="http://schemas.microsoft.com/office/drawing/2010/main">
+        <mc:Choice Requires="a14">
           <p:sp>
             <p:nvSpPr>
               <p:cNvPr id="3" name="コンテンツ プレースホルダー 2">
@@ -8280,7 +8280,7 @@
             </p:txBody>
           </p:sp>
         </mc:Choice>
-        <mc:Fallback>
+        <mc:Fallback xmlns="">
           <p:sp>
             <p:nvSpPr>
               <p:cNvPr id="3" name="コンテンツ プレースホルダー 2">
@@ -8922,8 +8922,8 @@
           </a:p>
         </p:txBody>
       </p:sp>
-      <mc:AlternateContent xmlns:mc="http://schemas.openxmlformats.org/markup-compatibility/2006">
-        <mc:Choice xmlns:a14="http://schemas.microsoft.com/office/drawing/2010/main" Requires="a14">
+      <mc:AlternateContent xmlns:mc="http://schemas.openxmlformats.org/markup-compatibility/2006" xmlns:a14="http://schemas.microsoft.com/office/drawing/2010/main">
+        <mc:Choice Requires="a14">
           <p:sp>
             <p:nvSpPr>
               <p:cNvPr id="3" name="コンテンツ プレースホルダー 2">
@@ -9022,7 +9022,7 @@
             </p:txBody>
           </p:sp>
         </mc:Choice>
-        <mc:Fallback>
+        <mc:Fallback xmlns="">
           <p:sp>
             <p:nvSpPr>
               <p:cNvPr id="3" name="コンテンツ プレースホルダー 2">
@@ -10143,8 +10143,8 @@
           </a:p>
         </p:txBody>
       </p:sp>
-      <mc:AlternateContent xmlns:mc="http://schemas.openxmlformats.org/markup-compatibility/2006">
-        <mc:Choice xmlns:a14="http://schemas.microsoft.com/office/drawing/2010/main" Requires="a14">
+      <mc:AlternateContent xmlns:mc="http://schemas.openxmlformats.org/markup-compatibility/2006" xmlns:a14="http://schemas.microsoft.com/office/drawing/2010/main">
+        <mc:Choice Requires="a14">
           <p:sp>
             <p:nvSpPr>
               <p:cNvPr id="3" name="コンテンツ プレースホルダー 2">
@@ -10264,7 +10264,7 @@
             </p:txBody>
           </p:sp>
         </mc:Choice>
-        <mc:Fallback>
+        <mc:Fallback xmlns="">
           <p:sp>
             <p:nvSpPr>
               <p:cNvPr id="3" name="コンテンツ プレースホルダー 2">
@@ -10438,7 +10438,7 @@
           <p:nvPr>
             <p:extLst>
               <p:ext uri="{D42A27DB-BD31-4B8C-83A1-F6EECF244321}">
-                <p14:modId xmlns:p14="http://schemas.microsoft.com/office/powerpoint/2010/main" val="1186947757"/>
+                <p14:modId xmlns:p14="http://schemas.microsoft.com/office/powerpoint/2010/main" val="4273623560"/>
               </p:ext>
             </p:extLst>
           </p:nvPr>
@@ -10919,605 +10919,6 @@
                     <a:bodyPr/>
                     <a:lstStyle/>
                     <a:p>
-                      <a:pPr algn="ctr"/>
-                      <a:r>
-                        <a:rPr kumimoji="1" lang="en-US" altLang="ja-JP" sz="1800" dirty="0"/>
-                        <a:t>r2a</a:t>
-                      </a:r>
-                      <a:endParaRPr kumimoji="1" lang="ja-JP" altLang="en-US" sz="1800"/>
-                    </a:p>
-                  </a:txBody>
-                  <a:tcPr marL="68580" marR="68580" marT="34290" marB="34290"/>
-                </a:tc>
-                <a:tc>
-                  <a:txBody>
-                    <a:bodyPr/>
-                    <a:lstStyle/>
-                    <a:p>
-                      <a:pPr algn="ctr"/>
-                      <a:r>
-                        <a:rPr kumimoji="1" lang="en-US" altLang="ja-JP" sz="1800" dirty="0"/>
-                        <a:t>48</a:t>
-                      </a:r>
-                      <a:endParaRPr kumimoji="1" lang="ja-JP" altLang="en-US" sz="1800"/>
-                    </a:p>
-                  </a:txBody>
-                  <a:tcPr marL="68580" marR="68580" marT="34290" marB="34290"/>
-                </a:tc>
-                <a:tc>
-                  <a:txBody>
-                    <a:bodyPr/>
-                    <a:lstStyle/>
-                    <a:p>
-                      <a:pPr algn="ctr"/>
-                      <a:r>
-                        <a:rPr kumimoji="1" lang="en-US" altLang="ja-JP" sz="1800" dirty="0"/>
-                        <a:t>5</a:t>
-                      </a:r>
-                      <a:endParaRPr kumimoji="1" lang="ja-JP" altLang="en-US" sz="1800"/>
-                    </a:p>
-                  </a:txBody>
-                  <a:tcPr marL="68580" marR="68580" marT="34290" marB="34290"/>
-                </a:tc>
-                <a:tc>
-                  <a:txBody>
-                    <a:bodyPr/>
-                    <a:lstStyle/>
-                    <a:p>
-                      <a:pPr algn="r"/>
-                      <a:r>
-                        <a:rPr kumimoji="1" lang="en-US" altLang="ja-JP" sz="1800" dirty="0">
-                          <a:solidFill>
-                            <a:schemeClr val="tx1"/>
-                          </a:solidFill>
-                        </a:rPr>
-                        <a:t>431.61</a:t>
-                      </a:r>
-                      <a:endParaRPr kumimoji="1" lang="ja-JP" altLang="en-US" sz="1800">
-                        <a:solidFill>
-                          <a:schemeClr val="tx1"/>
-                        </a:solidFill>
-                      </a:endParaRPr>
-                    </a:p>
-                  </a:txBody>
-                  <a:tcPr marL="68580" marR="68580" marT="34290" marB="34290" anchor="ctr"/>
-                </a:tc>
-                <a:tc>
-                  <a:txBody>
-                    <a:bodyPr/>
-                    <a:lstStyle/>
-                    <a:p>
-                      <a:pPr algn="r"/>
-                      <a:r>
-                        <a:rPr kumimoji="1" lang="en-US" altLang="ja-JP" sz="1800" dirty="0">
-                          <a:solidFill>
-                            <a:schemeClr val="tx1"/>
-                          </a:solidFill>
-                        </a:rPr>
-                        <a:t>0.02</a:t>
-                      </a:r>
-                      <a:endParaRPr kumimoji="1" lang="ja-JP" altLang="en-US" sz="1800">
-                        <a:solidFill>
-                          <a:schemeClr val="tx1"/>
-                        </a:solidFill>
-                      </a:endParaRPr>
-                    </a:p>
-                  </a:txBody>
-                  <a:tcPr marL="68580" marR="68580" marT="34290" marB="34290" anchor="ctr"/>
-                </a:tc>
-                <a:tc>
-                  <a:txBody>
-                    <a:bodyPr/>
-                    <a:lstStyle/>
-                    <a:p>
-                      <a:pPr algn="r"/>
-                      <a:r>
-                        <a:rPr kumimoji="1" lang="en-US" altLang="ja-JP" sz="1800" dirty="0"/>
-                        <a:t>42.6</a:t>
-                      </a:r>
-                      <a:endParaRPr kumimoji="1" lang="ja-JP" altLang="en-US" sz="1800"/>
-                    </a:p>
-                  </a:txBody>
-                  <a:tcPr marL="68580" marR="68580" marT="34290" marB="34290" anchor="ctr"/>
-                </a:tc>
-                <a:tc>
-                  <a:txBody>
-                    <a:bodyPr/>
-                    <a:lstStyle/>
-                    <a:p>
-                      <a:pPr algn="r"/>
-                      <a:r>
-                        <a:rPr kumimoji="1" lang="en-US" altLang="ja-JP" sz="1800" dirty="0"/>
-                        <a:t>240</a:t>
-                      </a:r>
-                      <a:endParaRPr kumimoji="1" lang="ja-JP" altLang="en-US" sz="1800"/>
-                    </a:p>
-                  </a:txBody>
-                  <a:tcPr marL="68580" marR="68580" marT="34290" marB="34290" anchor="ctr"/>
-                </a:tc>
-                <a:tc>
-                  <a:txBody>
-                    <a:bodyPr/>
-                    <a:lstStyle/>
-                    <a:p>
-                      <a:pPr algn="r"/>
-                      <a:r>
-                        <a:rPr kumimoji="1" lang="en-US" altLang="ja-JP" sz="1800" dirty="0"/>
-                        <a:t>32</a:t>
-                      </a:r>
-                      <a:endParaRPr kumimoji="1" lang="ja-JP" altLang="en-US" sz="1800"/>
-                    </a:p>
-                  </a:txBody>
-                  <a:tcPr marL="68580" marR="68580" marT="34290" marB="34290" anchor="ctr"/>
-                </a:tc>
-                <a:tc>
-                  <a:txBody>
-                    <a:bodyPr/>
-                    <a:lstStyle/>
-                    <a:p>
-                      <a:pPr algn="r"/>
-                      <a:r>
-                        <a:rPr kumimoji="1" lang="en-US" altLang="ja-JP" sz="1800" dirty="0"/>
-                        <a:t>302.08</a:t>
-                      </a:r>
-                      <a:endParaRPr kumimoji="1" lang="ja-JP" altLang="en-US" sz="1800"/>
-                    </a:p>
-                  </a:txBody>
-                  <a:tcPr marL="68580" marR="68580" marT="34290" marB="34290" anchor="ctr"/>
-                </a:tc>
-                <a:extLst>
-                  <a:ext uri="{0D108BD9-81ED-4DB2-BD59-A6C34878D82A}">
-                    <a16:rowId xmlns:a16="http://schemas.microsoft.com/office/drawing/2014/main" val="4023180184"/>
-                  </a:ext>
-                </a:extLst>
-              </a:tr>
-              <a:tr h="381150">
-                <a:tc>
-                  <a:txBody>
-                    <a:bodyPr/>
-                    <a:lstStyle/>
-                    <a:p>
-                      <a:pPr algn="ctr"/>
-                      <a:r>
-                        <a:rPr kumimoji="1" lang="en-US" altLang="ja-JP" sz="1800" dirty="0"/>
-                        <a:t>r3a</a:t>
-                      </a:r>
-                      <a:endParaRPr kumimoji="1" lang="ja-JP" altLang="en-US" sz="1800"/>
-                    </a:p>
-                  </a:txBody>
-                  <a:tcPr marL="68580" marR="68580" marT="34290" marB="34290"/>
-                </a:tc>
-                <a:tc>
-                  <a:txBody>
-                    <a:bodyPr/>
-                    <a:lstStyle/>
-                    <a:p>
-                      <a:pPr algn="ctr"/>
-                      <a:r>
-                        <a:rPr kumimoji="1" lang="en-US" altLang="ja-JP" sz="1800" dirty="0"/>
-                        <a:t>72</a:t>
-                      </a:r>
-                      <a:endParaRPr kumimoji="1" lang="ja-JP" altLang="en-US" sz="1800"/>
-                    </a:p>
-                  </a:txBody>
-                  <a:tcPr marL="68580" marR="68580" marT="34290" marB="34290"/>
-                </a:tc>
-                <a:tc>
-                  <a:txBody>
-                    <a:bodyPr/>
-                    <a:lstStyle/>
-                    <a:p>
-                      <a:pPr algn="ctr"/>
-                      <a:r>
-                        <a:rPr kumimoji="1" lang="en-US" altLang="ja-JP" sz="1800" dirty="0"/>
-                        <a:t>7</a:t>
-                      </a:r>
-                      <a:endParaRPr kumimoji="1" lang="ja-JP" altLang="en-US" sz="1800"/>
-                    </a:p>
-                  </a:txBody>
-                  <a:tcPr marL="68580" marR="68580" marT="34290" marB="34290"/>
-                </a:tc>
-                <a:tc>
-                  <a:txBody>
-                    <a:bodyPr/>
-                    <a:lstStyle/>
-                    <a:p>
-                      <a:pPr algn="r"/>
-                      <a:r>
-                        <a:rPr kumimoji="1" lang="en-US" altLang="ja-JP" sz="1800" dirty="0">
-                          <a:solidFill>
-                            <a:schemeClr val="tx1"/>
-                          </a:solidFill>
-                        </a:rPr>
-                        <a:t>779.04</a:t>
-                      </a:r>
-                      <a:endParaRPr kumimoji="1" lang="ja-JP" altLang="en-US" sz="1800">
-                        <a:solidFill>
-                          <a:schemeClr val="tx1"/>
-                        </a:solidFill>
-                      </a:endParaRPr>
-                    </a:p>
-                  </a:txBody>
-                  <a:tcPr marL="68580" marR="68580" marT="34290" marB="34290" anchor="ctr"/>
-                </a:tc>
-                <a:tc>
-                  <a:txBody>
-                    <a:bodyPr/>
-                    <a:lstStyle/>
-                    <a:p>
-                      <a:pPr algn="r"/>
-                      <a:r>
-                        <a:rPr kumimoji="1" lang="en-US" altLang="ja-JP" sz="1800" dirty="0"/>
-                        <a:t>0.00</a:t>
-                      </a:r>
-                      <a:endParaRPr kumimoji="1" lang="ja-JP" altLang="en-US" sz="1800"/>
-                    </a:p>
-                  </a:txBody>
-                  <a:tcPr marL="68580" marR="68580" marT="34290" marB="34290" anchor="ctr"/>
-                </a:tc>
-                <a:tc>
-                  <a:txBody>
-                    <a:bodyPr/>
-                    <a:lstStyle/>
-                    <a:p>
-                      <a:pPr algn="r"/>
-                      <a:r>
-                        <a:rPr kumimoji="1" lang="en-US" altLang="ja-JP" sz="1800" dirty="0"/>
-                        <a:t>46.4</a:t>
-                      </a:r>
-                      <a:endParaRPr kumimoji="1" lang="ja-JP" altLang="en-US" sz="1800"/>
-                    </a:p>
-                  </a:txBody>
-                  <a:tcPr marL="68580" marR="68580" marT="34290" marB="34290" anchor="ctr"/>
-                </a:tc>
-                <a:tc>
-                  <a:txBody>
-                    <a:bodyPr/>
-                    <a:lstStyle/>
-                    <a:p>
-                      <a:pPr algn="r"/>
-                      <a:r>
-                        <a:rPr kumimoji="1" lang="en-US" altLang="ja-JP" sz="1800" dirty="0"/>
-                        <a:t>504</a:t>
-                      </a:r>
-                      <a:endParaRPr kumimoji="1" lang="ja-JP" altLang="en-US" sz="1800"/>
-                    </a:p>
-                  </a:txBody>
-                  <a:tcPr marL="68580" marR="68580" marT="34290" marB="34290" anchor="ctr"/>
-                </a:tc>
-                <a:tc>
-                  <a:txBody>
-                    <a:bodyPr/>
-                    <a:lstStyle/>
-                    <a:p>
-                      <a:pPr algn="r"/>
-                      <a:r>
-                        <a:rPr kumimoji="1" lang="en-US" altLang="ja-JP" sz="1800" dirty="0"/>
-                        <a:t>41</a:t>
-                      </a:r>
-                      <a:endParaRPr kumimoji="1" lang="ja-JP" altLang="en-US" sz="1800"/>
-                    </a:p>
-                  </a:txBody>
-                  <a:tcPr marL="68580" marR="68580" marT="34290" marB="34290" anchor="ctr"/>
-                </a:tc>
-                <a:tc>
-                  <a:txBody>
-                    <a:bodyPr/>
-                    <a:lstStyle/>
-                    <a:p>
-                      <a:pPr algn="r"/>
-                      <a:r>
-                        <a:rPr kumimoji="1" lang="en-US" altLang="ja-JP" sz="1800" dirty="0"/>
-                        <a:t>532.08</a:t>
-                      </a:r>
-                      <a:endParaRPr kumimoji="1" lang="ja-JP" altLang="en-US" sz="1800"/>
-                    </a:p>
-                  </a:txBody>
-                  <a:tcPr marL="68580" marR="68580" marT="34290" marB="34290" anchor="ctr"/>
-                </a:tc>
-                <a:extLst>
-                  <a:ext uri="{0D108BD9-81ED-4DB2-BD59-A6C34878D82A}">
-                    <a16:rowId xmlns:a16="http://schemas.microsoft.com/office/drawing/2014/main" val="2257345316"/>
-                  </a:ext>
-                </a:extLst>
-              </a:tr>
-              <a:tr h="381150">
-                <a:tc>
-                  <a:txBody>
-                    <a:bodyPr/>
-                    <a:lstStyle/>
-                    <a:p>
-                      <a:pPr algn="ctr"/>
-                      <a:r>
-                        <a:rPr kumimoji="1" lang="en-US" altLang="ja-JP" sz="1800" dirty="0"/>
-                        <a:t>r4a</a:t>
-                      </a:r>
-                      <a:endParaRPr kumimoji="1" lang="ja-JP" altLang="en-US" sz="1800"/>
-                    </a:p>
-                  </a:txBody>
-                  <a:tcPr marL="68580" marR="68580" marT="34290" marB="34290"/>
-                </a:tc>
-                <a:tc>
-                  <a:txBody>
-                    <a:bodyPr/>
-                    <a:lstStyle/>
-                    <a:p>
-                      <a:pPr algn="ctr"/>
-                      <a:r>
-                        <a:rPr kumimoji="1" lang="en-US" altLang="ja-JP" sz="1800" dirty="0"/>
-                        <a:t>96</a:t>
-                      </a:r>
-                    </a:p>
-                  </a:txBody>
-                  <a:tcPr marL="68580" marR="68580" marT="34290" marB="34290"/>
-                </a:tc>
-                <a:tc>
-                  <a:txBody>
-                    <a:bodyPr/>
-                    <a:lstStyle/>
-                    <a:p>
-                      <a:pPr algn="ctr"/>
-                      <a:r>
-                        <a:rPr kumimoji="1" lang="en-US" altLang="ja-JP" sz="1800" dirty="0"/>
-                        <a:t>9</a:t>
-                      </a:r>
-                      <a:endParaRPr kumimoji="1" lang="ja-JP" altLang="en-US" sz="1800"/>
-                    </a:p>
-                  </a:txBody>
-                  <a:tcPr marL="68580" marR="68580" marT="34290" marB="34290"/>
-                </a:tc>
-                <a:tc>
-                  <a:txBody>
-                    <a:bodyPr/>
-                    <a:lstStyle/>
-                    <a:p>
-                      <a:pPr algn="r"/>
-                      <a:r>
-                        <a:rPr kumimoji="1" lang="en-US" altLang="ja-JP" sz="1800" dirty="0"/>
-                        <a:t>836.76</a:t>
-                      </a:r>
-                      <a:endParaRPr kumimoji="1" lang="ja-JP" altLang="en-US" sz="1800"/>
-                    </a:p>
-                  </a:txBody>
-                  <a:tcPr marL="68580" marR="68580" marT="34290" marB="34290" anchor="ctr"/>
-                </a:tc>
-                <a:tc>
-                  <a:txBody>
-                    <a:bodyPr/>
-                    <a:lstStyle/>
-                    <a:p>
-                      <a:pPr algn="r"/>
-                      <a:r>
-                        <a:rPr kumimoji="1" lang="en-US" altLang="ja-JP" sz="1800" dirty="0"/>
-                        <a:t>0.00</a:t>
-                      </a:r>
-                      <a:endParaRPr kumimoji="1" lang="ja-JP" altLang="en-US" sz="1800"/>
-                    </a:p>
-                  </a:txBody>
-                  <a:tcPr marL="68580" marR="68580" marT="34290" marB="34290" anchor="ctr"/>
-                </a:tc>
-                <a:tc>
-                  <a:txBody>
-                    <a:bodyPr/>
-                    <a:lstStyle/>
-                    <a:p>
-                      <a:pPr algn="r"/>
-                      <a:r>
-                        <a:rPr kumimoji="1" lang="en-US" altLang="ja-JP" sz="1800" dirty="0"/>
-                        <a:t>45.9</a:t>
-                      </a:r>
-                      <a:endParaRPr kumimoji="1" lang="ja-JP" altLang="en-US" sz="1800"/>
-                    </a:p>
-                  </a:txBody>
-                  <a:tcPr marL="68580" marR="68580" marT="34290" marB="34290" anchor="ctr"/>
-                </a:tc>
-                <a:tc>
-                  <a:txBody>
-                    <a:bodyPr/>
-                    <a:lstStyle/>
-                    <a:p>
-                      <a:pPr algn="r"/>
-                      <a:r>
-                        <a:rPr kumimoji="1" lang="en-US" altLang="ja-JP" sz="1800" dirty="0"/>
-                        <a:t>864</a:t>
-                      </a:r>
-                      <a:endParaRPr kumimoji="1" lang="ja-JP" altLang="en-US" sz="1800"/>
-                    </a:p>
-                  </a:txBody>
-                  <a:tcPr marL="68580" marR="68580" marT="34290" marB="34290" anchor="ctr"/>
-                </a:tc>
-                <a:tc>
-                  <a:txBody>
-                    <a:bodyPr/>
-                    <a:lstStyle/>
-                    <a:p>
-                      <a:pPr algn="r"/>
-                      <a:r>
-                        <a:rPr kumimoji="1" lang="en-US" altLang="ja-JP" sz="1800" dirty="0"/>
-                        <a:t>61</a:t>
-                      </a:r>
-                      <a:endParaRPr kumimoji="1" lang="ja-JP" altLang="en-US" sz="1800"/>
-                    </a:p>
-                  </a:txBody>
-                  <a:tcPr marL="68580" marR="68580" marT="34290" marB="34290" anchor="ctr"/>
-                </a:tc>
-                <a:tc>
-                  <a:txBody>
-                    <a:bodyPr/>
-                    <a:lstStyle/>
-                    <a:p>
-                      <a:pPr algn="r"/>
-                      <a:r>
-                        <a:rPr kumimoji="1" lang="en-US" altLang="ja-JP" sz="1800" dirty="0"/>
-                        <a:t>572.68</a:t>
-                      </a:r>
-                      <a:endParaRPr kumimoji="1" lang="ja-JP" altLang="en-US" sz="1800"/>
-                    </a:p>
-                  </a:txBody>
-                  <a:tcPr marL="68580" marR="68580" marT="34290" marB="34290" anchor="ctr"/>
-                </a:tc>
-                <a:extLst>
-                  <a:ext uri="{0D108BD9-81ED-4DB2-BD59-A6C34878D82A}">
-                    <a16:rowId xmlns:a16="http://schemas.microsoft.com/office/drawing/2014/main" val="3872839470"/>
-                  </a:ext>
-                </a:extLst>
-              </a:tr>
-              <a:tr h="381150">
-                <a:tc>
-                  <a:txBody>
-                    <a:bodyPr/>
-                    <a:lstStyle/>
-                    <a:p>
-                      <a:pPr algn="ctr"/>
-                      <a:r>
-                        <a:rPr kumimoji="1" lang="en-US" altLang="ja-JP" sz="1800" dirty="0"/>
-                        <a:t>r5a</a:t>
-                      </a:r>
-                      <a:endParaRPr kumimoji="1" lang="ja-JP" altLang="en-US" sz="1800"/>
-                    </a:p>
-                  </a:txBody>
-                  <a:tcPr marL="68580" marR="68580" marT="34290" marB="34290"/>
-                </a:tc>
-                <a:tc>
-                  <a:txBody>
-                    <a:bodyPr/>
-                    <a:lstStyle/>
-                    <a:p>
-                      <a:pPr algn="ctr"/>
-                      <a:r>
-                        <a:rPr kumimoji="1" lang="en-US" altLang="ja-JP" sz="1800" dirty="0"/>
-                        <a:t>120</a:t>
-                      </a:r>
-                      <a:endParaRPr kumimoji="1" lang="ja-JP" altLang="en-US" sz="1800"/>
-                    </a:p>
-                  </a:txBody>
-                  <a:tcPr marL="68580" marR="68580" marT="34290" marB="34290"/>
-                </a:tc>
-                <a:tc>
-                  <a:txBody>
-                    <a:bodyPr/>
-                    <a:lstStyle/>
-                    <a:p>
-                      <a:pPr algn="ctr"/>
-                      <a:r>
-                        <a:rPr kumimoji="1" lang="en-US" altLang="ja-JP" sz="1800" dirty="0"/>
-                        <a:t>11</a:t>
-                      </a:r>
-                      <a:endParaRPr kumimoji="1" lang="ja-JP" altLang="en-US" sz="1800"/>
-                    </a:p>
-                  </a:txBody>
-                  <a:tcPr marL="68580" marR="68580" marT="34290" marB="34290"/>
-                </a:tc>
-                <a:tc>
-                  <a:txBody>
-                    <a:bodyPr/>
-                    <a:lstStyle/>
-                    <a:p>
-                      <a:pPr algn="r"/>
-                      <a:r>
-                        <a:rPr kumimoji="1" lang="en-US" altLang="ja-JP" sz="1800" dirty="0">
-                          <a:solidFill>
-                            <a:schemeClr val="tx1"/>
-                          </a:solidFill>
-                        </a:rPr>
-                        <a:t>915.14</a:t>
-                      </a:r>
-                      <a:endParaRPr kumimoji="1" lang="ja-JP" altLang="en-US" sz="1800">
-                        <a:solidFill>
-                          <a:schemeClr val="tx1"/>
-                        </a:solidFill>
-                      </a:endParaRPr>
-                    </a:p>
-                  </a:txBody>
-                  <a:tcPr marL="68580" marR="68580" marT="34290" marB="34290" anchor="ctr"/>
-                </a:tc>
-                <a:tc>
-                  <a:txBody>
-                    <a:bodyPr/>
-                    <a:lstStyle/>
-                    <a:p>
-                      <a:pPr algn="r"/>
-                      <a:r>
-                        <a:rPr kumimoji="1" lang="en-US" altLang="ja-JP" sz="1800" dirty="0"/>
-                        <a:t>0.00</a:t>
-                      </a:r>
-                      <a:endParaRPr kumimoji="1" lang="ja-JP" altLang="en-US" sz="1800"/>
-                    </a:p>
-                  </a:txBody>
-                  <a:tcPr marL="68580" marR="68580" marT="34290" marB="34290" anchor="ctr"/>
-                </a:tc>
-                <a:tc>
-                  <a:txBody>
-                    <a:bodyPr/>
-                    <a:lstStyle/>
-                    <a:p>
-                      <a:pPr algn="r"/>
-                      <a:r>
-                        <a:rPr kumimoji="1" lang="en-US" altLang="ja-JP" sz="1800" dirty="0"/>
-                        <a:t>43.6</a:t>
-                      </a:r>
-                      <a:endParaRPr kumimoji="1" lang="ja-JP" altLang="en-US" sz="1800"/>
-                    </a:p>
-                  </a:txBody>
-                  <a:tcPr marL="68580" marR="68580" marT="34290" marB="34290" anchor="ctr"/>
-                </a:tc>
-                <a:tc>
-                  <a:txBody>
-                    <a:bodyPr/>
-                    <a:lstStyle/>
-                    <a:p>
-                      <a:pPr algn="r"/>
-                      <a:r>
-                        <a:rPr kumimoji="1" lang="en-US" altLang="ja-JP" sz="1800" dirty="0"/>
-                        <a:t>1320</a:t>
-                      </a:r>
-                      <a:endParaRPr kumimoji="1" lang="ja-JP" altLang="en-US" sz="1800"/>
-                    </a:p>
-                  </a:txBody>
-                  <a:tcPr marL="68580" marR="68580" marT="34290" marB="34290" anchor="ctr"/>
-                </a:tc>
-                <a:tc>
-                  <a:txBody>
-                    <a:bodyPr/>
-                    <a:lstStyle/>
-                    <a:p>
-                      <a:pPr algn="r"/>
-                      <a:r>
-                        <a:rPr kumimoji="1" lang="en-US" altLang="ja-JP" sz="1800" dirty="0"/>
-                        <a:t>110</a:t>
-                      </a:r>
-                      <a:endParaRPr kumimoji="1" lang="ja-JP" altLang="en-US" sz="1800"/>
-                    </a:p>
-                  </a:txBody>
-                  <a:tcPr marL="68580" marR="68580" marT="34290" marB="34290" anchor="ctr"/>
-                </a:tc>
-                <a:tc>
-                  <a:txBody>
-                    <a:bodyPr/>
-                    <a:lstStyle/>
-                    <a:p>
-                      <a:pPr algn="r"/>
-                      <a:r>
-                        <a:rPr kumimoji="1" lang="en-US" altLang="ja-JP" sz="1800" dirty="0"/>
-                        <a:t>636.97</a:t>
-                      </a:r>
-                      <a:endParaRPr kumimoji="1" lang="ja-JP" altLang="en-US" sz="1800"/>
-                    </a:p>
-                  </a:txBody>
-                  <a:tcPr marL="68580" marR="68580" marT="34290" marB="34290" anchor="ctr"/>
-                </a:tc>
-                <a:extLst>
-                  <a:ext uri="{0D108BD9-81ED-4DB2-BD59-A6C34878D82A}">
-                    <a16:rowId xmlns:a16="http://schemas.microsoft.com/office/drawing/2014/main" val="2497193795"/>
-                  </a:ext>
-                </a:extLst>
-              </a:tr>
-              <a:tr h="381150">
-                <a:tc>
-                  <a:txBody>
-                    <a:bodyPr/>
-                    <a:lstStyle/>
-                    <a:p>
                       <a:pPr marL="0" marR="0" lvl="0" indent="0" algn="ctr" defTabSz="914400" rtl="0" eaLnBrk="1" fontAlgn="auto" latinLnBrk="0" hangingPunct="1">
                         <a:lnSpc>
                           <a:spcPct val="100000"/>
@@ -11666,7 +11067,165 @@
                 </a:tc>
                 <a:extLst>
                   <a:ext uri="{0D108BD9-81ED-4DB2-BD59-A6C34878D82A}">
-                    <a16:rowId xmlns:a16="http://schemas.microsoft.com/office/drawing/2014/main" val="2920713050"/>
+                    <a16:rowId xmlns:a16="http://schemas.microsoft.com/office/drawing/2014/main" val="2995667888"/>
+                  </a:ext>
+                </a:extLst>
+              </a:tr>
+              <a:tr h="381150">
+                <a:tc>
+                  <a:txBody>
+                    <a:bodyPr/>
+                    <a:lstStyle/>
+                    <a:p>
+                      <a:pPr algn="ctr"/>
+                      <a:r>
+                        <a:rPr kumimoji="1" lang="en-US" altLang="ja-JP" sz="1800" dirty="0"/>
+                        <a:t>r2a</a:t>
+                      </a:r>
+                      <a:endParaRPr kumimoji="1" lang="ja-JP" altLang="en-US" sz="1800"/>
+                    </a:p>
+                  </a:txBody>
+                  <a:tcPr marL="68580" marR="68580" marT="34290" marB="34290"/>
+                </a:tc>
+                <a:tc>
+                  <a:txBody>
+                    <a:bodyPr/>
+                    <a:lstStyle/>
+                    <a:p>
+                      <a:pPr algn="ctr"/>
+                      <a:r>
+                        <a:rPr kumimoji="1" lang="en-US" altLang="ja-JP" sz="1800" dirty="0"/>
+                        <a:t>48</a:t>
+                      </a:r>
+                      <a:endParaRPr kumimoji="1" lang="ja-JP" altLang="en-US" sz="1800"/>
+                    </a:p>
+                  </a:txBody>
+                  <a:tcPr marL="68580" marR="68580" marT="34290" marB="34290"/>
+                </a:tc>
+                <a:tc>
+                  <a:txBody>
+                    <a:bodyPr/>
+                    <a:lstStyle/>
+                    <a:p>
+                      <a:pPr algn="ctr"/>
+                      <a:r>
+                        <a:rPr kumimoji="1" lang="en-US" altLang="ja-JP" sz="1800" dirty="0"/>
+                        <a:t>5</a:t>
+                      </a:r>
+                      <a:endParaRPr kumimoji="1" lang="ja-JP" altLang="en-US" sz="1800"/>
+                    </a:p>
+                  </a:txBody>
+                  <a:tcPr marL="68580" marR="68580" marT="34290" marB="34290"/>
+                </a:tc>
+                <a:tc>
+                  <a:txBody>
+                    <a:bodyPr/>
+                    <a:lstStyle/>
+                    <a:p>
+                      <a:pPr algn="r"/>
+                      <a:r>
+                        <a:rPr kumimoji="1" lang="en-US" altLang="ja-JP" sz="1800" dirty="0">
+                          <a:solidFill>
+                            <a:schemeClr val="tx1"/>
+                          </a:solidFill>
+                        </a:rPr>
+                        <a:t>431.61</a:t>
+                      </a:r>
+                      <a:endParaRPr kumimoji="1" lang="ja-JP" altLang="en-US" sz="1800">
+                        <a:solidFill>
+                          <a:schemeClr val="tx1"/>
+                        </a:solidFill>
+                      </a:endParaRPr>
+                    </a:p>
+                  </a:txBody>
+                  <a:tcPr marL="68580" marR="68580" marT="34290" marB="34290" anchor="ctr"/>
+                </a:tc>
+                <a:tc>
+                  <a:txBody>
+                    <a:bodyPr/>
+                    <a:lstStyle/>
+                    <a:p>
+                      <a:pPr algn="r"/>
+                      <a:r>
+                        <a:rPr kumimoji="1" lang="en-US" altLang="ja-JP" sz="1800" dirty="0">
+                          <a:solidFill>
+                            <a:schemeClr val="tx1"/>
+                          </a:solidFill>
+                        </a:rPr>
+                        <a:t>0.02</a:t>
+                      </a:r>
+                      <a:endParaRPr kumimoji="1" lang="ja-JP" altLang="en-US" sz="1800">
+                        <a:solidFill>
+                          <a:schemeClr val="tx1"/>
+                        </a:solidFill>
+                      </a:endParaRPr>
+                    </a:p>
+                  </a:txBody>
+                  <a:tcPr marL="68580" marR="68580" marT="34290" marB="34290" anchor="ctr"/>
+                </a:tc>
+                <a:tc>
+                  <a:txBody>
+                    <a:bodyPr/>
+                    <a:lstStyle/>
+                    <a:p>
+                      <a:pPr algn="r"/>
+                      <a:r>
+                        <a:rPr kumimoji="1" lang="en-US" altLang="ja-JP" sz="1800" dirty="0"/>
+                        <a:t>42.6</a:t>
+                      </a:r>
+                      <a:endParaRPr kumimoji="1" lang="ja-JP" altLang="en-US" sz="1800"/>
+                    </a:p>
+                  </a:txBody>
+                  <a:tcPr marL="68580" marR="68580" marT="34290" marB="34290" anchor="ctr"/>
+                </a:tc>
+                <a:tc>
+                  <a:txBody>
+                    <a:bodyPr/>
+                    <a:lstStyle/>
+                    <a:p>
+                      <a:pPr algn="r"/>
+                      <a:r>
+                        <a:rPr kumimoji="1" lang="en-US" altLang="ja-JP" sz="1800" dirty="0"/>
+                        <a:t>240</a:t>
+                      </a:r>
+                      <a:endParaRPr kumimoji="1" lang="ja-JP" altLang="en-US" sz="1800"/>
+                    </a:p>
+                  </a:txBody>
+                  <a:tcPr marL="68580" marR="68580" marT="34290" marB="34290" anchor="ctr"/>
+                </a:tc>
+                <a:tc>
+                  <a:txBody>
+                    <a:bodyPr/>
+                    <a:lstStyle/>
+                    <a:p>
+                      <a:pPr algn="r"/>
+                      <a:r>
+                        <a:rPr kumimoji="1" lang="en-US" altLang="ja-JP" sz="1800" dirty="0"/>
+                        <a:t>32</a:t>
+                      </a:r>
+                      <a:endParaRPr kumimoji="1" lang="ja-JP" altLang="en-US" sz="1800"/>
+                    </a:p>
+                  </a:txBody>
+                  <a:tcPr marL="68580" marR="68580" marT="34290" marB="34290" anchor="ctr"/>
+                </a:tc>
+                <a:tc>
+                  <a:txBody>
+                    <a:bodyPr/>
+                    <a:lstStyle/>
+                    <a:p>
+                      <a:pPr algn="r"/>
+                      <a:r>
+                        <a:rPr kumimoji="1" lang="en-US" altLang="ja-JP" sz="1800" dirty="0"/>
+                        <a:t>302.08</a:t>
+                      </a:r>
+                      <a:endParaRPr kumimoji="1" lang="ja-JP" altLang="en-US" sz="1800"/>
+                    </a:p>
+                  </a:txBody>
+                  <a:tcPr marL="68580" marR="68580" marT="34290" marB="34290" anchor="ctr"/>
+                </a:tc>
+                <a:extLst>
+                  <a:ext uri="{0D108BD9-81ED-4DB2-BD59-A6C34878D82A}">
+                    <a16:rowId xmlns:a16="http://schemas.microsoft.com/office/drawing/2014/main" val="4023180184"/>
                   </a:ext>
                 </a:extLst>
               </a:tr>
@@ -11824,7 +11383,157 @@
                 </a:tc>
                 <a:extLst>
                   <a:ext uri="{0D108BD9-81ED-4DB2-BD59-A6C34878D82A}">
-                    <a16:rowId xmlns:a16="http://schemas.microsoft.com/office/drawing/2014/main" val="911103897"/>
+                    <a16:rowId xmlns:a16="http://schemas.microsoft.com/office/drawing/2014/main" val="4045562915"/>
+                  </a:ext>
+                </a:extLst>
+              </a:tr>
+              <a:tr h="381150">
+                <a:tc>
+                  <a:txBody>
+                    <a:bodyPr/>
+                    <a:lstStyle/>
+                    <a:p>
+                      <a:pPr algn="ctr"/>
+                      <a:r>
+                        <a:rPr kumimoji="1" lang="en-US" altLang="ja-JP" sz="1800" dirty="0"/>
+                        <a:t>r3a</a:t>
+                      </a:r>
+                      <a:endParaRPr kumimoji="1" lang="ja-JP" altLang="en-US" sz="1800"/>
+                    </a:p>
+                  </a:txBody>
+                  <a:tcPr marL="68580" marR="68580" marT="34290" marB="34290"/>
+                </a:tc>
+                <a:tc>
+                  <a:txBody>
+                    <a:bodyPr/>
+                    <a:lstStyle/>
+                    <a:p>
+                      <a:pPr algn="ctr"/>
+                      <a:r>
+                        <a:rPr kumimoji="1" lang="en-US" altLang="ja-JP" sz="1800" dirty="0"/>
+                        <a:t>72</a:t>
+                      </a:r>
+                      <a:endParaRPr kumimoji="1" lang="ja-JP" altLang="en-US" sz="1800"/>
+                    </a:p>
+                  </a:txBody>
+                  <a:tcPr marL="68580" marR="68580" marT="34290" marB="34290"/>
+                </a:tc>
+                <a:tc>
+                  <a:txBody>
+                    <a:bodyPr/>
+                    <a:lstStyle/>
+                    <a:p>
+                      <a:pPr algn="ctr"/>
+                      <a:r>
+                        <a:rPr kumimoji="1" lang="en-US" altLang="ja-JP" sz="1800" dirty="0"/>
+                        <a:t>7</a:t>
+                      </a:r>
+                      <a:endParaRPr kumimoji="1" lang="ja-JP" altLang="en-US" sz="1800"/>
+                    </a:p>
+                  </a:txBody>
+                  <a:tcPr marL="68580" marR="68580" marT="34290" marB="34290"/>
+                </a:tc>
+                <a:tc>
+                  <a:txBody>
+                    <a:bodyPr/>
+                    <a:lstStyle/>
+                    <a:p>
+                      <a:pPr algn="r"/>
+                      <a:r>
+                        <a:rPr kumimoji="1" lang="en-US" altLang="ja-JP" sz="1800" dirty="0">
+                          <a:solidFill>
+                            <a:schemeClr val="tx1"/>
+                          </a:solidFill>
+                        </a:rPr>
+                        <a:t>779.04</a:t>
+                      </a:r>
+                      <a:endParaRPr kumimoji="1" lang="ja-JP" altLang="en-US" sz="1800">
+                        <a:solidFill>
+                          <a:schemeClr val="tx1"/>
+                        </a:solidFill>
+                      </a:endParaRPr>
+                    </a:p>
+                  </a:txBody>
+                  <a:tcPr marL="68580" marR="68580" marT="34290" marB="34290" anchor="ctr"/>
+                </a:tc>
+                <a:tc>
+                  <a:txBody>
+                    <a:bodyPr/>
+                    <a:lstStyle/>
+                    <a:p>
+                      <a:pPr algn="r"/>
+                      <a:r>
+                        <a:rPr kumimoji="1" lang="en-US" altLang="ja-JP" sz="1800" dirty="0"/>
+                        <a:t>0.00</a:t>
+                      </a:r>
+                      <a:endParaRPr kumimoji="1" lang="ja-JP" altLang="en-US" sz="1800"/>
+                    </a:p>
+                  </a:txBody>
+                  <a:tcPr marL="68580" marR="68580" marT="34290" marB="34290" anchor="ctr"/>
+                </a:tc>
+                <a:tc>
+                  <a:txBody>
+                    <a:bodyPr/>
+                    <a:lstStyle/>
+                    <a:p>
+                      <a:pPr algn="r"/>
+                      <a:r>
+                        <a:rPr kumimoji="1" lang="en-US" altLang="ja-JP" sz="1800" dirty="0"/>
+                        <a:t>46.4</a:t>
+                      </a:r>
+                      <a:endParaRPr kumimoji="1" lang="ja-JP" altLang="en-US" sz="1800"/>
+                    </a:p>
+                  </a:txBody>
+                  <a:tcPr marL="68580" marR="68580" marT="34290" marB="34290" anchor="ctr"/>
+                </a:tc>
+                <a:tc>
+                  <a:txBody>
+                    <a:bodyPr/>
+                    <a:lstStyle/>
+                    <a:p>
+                      <a:pPr algn="r"/>
+                      <a:r>
+                        <a:rPr kumimoji="1" lang="en-US" altLang="ja-JP" sz="1800" dirty="0"/>
+                        <a:t>504</a:t>
+                      </a:r>
+                      <a:endParaRPr kumimoji="1" lang="ja-JP" altLang="en-US" sz="1800"/>
+                    </a:p>
+                  </a:txBody>
+                  <a:tcPr marL="68580" marR="68580" marT="34290" marB="34290" anchor="ctr"/>
+                </a:tc>
+                <a:tc>
+                  <a:txBody>
+                    <a:bodyPr/>
+                    <a:lstStyle/>
+                    <a:p>
+                      <a:pPr algn="r"/>
+                      <a:r>
+                        <a:rPr kumimoji="1" lang="en-US" altLang="ja-JP" sz="1800" dirty="0"/>
+                        <a:t>41</a:t>
+                      </a:r>
+                      <a:endParaRPr kumimoji="1" lang="ja-JP" altLang="en-US" sz="1800"/>
+                    </a:p>
+                  </a:txBody>
+                  <a:tcPr marL="68580" marR="68580" marT="34290" marB="34290" anchor="ctr"/>
+                </a:tc>
+                <a:tc>
+                  <a:txBody>
+                    <a:bodyPr/>
+                    <a:lstStyle/>
+                    <a:p>
+                      <a:pPr algn="r"/>
+                      <a:r>
+                        <a:rPr kumimoji="1" lang="en-US" altLang="ja-JP" sz="1800" dirty="0"/>
+                        <a:t>532.08</a:t>
+                      </a:r>
+                      <a:endParaRPr kumimoji="1" lang="ja-JP" altLang="en-US" sz="1800"/>
+                    </a:p>
+                  </a:txBody>
+                  <a:tcPr marL="68580" marR="68580" marT="34290" marB="34290" anchor="ctr"/>
+                </a:tc>
+                <a:extLst>
+                  <a:ext uri="{0D108BD9-81ED-4DB2-BD59-A6C34878D82A}">
+                    <a16:rowId xmlns:a16="http://schemas.microsoft.com/office/drawing/2014/main" val="2257345316"/>
                   </a:ext>
                 </a:extLst>
               </a:tr>
@@ -11982,7 +11691,148 @@
                 </a:tc>
                 <a:extLst>
                   <a:ext uri="{0D108BD9-81ED-4DB2-BD59-A6C34878D82A}">
-                    <a16:rowId xmlns:a16="http://schemas.microsoft.com/office/drawing/2014/main" val="3092792726"/>
+                    <a16:rowId xmlns:a16="http://schemas.microsoft.com/office/drawing/2014/main" val="523082997"/>
+                  </a:ext>
+                </a:extLst>
+              </a:tr>
+              <a:tr h="381150">
+                <a:tc>
+                  <a:txBody>
+                    <a:bodyPr/>
+                    <a:lstStyle/>
+                    <a:p>
+                      <a:pPr algn="ctr"/>
+                      <a:r>
+                        <a:rPr kumimoji="1" lang="en-US" altLang="ja-JP" sz="1800" dirty="0"/>
+                        <a:t>r4a</a:t>
+                      </a:r>
+                      <a:endParaRPr kumimoji="1" lang="ja-JP" altLang="en-US" sz="1800"/>
+                    </a:p>
+                  </a:txBody>
+                  <a:tcPr marL="68580" marR="68580" marT="34290" marB="34290"/>
+                </a:tc>
+                <a:tc>
+                  <a:txBody>
+                    <a:bodyPr/>
+                    <a:lstStyle/>
+                    <a:p>
+                      <a:pPr algn="ctr"/>
+                      <a:r>
+                        <a:rPr kumimoji="1" lang="en-US" altLang="ja-JP" sz="1800" dirty="0"/>
+                        <a:t>96</a:t>
+                      </a:r>
+                    </a:p>
+                  </a:txBody>
+                  <a:tcPr marL="68580" marR="68580" marT="34290" marB="34290"/>
+                </a:tc>
+                <a:tc>
+                  <a:txBody>
+                    <a:bodyPr/>
+                    <a:lstStyle/>
+                    <a:p>
+                      <a:pPr algn="ctr"/>
+                      <a:r>
+                        <a:rPr kumimoji="1" lang="en-US" altLang="ja-JP" sz="1800" dirty="0"/>
+                        <a:t>9</a:t>
+                      </a:r>
+                      <a:endParaRPr kumimoji="1" lang="ja-JP" altLang="en-US" sz="1800"/>
+                    </a:p>
+                  </a:txBody>
+                  <a:tcPr marL="68580" marR="68580" marT="34290" marB="34290"/>
+                </a:tc>
+                <a:tc>
+                  <a:txBody>
+                    <a:bodyPr/>
+                    <a:lstStyle/>
+                    <a:p>
+                      <a:pPr algn="r"/>
+                      <a:r>
+                        <a:rPr kumimoji="1" lang="en-US" altLang="ja-JP" sz="1800" dirty="0"/>
+                        <a:t>836.76</a:t>
+                      </a:r>
+                      <a:endParaRPr kumimoji="1" lang="ja-JP" altLang="en-US" sz="1800"/>
+                    </a:p>
+                  </a:txBody>
+                  <a:tcPr marL="68580" marR="68580" marT="34290" marB="34290" anchor="ctr"/>
+                </a:tc>
+                <a:tc>
+                  <a:txBody>
+                    <a:bodyPr/>
+                    <a:lstStyle/>
+                    <a:p>
+                      <a:pPr algn="r"/>
+                      <a:r>
+                        <a:rPr kumimoji="1" lang="en-US" altLang="ja-JP" sz="1800" dirty="0"/>
+                        <a:t>0.00</a:t>
+                      </a:r>
+                      <a:endParaRPr kumimoji="1" lang="ja-JP" altLang="en-US" sz="1800"/>
+                    </a:p>
+                  </a:txBody>
+                  <a:tcPr marL="68580" marR="68580" marT="34290" marB="34290" anchor="ctr"/>
+                </a:tc>
+                <a:tc>
+                  <a:txBody>
+                    <a:bodyPr/>
+                    <a:lstStyle/>
+                    <a:p>
+                      <a:pPr algn="r"/>
+                      <a:r>
+                        <a:rPr kumimoji="1" lang="en-US" altLang="ja-JP" sz="1800" dirty="0"/>
+                        <a:t>45.9</a:t>
+                      </a:r>
+                      <a:endParaRPr kumimoji="1" lang="ja-JP" altLang="en-US" sz="1800"/>
+                    </a:p>
+                  </a:txBody>
+                  <a:tcPr marL="68580" marR="68580" marT="34290" marB="34290" anchor="ctr"/>
+                </a:tc>
+                <a:tc>
+                  <a:txBody>
+                    <a:bodyPr/>
+                    <a:lstStyle/>
+                    <a:p>
+                      <a:pPr algn="r"/>
+                      <a:r>
+                        <a:rPr kumimoji="1" lang="en-US" altLang="ja-JP" sz="1800" dirty="0"/>
+                        <a:t>864</a:t>
+                      </a:r>
+                      <a:endParaRPr kumimoji="1" lang="ja-JP" altLang="en-US" sz="1800"/>
+                    </a:p>
+                  </a:txBody>
+                  <a:tcPr marL="68580" marR="68580" marT="34290" marB="34290" anchor="ctr"/>
+                </a:tc>
+                <a:tc>
+                  <a:txBody>
+                    <a:bodyPr/>
+                    <a:lstStyle/>
+                    <a:p>
+                      <a:pPr algn="r"/>
+                      <a:r>
+                        <a:rPr kumimoji="1" lang="en-US" altLang="ja-JP" sz="1800" dirty="0"/>
+                        <a:t>61</a:t>
+                      </a:r>
+                      <a:endParaRPr kumimoji="1" lang="ja-JP" altLang="en-US" sz="1800"/>
+                    </a:p>
+                  </a:txBody>
+                  <a:tcPr marL="68580" marR="68580" marT="34290" marB="34290" anchor="ctr"/>
+                </a:tc>
+                <a:tc>
+                  <a:txBody>
+                    <a:bodyPr/>
+                    <a:lstStyle/>
+                    <a:p>
+                      <a:pPr algn="r"/>
+                      <a:r>
+                        <a:rPr kumimoji="1" lang="en-US" altLang="ja-JP" sz="1800" dirty="0"/>
+                        <a:t>572.68</a:t>
+                      </a:r>
+                      <a:endParaRPr kumimoji="1" lang="ja-JP" altLang="en-US" sz="1800"/>
+                    </a:p>
+                  </a:txBody>
+                  <a:tcPr marL="68580" marR="68580" marT="34290" marB="34290" anchor="ctr"/>
+                </a:tc>
+                <a:extLst>
+                  <a:ext uri="{0D108BD9-81ED-4DB2-BD59-A6C34878D82A}">
+                    <a16:rowId xmlns:a16="http://schemas.microsoft.com/office/drawing/2014/main" val="3872839470"/>
                   </a:ext>
                 </a:extLst>
               </a:tr>
@@ -12148,7 +11998,157 @@
                 </a:tc>
                 <a:extLst>
                   <a:ext uri="{0D108BD9-81ED-4DB2-BD59-A6C34878D82A}">
-                    <a16:rowId xmlns:a16="http://schemas.microsoft.com/office/drawing/2014/main" val="2755415071"/>
+                    <a16:rowId xmlns:a16="http://schemas.microsoft.com/office/drawing/2014/main" val="1194476806"/>
+                  </a:ext>
+                </a:extLst>
+              </a:tr>
+              <a:tr h="381150">
+                <a:tc>
+                  <a:txBody>
+                    <a:bodyPr/>
+                    <a:lstStyle/>
+                    <a:p>
+                      <a:pPr algn="ctr"/>
+                      <a:r>
+                        <a:rPr kumimoji="1" lang="en-US" altLang="ja-JP" sz="1800" dirty="0"/>
+                        <a:t>r5a</a:t>
+                      </a:r>
+                      <a:endParaRPr kumimoji="1" lang="ja-JP" altLang="en-US" sz="1800"/>
+                    </a:p>
+                  </a:txBody>
+                  <a:tcPr marL="68580" marR="68580" marT="34290" marB="34290"/>
+                </a:tc>
+                <a:tc>
+                  <a:txBody>
+                    <a:bodyPr/>
+                    <a:lstStyle/>
+                    <a:p>
+                      <a:pPr algn="ctr"/>
+                      <a:r>
+                        <a:rPr kumimoji="1" lang="en-US" altLang="ja-JP" sz="1800" dirty="0"/>
+                        <a:t>120</a:t>
+                      </a:r>
+                      <a:endParaRPr kumimoji="1" lang="ja-JP" altLang="en-US" sz="1800"/>
+                    </a:p>
+                  </a:txBody>
+                  <a:tcPr marL="68580" marR="68580" marT="34290" marB="34290"/>
+                </a:tc>
+                <a:tc>
+                  <a:txBody>
+                    <a:bodyPr/>
+                    <a:lstStyle/>
+                    <a:p>
+                      <a:pPr algn="ctr"/>
+                      <a:r>
+                        <a:rPr kumimoji="1" lang="en-US" altLang="ja-JP" sz="1800" dirty="0"/>
+                        <a:t>11</a:t>
+                      </a:r>
+                      <a:endParaRPr kumimoji="1" lang="ja-JP" altLang="en-US" sz="1800"/>
+                    </a:p>
+                  </a:txBody>
+                  <a:tcPr marL="68580" marR="68580" marT="34290" marB="34290"/>
+                </a:tc>
+                <a:tc>
+                  <a:txBody>
+                    <a:bodyPr/>
+                    <a:lstStyle/>
+                    <a:p>
+                      <a:pPr algn="r"/>
+                      <a:r>
+                        <a:rPr kumimoji="1" lang="en-US" altLang="ja-JP" sz="1800" dirty="0">
+                          <a:solidFill>
+                            <a:schemeClr val="tx1"/>
+                          </a:solidFill>
+                        </a:rPr>
+                        <a:t>915.14</a:t>
+                      </a:r>
+                      <a:endParaRPr kumimoji="1" lang="ja-JP" altLang="en-US" sz="1800">
+                        <a:solidFill>
+                          <a:schemeClr val="tx1"/>
+                        </a:solidFill>
+                      </a:endParaRPr>
+                    </a:p>
+                  </a:txBody>
+                  <a:tcPr marL="68580" marR="68580" marT="34290" marB="34290" anchor="ctr"/>
+                </a:tc>
+                <a:tc>
+                  <a:txBody>
+                    <a:bodyPr/>
+                    <a:lstStyle/>
+                    <a:p>
+                      <a:pPr algn="r"/>
+                      <a:r>
+                        <a:rPr kumimoji="1" lang="en-US" altLang="ja-JP" sz="1800" dirty="0"/>
+                        <a:t>0.00</a:t>
+                      </a:r>
+                      <a:endParaRPr kumimoji="1" lang="ja-JP" altLang="en-US" sz="1800"/>
+                    </a:p>
+                  </a:txBody>
+                  <a:tcPr marL="68580" marR="68580" marT="34290" marB="34290" anchor="ctr"/>
+                </a:tc>
+                <a:tc>
+                  <a:txBody>
+                    <a:bodyPr/>
+                    <a:lstStyle/>
+                    <a:p>
+                      <a:pPr algn="r"/>
+                      <a:r>
+                        <a:rPr kumimoji="1" lang="en-US" altLang="ja-JP" sz="1800" dirty="0"/>
+                        <a:t>43.6</a:t>
+                      </a:r>
+                      <a:endParaRPr kumimoji="1" lang="ja-JP" altLang="en-US" sz="1800"/>
+                    </a:p>
+                  </a:txBody>
+                  <a:tcPr marL="68580" marR="68580" marT="34290" marB="34290" anchor="ctr"/>
+                </a:tc>
+                <a:tc>
+                  <a:txBody>
+                    <a:bodyPr/>
+                    <a:lstStyle/>
+                    <a:p>
+                      <a:pPr algn="r"/>
+                      <a:r>
+                        <a:rPr kumimoji="1" lang="en-US" altLang="ja-JP" sz="1800" dirty="0"/>
+                        <a:t>1320</a:t>
+                      </a:r>
+                      <a:endParaRPr kumimoji="1" lang="ja-JP" altLang="en-US" sz="1800"/>
+                    </a:p>
+                  </a:txBody>
+                  <a:tcPr marL="68580" marR="68580" marT="34290" marB="34290" anchor="ctr"/>
+                </a:tc>
+                <a:tc>
+                  <a:txBody>
+                    <a:bodyPr/>
+                    <a:lstStyle/>
+                    <a:p>
+                      <a:pPr algn="r"/>
+                      <a:r>
+                        <a:rPr kumimoji="1" lang="en-US" altLang="ja-JP" sz="1800" dirty="0"/>
+                        <a:t>110</a:t>
+                      </a:r>
+                      <a:endParaRPr kumimoji="1" lang="ja-JP" altLang="en-US" sz="1800"/>
+                    </a:p>
+                  </a:txBody>
+                  <a:tcPr marL="68580" marR="68580" marT="34290" marB="34290" anchor="ctr"/>
+                </a:tc>
+                <a:tc>
+                  <a:txBody>
+                    <a:bodyPr/>
+                    <a:lstStyle/>
+                    <a:p>
+                      <a:pPr algn="r"/>
+                      <a:r>
+                        <a:rPr kumimoji="1" lang="en-US" altLang="ja-JP" sz="1800" dirty="0"/>
+                        <a:t>636.97</a:t>
+                      </a:r>
+                      <a:endParaRPr kumimoji="1" lang="ja-JP" altLang="en-US" sz="1800"/>
+                    </a:p>
+                  </a:txBody>
+                  <a:tcPr marL="68580" marR="68580" marT="34290" marB="34290" anchor="ctr"/>
+                </a:tc>
+                <a:extLst>
+                  <a:ext uri="{0D108BD9-81ED-4DB2-BD59-A6C34878D82A}">
+                    <a16:rowId xmlns:a16="http://schemas.microsoft.com/office/drawing/2014/main" val="2497193795"/>
                   </a:ext>
                 </a:extLst>
               </a:tr>
@@ -12617,7 +12617,7 @@
           <p:nvPr>
             <p:extLst>
               <p:ext uri="{D42A27DB-BD31-4B8C-83A1-F6EECF244321}">
-                <p14:modId xmlns:p14="http://schemas.microsoft.com/office/powerpoint/2010/main" val="217996210"/>
+                <p14:modId xmlns:p14="http://schemas.microsoft.com/office/powerpoint/2010/main" val="3403451723"/>
               </p:ext>
             </p:extLst>
           </p:nvPr>
@@ -13143,6 +13143,148 @@
                       <a:pPr algn="ctr"/>
                       <a:r>
                         <a:rPr kumimoji="1" lang="en-US" altLang="ja-JP" sz="1800" dirty="0"/>
+                        <a:t>24</a:t>
+                      </a:r>
+                      <a:endParaRPr kumimoji="1" lang="ja-JP" altLang="en-US" sz="1800"/>
+                    </a:p>
+                  </a:txBody>
+                  <a:tcPr marL="68580" marR="68580" marT="34290" marB="34290"/>
+                </a:tc>
+                <a:tc>
+                  <a:txBody>
+                    <a:bodyPr/>
+                    <a:lstStyle/>
+                    <a:p>
+                      <a:pPr algn="ctr"/>
+                      <a:r>
+                        <a:rPr kumimoji="1" lang="en-US" altLang="ja-JP" sz="1800" dirty="0"/>
+                        <a:t>3</a:t>
+                      </a:r>
+                      <a:endParaRPr kumimoji="1" lang="ja-JP" altLang="en-US" sz="1800"/>
+                    </a:p>
+                  </a:txBody>
+                  <a:tcPr marL="68580" marR="68580" marT="34290" marB="34290"/>
+                </a:tc>
+                <a:tc>
+                  <a:txBody>
+                    <a:bodyPr/>
+                    <a:lstStyle/>
+                    <a:p>
+                      <a:pPr algn="ctr"/>
+                      <a:r>
+                        <a:rPr kumimoji="1" lang="en-US" altLang="ja-JP" sz="1800" dirty="0"/>
+                        <a:t>200.74</a:t>
+                      </a:r>
+                      <a:endParaRPr kumimoji="1" lang="ja-JP" altLang="en-US" sz="1800"/>
+                    </a:p>
+                  </a:txBody>
+                  <a:tcPr marL="68580" marR="68580" marT="34290" marB="34290"/>
+                </a:tc>
+                <a:tc>
+                  <a:txBody>
+                    <a:bodyPr/>
+                    <a:lstStyle/>
+                    <a:p>
+                      <a:pPr algn="r"/>
+                      <a:r>
+                        <a:rPr kumimoji="1" lang="en-US" altLang="ja-JP" sz="1800" dirty="0"/>
+                        <a:t>0.00</a:t>
+                      </a:r>
+                      <a:endParaRPr kumimoji="1" lang="ja-JP" altLang="en-US" sz="1800"/>
+                    </a:p>
+                  </a:txBody>
+                  <a:tcPr marL="68580" marR="68580" marT="34290" marB="34290"/>
+                </a:tc>
+                <a:tc>
+                  <a:txBody>
+                    <a:bodyPr/>
+                    <a:lstStyle/>
+                    <a:p>
+                      <a:pPr algn="r"/>
+                      <a:r>
+                        <a:rPr kumimoji="1" lang="en-US" altLang="ja-JP" sz="1800" dirty="0"/>
+                        <a:t>0.00</a:t>
+                      </a:r>
+                      <a:endParaRPr kumimoji="1" lang="ja-JP" altLang="en-US" sz="1800"/>
+                    </a:p>
+                  </a:txBody>
+                  <a:tcPr marL="68580" marR="68580" marT="34290" marB="34290"/>
+                </a:tc>
+                <a:tc>
+                  <a:txBody>
+                    <a:bodyPr/>
+                    <a:lstStyle/>
+                    <a:p>
+                      <a:pPr algn="ctr"/>
+                      <a:r>
+                        <a:rPr kumimoji="1" lang="en-US" altLang="ja-JP" sz="1800" dirty="0"/>
+                        <a:t>2</a:t>
+                      </a:r>
+                      <a:endParaRPr kumimoji="1" lang="ja-JP" altLang="en-US" sz="1800"/>
+                    </a:p>
+                  </a:txBody>
+                  <a:tcPr marL="68580" marR="68580" marT="34290" marB="34290"/>
+                </a:tc>
+                <a:tc>
+                  <a:txBody>
+                    <a:bodyPr/>
+                    <a:lstStyle/>
+                    <a:p>
+                      <a:pPr algn="r"/>
+                      <a:r>
+                        <a:rPr kumimoji="1" lang="en-US" altLang="ja-JP" sz="1800" dirty="0"/>
+                        <a:t>217.61</a:t>
+                      </a:r>
+                      <a:endParaRPr kumimoji="1" lang="ja-JP" altLang="en-US" sz="1800"/>
+                    </a:p>
+                  </a:txBody>
+                  <a:tcPr marL="68580" marR="68580" marT="34290" marB="34290"/>
+                </a:tc>
+                <a:tc>
+                  <a:txBody>
+                    <a:bodyPr/>
+                    <a:lstStyle/>
+                    <a:p>
+                      <a:pPr algn="r"/>
+                      <a:r>
+                        <a:rPr kumimoji="1" lang="en-US" altLang="ja-JP" sz="1800" dirty="0"/>
+                        <a:t>2.40</a:t>
+                      </a:r>
+                      <a:endParaRPr kumimoji="1" lang="ja-JP" altLang="en-US" sz="1800"/>
+                    </a:p>
+                  </a:txBody>
+                  <a:tcPr marL="68580" marR="68580" marT="34290" marB="34290"/>
+                </a:tc>
+                <a:tc>
+                  <a:txBody>
+                    <a:bodyPr/>
+                    <a:lstStyle/>
+                    <a:p>
+                      <a:pPr algn="r"/>
+                      <a:r>
+                        <a:rPr kumimoji="1" lang="en-US" altLang="ja-JP" sz="1800" dirty="0"/>
+                        <a:t>0.10</a:t>
+                      </a:r>
+                      <a:endParaRPr kumimoji="1" lang="ja-JP" altLang="en-US" sz="1800"/>
+                    </a:p>
+                  </a:txBody>
+                  <a:tcPr marL="68580" marR="68580" marT="34290" marB="34290"/>
+                </a:tc>
+                <a:extLst>
+                  <a:ext uri="{0D108BD9-81ED-4DB2-BD59-A6C34878D82A}">
+                    <a16:rowId xmlns:a16="http://schemas.microsoft.com/office/drawing/2014/main" val="1220666301"/>
+                  </a:ext>
+                </a:extLst>
+              </a:tr>
+              <a:tr h="435450">
+                <a:tc>
+                  <a:txBody>
+                    <a:bodyPr/>
+                    <a:lstStyle/>
+                    <a:p>
+                      <a:pPr algn="ctr"/>
+                      <a:r>
+                        <a:rPr kumimoji="1" lang="en-US" altLang="ja-JP" sz="1800" dirty="0"/>
                         <a:t>48</a:t>
                       </a:r>
                       <a:endParaRPr kumimoji="1" lang="ja-JP" altLang="en-US" sz="1800"/>
@@ -13285,6 +13427,148 @@
                       <a:pPr algn="ctr"/>
                       <a:r>
                         <a:rPr kumimoji="1" lang="en-US" altLang="ja-JP" sz="1800" dirty="0"/>
+                        <a:t>48</a:t>
+                      </a:r>
+                      <a:endParaRPr kumimoji="1" lang="ja-JP" altLang="en-US" sz="1800"/>
+                    </a:p>
+                  </a:txBody>
+                  <a:tcPr marL="68580" marR="68580" marT="34290" marB="34290"/>
+                </a:tc>
+                <a:tc>
+                  <a:txBody>
+                    <a:bodyPr/>
+                    <a:lstStyle/>
+                    <a:p>
+                      <a:pPr algn="ctr"/>
+                      <a:r>
+                        <a:rPr kumimoji="1" lang="en-US" altLang="ja-JP" sz="1800" dirty="0"/>
+                        <a:t>5</a:t>
+                      </a:r>
+                      <a:endParaRPr kumimoji="1" lang="ja-JP" altLang="en-US" sz="1800"/>
+                    </a:p>
+                  </a:txBody>
+                  <a:tcPr marL="68580" marR="68580" marT="34290" marB="34290"/>
+                </a:tc>
+                <a:tc>
+                  <a:txBody>
+                    <a:bodyPr/>
+                    <a:lstStyle/>
+                    <a:p>
+                      <a:pPr algn="ctr"/>
+                      <a:r>
+                        <a:rPr kumimoji="1" lang="en-US" altLang="ja-JP" sz="1800" dirty="0"/>
+                        <a:t>403.99</a:t>
+                      </a:r>
+                      <a:endParaRPr kumimoji="1" lang="ja-JP" altLang="en-US" sz="1800"/>
+                    </a:p>
+                  </a:txBody>
+                  <a:tcPr marL="68580" marR="68580" marT="34290" marB="34290"/>
+                </a:tc>
+                <a:tc>
+                  <a:txBody>
+                    <a:bodyPr/>
+                    <a:lstStyle/>
+                    <a:p>
+                      <a:pPr algn="r"/>
+                      <a:r>
+                        <a:rPr kumimoji="1" lang="en-US" altLang="ja-JP" sz="1800" dirty="0"/>
+                        <a:t>1.38</a:t>
+                      </a:r>
+                      <a:endParaRPr kumimoji="1" lang="ja-JP" altLang="en-US" sz="1800"/>
+                    </a:p>
+                  </a:txBody>
+                  <a:tcPr marL="68580" marR="68580" marT="34290" marB="34290"/>
+                </a:tc>
+                <a:tc>
+                  <a:txBody>
+                    <a:bodyPr/>
+                    <a:lstStyle/>
+                    <a:p>
+                      <a:pPr algn="r"/>
+                      <a:r>
+                        <a:rPr kumimoji="1" lang="en-US" altLang="ja-JP" sz="1800" dirty="0"/>
+                        <a:t>0.02</a:t>
+                      </a:r>
+                      <a:endParaRPr kumimoji="1" lang="ja-JP" altLang="en-US" sz="1800"/>
+                    </a:p>
+                  </a:txBody>
+                  <a:tcPr marL="68580" marR="68580" marT="34290" marB="34290"/>
+                </a:tc>
+                <a:tc>
+                  <a:txBody>
+                    <a:bodyPr/>
+                    <a:lstStyle/>
+                    <a:p>
+                      <a:pPr algn="ctr"/>
+                      <a:r>
+                        <a:rPr kumimoji="1" lang="en-US" altLang="ja-JP" sz="1800" dirty="0"/>
+                        <a:t>4</a:t>
+                      </a:r>
+                      <a:endParaRPr kumimoji="1" lang="ja-JP" altLang="en-US" sz="1800"/>
+                    </a:p>
+                  </a:txBody>
+                  <a:tcPr marL="68580" marR="68580" marT="34290" marB="34290"/>
+                </a:tc>
+                <a:tc>
+                  <a:txBody>
+                    <a:bodyPr/>
+                    <a:lstStyle/>
+                    <a:p>
+                      <a:pPr algn="r"/>
+                      <a:r>
+                        <a:rPr kumimoji="1" lang="en-US" altLang="ja-JP" sz="1800" dirty="0"/>
+                        <a:t>377.78</a:t>
+                      </a:r>
+                      <a:endParaRPr kumimoji="1" lang="ja-JP" altLang="en-US" sz="1800"/>
+                    </a:p>
+                  </a:txBody>
+                  <a:tcPr marL="68580" marR="68580" marT="34290" marB="34290"/>
+                </a:tc>
+                <a:tc>
+                  <a:txBody>
+                    <a:bodyPr/>
+                    <a:lstStyle/>
+                    <a:p>
+                      <a:pPr algn="r"/>
+                      <a:r>
+                        <a:rPr kumimoji="1" lang="en-US" altLang="ja-JP" sz="1800" dirty="0"/>
+                        <a:t>11.46</a:t>
+                      </a:r>
+                      <a:endParaRPr kumimoji="1" lang="ja-JP" altLang="en-US" sz="1800"/>
+                    </a:p>
+                  </a:txBody>
+                  <a:tcPr marL="68580" marR="68580" marT="34290" marB="34290"/>
+                </a:tc>
+                <a:tc>
+                  <a:txBody>
+                    <a:bodyPr/>
+                    <a:lstStyle/>
+                    <a:p>
+                      <a:pPr algn="r"/>
+                      <a:r>
+                        <a:rPr kumimoji="1" lang="en-US" altLang="ja-JP" sz="1800" dirty="0"/>
+                        <a:t>0.23</a:t>
+                      </a:r>
+                      <a:endParaRPr kumimoji="1" lang="ja-JP" altLang="en-US" sz="1800"/>
+                    </a:p>
+                  </a:txBody>
+                  <a:tcPr marL="68580" marR="68580" marT="34290" marB="34290"/>
+                </a:tc>
+                <a:extLst>
+                  <a:ext uri="{0D108BD9-81ED-4DB2-BD59-A6C34878D82A}">
+                    <a16:rowId xmlns:a16="http://schemas.microsoft.com/office/drawing/2014/main" val="1566996090"/>
+                  </a:ext>
+                </a:extLst>
+              </a:tr>
+              <a:tr h="435450">
+                <a:tc>
+                  <a:txBody>
+                    <a:bodyPr/>
+                    <a:lstStyle/>
+                    <a:p>
+                      <a:pPr algn="ctr"/>
+                      <a:r>
+                        <a:rPr kumimoji="1" lang="en-US" altLang="ja-JP" sz="1800" dirty="0"/>
                         <a:t>72</a:t>
                       </a:r>
                       <a:endParaRPr kumimoji="1" lang="ja-JP" altLang="en-US" sz="1800"/>
@@ -13427,7 +13711,7 @@
                       <a:pPr algn="ctr"/>
                       <a:r>
                         <a:rPr kumimoji="1" lang="en-US" altLang="ja-JP" sz="1800" dirty="0"/>
-                        <a:t>96</a:t>
+                        <a:t>72</a:t>
                       </a:r>
                       <a:endParaRPr kumimoji="1" lang="ja-JP" altLang="en-US" sz="1800"/>
                     </a:p>
@@ -13442,7 +13726,7 @@
                       <a:pPr algn="ctr"/>
                       <a:r>
                         <a:rPr kumimoji="1" lang="en-US" altLang="ja-JP" sz="1800" dirty="0"/>
-                        <a:t>9</a:t>
+                        <a:t>7</a:t>
                       </a:r>
                       <a:endParaRPr kumimoji="1" lang="ja-JP" altLang="en-US" sz="1800"/>
                     </a:p>
@@ -13457,7 +13741,7 @@
                       <a:pPr algn="ctr"/>
                       <a:r>
                         <a:rPr kumimoji="1" lang="en-US" altLang="ja-JP" sz="1800" dirty="0"/>
-                        <a:t>911.66</a:t>
+                        <a:t>686.30</a:t>
                       </a:r>
                       <a:endParaRPr kumimoji="1" lang="ja-JP" altLang="en-US" sz="1800"/>
                     </a:p>
@@ -13472,7 +13756,7 @@
                       <a:pPr algn="r"/>
                       <a:r>
                         <a:rPr kumimoji="1" lang="en-US" altLang="ja-JP" sz="1800" dirty="0"/>
-                        <a:t>14.99</a:t>
+                        <a:t>15.71</a:t>
                       </a:r>
                       <a:endParaRPr kumimoji="1" lang="ja-JP" altLang="en-US" sz="1800"/>
                     </a:p>
@@ -13487,7 +13771,7 @@
                       <a:pPr algn="r"/>
                       <a:r>
                         <a:rPr kumimoji="1" lang="en-US" altLang="ja-JP" sz="1800" dirty="0"/>
-                        <a:t>0.15</a:t>
+                        <a:t>0.21</a:t>
                       </a:r>
                       <a:endParaRPr kumimoji="1" lang="ja-JP" altLang="en-US" sz="1800"/>
                     </a:p>
@@ -13502,7 +13786,7 @@
                       <a:pPr algn="ctr"/>
                       <a:r>
                         <a:rPr kumimoji="1" lang="en-US" altLang="ja-JP" sz="1800" dirty="0"/>
-                        <a:t>8</a:t>
+                        <a:t>6</a:t>
                       </a:r>
                       <a:endParaRPr kumimoji="1" lang="ja-JP" altLang="en-US" sz="1800"/>
                     </a:p>
@@ -13517,7 +13801,7 @@
                       <a:pPr algn="r"/>
                       <a:r>
                         <a:rPr kumimoji="1" lang="en-US" altLang="ja-JP" sz="1800" dirty="0"/>
-                        <a:t>955.01</a:t>
+                        <a:t>707.90</a:t>
                       </a:r>
                       <a:endParaRPr kumimoji="1" lang="ja-JP" altLang="en-US" sz="1800"/>
                     </a:p>
@@ -13532,7 +13816,7 @@
                       <a:pPr algn="r"/>
                       <a:r>
                         <a:rPr kumimoji="1" lang="en-US" altLang="ja-JP" sz="1800" dirty="0"/>
-                        <a:t>23.95</a:t>
+                        <a:t>27.26</a:t>
                       </a:r>
                       <a:endParaRPr kumimoji="1" lang="ja-JP" altLang="en-US" sz="1800"/>
                     </a:p>
@@ -13547,7 +13831,7 @@
                       <a:pPr algn="r"/>
                       <a:r>
                         <a:rPr kumimoji="1" lang="en-US" altLang="ja-JP" sz="1800" dirty="0"/>
-                        <a:t>0.24</a:t>
+                        <a:t>0.37</a:t>
                       </a:r>
                       <a:endParaRPr kumimoji="1" lang="ja-JP" altLang="en-US" sz="1800"/>
                     </a:p>
@@ -13556,7 +13840,7 @@
                 </a:tc>
                 <a:extLst>
                   <a:ext uri="{0D108BD9-81ED-4DB2-BD59-A6C34878D82A}">
-                    <a16:rowId xmlns:a16="http://schemas.microsoft.com/office/drawing/2014/main" val="1554197312"/>
+                    <a16:rowId xmlns:a16="http://schemas.microsoft.com/office/drawing/2014/main" val="2960886249"/>
                   </a:ext>
                 </a:extLst>
               </a:tr>
@@ -13569,7 +13853,7 @@
                       <a:pPr algn="ctr"/>
                       <a:r>
                         <a:rPr kumimoji="1" lang="en-US" altLang="ja-JP" sz="1800" dirty="0"/>
-                        <a:t>24</a:t>
+                        <a:t>96</a:t>
                       </a:r>
                       <a:endParaRPr kumimoji="1" lang="ja-JP" altLang="en-US" sz="1800"/>
                     </a:p>
@@ -13584,7 +13868,7 @@
                       <a:pPr algn="ctr"/>
                       <a:r>
                         <a:rPr kumimoji="1" lang="en-US" altLang="ja-JP" sz="1800" dirty="0"/>
-                        <a:t>3</a:t>
+                        <a:t>9</a:t>
                       </a:r>
                       <a:endParaRPr kumimoji="1" lang="ja-JP" altLang="en-US" sz="1800"/>
                     </a:p>
@@ -13599,7 +13883,7 @@
                       <a:pPr algn="ctr"/>
                       <a:r>
                         <a:rPr kumimoji="1" lang="en-US" altLang="ja-JP" sz="1800" dirty="0"/>
-                        <a:t>200.74</a:t>
+                        <a:t>911.66</a:t>
                       </a:r>
                       <a:endParaRPr kumimoji="1" lang="ja-JP" altLang="en-US" sz="1800"/>
                     </a:p>
@@ -13614,7 +13898,7 @@
                       <a:pPr algn="r"/>
                       <a:r>
                         <a:rPr kumimoji="1" lang="en-US" altLang="ja-JP" sz="1800" dirty="0"/>
-                        <a:t>0.00</a:t>
+                        <a:t>14.99</a:t>
                       </a:r>
                       <a:endParaRPr kumimoji="1" lang="ja-JP" altLang="en-US" sz="1800"/>
                     </a:p>
@@ -13629,7 +13913,7 @@
                       <a:pPr algn="r"/>
                       <a:r>
                         <a:rPr kumimoji="1" lang="en-US" altLang="ja-JP" sz="1800" dirty="0"/>
-                        <a:t>0.00</a:t>
+                        <a:t>0.15</a:t>
                       </a:r>
                       <a:endParaRPr kumimoji="1" lang="ja-JP" altLang="en-US" sz="1800"/>
                     </a:p>
@@ -13644,7 +13928,7 @@
                       <a:pPr algn="ctr"/>
                       <a:r>
                         <a:rPr kumimoji="1" lang="en-US" altLang="ja-JP" sz="1800" dirty="0"/>
-                        <a:t>2</a:t>
+                        <a:t>8</a:t>
                       </a:r>
                       <a:endParaRPr kumimoji="1" lang="ja-JP" altLang="en-US" sz="1800"/>
                     </a:p>
@@ -13659,7 +13943,7 @@
                       <a:pPr algn="r"/>
                       <a:r>
                         <a:rPr kumimoji="1" lang="en-US" altLang="ja-JP" sz="1800" dirty="0"/>
-                        <a:t>217.61</a:t>
+                        <a:t>955.01</a:t>
                       </a:r>
                       <a:endParaRPr kumimoji="1" lang="ja-JP" altLang="en-US" sz="1800"/>
                     </a:p>
@@ -13674,7 +13958,7 @@
                       <a:pPr algn="r"/>
                       <a:r>
                         <a:rPr kumimoji="1" lang="en-US" altLang="ja-JP" sz="1800" dirty="0"/>
-                        <a:t>2.40</a:t>
+                        <a:t>23.95</a:t>
                       </a:r>
                       <a:endParaRPr kumimoji="1" lang="ja-JP" altLang="en-US" sz="1800"/>
                     </a:p>
@@ -13689,7 +13973,7 @@
                       <a:pPr algn="r"/>
                       <a:r>
                         <a:rPr kumimoji="1" lang="en-US" altLang="ja-JP" sz="1800" dirty="0"/>
-                        <a:t>0.10</a:t>
+                        <a:t>0.24</a:t>
                       </a:r>
                       <a:endParaRPr kumimoji="1" lang="ja-JP" altLang="en-US" sz="1800"/>
                     </a:p>
@@ -13698,291 +13982,7 @@
                 </a:tc>
                 <a:extLst>
                   <a:ext uri="{0D108BD9-81ED-4DB2-BD59-A6C34878D82A}">
-                    <a16:rowId xmlns:a16="http://schemas.microsoft.com/office/drawing/2014/main" val="2030813029"/>
-                  </a:ext>
-                </a:extLst>
-              </a:tr>
-              <a:tr h="435450">
-                <a:tc>
-                  <a:txBody>
-                    <a:bodyPr/>
-                    <a:lstStyle/>
-                    <a:p>
-                      <a:pPr algn="ctr"/>
-                      <a:r>
-                        <a:rPr kumimoji="1" lang="en-US" altLang="ja-JP" sz="1800" dirty="0"/>
-                        <a:t>48</a:t>
-                      </a:r>
-                      <a:endParaRPr kumimoji="1" lang="ja-JP" altLang="en-US" sz="1800"/>
-                    </a:p>
-                  </a:txBody>
-                  <a:tcPr marL="68580" marR="68580" marT="34290" marB="34290"/>
-                </a:tc>
-                <a:tc>
-                  <a:txBody>
-                    <a:bodyPr/>
-                    <a:lstStyle/>
-                    <a:p>
-                      <a:pPr algn="ctr"/>
-                      <a:r>
-                        <a:rPr kumimoji="1" lang="en-US" altLang="ja-JP" sz="1800" dirty="0"/>
-                        <a:t>5</a:t>
-                      </a:r>
-                      <a:endParaRPr kumimoji="1" lang="ja-JP" altLang="en-US" sz="1800"/>
-                    </a:p>
-                  </a:txBody>
-                  <a:tcPr marL="68580" marR="68580" marT="34290" marB="34290"/>
-                </a:tc>
-                <a:tc>
-                  <a:txBody>
-                    <a:bodyPr/>
-                    <a:lstStyle/>
-                    <a:p>
-                      <a:pPr algn="ctr"/>
-                      <a:r>
-                        <a:rPr kumimoji="1" lang="en-US" altLang="ja-JP" sz="1800" dirty="0"/>
-                        <a:t>403.99</a:t>
-                      </a:r>
-                      <a:endParaRPr kumimoji="1" lang="ja-JP" altLang="en-US" sz="1800"/>
-                    </a:p>
-                  </a:txBody>
-                  <a:tcPr marL="68580" marR="68580" marT="34290" marB="34290"/>
-                </a:tc>
-                <a:tc>
-                  <a:txBody>
-                    <a:bodyPr/>
-                    <a:lstStyle/>
-                    <a:p>
-                      <a:pPr algn="r"/>
-                      <a:r>
-                        <a:rPr kumimoji="1" lang="en-US" altLang="ja-JP" sz="1800" dirty="0"/>
-                        <a:t>1.38</a:t>
-                      </a:r>
-                      <a:endParaRPr kumimoji="1" lang="ja-JP" altLang="en-US" sz="1800"/>
-                    </a:p>
-                  </a:txBody>
-                  <a:tcPr marL="68580" marR="68580" marT="34290" marB="34290"/>
-                </a:tc>
-                <a:tc>
-                  <a:txBody>
-                    <a:bodyPr/>
-                    <a:lstStyle/>
-                    <a:p>
-                      <a:pPr algn="r"/>
-                      <a:r>
-                        <a:rPr kumimoji="1" lang="en-US" altLang="ja-JP" sz="1800" dirty="0"/>
-                        <a:t>0.02</a:t>
-                      </a:r>
-                      <a:endParaRPr kumimoji="1" lang="ja-JP" altLang="en-US" sz="1800"/>
-                    </a:p>
-                  </a:txBody>
-                  <a:tcPr marL="68580" marR="68580" marT="34290" marB="34290"/>
-                </a:tc>
-                <a:tc>
-                  <a:txBody>
-                    <a:bodyPr/>
-                    <a:lstStyle/>
-                    <a:p>
-                      <a:pPr algn="ctr"/>
-                      <a:r>
-                        <a:rPr kumimoji="1" lang="en-US" altLang="ja-JP" sz="1800" dirty="0"/>
-                        <a:t>4</a:t>
-                      </a:r>
-                      <a:endParaRPr kumimoji="1" lang="ja-JP" altLang="en-US" sz="1800"/>
-                    </a:p>
-                  </a:txBody>
-                  <a:tcPr marL="68580" marR="68580" marT="34290" marB="34290"/>
-                </a:tc>
-                <a:tc>
-                  <a:txBody>
-                    <a:bodyPr/>
-                    <a:lstStyle/>
-                    <a:p>
-                      <a:pPr algn="r"/>
-                      <a:r>
-                        <a:rPr kumimoji="1" lang="en-US" altLang="ja-JP" sz="1800" dirty="0"/>
-                        <a:t>377.78</a:t>
-                      </a:r>
-                      <a:endParaRPr kumimoji="1" lang="ja-JP" altLang="en-US" sz="1800"/>
-                    </a:p>
-                  </a:txBody>
-                  <a:tcPr marL="68580" marR="68580" marT="34290" marB="34290"/>
-                </a:tc>
-                <a:tc>
-                  <a:txBody>
-                    <a:bodyPr/>
-                    <a:lstStyle/>
-                    <a:p>
-                      <a:pPr algn="r"/>
-                      <a:r>
-                        <a:rPr kumimoji="1" lang="en-US" altLang="ja-JP" sz="1800" dirty="0"/>
-                        <a:t>11.46</a:t>
-                      </a:r>
-                      <a:endParaRPr kumimoji="1" lang="ja-JP" altLang="en-US" sz="1800"/>
-                    </a:p>
-                  </a:txBody>
-                  <a:tcPr marL="68580" marR="68580" marT="34290" marB="34290"/>
-                </a:tc>
-                <a:tc>
-                  <a:txBody>
-                    <a:bodyPr/>
-                    <a:lstStyle/>
-                    <a:p>
-                      <a:pPr algn="r"/>
-                      <a:r>
-                        <a:rPr kumimoji="1" lang="en-US" altLang="ja-JP" sz="1800" dirty="0"/>
-                        <a:t>0.23</a:t>
-                      </a:r>
-                      <a:endParaRPr kumimoji="1" lang="ja-JP" altLang="en-US" sz="1800"/>
-                    </a:p>
-                  </a:txBody>
-                  <a:tcPr marL="68580" marR="68580" marT="34290" marB="34290"/>
-                </a:tc>
-                <a:extLst>
-                  <a:ext uri="{0D108BD9-81ED-4DB2-BD59-A6C34878D82A}">
-                    <a16:rowId xmlns:a16="http://schemas.microsoft.com/office/drawing/2014/main" val="2472040869"/>
-                  </a:ext>
-                </a:extLst>
-              </a:tr>
-              <a:tr h="435450">
-                <a:tc>
-                  <a:txBody>
-                    <a:bodyPr/>
-                    <a:lstStyle/>
-                    <a:p>
-                      <a:pPr algn="ctr"/>
-                      <a:r>
-                        <a:rPr kumimoji="1" lang="en-US" altLang="ja-JP" sz="1800" dirty="0"/>
-                        <a:t>72</a:t>
-                      </a:r>
-                      <a:endParaRPr kumimoji="1" lang="ja-JP" altLang="en-US" sz="1800"/>
-                    </a:p>
-                  </a:txBody>
-                  <a:tcPr marL="68580" marR="68580" marT="34290" marB="34290"/>
-                </a:tc>
-                <a:tc>
-                  <a:txBody>
-                    <a:bodyPr/>
-                    <a:lstStyle/>
-                    <a:p>
-                      <a:pPr algn="ctr"/>
-                      <a:r>
-                        <a:rPr kumimoji="1" lang="en-US" altLang="ja-JP" sz="1800" dirty="0"/>
-                        <a:t>7</a:t>
-                      </a:r>
-                      <a:endParaRPr kumimoji="1" lang="ja-JP" altLang="en-US" sz="1800"/>
-                    </a:p>
-                  </a:txBody>
-                  <a:tcPr marL="68580" marR="68580" marT="34290" marB="34290"/>
-                </a:tc>
-                <a:tc>
-                  <a:txBody>
-                    <a:bodyPr/>
-                    <a:lstStyle/>
-                    <a:p>
-                      <a:pPr algn="ctr"/>
-                      <a:r>
-                        <a:rPr kumimoji="1" lang="en-US" altLang="ja-JP" sz="1800" dirty="0"/>
-                        <a:t>686.30</a:t>
-                      </a:r>
-                      <a:endParaRPr kumimoji="1" lang="ja-JP" altLang="en-US" sz="1800"/>
-                    </a:p>
-                  </a:txBody>
-                  <a:tcPr marL="68580" marR="68580" marT="34290" marB="34290"/>
-                </a:tc>
-                <a:tc>
-                  <a:txBody>
-                    <a:bodyPr/>
-                    <a:lstStyle/>
-                    <a:p>
-                      <a:pPr algn="r"/>
-                      <a:r>
-                        <a:rPr kumimoji="1" lang="en-US" altLang="ja-JP" sz="1800" dirty="0"/>
-                        <a:t>15.71</a:t>
-                      </a:r>
-                      <a:endParaRPr kumimoji="1" lang="ja-JP" altLang="en-US" sz="1800"/>
-                    </a:p>
-                  </a:txBody>
-                  <a:tcPr marL="68580" marR="68580" marT="34290" marB="34290"/>
-                </a:tc>
-                <a:tc>
-                  <a:txBody>
-                    <a:bodyPr/>
-                    <a:lstStyle/>
-                    <a:p>
-                      <a:pPr algn="r"/>
-                      <a:r>
-                        <a:rPr kumimoji="1" lang="en-US" altLang="ja-JP" sz="1800" dirty="0"/>
-                        <a:t>0.21</a:t>
-                      </a:r>
-                      <a:endParaRPr kumimoji="1" lang="ja-JP" altLang="en-US" sz="1800"/>
-                    </a:p>
-                  </a:txBody>
-                  <a:tcPr marL="68580" marR="68580" marT="34290" marB="34290"/>
-                </a:tc>
-                <a:tc>
-                  <a:txBody>
-                    <a:bodyPr/>
-                    <a:lstStyle/>
-                    <a:p>
-                      <a:pPr algn="ctr"/>
-                      <a:r>
-                        <a:rPr kumimoji="1" lang="en-US" altLang="ja-JP" sz="1800" dirty="0"/>
-                        <a:t>6</a:t>
-                      </a:r>
-                      <a:endParaRPr kumimoji="1" lang="ja-JP" altLang="en-US" sz="1800"/>
-                    </a:p>
-                  </a:txBody>
-                  <a:tcPr marL="68580" marR="68580" marT="34290" marB="34290"/>
-                </a:tc>
-                <a:tc>
-                  <a:txBody>
-                    <a:bodyPr/>
-                    <a:lstStyle/>
-                    <a:p>
-                      <a:pPr algn="r"/>
-                      <a:r>
-                        <a:rPr kumimoji="1" lang="en-US" altLang="ja-JP" sz="1800" dirty="0"/>
-                        <a:t>707.90</a:t>
-                      </a:r>
-                      <a:endParaRPr kumimoji="1" lang="ja-JP" altLang="en-US" sz="1800"/>
-                    </a:p>
-                  </a:txBody>
-                  <a:tcPr marL="68580" marR="68580" marT="34290" marB="34290"/>
-                </a:tc>
-                <a:tc>
-                  <a:txBody>
-                    <a:bodyPr/>
-                    <a:lstStyle/>
-                    <a:p>
-                      <a:pPr algn="r"/>
-                      <a:r>
-                        <a:rPr kumimoji="1" lang="en-US" altLang="ja-JP" sz="1800" dirty="0"/>
-                        <a:t>27.26</a:t>
-                      </a:r>
-                      <a:endParaRPr kumimoji="1" lang="ja-JP" altLang="en-US" sz="1800"/>
-                    </a:p>
-                  </a:txBody>
-                  <a:tcPr marL="68580" marR="68580" marT="34290" marB="34290"/>
-                </a:tc>
-                <a:tc>
-                  <a:txBody>
-                    <a:bodyPr/>
-                    <a:lstStyle/>
-                    <a:p>
-                      <a:pPr algn="r"/>
-                      <a:r>
-                        <a:rPr kumimoji="1" lang="en-US" altLang="ja-JP" sz="1800" dirty="0"/>
-                        <a:t>0.37</a:t>
-                      </a:r>
-                      <a:endParaRPr kumimoji="1" lang="ja-JP" altLang="en-US" sz="1800"/>
-                    </a:p>
-                  </a:txBody>
-                  <a:tcPr marL="68580" marR="68580" marT="34290" marB="34290"/>
-                </a:tc>
-                <a:extLst>
-                  <a:ext uri="{0D108BD9-81ED-4DB2-BD59-A6C34878D82A}">
-                    <a16:rowId xmlns:a16="http://schemas.microsoft.com/office/drawing/2014/main" val="460391319"/>
+                    <a16:rowId xmlns:a16="http://schemas.microsoft.com/office/drawing/2014/main" val="1554197312"/>
                   </a:ext>
                 </a:extLst>
               </a:tr>
@@ -14681,7 +14681,7 @@
           <a:p>
             <a:r>
               <a:rPr lang="ja-JP" altLang="en-US" sz="3600"/>
-              <a:t>車両はデポから出発し、デポに帰る。</a:t>
+              <a:t>各車両はデポから出発し、デポに帰る。</a:t>
             </a:r>
             <a:endParaRPr lang="en-US" altLang="ja-JP" sz="3600" dirty="0"/>
           </a:p>
@@ -15620,8 +15620,8 @@
           </a:p>
         </p:txBody>
       </p:sp>
-      <mc:AlternateContent xmlns:mc="http://schemas.openxmlformats.org/markup-compatibility/2006">
-        <mc:Choice xmlns:a14="http://schemas.microsoft.com/office/drawing/2010/main" Requires="a14">
+      <mc:AlternateContent xmlns:mc="http://schemas.openxmlformats.org/markup-compatibility/2006" xmlns:a14="http://schemas.microsoft.com/office/drawing/2010/main">
+        <mc:Choice Requires="a14">
           <p:sp>
             <p:nvSpPr>
               <p:cNvPr id="3" name="コンテンツ プレースホルダー 2">
@@ -16658,7 +16658,7 @@
             </p:txBody>
           </p:sp>
         </mc:Choice>
-        <mc:Fallback>
+        <mc:Fallback xmlns="">
           <p:sp>
             <p:nvSpPr>
               <p:cNvPr id="3" name="コンテンツ プレースホルダー 2">

--- a/卒論発表_10分用.pptx
+++ b/卒論発表_10分用.pptx
@@ -4716,7 +4716,7 @@
           <a:lstStyle/>
           <a:p>
             <a:r>
-              <a:rPr lang="ja-JP" altLang="en-US" sz="1800"/>
+              <a:rPr lang="ja-JP" altLang="en-US" sz="2400"/>
               <a:t>柳浦研究室  竹田  陽</a:t>
             </a:r>
           </a:p>
@@ -8601,7 +8601,7 @@
         </p:nvSpPr>
         <p:spPr>
           <a:xfrm>
-            <a:off x="844366" y="2931870"/>
+            <a:off x="813127" y="2005407"/>
             <a:ext cx="7202456" cy="2470932"/>
           </a:xfrm>
         </p:spPr>
@@ -8673,6 +8673,1375 @@
           </a:p>
         </p:txBody>
       </p:sp>
+      <p:sp>
+        <p:nvSpPr>
+          <p:cNvPr id="5" name="四角形: 角を丸くする 25">
+            <a:extLst>
+              <a:ext uri="{FF2B5EF4-FFF2-40B4-BE49-F238E27FC236}">
+                <a16:creationId xmlns:a16="http://schemas.microsoft.com/office/drawing/2014/main" id="{3DD580A8-1A7F-5E44-8EF7-2F1DB304B610}"/>
+              </a:ext>
+            </a:extLst>
+          </p:cNvPr>
+          <p:cNvSpPr/>
+          <p:nvPr/>
+        </p:nvSpPr>
+        <p:spPr>
+          <a:xfrm>
+            <a:off x="1128684" y="3118884"/>
+            <a:ext cx="5583538" cy="583949"/>
+          </a:xfrm>
+          <a:prstGeom prst="roundRect">
+            <a:avLst/>
+          </a:prstGeom>
+          <a:solidFill>
+            <a:schemeClr val="bg1"/>
+          </a:solidFill>
+        </p:spPr>
+        <p:style>
+          <a:lnRef idx="2">
+            <a:schemeClr val="accent1">
+              <a:shade val="50000"/>
+            </a:schemeClr>
+          </a:lnRef>
+          <a:fillRef idx="1">
+            <a:schemeClr val="accent1"/>
+          </a:fillRef>
+          <a:effectRef idx="0">
+            <a:schemeClr val="accent1"/>
+          </a:effectRef>
+          <a:fontRef idx="minor">
+            <a:schemeClr val="lt1"/>
+          </a:fontRef>
+        </p:style>
+        <p:txBody>
+          <a:bodyPr rot="0" spcFirstLastPara="0" vertOverflow="overflow" horzOverflow="overflow" vert="horz" wrap="square" lIns="68580" tIns="34290" rIns="68580" bIns="34290" numCol="1" spcCol="0" rtlCol="0" fromWordArt="0" anchor="ctr" anchorCtr="0" forceAA="0" compatLnSpc="1">
+            <a:prstTxWarp prst="textNoShape">
+              <a:avLst/>
+            </a:prstTxWarp>
+            <a:noAutofit/>
+          </a:bodyPr>
+          <a:lstStyle/>
+          <a:p>
+            <a:pPr algn="l"/>
+            <a:endParaRPr lang="ja-JP" altLang="en-US" sz="1350" dirty="0">
+              <a:solidFill>
+                <a:schemeClr val="tx2"/>
+              </a:solidFill>
+            </a:endParaRPr>
+          </a:p>
+        </p:txBody>
+      </p:sp>
+      <p:sp>
+        <p:nvSpPr>
+          <p:cNvPr id="6" name="楕円 22">
+            <a:extLst>
+              <a:ext uri="{FF2B5EF4-FFF2-40B4-BE49-F238E27FC236}">
+                <a16:creationId xmlns:a16="http://schemas.microsoft.com/office/drawing/2014/main" id="{1A8D31D6-388E-EA46-9A22-605017A4E7CB}"/>
+              </a:ext>
+            </a:extLst>
+          </p:cNvPr>
+          <p:cNvSpPr/>
+          <p:nvPr/>
+        </p:nvSpPr>
+        <p:spPr>
+          <a:xfrm>
+            <a:off x="1260466" y="3248161"/>
+            <a:ext cx="690803" cy="325396"/>
+          </a:xfrm>
+          <a:prstGeom prst="ellipse">
+            <a:avLst/>
+          </a:prstGeom>
+          <a:solidFill>
+            <a:schemeClr val="bg1"/>
+          </a:solidFill>
+        </p:spPr>
+        <p:style>
+          <a:lnRef idx="2">
+            <a:schemeClr val="accent1">
+              <a:shade val="50000"/>
+            </a:schemeClr>
+          </a:lnRef>
+          <a:fillRef idx="1">
+            <a:schemeClr val="accent1"/>
+          </a:fillRef>
+          <a:effectRef idx="0">
+            <a:schemeClr val="accent1"/>
+          </a:effectRef>
+          <a:fontRef idx="minor">
+            <a:schemeClr val="lt1"/>
+          </a:fontRef>
+        </p:style>
+        <p:txBody>
+          <a:bodyPr rot="0" spcFirstLastPara="0" vertOverflow="overflow" horzOverflow="overflow" vert="horz" wrap="square" lIns="68580" tIns="34290" rIns="68580" bIns="34290" numCol="1" spcCol="0" rtlCol="0" fromWordArt="0" anchor="ctr" anchorCtr="0" forceAA="0" compatLnSpc="1">
+            <a:prstTxWarp prst="textNoShape">
+              <a:avLst/>
+            </a:prstTxWarp>
+            <a:noAutofit/>
+          </a:bodyPr>
+          <a:lstStyle/>
+          <a:p>
+            <a:pPr algn="l"/>
+            <a:r>
+              <a:rPr lang="ja-JP" altLang="en-US" sz="1350">
+                <a:solidFill>
+                  <a:schemeClr val="tx2"/>
+                </a:solidFill>
+              </a:rPr>
+              <a:t>デポ</a:t>
+            </a:r>
+            <a:endParaRPr lang="ja-JP" altLang="en-US" sz="1350" dirty="0">
+              <a:solidFill>
+                <a:schemeClr val="tx2"/>
+              </a:solidFill>
+            </a:endParaRPr>
+          </a:p>
+        </p:txBody>
+      </p:sp>
+      <p:sp>
+        <p:nvSpPr>
+          <p:cNvPr id="7" name="楕円 22">
+            <a:extLst>
+              <a:ext uri="{FF2B5EF4-FFF2-40B4-BE49-F238E27FC236}">
+                <a16:creationId xmlns:a16="http://schemas.microsoft.com/office/drawing/2014/main" id="{E55C2E40-7333-E248-9090-3A54ABD71E6D}"/>
+              </a:ext>
+            </a:extLst>
+          </p:cNvPr>
+          <p:cNvSpPr/>
+          <p:nvPr/>
+        </p:nvSpPr>
+        <p:spPr>
+          <a:xfrm>
+            <a:off x="5654710" y="3239792"/>
+            <a:ext cx="705527" cy="325396"/>
+          </a:xfrm>
+          <a:prstGeom prst="ellipse">
+            <a:avLst/>
+          </a:prstGeom>
+          <a:solidFill>
+            <a:schemeClr val="bg1"/>
+          </a:solidFill>
+        </p:spPr>
+        <p:style>
+          <a:lnRef idx="2">
+            <a:schemeClr val="accent1">
+              <a:shade val="50000"/>
+            </a:schemeClr>
+          </a:lnRef>
+          <a:fillRef idx="1">
+            <a:schemeClr val="accent1"/>
+          </a:fillRef>
+          <a:effectRef idx="0">
+            <a:schemeClr val="accent1"/>
+          </a:effectRef>
+          <a:fontRef idx="minor">
+            <a:schemeClr val="lt1"/>
+          </a:fontRef>
+        </p:style>
+        <p:txBody>
+          <a:bodyPr rot="0" spcFirstLastPara="0" vertOverflow="overflow" horzOverflow="overflow" vert="horz" wrap="square" lIns="68580" tIns="34290" rIns="68580" bIns="34290" numCol="1" spcCol="0" rtlCol="0" fromWordArt="0" anchor="ctr" anchorCtr="0" forceAA="0" compatLnSpc="1">
+            <a:prstTxWarp prst="textNoShape">
+              <a:avLst/>
+            </a:prstTxWarp>
+            <a:noAutofit/>
+          </a:bodyPr>
+          <a:lstStyle/>
+          <a:p>
+            <a:pPr algn="l"/>
+            <a:r>
+              <a:rPr lang="ja-JP" altLang="en-US" sz="1350">
+                <a:solidFill>
+                  <a:schemeClr val="tx2"/>
+                </a:solidFill>
+              </a:rPr>
+              <a:t>デポ</a:t>
+            </a:r>
+            <a:endParaRPr lang="ja-JP" altLang="en-US" sz="1350" dirty="0">
+              <a:solidFill>
+                <a:schemeClr val="tx2"/>
+              </a:solidFill>
+            </a:endParaRPr>
+          </a:p>
+        </p:txBody>
+      </p:sp>
+      <p:cxnSp>
+        <p:nvCxnSpPr>
+          <p:cNvPr id="10" name="直線矢印コネクタ 9">
+            <a:extLst>
+              <a:ext uri="{FF2B5EF4-FFF2-40B4-BE49-F238E27FC236}">
+                <a16:creationId xmlns:a16="http://schemas.microsoft.com/office/drawing/2014/main" id="{AAA04495-4B96-6F4E-B56D-2CF193EB3392}"/>
+              </a:ext>
+            </a:extLst>
+          </p:cNvPr>
+          <p:cNvCxnSpPr>
+            <a:cxnSpLocks/>
+          </p:cNvCxnSpPr>
+          <p:nvPr/>
+        </p:nvCxnSpPr>
+        <p:spPr>
+          <a:xfrm flipV="1">
+            <a:off x="1973066" y="3402983"/>
+            <a:ext cx="290930" cy="588"/>
+          </a:xfrm>
+          <a:prstGeom prst="straightConnector1">
+            <a:avLst/>
+          </a:prstGeom>
+          <a:ln>
+            <a:tailEnd type="triangle"/>
+          </a:ln>
+        </p:spPr>
+        <p:style>
+          <a:lnRef idx="1">
+            <a:schemeClr val="accent1"/>
+          </a:lnRef>
+          <a:fillRef idx="0">
+            <a:schemeClr val="accent1"/>
+          </a:fillRef>
+          <a:effectRef idx="0">
+            <a:schemeClr val="accent1"/>
+          </a:effectRef>
+          <a:fontRef idx="minor">
+            <a:schemeClr val="tx1"/>
+          </a:fontRef>
+        </p:style>
+      </p:cxnSp>
+      <p:sp>
+        <p:nvSpPr>
+          <p:cNvPr id="11" name="楕円 22">
+            <a:extLst>
+              <a:ext uri="{FF2B5EF4-FFF2-40B4-BE49-F238E27FC236}">
+                <a16:creationId xmlns:a16="http://schemas.microsoft.com/office/drawing/2014/main" id="{1CFB6D91-ACF7-7E48-9D86-3EDA67623CA3}"/>
+              </a:ext>
+            </a:extLst>
+          </p:cNvPr>
+          <p:cNvSpPr/>
+          <p:nvPr/>
+        </p:nvSpPr>
+        <p:spPr>
+          <a:xfrm>
+            <a:off x="2263996" y="3240285"/>
+            <a:ext cx="500225" cy="325396"/>
+          </a:xfrm>
+          <a:prstGeom prst="ellipse">
+            <a:avLst/>
+          </a:prstGeom>
+          <a:solidFill>
+            <a:schemeClr val="bg1"/>
+          </a:solidFill>
+        </p:spPr>
+        <p:style>
+          <a:lnRef idx="2">
+            <a:schemeClr val="accent1">
+              <a:shade val="50000"/>
+            </a:schemeClr>
+          </a:lnRef>
+          <a:fillRef idx="1">
+            <a:schemeClr val="accent1"/>
+          </a:fillRef>
+          <a:effectRef idx="0">
+            <a:schemeClr val="accent1"/>
+          </a:effectRef>
+          <a:fontRef idx="minor">
+            <a:schemeClr val="lt1"/>
+          </a:fontRef>
+        </p:style>
+        <p:txBody>
+          <a:bodyPr rot="0" spcFirstLastPara="0" vertOverflow="overflow" horzOverflow="overflow" vert="horz" wrap="square" lIns="68580" tIns="34290" rIns="68580" bIns="34290" numCol="1" spcCol="0" rtlCol="0" fromWordArt="0" anchor="ctr" anchorCtr="0" forceAA="0" compatLnSpc="1">
+            <a:prstTxWarp prst="textNoShape">
+              <a:avLst/>
+            </a:prstTxWarp>
+            <a:noAutofit/>
+          </a:bodyPr>
+          <a:lstStyle/>
+          <a:p>
+            <a:pPr algn="l"/>
+            <a:r>
+              <a:rPr lang="en-US" altLang="ja-JP" sz="1350" dirty="0">
+                <a:solidFill>
+                  <a:schemeClr val="tx2"/>
+                </a:solidFill>
+              </a:rPr>
+              <a:t>P1</a:t>
+            </a:r>
+            <a:endParaRPr lang="ja-JP" altLang="en-US" sz="1350" dirty="0">
+              <a:solidFill>
+                <a:schemeClr val="tx2"/>
+              </a:solidFill>
+            </a:endParaRPr>
+          </a:p>
+        </p:txBody>
+      </p:sp>
+      <p:sp>
+        <p:nvSpPr>
+          <p:cNvPr id="12" name="楕円 22">
+            <a:extLst>
+              <a:ext uri="{FF2B5EF4-FFF2-40B4-BE49-F238E27FC236}">
+                <a16:creationId xmlns:a16="http://schemas.microsoft.com/office/drawing/2014/main" id="{E03BB51E-1CED-7D47-9BA0-B99106064B4A}"/>
+              </a:ext>
+            </a:extLst>
+          </p:cNvPr>
+          <p:cNvSpPr/>
+          <p:nvPr/>
+        </p:nvSpPr>
+        <p:spPr>
+          <a:xfrm>
+            <a:off x="3076948" y="3248161"/>
+            <a:ext cx="525903" cy="325396"/>
+          </a:xfrm>
+          <a:prstGeom prst="ellipse">
+            <a:avLst/>
+          </a:prstGeom>
+          <a:solidFill>
+            <a:schemeClr val="accent3">
+              <a:lumMod val="20000"/>
+              <a:lumOff val="80000"/>
+            </a:schemeClr>
+          </a:solidFill>
+          <a:ln>
+            <a:solidFill>
+              <a:schemeClr val="accent1"/>
+            </a:solidFill>
+          </a:ln>
+        </p:spPr>
+        <p:style>
+          <a:lnRef idx="2">
+            <a:schemeClr val="accent1">
+              <a:shade val="50000"/>
+            </a:schemeClr>
+          </a:lnRef>
+          <a:fillRef idx="1">
+            <a:schemeClr val="accent1"/>
+          </a:fillRef>
+          <a:effectRef idx="0">
+            <a:schemeClr val="accent1"/>
+          </a:effectRef>
+          <a:fontRef idx="minor">
+            <a:schemeClr val="lt1"/>
+          </a:fontRef>
+        </p:style>
+        <p:txBody>
+          <a:bodyPr rot="0" spcFirstLastPara="0" vertOverflow="overflow" horzOverflow="overflow" vert="horz" wrap="square" lIns="68580" tIns="34290" rIns="68580" bIns="34290" numCol="1" spcCol="0" rtlCol="0" fromWordArt="0" anchor="ctr" anchorCtr="0" forceAA="0" compatLnSpc="1">
+            <a:prstTxWarp prst="textNoShape">
+              <a:avLst/>
+            </a:prstTxWarp>
+            <a:noAutofit/>
+          </a:bodyPr>
+          <a:lstStyle/>
+          <a:p>
+            <a:pPr algn="l"/>
+            <a:r>
+              <a:rPr lang="en-US" altLang="ja-JP" sz="1350" dirty="0">
+                <a:solidFill>
+                  <a:schemeClr val="tx2"/>
+                </a:solidFill>
+              </a:rPr>
+              <a:t>D1</a:t>
+            </a:r>
+            <a:endParaRPr lang="ja-JP" altLang="en-US" sz="1350" dirty="0">
+              <a:solidFill>
+                <a:schemeClr val="tx2"/>
+              </a:solidFill>
+            </a:endParaRPr>
+          </a:p>
+        </p:txBody>
+      </p:sp>
+      <p:sp>
+        <p:nvSpPr>
+          <p:cNvPr id="13" name="楕円 22">
+            <a:extLst>
+              <a:ext uri="{FF2B5EF4-FFF2-40B4-BE49-F238E27FC236}">
+                <a16:creationId xmlns:a16="http://schemas.microsoft.com/office/drawing/2014/main" id="{9B0066E3-7E51-744F-848D-CEDF6EB8317B}"/>
+              </a:ext>
+            </a:extLst>
+          </p:cNvPr>
+          <p:cNvSpPr/>
+          <p:nvPr/>
+        </p:nvSpPr>
+        <p:spPr>
+          <a:xfrm>
+            <a:off x="3922010" y="3261277"/>
+            <a:ext cx="525903" cy="325396"/>
+          </a:xfrm>
+          <a:prstGeom prst="ellipse">
+            <a:avLst/>
+          </a:prstGeom>
+          <a:solidFill>
+            <a:schemeClr val="bg1"/>
+          </a:solidFill>
+        </p:spPr>
+        <p:style>
+          <a:lnRef idx="2">
+            <a:schemeClr val="accent1">
+              <a:shade val="50000"/>
+            </a:schemeClr>
+          </a:lnRef>
+          <a:fillRef idx="1">
+            <a:schemeClr val="accent1"/>
+          </a:fillRef>
+          <a:effectRef idx="0">
+            <a:schemeClr val="accent1"/>
+          </a:effectRef>
+          <a:fontRef idx="minor">
+            <a:schemeClr val="lt1"/>
+          </a:fontRef>
+        </p:style>
+        <p:txBody>
+          <a:bodyPr rot="0" spcFirstLastPara="0" vertOverflow="overflow" horzOverflow="overflow" vert="horz" wrap="square" lIns="68580" tIns="34290" rIns="68580" bIns="34290" numCol="1" spcCol="0" rtlCol="0" fromWordArt="0" anchor="ctr" anchorCtr="0" forceAA="0" compatLnSpc="1">
+            <a:prstTxWarp prst="textNoShape">
+              <a:avLst/>
+            </a:prstTxWarp>
+            <a:noAutofit/>
+          </a:bodyPr>
+          <a:lstStyle/>
+          <a:p>
+            <a:pPr algn="l"/>
+            <a:r>
+              <a:rPr lang="en-US" altLang="ja-JP" sz="1350" dirty="0">
+                <a:solidFill>
+                  <a:schemeClr val="tx2"/>
+                </a:solidFill>
+              </a:rPr>
+              <a:t>P2</a:t>
+            </a:r>
+            <a:endParaRPr lang="ja-JP" altLang="en-US" sz="1350" dirty="0">
+              <a:solidFill>
+                <a:schemeClr val="tx2"/>
+              </a:solidFill>
+            </a:endParaRPr>
+          </a:p>
+        </p:txBody>
+      </p:sp>
+      <p:sp>
+        <p:nvSpPr>
+          <p:cNvPr id="14" name="楕円 22">
+            <a:extLst>
+              <a:ext uri="{FF2B5EF4-FFF2-40B4-BE49-F238E27FC236}">
+                <a16:creationId xmlns:a16="http://schemas.microsoft.com/office/drawing/2014/main" id="{4F5570EC-9DFF-FB41-A12E-FFE2686BF92B}"/>
+              </a:ext>
+            </a:extLst>
+          </p:cNvPr>
+          <p:cNvSpPr/>
+          <p:nvPr/>
+        </p:nvSpPr>
+        <p:spPr>
+          <a:xfrm>
+            <a:off x="4781389" y="3239792"/>
+            <a:ext cx="525903" cy="325396"/>
+          </a:xfrm>
+          <a:prstGeom prst="ellipse">
+            <a:avLst/>
+          </a:prstGeom>
+          <a:solidFill>
+            <a:schemeClr val="bg1"/>
+          </a:solidFill>
+        </p:spPr>
+        <p:style>
+          <a:lnRef idx="2">
+            <a:schemeClr val="accent1">
+              <a:shade val="50000"/>
+            </a:schemeClr>
+          </a:lnRef>
+          <a:fillRef idx="1">
+            <a:schemeClr val="accent1"/>
+          </a:fillRef>
+          <a:effectRef idx="0">
+            <a:schemeClr val="accent1"/>
+          </a:effectRef>
+          <a:fontRef idx="minor">
+            <a:schemeClr val="lt1"/>
+          </a:fontRef>
+        </p:style>
+        <p:txBody>
+          <a:bodyPr rot="0" spcFirstLastPara="0" vertOverflow="overflow" horzOverflow="overflow" vert="horz" wrap="square" lIns="68580" tIns="34290" rIns="68580" bIns="34290" numCol="1" spcCol="0" rtlCol="0" fromWordArt="0" anchor="ctr" anchorCtr="0" forceAA="0" compatLnSpc="1">
+            <a:prstTxWarp prst="textNoShape">
+              <a:avLst/>
+            </a:prstTxWarp>
+            <a:noAutofit/>
+          </a:bodyPr>
+          <a:lstStyle/>
+          <a:p>
+            <a:pPr algn="l"/>
+            <a:r>
+              <a:rPr lang="en-US" altLang="ja-JP" sz="1350" dirty="0">
+                <a:solidFill>
+                  <a:schemeClr val="tx2"/>
+                </a:solidFill>
+              </a:rPr>
+              <a:t>D2</a:t>
+            </a:r>
+            <a:endParaRPr lang="ja-JP" altLang="en-US" sz="1350" dirty="0">
+              <a:solidFill>
+                <a:schemeClr val="tx2"/>
+              </a:solidFill>
+            </a:endParaRPr>
+          </a:p>
+        </p:txBody>
+      </p:sp>
+      <p:cxnSp>
+        <p:nvCxnSpPr>
+          <p:cNvPr id="16" name="直線矢印コネクタ 15">
+            <a:extLst>
+              <a:ext uri="{FF2B5EF4-FFF2-40B4-BE49-F238E27FC236}">
+                <a16:creationId xmlns:a16="http://schemas.microsoft.com/office/drawing/2014/main" id="{97343E35-9351-A641-A4A5-DD1BB77275DD}"/>
+              </a:ext>
+            </a:extLst>
+          </p:cNvPr>
+          <p:cNvCxnSpPr/>
+          <p:nvPr/>
+        </p:nvCxnSpPr>
+        <p:spPr>
+          <a:xfrm>
+            <a:off x="2764221" y="3402490"/>
+            <a:ext cx="312727" cy="0"/>
+          </a:xfrm>
+          <a:prstGeom prst="straightConnector1">
+            <a:avLst/>
+          </a:prstGeom>
+          <a:ln>
+            <a:tailEnd type="triangle"/>
+          </a:ln>
+        </p:spPr>
+        <p:style>
+          <a:lnRef idx="1">
+            <a:schemeClr val="accent1"/>
+          </a:lnRef>
+          <a:fillRef idx="0">
+            <a:schemeClr val="accent1"/>
+          </a:fillRef>
+          <a:effectRef idx="0">
+            <a:schemeClr val="accent1"/>
+          </a:effectRef>
+          <a:fontRef idx="minor">
+            <a:schemeClr val="tx1"/>
+          </a:fontRef>
+        </p:style>
+      </p:cxnSp>
+      <p:cxnSp>
+        <p:nvCxnSpPr>
+          <p:cNvPr id="19" name="直線矢印コネクタ 18">
+            <a:extLst>
+              <a:ext uri="{FF2B5EF4-FFF2-40B4-BE49-F238E27FC236}">
+                <a16:creationId xmlns:a16="http://schemas.microsoft.com/office/drawing/2014/main" id="{C9CB575B-66FC-5D44-8EE4-61BC8104E71F}"/>
+              </a:ext>
+            </a:extLst>
+          </p:cNvPr>
+          <p:cNvCxnSpPr/>
+          <p:nvPr/>
+        </p:nvCxnSpPr>
+        <p:spPr>
+          <a:xfrm>
+            <a:off x="3607726" y="3402490"/>
+            <a:ext cx="312727" cy="0"/>
+          </a:xfrm>
+          <a:prstGeom prst="straightConnector1">
+            <a:avLst/>
+          </a:prstGeom>
+          <a:ln>
+            <a:tailEnd type="triangle"/>
+          </a:ln>
+        </p:spPr>
+        <p:style>
+          <a:lnRef idx="1">
+            <a:schemeClr val="accent1"/>
+          </a:lnRef>
+          <a:fillRef idx="0">
+            <a:schemeClr val="accent1"/>
+          </a:fillRef>
+          <a:effectRef idx="0">
+            <a:schemeClr val="accent1"/>
+          </a:effectRef>
+          <a:fontRef idx="minor">
+            <a:schemeClr val="tx1"/>
+          </a:fontRef>
+        </p:style>
+      </p:cxnSp>
+      <p:cxnSp>
+        <p:nvCxnSpPr>
+          <p:cNvPr id="20" name="直線矢印コネクタ 19">
+            <a:extLst>
+              <a:ext uri="{FF2B5EF4-FFF2-40B4-BE49-F238E27FC236}">
+                <a16:creationId xmlns:a16="http://schemas.microsoft.com/office/drawing/2014/main" id="{CA164960-72AB-F54B-B8EE-D83BB90EF523}"/>
+              </a:ext>
+            </a:extLst>
+          </p:cNvPr>
+          <p:cNvCxnSpPr/>
+          <p:nvPr/>
+        </p:nvCxnSpPr>
+        <p:spPr>
+          <a:xfrm>
+            <a:off x="4447913" y="3393905"/>
+            <a:ext cx="312727" cy="0"/>
+          </a:xfrm>
+          <a:prstGeom prst="straightConnector1">
+            <a:avLst/>
+          </a:prstGeom>
+          <a:ln>
+            <a:tailEnd type="triangle"/>
+          </a:ln>
+        </p:spPr>
+        <p:style>
+          <a:lnRef idx="1">
+            <a:schemeClr val="accent1"/>
+          </a:lnRef>
+          <a:fillRef idx="0">
+            <a:schemeClr val="accent1"/>
+          </a:fillRef>
+          <a:effectRef idx="0">
+            <a:schemeClr val="accent1"/>
+          </a:effectRef>
+          <a:fontRef idx="minor">
+            <a:schemeClr val="tx1"/>
+          </a:fontRef>
+        </p:style>
+      </p:cxnSp>
+      <p:cxnSp>
+        <p:nvCxnSpPr>
+          <p:cNvPr id="21" name="直線矢印コネクタ 20">
+            <a:extLst>
+              <a:ext uri="{FF2B5EF4-FFF2-40B4-BE49-F238E27FC236}">
+                <a16:creationId xmlns:a16="http://schemas.microsoft.com/office/drawing/2014/main" id="{3AB4008A-86F2-6B47-9B83-DE060B3AEE80}"/>
+              </a:ext>
+            </a:extLst>
+          </p:cNvPr>
+          <p:cNvCxnSpPr>
+            <a:cxnSpLocks/>
+          </p:cNvCxnSpPr>
+          <p:nvPr/>
+        </p:nvCxnSpPr>
+        <p:spPr>
+          <a:xfrm>
+            <a:off x="5307292" y="3393437"/>
+            <a:ext cx="312727" cy="0"/>
+          </a:xfrm>
+          <a:prstGeom prst="straightConnector1">
+            <a:avLst/>
+          </a:prstGeom>
+          <a:ln>
+            <a:tailEnd type="triangle"/>
+          </a:ln>
+        </p:spPr>
+        <p:style>
+          <a:lnRef idx="1">
+            <a:schemeClr val="accent1"/>
+          </a:lnRef>
+          <a:fillRef idx="0">
+            <a:schemeClr val="accent1"/>
+          </a:fillRef>
+          <a:effectRef idx="0">
+            <a:schemeClr val="accent1"/>
+          </a:effectRef>
+          <a:fontRef idx="minor">
+            <a:schemeClr val="tx1"/>
+          </a:fontRef>
+        </p:style>
+      </p:cxnSp>
+      <p:sp>
+        <p:nvSpPr>
+          <p:cNvPr id="24" name="下矢印 23">
+            <a:extLst>
+              <a:ext uri="{FF2B5EF4-FFF2-40B4-BE49-F238E27FC236}">
+                <a16:creationId xmlns:a16="http://schemas.microsoft.com/office/drawing/2014/main" id="{40E31693-FEC4-2444-9B0C-BFABB9915A54}"/>
+              </a:ext>
+            </a:extLst>
+          </p:cNvPr>
+          <p:cNvSpPr/>
+          <p:nvPr/>
+        </p:nvSpPr>
+        <p:spPr>
+          <a:xfrm>
+            <a:off x="3447393" y="3836276"/>
+            <a:ext cx="315310" cy="515007"/>
+          </a:xfrm>
+          <a:prstGeom prst="downArrow">
+            <a:avLst/>
+          </a:prstGeom>
+        </p:spPr>
+        <p:style>
+          <a:lnRef idx="2">
+            <a:schemeClr val="accent1">
+              <a:shade val="50000"/>
+            </a:schemeClr>
+          </a:lnRef>
+          <a:fillRef idx="1">
+            <a:schemeClr val="accent1"/>
+          </a:fillRef>
+          <a:effectRef idx="0">
+            <a:schemeClr val="accent1"/>
+          </a:effectRef>
+          <a:fontRef idx="minor">
+            <a:schemeClr val="lt1"/>
+          </a:fontRef>
+        </p:style>
+        <p:txBody>
+          <a:bodyPr rtlCol="0" anchor="ctr"/>
+          <a:lstStyle/>
+          <a:p>
+            <a:pPr algn="ctr"/>
+            <a:endParaRPr kumimoji="1" lang="ja-JP" altLang="en-US"/>
+          </a:p>
+        </p:txBody>
+      </p:sp>
+      <p:sp>
+        <p:nvSpPr>
+          <p:cNvPr id="26" name="四角形: 角を丸くする 25">
+            <a:extLst>
+              <a:ext uri="{FF2B5EF4-FFF2-40B4-BE49-F238E27FC236}">
+                <a16:creationId xmlns:a16="http://schemas.microsoft.com/office/drawing/2014/main" id="{FB3A7B1C-5FEF-5546-A28F-73215671E10A}"/>
+              </a:ext>
+            </a:extLst>
+          </p:cNvPr>
+          <p:cNvSpPr/>
+          <p:nvPr/>
+        </p:nvSpPr>
+        <p:spPr>
+          <a:xfrm>
+            <a:off x="1128684" y="4484726"/>
+            <a:ext cx="5583538" cy="583949"/>
+          </a:xfrm>
+          <a:prstGeom prst="roundRect">
+            <a:avLst/>
+          </a:prstGeom>
+          <a:solidFill>
+            <a:schemeClr val="bg1"/>
+          </a:solidFill>
+        </p:spPr>
+        <p:style>
+          <a:lnRef idx="2">
+            <a:schemeClr val="accent1">
+              <a:shade val="50000"/>
+            </a:schemeClr>
+          </a:lnRef>
+          <a:fillRef idx="1">
+            <a:schemeClr val="accent1"/>
+          </a:fillRef>
+          <a:effectRef idx="0">
+            <a:schemeClr val="accent1"/>
+          </a:effectRef>
+          <a:fontRef idx="minor">
+            <a:schemeClr val="lt1"/>
+          </a:fontRef>
+        </p:style>
+        <p:txBody>
+          <a:bodyPr rot="0" spcFirstLastPara="0" vertOverflow="overflow" horzOverflow="overflow" vert="horz" wrap="square" lIns="68580" tIns="34290" rIns="68580" bIns="34290" numCol="1" spcCol="0" rtlCol="0" fromWordArt="0" anchor="ctr" anchorCtr="0" forceAA="0" compatLnSpc="1">
+            <a:prstTxWarp prst="textNoShape">
+              <a:avLst/>
+            </a:prstTxWarp>
+            <a:noAutofit/>
+          </a:bodyPr>
+          <a:lstStyle/>
+          <a:p>
+            <a:pPr algn="l"/>
+            <a:endParaRPr lang="ja-JP" altLang="en-US" sz="1350" dirty="0">
+              <a:solidFill>
+                <a:schemeClr val="tx2"/>
+              </a:solidFill>
+            </a:endParaRPr>
+          </a:p>
+        </p:txBody>
+      </p:sp>
+      <p:sp>
+        <p:nvSpPr>
+          <p:cNvPr id="27" name="楕円 22">
+            <a:extLst>
+              <a:ext uri="{FF2B5EF4-FFF2-40B4-BE49-F238E27FC236}">
+                <a16:creationId xmlns:a16="http://schemas.microsoft.com/office/drawing/2014/main" id="{B9681567-2EC5-0C4F-BD6C-F84AD8B1496B}"/>
+              </a:ext>
+            </a:extLst>
+          </p:cNvPr>
+          <p:cNvSpPr/>
+          <p:nvPr/>
+        </p:nvSpPr>
+        <p:spPr>
+          <a:xfrm>
+            <a:off x="1260465" y="4619318"/>
+            <a:ext cx="690803" cy="325396"/>
+          </a:xfrm>
+          <a:prstGeom prst="ellipse">
+            <a:avLst/>
+          </a:prstGeom>
+          <a:solidFill>
+            <a:schemeClr val="bg1"/>
+          </a:solidFill>
+        </p:spPr>
+        <p:style>
+          <a:lnRef idx="2">
+            <a:schemeClr val="accent1">
+              <a:shade val="50000"/>
+            </a:schemeClr>
+          </a:lnRef>
+          <a:fillRef idx="1">
+            <a:schemeClr val="accent1"/>
+          </a:fillRef>
+          <a:effectRef idx="0">
+            <a:schemeClr val="accent1"/>
+          </a:effectRef>
+          <a:fontRef idx="minor">
+            <a:schemeClr val="lt1"/>
+          </a:fontRef>
+        </p:style>
+        <p:txBody>
+          <a:bodyPr rot="0" spcFirstLastPara="0" vertOverflow="overflow" horzOverflow="overflow" vert="horz" wrap="square" lIns="68580" tIns="34290" rIns="68580" bIns="34290" numCol="1" spcCol="0" rtlCol="0" fromWordArt="0" anchor="ctr" anchorCtr="0" forceAA="0" compatLnSpc="1">
+            <a:prstTxWarp prst="textNoShape">
+              <a:avLst/>
+            </a:prstTxWarp>
+            <a:noAutofit/>
+          </a:bodyPr>
+          <a:lstStyle/>
+          <a:p>
+            <a:pPr algn="l"/>
+            <a:r>
+              <a:rPr lang="ja-JP" altLang="en-US" sz="1350">
+                <a:solidFill>
+                  <a:schemeClr val="tx2"/>
+                </a:solidFill>
+              </a:rPr>
+              <a:t>デポ</a:t>
+            </a:r>
+            <a:endParaRPr lang="ja-JP" altLang="en-US" sz="1350" dirty="0">
+              <a:solidFill>
+                <a:schemeClr val="tx2"/>
+              </a:solidFill>
+            </a:endParaRPr>
+          </a:p>
+        </p:txBody>
+      </p:sp>
+      <p:sp>
+        <p:nvSpPr>
+          <p:cNvPr id="28" name="楕円 22">
+            <a:extLst>
+              <a:ext uri="{FF2B5EF4-FFF2-40B4-BE49-F238E27FC236}">
+                <a16:creationId xmlns:a16="http://schemas.microsoft.com/office/drawing/2014/main" id="{E4AF2F73-BD12-4048-82A9-BE754487F5CD}"/>
+              </a:ext>
+            </a:extLst>
+          </p:cNvPr>
+          <p:cNvSpPr/>
+          <p:nvPr/>
+        </p:nvSpPr>
+        <p:spPr>
+          <a:xfrm>
+            <a:off x="5669434" y="4614002"/>
+            <a:ext cx="690803" cy="325396"/>
+          </a:xfrm>
+          <a:prstGeom prst="ellipse">
+            <a:avLst/>
+          </a:prstGeom>
+          <a:solidFill>
+            <a:schemeClr val="bg1"/>
+          </a:solidFill>
+        </p:spPr>
+        <p:style>
+          <a:lnRef idx="2">
+            <a:schemeClr val="accent1">
+              <a:shade val="50000"/>
+            </a:schemeClr>
+          </a:lnRef>
+          <a:fillRef idx="1">
+            <a:schemeClr val="accent1"/>
+          </a:fillRef>
+          <a:effectRef idx="0">
+            <a:schemeClr val="accent1"/>
+          </a:effectRef>
+          <a:fontRef idx="minor">
+            <a:schemeClr val="lt1"/>
+          </a:fontRef>
+        </p:style>
+        <p:txBody>
+          <a:bodyPr rot="0" spcFirstLastPara="0" vertOverflow="overflow" horzOverflow="overflow" vert="horz" wrap="square" lIns="68580" tIns="34290" rIns="68580" bIns="34290" numCol="1" spcCol="0" rtlCol="0" fromWordArt="0" anchor="ctr" anchorCtr="0" forceAA="0" compatLnSpc="1">
+            <a:prstTxWarp prst="textNoShape">
+              <a:avLst/>
+            </a:prstTxWarp>
+            <a:noAutofit/>
+          </a:bodyPr>
+          <a:lstStyle/>
+          <a:p>
+            <a:pPr algn="l"/>
+            <a:r>
+              <a:rPr lang="ja-JP" altLang="en-US" sz="1350">
+                <a:solidFill>
+                  <a:schemeClr val="tx2"/>
+                </a:solidFill>
+              </a:rPr>
+              <a:t>デポ</a:t>
+            </a:r>
+            <a:endParaRPr lang="ja-JP" altLang="en-US" sz="1350" dirty="0">
+              <a:solidFill>
+                <a:schemeClr val="tx2"/>
+              </a:solidFill>
+            </a:endParaRPr>
+          </a:p>
+        </p:txBody>
+      </p:sp>
+      <p:sp>
+        <p:nvSpPr>
+          <p:cNvPr id="29" name="楕円 22">
+            <a:extLst>
+              <a:ext uri="{FF2B5EF4-FFF2-40B4-BE49-F238E27FC236}">
+                <a16:creationId xmlns:a16="http://schemas.microsoft.com/office/drawing/2014/main" id="{C031E2D6-9D9C-0F48-9408-6D6003AA5D99}"/>
+              </a:ext>
+            </a:extLst>
+          </p:cNvPr>
+          <p:cNvSpPr/>
+          <p:nvPr/>
+        </p:nvSpPr>
+        <p:spPr>
+          <a:xfrm>
+            <a:off x="2259367" y="4611140"/>
+            <a:ext cx="500225" cy="325396"/>
+          </a:xfrm>
+          <a:prstGeom prst="ellipse">
+            <a:avLst/>
+          </a:prstGeom>
+          <a:solidFill>
+            <a:schemeClr val="bg1"/>
+          </a:solidFill>
+        </p:spPr>
+        <p:style>
+          <a:lnRef idx="2">
+            <a:schemeClr val="accent1">
+              <a:shade val="50000"/>
+            </a:schemeClr>
+          </a:lnRef>
+          <a:fillRef idx="1">
+            <a:schemeClr val="accent1"/>
+          </a:fillRef>
+          <a:effectRef idx="0">
+            <a:schemeClr val="accent1"/>
+          </a:effectRef>
+          <a:fontRef idx="minor">
+            <a:schemeClr val="lt1"/>
+          </a:fontRef>
+        </p:style>
+        <p:txBody>
+          <a:bodyPr rot="0" spcFirstLastPara="0" vertOverflow="overflow" horzOverflow="overflow" vert="horz" wrap="square" lIns="68580" tIns="34290" rIns="68580" bIns="34290" numCol="1" spcCol="0" rtlCol="0" fromWordArt="0" anchor="ctr" anchorCtr="0" forceAA="0" compatLnSpc="1">
+            <a:prstTxWarp prst="textNoShape">
+              <a:avLst/>
+            </a:prstTxWarp>
+            <a:noAutofit/>
+          </a:bodyPr>
+          <a:lstStyle/>
+          <a:p>
+            <a:pPr algn="l"/>
+            <a:r>
+              <a:rPr lang="en-US" altLang="ja-JP" sz="1350" dirty="0">
+                <a:solidFill>
+                  <a:schemeClr val="tx2"/>
+                </a:solidFill>
+              </a:rPr>
+              <a:t>P1</a:t>
+            </a:r>
+            <a:endParaRPr lang="ja-JP" altLang="en-US" sz="1350" dirty="0">
+              <a:solidFill>
+                <a:schemeClr val="tx2"/>
+              </a:solidFill>
+            </a:endParaRPr>
+          </a:p>
+        </p:txBody>
+      </p:sp>
+      <p:sp>
+        <p:nvSpPr>
+          <p:cNvPr id="30" name="楕円 22">
+            <a:extLst>
+              <a:ext uri="{FF2B5EF4-FFF2-40B4-BE49-F238E27FC236}">
+                <a16:creationId xmlns:a16="http://schemas.microsoft.com/office/drawing/2014/main" id="{6E283139-F087-7244-BC01-EB0A31247A7C}"/>
+              </a:ext>
+            </a:extLst>
+          </p:cNvPr>
+          <p:cNvSpPr/>
+          <p:nvPr/>
+        </p:nvSpPr>
+        <p:spPr>
+          <a:xfrm>
+            <a:off x="3105782" y="4597247"/>
+            <a:ext cx="500225" cy="325396"/>
+          </a:xfrm>
+          <a:prstGeom prst="ellipse">
+            <a:avLst/>
+          </a:prstGeom>
+          <a:solidFill>
+            <a:schemeClr val="bg1"/>
+          </a:solidFill>
+        </p:spPr>
+        <p:style>
+          <a:lnRef idx="2">
+            <a:schemeClr val="accent1">
+              <a:shade val="50000"/>
+            </a:schemeClr>
+          </a:lnRef>
+          <a:fillRef idx="1">
+            <a:schemeClr val="accent1"/>
+          </a:fillRef>
+          <a:effectRef idx="0">
+            <a:schemeClr val="accent1"/>
+          </a:effectRef>
+          <a:fontRef idx="minor">
+            <a:schemeClr val="lt1"/>
+          </a:fontRef>
+        </p:style>
+        <p:txBody>
+          <a:bodyPr rot="0" spcFirstLastPara="0" vertOverflow="overflow" horzOverflow="overflow" vert="horz" wrap="square" lIns="68580" tIns="34290" rIns="68580" bIns="34290" numCol="1" spcCol="0" rtlCol="0" fromWordArt="0" anchor="ctr" anchorCtr="0" forceAA="0" compatLnSpc="1">
+            <a:prstTxWarp prst="textNoShape">
+              <a:avLst/>
+            </a:prstTxWarp>
+            <a:noAutofit/>
+          </a:bodyPr>
+          <a:lstStyle/>
+          <a:p>
+            <a:pPr algn="l"/>
+            <a:r>
+              <a:rPr lang="en-US" altLang="ja-JP" sz="1350" dirty="0">
+                <a:solidFill>
+                  <a:schemeClr val="tx2"/>
+                </a:solidFill>
+              </a:rPr>
+              <a:t>P2</a:t>
+            </a:r>
+            <a:endParaRPr lang="ja-JP" altLang="en-US" sz="1350" dirty="0">
+              <a:solidFill>
+                <a:schemeClr val="tx2"/>
+              </a:solidFill>
+            </a:endParaRPr>
+          </a:p>
+        </p:txBody>
+      </p:sp>
+      <p:sp>
+        <p:nvSpPr>
+          <p:cNvPr id="31" name="楕円 22">
+            <a:extLst>
+              <a:ext uri="{FF2B5EF4-FFF2-40B4-BE49-F238E27FC236}">
+                <a16:creationId xmlns:a16="http://schemas.microsoft.com/office/drawing/2014/main" id="{9EE36245-EC38-864E-ADCF-7C3E21BAA4DB}"/>
+              </a:ext>
+            </a:extLst>
+          </p:cNvPr>
+          <p:cNvSpPr/>
+          <p:nvPr/>
+        </p:nvSpPr>
+        <p:spPr>
+          <a:xfrm>
+            <a:off x="3942017" y="4597247"/>
+            <a:ext cx="538770" cy="325396"/>
+          </a:xfrm>
+          <a:prstGeom prst="ellipse">
+            <a:avLst/>
+          </a:prstGeom>
+          <a:solidFill>
+            <a:schemeClr val="bg1"/>
+          </a:solidFill>
+        </p:spPr>
+        <p:style>
+          <a:lnRef idx="2">
+            <a:schemeClr val="accent1">
+              <a:shade val="50000"/>
+            </a:schemeClr>
+          </a:lnRef>
+          <a:fillRef idx="1">
+            <a:schemeClr val="accent1"/>
+          </a:fillRef>
+          <a:effectRef idx="0">
+            <a:schemeClr val="accent1"/>
+          </a:effectRef>
+          <a:fontRef idx="minor">
+            <a:schemeClr val="lt1"/>
+          </a:fontRef>
+        </p:style>
+        <p:txBody>
+          <a:bodyPr rot="0" spcFirstLastPara="0" vertOverflow="overflow" horzOverflow="overflow" vert="horz" wrap="square" lIns="68580" tIns="34290" rIns="68580" bIns="34290" numCol="1" spcCol="0" rtlCol="0" fromWordArt="0" anchor="ctr" anchorCtr="0" forceAA="0" compatLnSpc="1">
+            <a:prstTxWarp prst="textNoShape">
+              <a:avLst/>
+            </a:prstTxWarp>
+            <a:noAutofit/>
+          </a:bodyPr>
+          <a:lstStyle/>
+          <a:p>
+            <a:pPr algn="l"/>
+            <a:r>
+              <a:rPr lang="en-US" altLang="ja-JP" sz="1350" dirty="0">
+                <a:solidFill>
+                  <a:schemeClr val="tx2"/>
+                </a:solidFill>
+              </a:rPr>
+              <a:t>D2</a:t>
+            </a:r>
+            <a:endParaRPr lang="ja-JP" altLang="en-US" sz="1350" dirty="0">
+              <a:solidFill>
+                <a:schemeClr val="tx2"/>
+              </a:solidFill>
+            </a:endParaRPr>
+          </a:p>
+        </p:txBody>
+      </p:sp>
+      <p:sp>
+        <p:nvSpPr>
+          <p:cNvPr id="32" name="楕円 22">
+            <a:extLst>
+              <a:ext uri="{FF2B5EF4-FFF2-40B4-BE49-F238E27FC236}">
+                <a16:creationId xmlns:a16="http://schemas.microsoft.com/office/drawing/2014/main" id="{16799394-C0B9-8B48-AEE1-367881D0D1C6}"/>
+              </a:ext>
+            </a:extLst>
+          </p:cNvPr>
+          <p:cNvSpPr/>
+          <p:nvPr/>
+        </p:nvSpPr>
+        <p:spPr>
+          <a:xfrm>
+            <a:off x="4814586" y="4610552"/>
+            <a:ext cx="540922" cy="325396"/>
+          </a:xfrm>
+          <a:prstGeom prst="ellipse">
+            <a:avLst/>
+          </a:prstGeom>
+          <a:solidFill>
+            <a:schemeClr val="accent3">
+              <a:lumMod val="20000"/>
+              <a:lumOff val="80000"/>
+            </a:schemeClr>
+          </a:solidFill>
+        </p:spPr>
+        <p:style>
+          <a:lnRef idx="2">
+            <a:schemeClr val="accent1">
+              <a:shade val="50000"/>
+            </a:schemeClr>
+          </a:lnRef>
+          <a:fillRef idx="1">
+            <a:schemeClr val="accent1"/>
+          </a:fillRef>
+          <a:effectRef idx="0">
+            <a:schemeClr val="accent1"/>
+          </a:effectRef>
+          <a:fontRef idx="minor">
+            <a:schemeClr val="lt1"/>
+          </a:fontRef>
+        </p:style>
+        <p:txBody>
+          <a:bodyPr rot="0" spcFirstLastPara="0" vertOverflow="overflow" horzOverflow="overflow" vert="horz" wrap="square" lIns="68580" tIns="34290" rIns="68580" bIns="34290" numCol="1" spcCol="0" rtlCol="0" fromWordArt="0" anchor="ctr" anchorCtr="0" forceAA="0" compatLnSpc="1">
+            <a:prstTxWarp prst="textNoShape">
+              <a:avLst/>
+            </a:prstTxWarp>
+            <a:noAutofit/>
+          </a:bodyPr>
+          <a:lstStyle/>
+          <a:p>
+            <a:pPr algn="l"/>
+            <a:r>
+              <a:rPr lang="en-US" altLang="ja-JP" sz="1350" dirty="0">
+                <a:solidFill>
+                  <a:schemeClr val="tx2"/>
+                </a:solidFill>
+              </a:rPr>
+              <a:t>D1</a:t>
+            </a:r>
+            <a:endParaRPr lang="ja-JP" altLang="en-US" sz="1350" dirty="0">
+              <a:solidFill>
+                <a:schemeClr val="tx2"/>
+              </a:solidFill>
+            </a:endParaRPr>
+          </a:p>
+        </p:txBody>
+      </p:sp>
+      <p:cxnSp>
+        <p:nvCxnSpPr>
+          <p:cNvPr id="33" name="直線矢印コネクタ 32">
+            <a:extLst>
+              <a:ext uri="{FF2B5EF4-FFF2-40B4-BE49-F238E27FC236}">
+                <a16:creationId xmlns:a16="http://schemas.microsoft.com/office/drawing/2014/main" id="{BAC5FF59-3620-384A-AAF2-2102F6FD447F}"/>
+              </a:ext>
+            </a:extLst>
+          </p:cNvPr>
+          <p:cNvCxnSpPr>
+            <a:cxnSpLocks/>
+          </p:cNvCxnSpPr>
+          <p:nvPr/>
+        </p:nvCxnSpPr>
+        <p:spPr>
+          <a:xfrm flipV="1">
+            <a:off x="1968437" y="4773838"/>
+            <a:ext cx="290930" cy="588"/>
+          </a:xfrm>
+          <a:prstGeom prst="straightConnector1">
+            <a:avLst/>
+          </a:prstGeom>
+          <a:ln>
+            <a:tailEnd type="triangle"/>
+          </a:ln>
+        </p:spPr>
+        <p:style>
+          <a:lnRef idx="1">
+            <a:schemeClr val="accent1"/>
+          </a:lnRef>
+          <a:fillRef idx="0">
+            <a:schemeClr val="accent1"/>
+          </a:fillRef>
+          <a:effectRef idx="0">
+            <a:schemeClr val="accent1"/>
+          </a:effectRef>
+          <a:fontRef idx="minor">
+            <a:schemeClr val="tx1"/>
+          </a:fontRef>
+        </p:style>
+      </p:cxnSp>
+      <p:cxnSp>
+        <p:nvCxnSpPr>
+          <p:cNvPr id="34" name="直線矢印コネクタ 33">
+            <a:extLst>
+              <a:ext uri="{FF2B5EF4-FFF2-40B4-BE49-F238E27FC236}">
+                <a16:creationId xmlns:a16="http://schemas.microsoft.com/office/drawing/2014/main" id="{DED46548-1BB1-9242-9EA0-52519B159295}"/>
+              </a:ext>
+            </a:extLst>
+          </p:cNvPr>
+          <p:cNvCxnSpPr>
+            <a:cxnSpLocks/>
+          </p:cNvCxnSpPr>
+          <p:nvPr/>
+        </p:nvCxnSpPr>
+        <p:spPr>
+          <a:xfrm flipV="1">
+            <a:off x="2797657" y="4782016"/>
+            <a:ext cx="290930" cy="588"/>
+          </a:xfrm>
+          <a:prstGeom prst="straightConnector1">
+            <a:avLst/>
+          </a:prstGeom>
+          <a:ln>
+            <a:tailEnd type="triangle"/>
+          </a:ln>
+        </p:spPr>
+        <p:style>
+          <a:lnRef idx="1">
+            <a:schemeClr val="accent1"/>
+          </a:lnRef>
+          <a:fillRef idx="0">
+            <a:schemeClr val="accent1"/>
+          </a:fillRef>
+          <a:effectRef idx="0">
+            <a:schemeClr val="accent1"/>
+          </a:effectRef>
+          <a:fontRef idx="minor">
+            <a:schemeClr val="tx1"/>
+          </a:fontRef>
+        </p:style>
+      </p:cxnSp>
+      <p:cxnSp>
+        <p:nvCxnSpPr>
+          <p:cNvPr id="35" name="直線矢印コネクタ 34">
+            <a:extLst>
+              <a:ext uri="{FF2B5EF4-FFF2-40B4-BE49-F238E27FC236}">
+                <a16:creationId xmlns:a16="http://schemas.microsoft.com/office/drawing/2014/main" id="{2C0F40EF-F322-3D46-BD04-9296AD7DFC38}"/>
+              </a:ext>
+            </a:extLst>
+          </p:cNvPr>
+          <p:cNvCxnSpPr>
+            <a:cxnSpLocks/>
+          </p:cNvCxnSpPr>
+          <p:nvPr/>
+        </p:nvCxnSpPr>
+        <p:spPr>
+          <a:xfrm flipV="1">
+            <a:off x="3637436" y="4759357"/>
+            <a:ext cx="290930" cy="588"/>
+          </a:xfrm>
+          <a:prstGeom prst="straightConnector1">
+            <a:avLst/>
+          </a:prstGeom>
+          <a:ln>
+            <a:tailEnd type="triangle"/>
+          </a:ln>
+        </p:spPr>
+        <p:style>
+          <a:lnRef idx="1">
+            <a:schemeClr val="accent1"/>
+          </a:lnRef>
+          <a:fillRef idx="0">
+            <a:schemeClr val="accent1"/>
+          </a:fillRef>
+          <a:effectRef idx="0">
+            <a:schemeClr val="accent1"/>
+          </a:effectRef>
+          <a:fontRef idx="minor">
+            <a:schemeClr val="tx1"/>
+          </a:fontRef>
+        </p:style>
+      </p:cxnSp>
+      <p:cxnSp>
+        <p:nvCxnSpPr>
+          <p:cNvPr id="36" name="直線矢印コネクタ 35">
+            <a:extLst>
+              <a:ext uri="{FF2B5EF4-FFF2-40B4-BE49-F238E27FC236}">
+                <a16:creationId xmlns:a16="http://schemas.microsoft.com/office/drawing/2014/main" id="{CE3A4EDA-2AFC-B343-8770-18EEC68A055A}"/>
+              </a:ext>
+            </a:extLst>
+          </p:cNvPr>
+          <p:cNvCxnSpPr>
+            <a:cxnSpLocks/>
+          </p:cNvCxnSpPr>
+          <p:nvPr/>
+        </p:nvCxnSpPr>
+        <p:spPr>
+          <a:xfrm flipV="1">
+            <a:off x="4492285" y="4781428"/>
+            <a:ext cx="290930" cy="588"/>
+          </a:xfrm>
+          <a:prstGeom prst="straightConnector1">
+            <a:avLst/>
+          </a:prstGeom>
+          <a:ln>
+            <a:tailEnd type="triangle"/>
+          </a:ln>
+        </p:spPr>
+        <p:style>
+          <a:lnRef idx="1">
+            <a:schemeClr val="accent1"/>
+          </a:lnRef>
+          <a:fillRef idx="0">
+            <a:schemeClr val="accent1"/>
+          </a:fillRef>
+          <a:effectRef idx="0">
+            <a:schemeClr val="accent1"/>
+          </a:effectRef>
+          <a:fontRef idx="minor">
+            <a:schemeClr val="tx1"/>
+          </a:fontRef>
+        </p:style>
+      </p:cxnSp>
+      <p:cxnSp>
+        <p:nvCxnSpPr>
+          <p:cNvPr id="37" name="直線矢印コネクタ 36">
+            <a:extLst>
+              <a:ext uri="{FF2B5EF4-FFF2-40B4-BE49-F238E27FC236}">
+                <a16:creationId xmlns:a16="http://schemas.microsoft.com/office/drawing/2014/main" id="{AE51EE4D-08E0-F048-8B03-EA1F5B1E2225}"/>
+              </a:ext>
+            </a:extLst>
+          </p:cNvPr>
+          <p:cNvCxnSpPr>
+            <a:cxnSpLocks/>
+          </p:cNvCxnSpPr>
+          <p:nvPr/>
+        </p:nvCxnSpPr>
+        <p:spPr>
+          <a:xfrm flipV="1">
+            <a:off x="5355507" y="4773250"/>
+            <a:ext cx="290930" cy="588"/>
+          </a:xfrm>
+          <a:prstGeom prst="straightConnector1">
+            <a:avLst/>
+          </a:prstGeom>
+          <a:ln>
+            <a:tailEnd type="triangle"/>
+          </a:ln>
+        </p:spPr>
+        <p:style>
+          <a:lnRef idx="1">
+            <a:schemeClr val="accent1"/>
+          </a:lnRef>
+          <a:fillRef idx="0">
+            <a:schemeClr val="accent1"/>
+          </a:fillRef>
+          <a:effectRef idx="0">
+            <a:schemeClr val="accent1"/>
+          </a:effectRef>
+          <a:fontRef idx="minor">
+            <a:schemeClr val="tx1"/>
+          </a:fontRef>
+        </p:style>
+      </p:cxnSp>
     </p:spTree>
     <p:extLst>
       <p:ext uri="{BB962C8B-B14F-4D97-AF65-F5344CB8AC3E}">
@@ -10143,8 +11512,8 @@
           </a:p>
         </p:txBody>
       </p:sp>
-      <mc:AlternateContent xmlns:mc="http://schemas.openxmlformats.org/markup-compatibility/2006" xmlns:a14="http://schemas.microsoft.com/office/drawing/2010/main">
-        <mc:Choice Requires="a14">
+      <mc:AlternateContent xmlns:mc="http://schemas.openxmlformats.org/markup-compatibility/2006">
+        <mc:Choice xmlns:a14="http://schemas.microsoft.com/office/drawing/2010/main" Requires="a14">
           <p:sp>
             <p:nvSpPr>
               <p:cNvPr id="3" name="コンテンツ プレースホルダー 2">
@@ -10161,7 +11530,12 @@
                 <p:ph idx="1"/>
               </p:nvPr>
             </p:nvSpPr>
-            <p:spPr/>
+            <p:spPr>
+              <a:xfrm>
+                <a:off x="1128684" y="2167385"/>
+                <a:ext cx="6848668" cy="3288635"/>
+              </a:xfrm>
+            </p:spPr>
             <p:txBody>
               <a:bodyPr>
                 <a:normAutofit/>
@@ -10224,7 +11598,7 @@
               <a:p>
                 <a:r>
                   <a:rPr lang="ja-JP" altLang="en-US"/>
-                  <a:t>先行研究は挿入近傍の探索回数が</a:t>
+                  <a:t>先行研究はルート間の挿入近傍の探索回数が</a:t>
                 </a:r>
                 <a14:m>
                   <m:oMath xmlns:m="http://schemas.openxmlformats.org/officeDocument/2006/math">
@@ -10264,7 +11638,7 @@
             </p:txBody>
           </p:sp>
         </mc:Choice>
-        <mc:Fallback xmlns="">
+        <mc:Fallback>
           <p:sp>
             <p:nvSpPr>
               <p:cNvPr id="3" name="コンテンツ プレースホルダー 2">
@@ -10282,10 +11656,14 @@
               </p:nvPr>
             </p:nvSpPr>
             <p:spPr>
+              <a:xfrm>
+                <a:off x="1128684" y="2167385"/>
+                <a:ext cx="6848668" cy="3288635"/>
+              </a:xfrm>
               <a:blipFill>
                 <a:blip r:embed="rId2"/>
                 <a:stretch>
-                  <a:fillRect l="-772"/>
+                  <a:fillRect l="-741"/>
                 </a:stretch>
               </a:blipFill>
             </p:spPr>
@@ -10438,7 +11816,7 @@
           <p:nvPr>
             <p:extLst>
               <p:ext uri="{D42A27DB-BD31-4B8C-83A1-F6EECF244321}">
-                <p14:modId xmlns:p14="http://schemas.microsoft.com/office/powerpoint/2010/main" val="4273623560"/>
+                <p14:modId xmlns:p14="http://schemas.microsoft.com/office/powerpoint/2010/main" val="859146484"/>
               </p:ext>
             </p:extLst>
           </p:nvPr>
@@ -10496,21 +11874,21 @@
                     </a:ext>
                   </a:extLst>
                 </a:gridCol>
-                <a:gridCol w="1499041">
+                <a:gridCol w="1383271">
                   <a:extLst>
                     <a:ext uri="{9D8B030D-6E8A-4147-A177-3AD203B41FA5}">
                       <a16:colId xmlns:a16="http://schemas.microsoft.com/office/drawing/2014/main" val="4233022040"/>
                     </a:ext>
                   </a:extLst>
                 </a:gridCol>
-                <a:gridCol w="816647">
+                <a:gridCol w="767255">
                   <a:extLst>
                     <a:ext uri="{9D8B030D-6E8A-4147-A177-3AD203B41FA5}">
                       <a16:colId xmlns:a16="http://schemas.microsoft.com/office/drawing/2014/main" val="4036047598"/>
                     </a:ext>
                   </a:extLst>
                 </a:gridCol>
-                <a:gridCol w="1116280">
+                <a:gridCol w="1281442">
                   <a:extLst>
                     <a:ext uri="{9D8B030D-6E8A-4147-A177-3AD203B41FA5}">
                       <a16:colId xmlns:a16="http://schemas.microsoft.com/office/drawing/2014/main" val="1447902104"/>
@@ -14420,8 +15798,8 @@
         </p:nvSpPr>
         <p:spPr>
           <a:xfrm>
-            <a:off x="1128683" y="1836964"/>
-            <a:ext cx="7302798" cy="4041321"/>
+            <a:off x="1128684" y="1326325"/>
+            <a:ext cx="7302798" cy="4492584"/>
           </a:xfrm>
         </p:spPr>
         <p:txBody>
@@ -14436,52 +15814,55 @@
             <a:endParaRPr kumimoji="1" lang="en-US" altLang="ja-JP" dirty="0"/>
           </a:p>
           <a:p>
-            <a:r>
-              <a:rPr lang="ja-JP" altLang="en-US" sz="2200"/>
-              <a:t>利用者が場所や時間を指定する</a:t>
-            </a:r>
-            <a:endParaRPr lang="en-US" altLang="ja-JP" sz="2200" dirty="0"/>
-          </a:p>
-          <a:p>
-            <a:r>
-              <a:rPr lang="ja-JP" altLang="en-US" sz="2200"/>
-              <a:t>複数の利用者が相乗りする</a:t>
-            </a:r>
-            <a:endParaRPr lang="en-US" altLang="ja-JP" sz="2200" dirty="0"/>
-          </a:p>
-          <a:p>
             <a:pPr marL="0" indent="0">
               <a:buNone/>
             </a:pPr>
-            <a:endParaRPr kumimoji="1" lang="en-US" altLang="ja-JP" sz="2200" dirty="0"/>
+            <a:endParaRPr lang="en-US" altLang="ja-JP" dirty="0"/>
+          </a:p>
+          <a:p>
+            <a:r>
+              <a:rPr lang="ja-JP" altLang="en-US"/>
+              <a:t>利用者が場所や時間を指定する</a:t>
+            </a:r>
+            <a:endParaRPr lang="en-US" altLang="ja-JP" dirty="0"/>
+          </a:p>
+          <a:p>
+            <a:r>
+              <a:rPr lang="ja-JP" altLang="en-US"/>
+              <a:t>複数の利用者が相乗りする</a:t>
+            </a:r>
+            <a:endParaRPr lang="en-US" altLang="ja-JP" dirty="0"/>
+          </a:p>
+          <a:p>
+            <a:endParaRPr lang="en-US" altLang="ja-JP" dirty="0"/>
           </a:p>
           <a:p>
             <a:pPr marL="0" indent="0">
               <a:buNone/>
             </a:pPr>
             <a:r>
-              <a:rPr lang="ja-JP" altLang="en-US" sz="2200"/>
+              <a:rPr lang="ja-JP" altLang="en-US"/>
               <a:t>近年、これらの特徴を持つ乗合タクシーやヘルスケアサービスの送迎などの需要が増加</a:t>
             </a:r>
-            <a:endParaRPr lang="en-US" altLang="ja-JP" sz="2200" dirty="0"/>
+            <a:endParaRPr lang="en-US" altLang="ja-JP" dirty="0"/>
           </a:p>
           <a:p>
             <a:pPr marL="0" indent="0">
               <a:buNone/>
             </a:pPr>
             <a:r>
-              <a:rPr lang="ja-JP" altLang="en-US" sz="2200"/>
+              <a:rPr lang="ja-JP" altLang="en-US"/>
               <a:t>→</a:t>
             </a:r>
             <a:r>
-              <a:rPr lang="en-US" altLang="ja-JP" sz="2200" dirty="0"/>
+              <a:rPr lang="en-US" altLang="ja-JP" dirty="0"/>
               <a:t> </a:t>
             </a:r>
             <a:r>
-              <a:rPr lang="ja-JP" altLang="en-US" sz="2200"/>
+              <a:rPr lang="ja-JP" altLang="en-US"/>
               <a:t>これらのサービスにおいて最適なルートを求めることで、効率的にサービスを提供できる</a:t>
             </a:r>
-            <a:endParaRPr lang="en-US" altLang="ja-JP" sz="2200" dirty="0"/>
+            <a:endParaRPr lang="en-US" altLang="ja-JP" dirty="0"/>
           </a:p>
           <a:p>
             <a:pPr marL="0" indent="0">
@@ -14523,6 +15904,221 @@
               <a:t>3</a:t>
             </a:fld>
             <a:endParaRPr kumimoji="1" lang="ja-JP" altLang="en-US"/>
+          </a:p>
+        </p:txBody>
+      </p:sp>
+      <p:pic>
+        <p:nvPicPr>
+          <p:cNvPr id="8" name="図 7">
+            <a:extLst>
+              <a:ext uri="{FF2B5EF4-FFF2-40B4-BE49-F238E27FC236}">
+                <a16:creationId xmlns:a16="http://schemas.microsoft.com/office/drawing/2014/main" id="{1CC8A018-E318-3C41-B8D2-EB111B9FC5FC}"/>
+              </a:ext>
+            </a:extLst>
+          </p:cNvPr>
+          <p:cNvPicPr>
+            <a:picLocks noChangeAspect="1"/>
+          </p:cNvPicPr>
+          <p:nvPr/>
+        </p:nvPicPr>
+        <p:blipFill>
+          <a:blip r:embed="rId2"/>
+          <a:stretch>
+            <a:fillRect/>
+          </a:stretch>
+        </p:blipFill>
+        <p:spPr>
+          <a:xfrm>
+            <a:off x="5306552" y="1861797"/>
+            <a:ext cx="2123029" cy="1889496"/>
+          </a:xfrm>
+          <a:prstGeom prst="rect">
+            <a:avLst/>
+          </a:prstGeom>
+        </p:spPr>
+      </p:pic>
+      <p:sp>
+        <p:nvSpPr>
+          <p:cNvPr id="10" name="円形吹き出し 9">
+            <a:extLst>
+              <a:ext uri="{FF2B5EF4-FFF2-40B4-BE49-F238E27FC236}">
+                <a16:creationId xmlns:a16="http://schemas.microsoft.com/office/drawing/2014/main" id="{3F3B59CC-E16A-C84F-B489-FB7C19819785}"/>
+              </a:ext>
+            </a:extLst>
+          </p:cNvPr>
+          <p:cNvSpPr/>
+          <p:nvPr/>
+        </p:nvSpPr>
+        <p:spPr>
+          <a:xfrm>
+            <a:off x="6674069" y="1030014"/>
+            <a:ext cx="2203207" cy="1177479"/>
+          </a:xfrm>
+          <a:prstGeom prst="wedgeEllipseCallout">
+            <a:avLst/>
+          </a:prstGeom>
+          <a:solidFill>
+            <a:schemeClr val="bg1"/>
+          </a:solidFill>
+        </p:spPr>
+        <p:style>
+          <a:lnRef idx="2">
+            <a:schemeClr val="accent1">
+              <a:shade val="50000"/>
+            </a:schemeClr>
+          </a:lnRef>
+          <a:fillRef idx="1">
+            <a:schemeClr val="accent1"/>
+          </a:fillRef>
+          <a:effectRef idx="0">
+            <a:schemeClr val="accent1"/>
+          </a:effectRef>
+          <a:fontRef idx="minor">
+            <a:schemeClr val="lt1"/>
+          </a:fontRef>
+        </p:style>
+        <p:txBody>
+          <a:bodyPr rtlCol="0" anchor="ctr"/>
+          <a:lstStyle/>
+          <a:p>
+            <a:pPr algn="ctr"/>
+            <a:endParaRPr kumimoji="1" lang="ja-JP" altLang="en-US"/>
+          </a:p>
+        </p:txBody>
+      </p:sp>
+      <p:sp>
+        <p:nvSpPr>
+          <p:cNvPr id="14" name="円形吹き出し 13">
+            <a:extLst>
+              <a:ext uri="{FF2B5EF4-FFF2-40B4-BE49-F238E27FC236}">
+                <a16:creationId xmlns:a16="http://schemas.microsoft.com/office/drawing/2014/main" id="{68DE013F-5A89-BD45-9FD6-523A5098EC86}"/>
+              </a:ext>
+            </a:extLst>
+          </p:cNvPr>
+          <p:cNvSpPr/>
+          <p:nvPr/>
+        </p:nvSpPr>
+        <p:spPr>
+          <a:xfrm flipH="1">
+            <a:off x="3668110" y="1030014"/>
+            <a:ext cx="2338409" cy="1183054"/>
+          </a:xfrm>
+          <a:prstGeom prst="wedgeEllipseCallout">
+            <a:avLst/>
+          </a:prstGeom>
+          <a:solidFill>
+            <a:schemeClr val="bg1"/>
+          </a:solidFill>
+        </p:spPr>
+        <p:style>
+          <a:lnRef idx="2">
+            <a:schemeClr val="accent1">
+              <a:shade val="50000"/>
+            </a:schemeClr>
+          </a:lnRef>
+          <a:fillRef idx="1">
+            <a:schemeClr val="accent1"/>
+          </a:fillRef>
+          <a:effectRef idx="0">
+            <a:schemeClr val="accent1"/>
+          </a:effectRef>
+          <a:fontRef idx="minor">
+            <a:schemeClr val="lt1"/>
+          </a:fontRef>
+        </p:style>
+        <p:txBody>
+          <a:bodyPr rtlCol="0" anchor="ctr"/>
+          <a:lstStyle/>
+          <a:p>
+            <a:pPr algn="ctr"/>
+            <a:endParaRPr kumimoji="1" lang="ja-JP" altLang="en-US"/>
+          </a:p>
+        </p:txBody>
+      </p:sp>
+      <p:sp>
+        <p:nvSpPr>
+          <p:cNvPr id="15" name="テキスト ボックス 14">
+            <a:extLst>
+              <a:ext uri="{FF2B5EF4-FFF2-40B4-BE49-F238E27FC236}">
+                <a16:creationId xmlns:a16="http://schemas.microsoft.com/office/drawing/2014/main" id="{37BB3F92-7504-404E-8946-9A4C4AFD49C1}"/>
+              </a:ext>
+            </a:extLst>
+          </p:cNvPr>
+          <p:cNvSpPr txBox="1"/>
+          <p:nvPr/>
+        </p:nvSpPr>
+        <p:spPr>
+          <a:xfrm>
+            <a:off x="3825092" y="1353606"/>
+            <a:ext cx="2181427" cy="584775"/>
+          </a:xfrm>
+          <a:prstGeom prst="rect">
+            <a:avLst/>
+          </a:prstGeom>
+          <a:noFill/>
+        </p:spPr>
+        <p:txBody>
+          <a:bodyPr wrap="square" rtlCol="0">
+            <a:spAutoFit/>
+          </a:bodyPr>
+          <a:lstStyle/>
+          <a:p>
+            <a:r>
+              <a:rPr kumimoji="1" lang="en-US" altLang="ja-JP" sz="1600" dirty="0"/>
+              <a:t>1</a:t>
+            </a:r>
+            <a:r>
+              <a:rPr kumimoji="1" lang="ja-JP" altLang="en-US" sz="1600"/>
+              <a:t>時に家から会社まで</a:t>
+            </a:r>
+            <a:endParaRPr kumimoji="1" lang="en-US" altLang="ja-JP" sz="1600" dirty="0"/>
+          </a:p>
+          <a:p>
+            <a:r>
+              <a:rPr lang="ja-JP" altLang="en-US" sz="1600"/>
+              <a:t>送迎してほしい</a:t>
+            </a:r>
+            <a:endParaRPr kumimoji="1" lang="ja-JP" altLang="en-US" sz="1600"/>
+          </a:p>
+        </p:txBody>
+      </p:sp>
+      <p:sp>
+        <p:nvSpPr>
+          <p:cNvPr id="16" name="テキスト ボックス 15">
+            <a:extLst>
+              <a:ext uri="{FF2B5EF4-FFF2-40B4-BE49-F238E27FC236}">
+                <a16:creationId xmlns:a16="http://schemas.microsoft.com/office/drawing/2014/main" id="{D09D6A54-9380-FB40-A8B8-9D62004BDCAD}"/>
+              </a:ext>
+            </a:extLst>
+          </p:cNvPr>
+          <p:cNvSpPr txBox="1"/>
+          <p:nvPr/>
+        </p:nvSpPr>
+        <p:spPr>
+          <a:xfrm>
+            <a:off x="6746373" y="1301674"/>
+            <a:ext cx="2058597" cy="584775"/>
+          </a:xfrm>
+          <a:prstGeom prst="rect">
+            <a:avLst/>
+          </a:prstGeom>
+          <a:noFill/>
+        </p:spPr>
+        <p:txBody>
+          <a:bodyPr wrap="square" rtlCol="0">
+            <a:spAutoFit/>
+          </a:bodyPr>
+          <a:lstStyle/>
+          <a:p>
+            <a:r>
+              <a:rPr lang="en-US" altLang="ja-JP" sz="1600" dirty="0"/>
+              <a:t>1</a:t>
+            </a:r>
+            <a:r>
+              <a:rPr lang="ja-JP" altLang="en-US" sz="1600"/>
+              <a:t>時半に大学から駅まで送迎してほしい</a:t>
+            </a:r>
+            <a:endParaRPr kumimoji="1" lang="ja-JP" altLang="en-US" sz="1600"/>
           </a:p>
         </p:txBody>
       </p:sp>

--- a/卒論発表_10分用.pptx
+++ b/卒論発表_10分用.pptx
@@ -220,7 +220,7 @@
           <a:p>
             <a:fld id="{F185D03E-571D-BA42-85BF-4D068DC12E29}" type="datetimeFigureOut">
               <a:rPr kumimoji="1" lang="ja-JP" altLang="en-US" smtClean="0"/>
-              <a:t>2020/2/7</a:t>
+              <a:t>2020/2/10</a:t>
             </a:fld>
             <a:endParaRPr kumimoji="1" lang="ja-JP" altLang="en-US"/>
           </a:p>
@@ -910,7 +910,7 @@
           <a:p>
             <a:fld id="{4022EDAD-B217-3946-A79C-481C6FEC392F}" type="datetime1">
               <a:rPr kumimoji="1" lang="ja-JP" altLang="en-US" smtClean="0"/>
-              <a:t>2020/2/7</a:t>
+              <a:t>2020/2/10</a:t>
             </a:fld>
             <a:endParaRPr kumimoji="1" lang="ja-JP" altLang="en-US"/>
           </a:p>
@@ -1138,7 +1138,7 @@
           <a:p>
             <a:fld id="{8F2CA839-3EA4-F84E-9DD3-1549C09B4DFF}" type="datetime1">
               <a:rPr kumimoji="1" lang="ja-JP" altLang="en-US" smtClean="0"/>
-              <a:t>2020/2/7</a:t>
+              <a:t>2020/2/10</a:t>
             </a:fld>
             <a:endParaRPr kumimoji="1" lang="ja-JP" altLang="en-US"/>
           </a:p>
@@ -1370,7 +1370,7 @@
           <a:p>
             <a:fld id="{0903EBEF-087E-1C4B-A394-4BF982076E9B}" type="datetime1">
               <a:rPr kumimoji="1" lang="ja-JP" altLang="en-US" smtClean="0"/>
-              <a:t>2020/2/7</a:t>
+              <a:t>2020/2/10</a:t>
             </a:fld>
             <a:endParaRPr kumimoji="1" lang="ja-JP" altLang="en-US"/>
           </a:p>
@@ -1588,7 +1588,7 @@
           <a:p>
             <a:fld id="{3CC3E3BD-DD2F-0F4C-9F7B-BD2CFE73C08E}" type="datetime1">
               <a:rPr kumimoji="1" lang="ja-JP" altLang="en-US" smtClean="0"/>
-              <a:t>2020/2/7</a:t>
+              <a:t>2020/2/10</a:t>
             </a:fld>
             <a:endParaRPr kumimoji="1" lang="ja-JP" altLang="en-US"/>
           </a:p>
@@ -1913,7 +1913,7 @@
           <a:p>
             <a:fld id="{C115CAE8-F975-9249-9A1B-F50E55793BF8}" type="datetime1">
               <a:rPr kumimoji="1" lang="ja-JP" altLang="en-US" smtClean="0"/>
-              <a:t>2020/2/7</a:t>
+              <a:t>2020/2/10</a:t>
             </a:fld>
             <a:endParaRPr kumimoji="1" lang="ja-JP" altLang="en-US"/>
           </a:p>
@@ -2206,7 +2206,7 @@
           <a:p>
             <a:fld id="{4B86C5E8-D6C8-5540-A4FD-D0987B8EBD10}" type="datetime1">
               <a:rPr kumimoji="1" lang="ja-JP" altLang="en-US" smtClean="0"/>
-              <a:t>2020/2/7</a:t>
+              <a:t>2020/2/10</a:t>
             </a:fld>
             <a:endParaRPr kumimoji="1" lang="ja-JP" altLang="en-US"/>
           </a:p>
@@ -2721,7 +2721,7 @@
           <a:p>
             <a:fld id="{6FA0929B-742B-B141-B071-CCB3728A9B97}" type="datetime1">
               <a:rPr kumimoji="1" lang="ja-JP" altLang="en-US" smtClean="0"/>
-              <a:t>2020/2/7</a:t>
+              <a:t>2020/2/10</a:t>
             </a:fld>
             <a:endParaRPr kumimoji="1" lang="ja-JP" altLang="en-US"/>
           </a:p>
@@ -2879,7 +2879,7 @@
           <a:p>
             <a:fld id="{6E24F31F-B5AD-3641-8587-346597BEC0BE}" type="datetime1">
               <a:rPr kumimoji="1" lang="ja-JP" altLang="en-US" smtClean="0"/>
-              <a:t>2020/2/7</a:t>
+              <a:t>2020/2/10</a:t>
             </a:fld>
             <a:endParaRPr kumimoji="1" lang="ja-JP" altLang="en-US"/>
           </a:p>
@@ -3014,7 +3014,7 @@
           <a:p>
             <a:fld id="{BE99A350-A1B1-1E45-BB25-3DF64E2FB64C}" type="datetime1">
               <a:rPr kumimoji="1" lang="ja-JP" altLang="en-US" smtClean="0"/>
-              <a:t>2020/2/7</a:t>
+              <a:t>2020/2/10</a:t>
             </a:fld>
             <a:endParaRPr kumimoji="1" lang="ja-JP" altLang="en-US"/>
           </a:p>
@@ -3312,7 +3312,7 @@
           <a:p>
             <a:fld id="{B66F413D-3751-BA4F-95FD-B012FBB5AC38}" type="datetime1">
               <a:rPr kumimoji="1" lang="ja-JP" altLang="en-US" smtClean="0"/>
-              <a:t>2020/2/7</a:t>
+              <a:t>2020/2/10</a:t>
             </a:fld>
             <a:endParaRPr kumimoji="1" lang="ja-JP" altLang="en-US"/>
           </a:p>
@@ -3809,7 +3809,7 @@
           <a:p>
             <a:fld id="{3F034A29-2760-CE48-9EAD-37F6D8A2ED9E}" type="datetime1">
               <a:rPr kumimoji="1" lang="ja-JP" altLang="en-US" smtClean="0"/>
-              <a:t>2020/2/7</a:t>
+              <a:t>2020/2/10</a:t>
             </a:fld>
             <a:endParaRPr kumimoji="1" lang="ja-JP" altLang="en-US"/>
           </a:p>
@@ -4190,7 +4190,7 @@
           <a:p>
             <a:fld id="{4BD725EE-9545-E84A-BF76-93ECAC915F52}" type="datetime1">
               <a:rPr kumimoji="1" lang="ja-JP" altLang="en-US" smtClean="0"/>
-              <a:t>2020/2/7</a:t>
+              <a:t>2020/2/10</a:t>
             </a:fld>
             <a:endParaRPr kumimoji="1" lang="ja-JP" altLang="en-US"/>
           </a:p>
@@ -4829,7 +4829,7 @@
         <p:spPr/>
         <p:txBody>
           <a:bodyPr>
-            <a:normAutofit fontScale="77500" lnSpcReduction="20000"/>
+            <a:normAutofit fontScale="70000" lnSpcReduction="20000"/>
           </a:bodyPr>
           <a:lstStyle/>
           <a:p>
@@ -4874,6 +4874,13 @@
             <a:r>
               <a:rPr lang="ja-JP" altLang="en-US" sz="2600"/>
               <a:t>リクエストの訪問順</a:t>
+            </a:r>
+            <a:endParaRPr lang="en-US" altLang="ja-JP" sz="2600" dirty="0"/>
+          </a:p>
+          <a:p>
+            <a:r>
+              <a:rPr lang="ja-JP" altLang="en-US" sz="2600"/>
+              <a:t>同じ車両がリクエストのペアをこなす</a:t>
             </a:r>
             <a:endParaRPr lang="en-US" altLang="ja-JP" sz="2600" dirty="0"/>
           </a:p>
@@ -11512,8 +11519,8 @@
           </a:p>
         </p:txBody>
       </p:sp>
-      <mc:AlternateContent xmlns:mc="http://schemas.openxmlformats.org/markup-compatibility/2006">
-        <mc:Choice xmlns:a14="http://schemas.microsoft.com/office/drawing/2010/main" Requires="a14">
+      <mc:AlternateContent xmlns:mc="http://schemas.openxmlformats.org/markup-compatibility/2006" xmlns:a14="http://schemas.microsoft.com/office/drawing/2010/main">
+        <mc:Choice Requires="a14">
           <p:sp>
             <p:nvSpPr>
               <p:cNvPr id="3" name="コンテンツ プレースホルダー 2">
@@ -11638,7 +11645,7 @@
             </p:txBody>
           </p:sp>
         </mc:Choice>
-        <mc:Fallback>
+        <mc:Fallback xmlns="">
           <p:sp>
             <p:nvSpPr>
               <p:cNvPr id="3" name="コンテンツ プレースホルダー 2">
@@ -13813,8 +13820,8 @@
         </p:nvSpPr>
         <p:spPr>
           <a:xfrm>
-            <a:off x="645822" y="1654802"/>
-            <a:ext cx="8046915" cy="4817250"/>
+            <a:off x="225631" y="1571675"/>
+            <a:ext cx="8752114" cy="4817250"/>
           </a:xfrm>
         </p:spPr>
         <p:txBody>
@@ -13825,7 +13832,7 @@
           <a:p>
             <a:r>
               <a:rPr lang="ja-JP" altLang="en-US" sz="3200"/>
-              <a:t>実社会のサービスで車両数を減らすことは、コストの削減に大きくつながる。</a:t>
+              <a:t>実社会のサービスで車両数を減らすことは、コストの削減に大きく　　つながる。</a:t>
             </a:r>
             <a:endParaRPr lang="en-US" altLang="ja-JP" sz="3200" dirty="0"/>
           </a:p>
@@ -13893,7 +13900,7 @@
           <a:p>
             <a:r>
               <a:rPr lang="ja-JP" altLang="en-US" sz="3200"/>
-              <a:t>いくつかのインスタンスでは車両を減らすことでルートが改善した。</a:t>
+              <a:t>いくつかのインスタンスは車両を減らすことでルートの長さが改善した。</a:t>
             </a:r>
             <a:endParaRPr lang="en-US" altLang="ja-JP" sz="3200" dirty="0"/>
           </a:p>
@@ -16050,7 +16057,7 @@
         <p:spPr>
           <a:xfrm>
             <a:off x="3825092" y="1353606"/>
-            <a:ext cx="2181427" cy="584775"/>
+            <a:ext cx="2253731" cy="584775"/>
           </a:xfrm>
           <a:prstGeom prst="rect">
             <a:avLst/>
@@ -16069,11 +16076,15 @@
             </a:r>
             <a:r>
               <a:rPr kumimoji="1" lang="ja-JP" altLang="en-US" sz="1600"/>
-              <a:t>時に家から会社まで</a:t>
+              <a:t>時頃に家から会社</a:t>
             </a:r>
             <a:endParaRPr kumimoji="1" lang="en-US" altLang="ja-JP" sz="1600" dirty="0"/>
           </a:p>
           <a:p>
+            <a:r>
+              <a:rPr kumimoji="1" lang="ja-JP" altLang="en-US" sz="1600"/>
+              <a:t>まで</a:t>
+            </a:r>
             <a:r>
               <a:rPr lang="ja-JP" altLang="en-US" sz="1600"/>
               <a:t>送迎してほしい</a:t>
@@ -16097,7 +16108,7 @@
         <p:spPr>
           <a:xfrm>
             <a:off x="6746373" y="1301674"/>
-            <a:ext cx="2058597" cy="584775"/>
+            <a:ext cx="2164668" cy="584775"/>
           </a:xfrm>
           <a:prstGeom prst="rect">
             <a:avLst/>
@@ -16116,7 +16127,7 @@
             </a:r>
             <a:r>
               <a:rPr lang="ja-JP" altLang="en-US" sz="1600"/>
-              <a:t>時半に大学から駅まで送迎してほしい</a:t>
+              <a:t>時半頃に大学から駅まで送迎してほしい</a:t>
             </a:r>
             <a:endParaRPr kumimoji="1" lang="ja-JP" altLang="en-US" sz="1600"/>
           </a:p>
@@ -16284,7 +16295,7 @@
           <a:p>
             <a:r>
               <a:rPr lang="ja-JP" altLang="en-US" sz="3600"/>
-              <a:t>リクエストのペアである出発点と到着点は、同じ車両が訪問する。</a:t>
+              <a:t>リクエストのペアである集荷点と配達点は、同じ車両が訪問する。</a:t>
             </a:r>
             <a:endParaRPr lang="en-US" altLang="ja-JP" sz="3600" dirty="0"/>
           </a:p>
@@ -16692,19 +16703,21 @@
             </a:r>
             <a:r>
               <a:rPr kumimoji="1" lang="ja-JP" altLang="en-US" sz="2600" dirty="0"/>
-              <a:t>を以下のような連続区分線形凸関数のペナルティ</a:t>
+              <a:t>を以下のような連続区分線形凸</a:t>
             </a:r>
             <a:r>
               <a:rPr kumimoji="1" lang="ja-JP" altLang="en-US" sz="2600"/>
-              <a:t>関数で</a:t>
-            </a:r>
-            <a:r>
-              <a:rPr lang="en-US" altLang="ja-JP" sz="2600" dirty="0"/>
-              <a:t> </a:t>
-            </a:r>
+              <a:t>関数の</a:t>
+            </a:r>
+            <a:endParaRPr kumimoji="1" lang="en-US" altLang="ja-JP" sz="2600" dirty="0"/>
+          </a:p>
+          <a:p>
+            <a:pPr marL="0" indent="0">
+              <a:buNone/>
+            </a:pPr>
             <a:r>
               <a:rPr kumimoji="1" lang="ja-JP" altLang="en-US" sz="2600"/>
-              <a:t>与える</a:t>
+              <a:t>ペナルティ関数で与える</a:t>
             </a:r>
             <a:r>
               <a:rPr kumimoji="1" lang="ja-JP" altLang="en-US" sz="2600" dirty="0"/>
@@ -17216,8 +17229,8 @@
           </a:p>
         </p:txBody>
       </p:sp>
-      <mc:AlternateContent xmlns:mc="http://schemas.openxmlformats.org/markup-compatibility/2006" xmlns:a14="http://schemas.microsoft.com/office/drawing/2010/main">
-        <mc:Choice Requires="a14">
+      <mc:AlternateContent xmlns:mc="http://schemas.openxmlformats.org/markup-compatibility/2006">
+        <mc:Choice xmlns:a14="http://schemas.microsoft.com/office/drawing/2010/main" Requires="a14">
           <p:sp>
             <p:nvSpPr>
               <p:cNvPr id="3" name="コンテンツ プレースホルダー 2">
@@ -17948,6 +17961,42 @@
                                 <m:t>時刻</m:t>
                               </m:r>
                               <m:r>
+                                <a:rPr lang="en-US" altLang="ja-JP" sz="2600" b="0" i="1" dirty="0" smtClean="0">
+                                  <a:latin typeface="Cambria Math" panose="02040503050406030204" pitchFamily="18" charset="0"/>
+                                </a:rPr>
+                                <m:t>,</m:t>
+                              </m:r>
+                              <m:r>
+                                <a:rPr lang="en-US" altLang="ja-JP" sz="2600" b="0" i="1" dirty="0" smtClean="0">
+                                  <a:latin typeface="Cambria Math" panose="02040503050406030204" pitchFamily="18" charset="0"/>
+                                </a:rPr>
+                                <m:t>𝑛</m:t>
+                              </m:r>
+                              <m:r>
+                                <a:rPr lang="ja-JP" altLang="en-US" sz="2600" i="1" dirty="0">
+                                  <a:latin typeface="Cambria Math" panose="02040503050406030204" pitchFamily="18" charset="0"/>
+                                </a:rPr>
+                                <m:t>は</m:t>
+                              </m:r>
+                              <m:r>
+                                <a:rPr lang="ja-JP" altLang="en-US" sz="2600" i="1" dirty="0" smtClean="0">
+                                  <a:latin typeface="Cambria Math" panose="02040503050406030204" pitchFamily="18" charset="0"/>
+                                </a:rPr>
+                                <m:t>ユーザ</m:t>
+                              </m:r>
+                              <m:r>
+                                <a:rPr lang="ja-JP" altLang="en-US" sz="2600" i="1" dirty="0">
+                                  <a:latin typeface="Cambria Math" panose="02040503050406030204" pitchFamily="18" charset="0"/>
+                                </a:rPr>
+                                <m:t>の</m:t>
+                              </m:r>
+                              <m:r>
+                                <a:rPr lang="ja-JP" altLang="en-US" sz="2600" i="1" dirty="0" smtClean="0">
+                                  <a:latin typeface="Cambria Math" panose="02040503050406030204" pitchFamily="18" charset="0"/>
+                                </a:rPr>
+                                <m:t>数</m:t>
+                              </m:r>
+                              <m:r>
                                 <a:rPr lang="en-US" altLang="ja-JP" sz="2600" i="1" dirty="0" smtClean="0">
                                   <a:latin typeface="Cambria Math" panose="02040503050406030204" pitchFamily="18" charset="0"/>
                                 </a:rPr>
@@ -18254,7 +18303,7 @@
             </p:txBody>
           </p:sp>
         </mc:Choice>
-        <mc:Fallback xmlns="">
+        <mc:Fallback>
           <p:sp>
             <p:nvSpPr>
               <p:cNvPr id="3" name="コンテンツ プレースホルダー 2">

--- a/卒論発表_10分用.pptx
+++ b/卒論発表_10分用.pptx
@@ -220,7 +220,7 @@
           <a:p>
             <a:fld id="{F185D03E-571D-BA42-85BF-4D068DC12E29}" type="datetimeFigureOut">
               <a:rPr kumimoji="1" lang="ja-JP" altLang="en-US" smtClean="0"/>
-              <a:t>2020/2/10</a:t>
+              <a:t>2020/2/11</a:t>
             </a:fld>
             <a:endParaRPr kumimoji="1" lang="ja-JP" altLang="en-US"/>
           </a:p>
@@ -910,7 +910,7 @@
           <a:p>
             <a:fld id="{4022EDAD-B217-3946-A79C-481C6FEC392F}" type="datetime1">
               <a:rPr kumimoji="1" lang="ja-JP" altLang="en-US" smtClean="0"/>
-              <a:t>2020/2/10</a:t>
+              <a:t>2020/2/11</a:t>
             </a:fld>
             <a:endParaRPr kumimoji="1" lang="ja-JP" altLang="en-US"/>
           </a:p>
@@ -1138,7 +1138,7 @@
           <a:p>
             <a:fld id="{8F2CA839-3EA4-F84E-9DD3-1549C09B4DFF}" type="datetime1">
               <a:rPr kumimoji="1" lang="ja-JP" altLang="en-US" smtClean="0"/>
-              <a:t>2020/2/10</a:t>
+              <a:t>2020/2/11</a:t>
             </a:fld>
             <a:endParaRPr kumimoji="1" lang="ja-JP" altLang="en-US"/>
           </a:p>
@@ -1370,7 +1370,7 @@
           <a:p>
             <a:fld id="{0903EBEF-087E-1C4B-A394-4BF982076E9B}" type="datetime1">
               <a:rPr kumimoji="1" lang="ja-JP" altLang="en-US" smtClean="0"/>
-              <a:t>2020/2/10</a:t>
+              <a:t>2020/2/11</a:t>
             </a:fld>
             <a:endParaRPr kumimoji="1" lang="ja-JP" altLang="en-US"/>
           </a:p>
@@ -1588,7 +1588,7 @@
           <a:p>
             <a:fld id="{3CC3E3BD-DD2F-0F4C-9F7B-BD2CFE73C08E}" type="datetime1">
               <a:rPr kumimoji="1" lang="ja-JP" altLang="en-US" smtClean="0"/>
-              <a:t>2020/2/10</a:t>
+              <a:t>2020/2/11</a:t>
             </a:fld>
             <a:endParaRPr kumimoji="1" lang="ja-JP" altLang="en-US"/>
           </a:p>
@@ -1913,7 +1913,7 @@
           <a:p>
             <a:fld id="{C115CAE8-F975-9249-9A1B-F50E55793BF8}" type="datetime1">
               <a:rPr kumimoji="1" lang="ja-JP" altLang="en-US" smtClean="0"/>
-              <a:t>2020/2/10</a:t>
+              <a:t>2020/2/11</a:t>
             </a:fld>
             <a:endParaRPr kumimoji="1" lang="ja-JP" altLang="en-US"/>
           </a:p>
@@ -2206,7 +2206,7 @@
           <a:p>
             <a:fld id="{4B86C5E8-D6C8-5540-A4FD-D0987B8EBD10}" type="datetime1">
               <a:rPr kumimoji="1" lang="ja-JP" altLang="en-US" smtClean="0"/>
-              <a:t>2020/2/10</a:t>
+              <a:t>2020/2/11</a:t>
             </a:fld>
             <a:endParaRPr kumimoji="1" lang="ja-JP" altLang="en-US"/>
           </a:p>
@@ -2721,7 +2721,7 @@
           <a:p>
             <a:fld id="{6FA0929B-742B-B141-B071-CCB3728A9B97}" type="datetime1">
               <a:rPr kumimoji="1" lang="ja-JP" altLang="en-US" smtClean="0"/>
-              <a:t>2020/2/10</a:t>
+              <a:t>2020/2/11</a:t>
             </a:fld>
             <a:endParaRPr kumimoji="1" lang="ja-JP" altLang="en-US"/>
           </a:p>
@@ -2879,7 +2879,7 @@
           <a:p>
             <a:fld id="{6E24F31F-B5AD-3641-8587-346597BEC0BE}" type="datetime1">
               <a:rPr kumimoji="1" lang="ja-JP" altLang="en-US" smtClean="0"/>
-              <a:t>2020/2/10</a:t>
+              <a:t>2020/2/11</a:t>
             </a:fld>
             <a:endParaRPr kumimoji="1" lang="ja-JP" altLang="en-US"/>
           </a:p>
@@ -3014,7 +3014,7 @@
           <a:p>
             <a:fld id="{BE99A350-A1B1-1E45-BB25-3DF64E2FB64C}" type="datetime1">
               <a:rPr kumimoji="1" lang="ja-JP" altLang="en-US" smtClean="0"/>
-              <a:t>2020/2/10</a:t>
+              <a:t>2020/2/11</a:t>
             </a:fld>
             <a:endParaRPr kumimoji="1" lang="ja-JP" altLang="en-US"/>
           </a:p>
@@ -3312,7 +3312,7 @@
           <a:p>
             <a:fld id="{B66F413D-3751-BA4F-95FD-B012FBB5AC38}" type="datetime1">
               <a:rPr kumimoji="1" lang="ja-JP" altLang="en-US" smtClean="0"/>
-              <a:t>2020/2/10</a:t>
+              <a:t>2020/2/11</a:t>
             </a:fld>
             <a:endParaRPr kumimoji="1" lang="ja-JP" altLang="en-US"/>
           </a:p>
@@ -3809,7 +3809,7 @@
           <a:p>
             <a:fld id="{3F034A29-2760-CE48-9EAD-37F6D8A2ED9E}" type="datetime1">
               <a:rPr kumimoji="1" lang="ja-JP" altLang="en-US" smtClean="0"/>
-              <a:t>2020/2/10</a:t>
+              <a:t>2020/2/11</a:t>
             </a:fld>
             <a:endParaRPr kumimoji="1" lang="ja-JP" altLang="en-US"/>
           </a:p>
@@ -4190,7 +4190,7 @@
           <a:p>
             <a:fld id="{4BD725EE-9545-E84A-BF76-93ECAC915F52}" type="datetime1">
               <a:rPr kumimoji="1" lang="ja-JP" altLang="en-US" smtClean="0"/>
-              <a:t>2020/2/10</a:t>
+              <a:t>2020/2/11</a:t>
             </a:fld>
             <a:endParaRPr kumimoji="1" lang="ja-JP" altLang="en-US"/>
           </a:p>
@@ -4826,10 +4826,15 @@
             <p:ph idx="1"/>
           </p:nvPr>
         </p:nvSpPr>
-        <p:spPr/>
+        <p:spPr>
+          <a:xfrm>
+            <a:off x="985652" y="1710047"/>
+            <a:ext cx="7315200" cy="3883231"/>
+          </a:xfrm>
+        </p:spPr>
         <p:txBody>
           <a:bodyPr>
-            <a:normAutofit fontScale="70000" lnSpcReduction="20000"/>
+            <a:normAutofit fontScale="85000" lnSpcReduction="10000"/>
           </a:bodyPr>
           <a:lstStyle/>
           <a:p>
@@ -10125,8 +10130,8 @@
         </p:nvSpPr>
         <p:spPr>
           <a:xfrm>
-            <a:off x="813127" y="2005407"/>
-            <a:ext cx="7202456" cy="2673011"/>
+            <a:off x="789376" y="1791650"/>
+            <a:ext cx="7891485" cy="3967881"/>
           </a:xfrm>
         </p:spPr>
         <p:txBody>
@@ -10184,7 +10189,17 @@
             </a:r>
             <a:r>
               <a:rPr lang="ja-JP" altLang="en-US"/>
-              <a:t>つのルートからリクエストペアを選んで、他のルートのリクエストペアと交換</a:t>
+              <a:t>つのルートからリクエストペアを選んで、他のルートの</a:t>
+            </a:r>
+            <a:endParaRPr lang="en-US" altLang="ja-JP" dirty="0"/>
+          </a:p>
+          <a:p>
+            <a:pPr marL="0" indent="0">
+              <a:buNone/>
+            </a:pPr>
+            <a:r>
+              <a:rPr lang="ja-JP" altLang="en-US"/>
+              <a:t>　リクエストペアと交換</a:t>
             </a:r>
             <a:endParaRPr lang="en-US" altLang="ja-JP" dirty="0"/>
           </a:p>
@@ -13851,7 +13866,7 @@
             </a:r>
             <a:r>
               <a:rPr lang="en-US" altLang="ja-JP" sz="3200" dirty="0"/>
-              <a:t>  </a:t>
+              <a:t>            </a:t>
             </a:r>
             <a:r>
               <a:rPr lang="ja-JP" altLang="en-US" sz="3200"/>
@@ -17229,8 +17244,8 @@
           </a:p>
         </p:txBody>
       </p:sp>
-      <mc:AlternateContent xmlns:mc="http://schemas.openxmlformats.org/markup-compatibility/2006">
-        <mc:Choice xmlns:a14="http://schemas.microsoft.com/office/drawing/2010/main" Requires="a14">
+      <mc:AlternateContent xmlns:mc="http://schemas.openxmlformats.org/markup-compatibility/2006" xmlns:a14="http://schemas.microsoft.com/office/drawing/2010/main">
+        <mc:Choice Requires="a14">
           <p:sp>
             <p:nvSpPr>
               <p:cNvPr id="3" name="コンテンツ プレースホルダー 2">
@@ -18303,7 +18318,7 @@
             </p:txBody>
           </p:sp>
         </mc:Choice>
-        <mc:Fallback>
+        <mc:Fallback xmlns="">
           <p:sp>
             <p:nvSpPr>
               <p:cNvPr id="3" name="コンテンツ プレースホルダー 2">

--- a/卒論発表_10分用.pptx
+++ b/卒論発表_10分用.pptx
@@ -11534,8 +11534,8 @@
           </a:p>
         </p:txBody>
       </p:sp>
-      <mc:AlternateContent xmlns:mc="http://schemas.openxmlformats.org/markup-compatibility/2006" xmlns:a14="http://schemas.microsoft.com/office/drawing/2010/main">
-        <mc:Choice Requires="a14">
+      <mc:AlternateContent xmlns:mc="http://schemas.openxmlformats.org/markup-compatibility/2006">
+        <mc:Choice xmlns:a14="http://schemas.microsoft.com/office/drawing/2010/main" Requires="a14">
           <p:sp>
             <p:nvSpPr>
               <p:cNvPr id="3" name="コンテンツ プレースホルダー 2">
@@ -11576,6 +11576,25 @@
               </a:p>
               <a:p>
                 <a:r>
+                  <a:rPr lang="en-US" altLang="ja-JP" dirty="0" err="1"/>
+                  <a:t>Cordeau</a:t>
+                </a:r>
+                <a:r>
+                  <a:rPr lang="ja-JP" altLang="en-US"/>
+                  <a:t>ら</a:t>
+                </a:r>
+                <a:r>
+                  <a:rPr lang="en-US" altLang="ja-JP" baseline="30000" dirty="0"/>
+                  <a:t>[1]</a:t>
+                </a:r>
+                <a:r>
+                  <a:rPr lang="ja-JP" altLang="en-US"/>
+                  <a:t>の先行研究との解の精度を比較した</a:t>
+                </a:r>
+                <a:endParaRPr lang="en-US" altLang="ja-JP" dirty="0"/>
+              </a:p>
+              <a:p>
+                <a:r>
                   <a:rPr lang="ja-JP" altLang="en-US">
                     <a:latin typeface="+mn-ea"/>
                   </a:rPr>
@@ -11593,29 +11612,6 @@
                   <a:t>容量制約を満たすものを必ず出力する。</a:t>
                 </a:r>
                 <a:endParaRPr lang="en-US" altLang="ja-JP" dirty="0"/>
-              </a:p>
-              <a:p>
-                <a:r>
-                  <a:rPr lang="en-US" altLang="ja-JP" dirty="0" err="1"/>
-                  <a:t>Cordeau</a:t>
-                </a:r>
-                <a:r>
-                  <a:rPr lang="ja-JP" altLang="en-US"/>
-                  <a:t>ら</a:t>
-                </a:r>
-                <a:r>
-                  <a:rPr lang="en-US" altLang="ja-JP" baseline="30000" dirty="0"/>
-                  <a:t>[1]</a:t>
-                </a:r>
-                <a:r>
-                  <a:rPr lang="ja-JP" altLang="en-US"/>
-                  <a:t>の</a:t>
-                </a:r>
-                <a:r>
-                  <a:rPr kumimoji="1" lang="ja-JP" altLang="en-US"/>
-                  <a:t>先行研究との解の精度を比較した。</a:t>
-                </a:r>
-                <a:endParaRPr kumimoji="1" lang="en-US" altLang="ja-JP" dirty="0"/>
               </a:p>
               <a:p>
                 <a:r>
@@ -11660,7 +11656,7 @@
             </p:txBody>
           </p:sp>
         </mc:Choice>
-        <mc:Fallback xmlns="">
+        <mc:Fallback>
           <p:sp>
             <p:nvSpPr>
               <p:cNvPr id="3" name="コンテンツ プレースホルダー 2">
@@ -13835,7 +13831,7 @@
         </p:nvSpPr>
         <p:spPr>
           <a:xfrm>
-            <a:off x="225631" y="1571675"/>
+            <a:off x="510639" y="1642927"/>
             <a:ext cx="8752114" cy="4817250"/>
           </a:xfrm>
         </p:spPr>
